--- a/ppt/chenile.pptx
+++ b/ppt/chenile.pptx
@@ -10,6 +10,7 @@
     <p:sldId id="258" r:id="rId4"/>
     <p:sldId id="259" r:id="rId5"/>
     <p:sldId id="260" r:id="rId6"/>
+    <p:sldId id="261" r:id="rId7"/>
   </p:sldIdLst>
   <p:sldSz cx="12192000" cy="6858000"/>
   <p:notesSz cx="6858000" cy="9144000"/>
@@ -108,7 +109,4571 @@
       </a:defRPr>
     </a:lvl9pPr>
   </p:defaultTextStyle>
+  <p:extLst>
+    <p:ext uri="{EFAFB233-063F-42B5-8137-9DF3F51BA10A}">
+      <p15:sldGuideLst xmlns:p15="http://schemas.microsoft.com/office/powerpoint/2012/main"/>
+    </p:ext>
+  </p:extLst>
 </p:presentation>
+</file>
+
+<file path=ppt/diagrams/colors1.xml><?xml version="1.0" encoding="utf-8"?>
+<dgm:colorsDef xmlns:dgm="http://schemas.openxmlformats.org/drawingml/2006/diagram" xmlns:a="http://schemas.openxmlformats.org/drawingml/2006/main" uniqueId="urn:microsoft.com/office/officeart/2005/8/colors/accent4_5">
+  <dgm:title val=""/>
+  <dgm:desc val=""/>
+  <dgm:catLst>
+    <dgm:cat type="accent4" pri="11500"/>
+  </dgm:catLst>
+  <dgm:styleLbl name="node0">
+    <dgm:fillClrLst meth="cycle">
+      <a:schemeClr val="accent4">
+        <a:alpha val="80000"/>
+      </a:schemeClr>
+    </dgm:fillClrLst>
+    <dgm:linClrLst meth="repeat">
+      <a:schemeClr val="lt1"/>
+    </dgm:linClrLst>
+    <dgm:effectClrLst/>
+    <dgm:txLinClrLst/>
+    <dgm:txFillClrLst/>
+    <dgm:txEffectClrLst/>
+  </dgm:styleLbl>
+  <dgm:styleLbl name="node1">
+    <dgm:fillClrLst>
+      <a:schemeClr val="accent4">
+        <a:alpha val="90000"/>
+      </a:schemeClr>
+      <a:schemeClr val="accent4">
+        <a:alpha val="50000"/>
+      </a:schemeClr>
+    </dgm:fillClrLst>
+    <dgm:linClrLst meth="repeat">
+      <a:schemeClr val="lt1"/>
+    </dgm:linClrLst>
+    <dgm:effectClrLst/>
+    <dgm:txLinClrLst/>
+    <dgm:txFillClrLst/>
+    <dgm:txEffectClrLst/>
+  </dgm:styleLbl>
+  <dgm:styleLbl name="alignNode1">
+    <dgm:fillClrLst>
+      <a:schemeClr val="accent4">
+        <a:alpha val="90000"/>
+      </a:schemeClr>
+      <a:schemeClr val="accent4">
+        <a:alpha val="50000"/>
+      </a:schemeClr>
+    </dgm:fillClrLst>
+    <dgm:linClrLst>
+      <a:schemeClr val="accent4">
+        <a:alpha val="90000"/>
+      </a:schemeClr>
+      <a:schemeClr val="accent4">
+        <a:alpha val="50000"/>
+      </a:schemeClr>
+    </dgm:linClrLst>
+    <dgm:effectClrLst/>
+    <dgm:txLinClrLst/>
+    <dgm:txFillClrLst/>
+    <dgm:txEffectClrLst/>
+  </dgm:styleLbl>
+  <dgm:styleLbl name="lnNode1">
+    <dgm:fillClrLst>
+      <a:schemeClr val="accent4">
+        <a:shade val="90000"/>
+      </a:schemeClr>
+      <a:schemeClr val="accent4">
+        <a:alpha val="50000"/>
+        <a:tint val="50000"/>
+      </a:schemeClr>
+    </dgm:fillClrLst>
+    <dgm:linClrLst meth="repeat">
+      <a:schemeClr val="lt1"/>
+    </dgm:linClrLst>
+    <dgm:effectClrLst/>
+    <dgm:txLinClrLst/>
+    <dgm:txFillClrLst/>
+    <dgm:txEffectClrLst/>
+  </dgm:styleLbl>
+  <dgm:styleLbl name="vennNode1">
+    <dgm:fillClrLst>
+      <a:schemeClr val="accent4">
+        <a:shade val="80000"/>
+        <a:alpha val="50000"/>
+      </a:schemeClr>
+      <a:schemeClr val="accent4">
+        <a:alpha val="80000"/>
+      </a:schemeClr>
+    </dgm:fillClrLst>
+    <dgm:linClrLst meth="repeat">
+      <a:schemeClr val="lt1"/>
+    </dgm:linClrLst>
+    <dgm:effectClrLst/>
+    <dgm:txLinClrLst/>
+    <dgm:txFillClrLst/>
+    <dgm:txEffectClrLst/>
+  </dgm:styleLbl>
+  <dgm:styleLbl name="node2">
+    <dgm:fillClrLst>
+      <a:schemeClr val="accent4">
+        <a:alpha val="70000"/>
+      </a:schemeClr>
+    </dgm:fillClrLst>
+    <dgm:linClrLst meth="repeat">
+      <a:schemeClr val="lt1"/>
+    </dgm:linClrLst>
+    <dgm:effectClrLst/>
+    <dgm:txLinClrLst/>
+    <dgm:txFillClrLst/>
+    <dgm:txEffectClrLst/>
+  </dgm:styleLbl>
+  <dgm:styleLbl name="node3">
+    <dgm:fillClrLst>
+      <a:schemeClr val="accent4">
+        <a:alpha val="50000"/>
+      </a:schemeClr>
+    </dgm:fillClrLst>
+    <dgm:linClrLst meth="repeat">
+      <a:schemeClr val="lt1"/>
+    </dgm:linClrLst>
+    <dgm:effectClrLst/>
+    <dgm:txLinClrLst/>
+    <dgm:txFillClrLst/>
+    <dgm:txEffectClrLst/>
+  </dgm:styleLbl>
+  <dgm:styleLbl name="node4">
+    <dgm:fillClrLst>
+      <a:schemeClr val="accent4">
+        <a:alpha val="30000"/>
+      </a:schemeClr>
+    </dgm:fillClrLst>
+    <dgm:linClrLst meth="repeat">
+      <a:schemeClr val="lt1"/>
+    </dgm:linClrLst>
+    <dgm:effectClrLst/>
+    <dgm:txLinClrLst/>
+    <dgm:txFillClrLst/>
+    <dgm:txEffectClrLst/>
+  </dgm:styleLbl>
+  <dgm:styleLbl name="fgImgPlace1">
+    <dgm:fillClrLst>
+      <a:schemeClr val="accent4">
+        <a:tint val="50000"/>
+        <a:alpha val="90000"/>
+      </a:schemeClr>
+      <a:schemeClr val="accent4">
+        <a:tint val="20000"/>
+        <a:alpha val="50000"/>
+      </a:schemeClr>
+    </dgm:fillClrLst>
+    <dgm:linClrLst meth="repeat">
+      <a:schemeClr val="lt1"/>
+    </dgm:linClrLst>
+    <dgm:effectClrLst/>
+    <dgm:txLinClrLst/>
+    <dgm:txFillClrLst meth="repeat">
+      <a:schemeClr val="lt1"/>
+    </dgm:txFillClrLst>
+    <dgm:txEffectClrLst/>
+  </dgm:styleLbl>
+  <dgm:styleLbl name="alignImgPlace1">
+    <dgm:fillClrLst>
+      <a:schemeClr val="accent4">
+        <a:tint val="50000"/>
+      </a:schemeClr>
+      <a:schemeClr val="accent4">
+        <a:tint val="20000"/>
+      </a:schemeClr>
+    </dgm:fillClrLst>
+    <dgm:linClrLst meth="repeat">
+      <a:schemeClr val="lt1"/>
+    </dgm:linClrLst>
+    <dgm:effectClrLst/>
+    <dgm:txLinClrLst/>
+    <dgm:txFillClrLst meth="repeat">
+      <a:schemeClr val="lt1"/>
+    </dgm:txFillClrLst>
+    <dgm:txEffectClrLst/>
+  </dgm:styleLbl>
+  <dgm:styleLbl name="bgImgPlace1">
+    <dgm:fillClrLst>
+      <a:schemeClr val="accent4">
+        <a:tint val="50000"/>
+      </a:schemeClr>
+      <a:schemeClr val="accent4">
+        <a:tint val="20000"/>
+      </a:schemeClr>
+    </dgm:fillClrLst>
+    <dgm:linClrLst meth="repeat">
+      <a:schemeClr val="lt1"/>
+    </dgm:linClrLst>
+    <dgm:effectClrLst/>
+    <dgm:txLinClrLst/>
+    <dgm:txFillClrLst meth="repeat">
+      <a:schemeClr val="lt1"/>
+    </dgm:txFillClrLst>
+    <dgm:txEffectClrLst/>
+  </dgm:styleLbl>
+  <dgm:styleLbl name="sibTrans2D1">
+    <dgm:fillClrLst>
+      <a:schemeClr val="accent4">
+        <a:shade val="90000"/>
+      </a:schemeClr>
+      <a:schemeClr val="accent4">
+        <a:tint val="50000"/>
+      </a:schemeClr>
+    </dgm:fillClrLst>
+    <dgm:linClrLst>
+      <a:schemeClr val="accent4">
+        <a:shade val="90000"/>
+      </a:schemeClr>
+      <a:schemeClr val="accent4">
+        <a:tint val="50000"/>
+      </a:schemeClr>
+    </dgm:linClrLst>
+    <dgm:effectClrLst/>
+    <dgm:txLinClrLst/>
+    <dgm:txFillClrLst/>
+    <dgm:txEffectClrLst/>
+  </dgm:styleLbl>
+  <dgm:styleLbl name="fgSibTrans2D1">
+    <dgm:fillClrLst>
+      <a:schemeClr val="accent4">
+        <a:shade val="90000"/>
+      </a:schemeClr>
+      <a:schemeClr val="accent4">
+        <a:tint val="50000"/>
+      </a:schemeClr>
+    </dgm:fillClrLst>
+    <dgm:linClrLst>
+      <a:schemeClr val="accent4">
+        <a:shade val="90000"/>
+      </a:schemeClr>
+      <a:schemeClr val="accent4">
+        <a:tint val="50000"/>
+      </a:schemeClr>
+    </dgm:linClrLst>
+    <dgm:effectClrLst/>
+    <dgm:txLinClrLst/>
+    <dgm:txFillClrLst/>
+    <dgm:txEffectClrLst/>
+  </dgm:styleLbl>
+  <dgm:styleLbl name="bgSibTrans2D1">
+    <dgm:fillClrLst>
+      <a:schemeClr val="accent4">
+        <a:shade val="90000"/>
+      </a:schemeClr>
+      <a:schemeClr val="accent4">
+        <a:tint val="50000"/>
+      </a:schemeClr>
+    </dgm:fillClrLst>
+    <dgm:linClrLst>
+      <a:schemeClr val="accent4">
+        <a:shade val="90000"/>
+      </a:schemeClr>
+      <a:schemeClr val="accent4">
+        <a:tint val="50000"/>
+      </a:schemeClr>
+    </dgm:linClrLst>
+    <dgm:effectClrLst/>
+    <dgm:txLinClrLst/>
+    <dgm:txFillClrLst/>
+    <dgm:txEffectClrLst/>
+  </dgm:styleLbl>
+  <dgm:styleLbl name="sibTrans1D1">
+    <dgm:fillClrLst>
+      <a:schemeClr val="accent4">
+        <a:shade val="90000"/>
+      </a:schemeClr>
+      <a:schemeClr val="accent4">
+        <a:tint val="50000"/>
+      </a:schemeClr>
+    </dgm:fillClrLst>
+    <dgm:linClrLst>
+      <a:schemeClr val="accent4">
+        <a:shade val="90000"/>
+      </a:schemeClr>
+      <a:schemeClr val="accent4">
+        <a:tint val="50000"/>
+      </a:schemeClr>
+    </dgm:linClrLst>
+    <dgm:effectClrLst/>
+    <dgm:txLinClrLst/>
+    <dgm:txFillClrLst meth="repeat">
+      <a:schemeClr val="tx1"/>
+    </dgm:txFillClrLst>
+    <dgm:txEffectClrLst/>
+  </dgm:styleLbl>
+  <dgm:styleLbl name="callout">
+    <dgm:fillClrLst meth="repeat">
+      <a:schemeClr val="accent4"/>
+    </dgm:fillClrLst>
+    <dgm:linClrLst meth="repeat">
+      <a:schemeClr val="accent4"/>
+    </dgm:linClrLst>
+    <dgm:effectClrLst/>
+    <dgm:txLinClrLst/>
+    <dgm:txFillClrLst meth="repeat">
+      <a:schemeClr val="tx1"/>
+    </dgm:txFillClrLst>
+    <dgm:txEffectClrLst/>
+  </dgm:styleLbl>
+  <dgm:styleLbl name="asst0">
+    <dgm:fillClrLst meth="repeat">
+      <a:schemeClr val="accent4">
+        <a:alpha val="90000"/>
+      </a:schemeClr>
+    </dgm:fillClrLst>
+    <dgm:linClrLst meth="repeat">
+      <a:schemeClr val="lt1"/>
+    </dgm:linClrLst>
+    <dgm:effectClrLst/>
+    <dgm:txLinClrLst/>
+    <dgm:txFillClrLst/>
+    <dgm:txEffectClrLst/>
+  </dgm:styleLbl>
+  <dgm:styleLbl name="asst1">
+    <dgm:fillClrLst meth="repeat">
+      <a:schemeClr val="accent4">
+        <a:alpha val="90000"/>
+      </a:schemeClr>
+    </dgm:fillClrLst>
+    <dgm:linClrLst meth="repeat">
+      <a:schemeClr val="lt1"/>
+    </dgm:linClrLst>
+    <dgm:effectClrLst/>
+    <dgm:txLinClrLst/>
+    <dgm:txFillClrLst/>
+    <dgm:txEffectClrLst/>
+  </dgm:styleLbl>
+  <dgm:styleLbl name="asst2">
+    <dgm:fillClrLst>
+      <a:schemeClr val="accent4">
+        <a:alpha val="90000"/>
+      </a:schemeClr>
+    </dgm:fillClrLst>
+    <dgm:linClrLst meth="repeat">
+      <a:schemeClr val="lt1"/>
+    </dgm:linClrLst>
+    <dgm:effectClrLst/>
+    <dgm:txLinClrLst/>
+    <dgm:txFillClrLst/>
+    <dgm:txEffectClrLst/>
+  </dgm:styleLbl>
+  <dgm:styleLbl name="asst3">
+    <dgm:fillClrLst>
+      <a:schemeClr val="accent4">
+        <a:alpha val="70000"/>
+      </a:schemeClr>
+    </dgm:fillClrLst>
+    <dgm:linClrLst meth="repeat">
+      <a:schemeClr val="lt1"/>
+    </dgm:linClrLst>
+    <dgm:effectClrLst/>
+    <dgm:txLinClrLst/>
+    <dgm:txFillClrLst/>
+    <dgm:txEffectClrLst/>
+  </dgm:styleLbl>
+  <dgm:styleLbl name="asst4">
+    <dgm:fillClrLst>
+      <a:schemeClr val="accent4">
+        <a:alpha val="50000"/>
+      </a:schemeClr>
+    </dgm:fillClrLst>
+    <dgm:linClrLst meth="repeat">
+      <a:schemeClr val="lt1"/>
+    </dgm:linClrLst>
+    <dgm:effectClrLst/>
+    <dgm:txLinClrLst/>
+    <dgm:txFillClrLst/>
+    <dgm:txEffectClrLst/>
+  </dgm:styleLbl>
+  <dgm:styleLbl name="parChTrans2D1">
+    <dgm:fillClrLst meth="repeat">
+      <a:schemeClr val="accent4">
+        <a:shade val="80000"/>
+      </a:schemeClr>
+    </dgm:fillClrLst>
+    <dgm:linClrLst meth="repeat">
+      <a:schemeClr val="accent4">
+        <a:shade val="80000"/>
+      </a:schemeClr>
+    </dgm:linClrLst>
+    <dgm:effectClrLst/>
+    <dgm:txLinClrLst/>
+    <dgm:txFillClrLst/>
+    <dgm:txEffectClrLst/>
+  </dgm:styleLbl>
+  <dgm:styleLbl name="parChTrans2D2">
+    <dgm:fillClrLst meth="repeat">
+      <a:schemeClr val="accent4">
+        <a:tint val="90000"/>
+      </a:schemeClr>
+    </dgm:fillClrLst>
+    <dgm:linClrLst meth="repeat">
+      <a:schemeClr val="accent4">
+        <a:tint val="90000"/>
+      </a:schemeClr>
+    </dgm:linClrLst>
+    <dgm:effectClrLst/>
+    <dgm:txLinClrLst/>
+    <dgm:txFillClrLst/>
+    <dgm:txEffectClrLst/>
+  </dgm:styleLbl>
+  <dgm:styleLbl name="parChTrans2D3">
+    <dgm:fillClrLst meth="repeat">
+      <a:schemeClr val="accent4">
+        <a:tint val="70000"/>
+      </a:schemeClr>
+    </dgm:fillClrLst>
+    <dgm:linClrLst meth="repeat">
+      <a:schemeClr val="accent4">
+        <a:tint val="70000"/>
+      </a:schemeClr>
+    </dgm:linClrLst>
+    <dgm:effectClrLst/>
+    <dgm:txLinClrLst/>
+    <dgm:txFillClrLst/>
+    <dgm:txEffectClrLst/>
+  </dgm:styleLbl>
+  <dgm:styleLbl name="parChTrans2D4">
+    <dgm:fillClrLst meth="repeat">
+      <a:schemeClr val="accent4">
+        <a:tint val="50000"/>
+      </a:schemeClr>
+    </dgm:fillClrLst>
+    <dgm:linClrLst meth="repeat">
+      <a:schemeClr val="accent4">
+        <a:tint val="50000"/>
+      </a:schemeClr>
+    </dgm:linClrLst>
+    <dgm:effectClrLst/>
+    <dgm:txLinClrLst/>
+    <dgm:txFillClrLst meth="repeat">
+      <a:schemeClr val="dk1"/>
+    </dgm:txFillClrLst>
+    <dgm:txEffectClrLst/>
+  </dgm:styleLbl>
+  <dgm:styleLbl name="parChTrans1D1">
+    <dgm:fillClrLst meth="repeat">
+      <a:schemeClr val="accent4">
+        <a:shade val="80000"/>
+      </a:schemeClr>
+    </dgm:fillClrLst>
+    <dgm:linClrLst meth="repeat">
+      <a:schemeClr val="accent4">
+        <a:shade val="80000"/>
+      </a:schemeClr>
+    </dgm:linClrLst>
+    <dgm:effectClrLst/>
+    <dgm:txLinClrLst/>
+    <dgm:txFillClrLst meth="repeat">
+      <a:schemeClr val="tx1"/>
+    </dgm:txFillClrLst>
+    <dgm:txEffectClrLst/>
+  </dgm:styleLbl>
+  <dgm:styleLbl name="parChTrans1D2">
+    <dgm:fillClrLst meth="repeat">
+      <a:schemeClr val="accent4">
+        <a:tint val="90000"/>
+      </a:schemeClr>
+    </dgm:fillClrLst>
+    <dgm:linClrLst meth="repeat">
+      <a:schemeClr val="accent4">
+        <a:tint val="90000"/>
+      </a:schemeClr>
+    </dgm:linClrLst>
+    <dgm:effectClrLst/>
+    <dgm:txLinClrLst/>
+    <dgm:txFillClrLst meth="repeat">
+      <a:schemeClr val="tx1"/>
+    </dgm:txFillClrLst>
+    <dgm:txEffectClrLst/>
+  </dgm:styleLbl>
+  <dgm:styleLbl name="parChTrans1D3">
+    <dgm:fillClrLst meth="repeat">
+      <a:schemeClr val="accent4">
+        <a:tint val="70000"/>
+      </a:schemeClr>
+    </dgm:fillClrLst>
+    <dgm:linClrLst meth="repeat">
+      <a:schemeClr val="accent4">
+        <a:tint val="70000"/>
+      </a:schemeClr>
+    </dgm:linClrLst>
+    <dgm:effectClrLst/>
+    <dgm:txLinClrLst/>
+    <dgm:txFillClrLst meth="repeat">
+      <a:schemeClr val="tx1"/>
+    </dgm:txFillClrLst>
+    <dgm:txEffectClrLst/>
+  </dgm:styleLbl>
+  <dgm:styleLbl name="parChTrans1D4">
+    <dgm:fillClrLst meth="repeat">
+      <a:schemeClr val="accent4">
+        <a:tint val="50000"/>
+      </a:schemeClr>
+    </dgm:fillClrLst>
+    <dgm:linClrLst meth="repeat">
+      <a:schemeClr val="accent4">
+        <a:tint val="50000"/>
+      </a:schemeClr>
+    </dgm:linClrLst>
+    <dgm:effectClrLst/>
+    <dgm:txLinClrLst/>
+    <dgm:txFillClrLst meth="repeat">
+      <a:schemeClr val="tx1"/>
+    </dgm:txFillClrLst>
+    <dgm:txEffectClrLst/>
+  </dgm:styleLbl>
+  <dgm:styleLbl name="fgAcc1">
+    <dgm:fillClrLst meth="repeat">
+      <a:schemeClr val="lt1">
+        <a:alpha val="90000"/>
+      </a:schemeClr>
+    </dgm:fillClrLst>
+    <dgm:linClrLst>
+      <a:schemeClr val="accent4">
+        <a:alpha val="90000"/>
+      </a:schemeClr>
+      <a:schemeClr val="accent4">
+        <a:alpha val="50000"/>
+      </a:schemeClr>
+    </dgm:linClrLst>
+    <dgm:effectClrLst/>
+    <dgm:txLinClrLst/>
+    <dgm:txFillClrLst meth="repeat">
+      <a:schemeClr val="dk1"/>
+    </dgm:txFillClrLst>
+    <dgm:txEffectClrLst/>
+  </dgm:styleLbl>
+  <dgm:styleLbl name="conFgAcc1">
+    <dgm:fillClrLst meth="repeat">
+      <a:schemeClr val="lt1">
+        <a:alpha val="90000"/>
+      </a:schemeClr>
+    </dgm:fillClrLst>
+    <dgm:linClrLst>
+      <a:schemeClr val="accent4">
+        <a:alpha val="90000"/>
+      </a:schemeClr>
+      <a:schemeClr val="accent4">
+        <a:alpha val="50000"/>
+      </a:schemeClr>
+    </dgm:linClrLst>
+    <dgm:effectClrLst/>
+    <dgm:txLinClrLst/>
+    <dgm:txFillClrLst meth="repeat">
+      <a:schemeClr val="dk1"/>
+    </dgm:txFillClrLst>
+    <dgm:txEffectClrLst/>
+  </dgm:styleLbl>
+  <dgm:styleLbl name="alignAcc1">
+    <dgm:fillClrLst meth="repeat">
+      <a:schemeClr val="lt1">
+        <a:alpha val="90000"/>
+      </a:schemeClr>
+    </dgm:fillClrLst>
+    <dgm:linClrLst>
+      <a:schemeClr val="accent4">
+        <a:alpha val="90000"/>
+      </a:schemeClr>
+      <a:schemeClr val="accent4">
+        <a:alpha val="50000"/>
+      </a:schemeClr>
+    </dgm:linClrLst>
+    <dgm:effectClrLst/>
+    <dgm:txLinClrLst/>
+    <dgm:txFillClrLst meth="repeat">
+      <a:schemeClr val="dk1"/>
+    </dgm:txFillClrLst>
+    <dgm:txEffectClrLst/>
+  </dgm:styleLbl>
+  <dgm:styleLbl name="trAlignAcc1">
+    <dgm:fillClrLst meth="repeat">
+      <a:schemeClr val="lt1">
+        <a:alpha val="40000"/>
+      </a:schemeClr>
+    </dgm:fillClrLst>
+    <dgm:linClrLst>
+      <a:schemeClr val="accent4">
+        <a:alpha val="90000"/>
+      </a:schemeClr>
+      <a:schemeClr val="accent4">
+        <a:alpha val="50000"/>
+      </a:schemeClr>
+    </dgm:linClrLst>
+    <dgm:effectClrLst/>
+    <dgm:txLinClrLst/>
+    <dgm:txFillClrLst meth="repeat">
+      <a:schemeClr val="dk1"/>
+    </dgm:txFillClrLst>
+    <dgm:txEffectClrLst/>
+  </dgm:styleLbl>
+  <dgm:styleLbl name="bgAcc1">
+    <dgm:fillClrLst meth="repeat">
+      <a:schemeClr val="lt1">
+        <a:alpha val="90000"/>
+      </a:schemeClr>
+    </dgm:fillClrLst>
+    <dgm:linClrLst>
+      <a:schemeClr val="accent4">
+        <a:alpha val="90000"/>
+      </a:schemeClr>
+      <a:schemeClr val="accent4">
+        <a:alpha val="50000"/>
+      </a:schemeClr>
+    </dgm:linClrLst>
+    <dgm:effectClrLst/>
+    <dgm:txLinClrLst/>
+    <dgm:txFillClrLst meth="repeat">
+      <a:schemeClr val="dk1"/>
+    </dgm:txFillClrLst>
+    <dgm:txEffectClrLst/>
+  </dgm:styleLbl>
+  <dgm:styleLbl name="solidFgAcc1">
+    <dgm:fillClrLst meth="repeat">
+      <a:schemeClr val="lt1"/>
+    </dgm:fillClrLst>
+    <dgm:linClrLst>
+      <a:schemeClr val="accent4">
+        <a:alpha val="90000"/>
+      </a:schemeClr>
+      <a:schemeClr val="accent4">
+        <a:alpha val="50000"/>
+      </a:schemeClr>
+    </dgm:linClrLst>
+    <dgm:effectClrLst/>
+    <dgm:txLinClrLst/>
+    <dgm:txFillClrLst meth="repeat">
+      <a:schemeClr val="dk1"/>
+    </dgm:txFillClrLst>
+    <dgm:txEffectClrLst/>
+  </dgm:styleLbl>
+  <dgm:styleLbl name="solidAlignAcc1">
+    <dgm:fillClrLst meth="repeat">
+      <a:schemeClr val="lt1"/>
+    </dgm:fillClrLst>
+    <dgm:linClrLst meth="repeat">
+      <a:schemeClr val="accent4"/>
+    </dgm:linClrLst>
+    <dgm:effectClrLst/>
+    <dgm:txLinClrLst/>
+    <dgm:txFillClrLst meth="repeat">
+      <a:schemeClr val="dk1"/>
+    </dgm:txFillClrLst>
+    <dgm:txEffectClrLst/>
+  </dgm:styleLbl>
+  <dgm:styleLbl name="solidBgAcc1">
+    <dgm:fillClrLst meth="repeat">
+      <a:schemeClr val="lt1"/>
+    </dgm:fillClrLst>
+    <dgm:linClrLst meth="repeat">
+      <a:schemeClr val="accent4"/>
+    </dgm:linClrLst>
+    <dgm:effectClrLst/>
+    <dgm:txLinClrLst/>
+    <dgm:txFillClrLst meth="repeat">
+      <a:schemeClr val="dk1"/>
+    </dgm:txFillClrLst>
+    <dgm:txEffectClrLst/>
+  </dgm:styleLbl>
+  <dgm:styleLbl name="fgAccFollowNode1">
+    <dgm:fillClrLst>
+      <a:schemeClr val="accent4">
+        <a:alpha val="90000"/>
+        <a:tint val="40000"/>
+      </a:schemeClr>
+      <a:schemeClr val="accent4">
+        <a:alpha val="50000"/>
+        <a:tint val="40000"/>
+      </a:schemeClr>
+    </dgm:fillClrLst>
+    <dgm:linClrLst meth="repeat">
+      <a:schemeClr val="accent4">
+        <a:alpha val="90000"/>
+        <a:tint val="40000"/>
+      </a:schemeClr>
+    </dgm:linClrLst>
+    <dgm:effectClrLst/>
+    <dgm:txLinClrLst/>
+    <dgm:txFillClrLst meth="repeat">
+      <a:schemeClr val="dk1"/>
+    </dgm:txFillClrLst>
+    <dgm:txEffectClrLst/>
+  </dgm:styleLbl>
+  <dgm:styleLbl name="alignAccFollowNode1">
+    <dgm:fillClrLst meth="repeat">
+      <a:schemeClr val="accent4">
+        <a:alpha val="90000"/>
+        <a:tint val="40000"/>
+      </a:schemeClr>
+    </dgm:fillClrLst>
+    <dgm:linClrLst meth="repeat">
+      <a:schemeClr val="accent4">
+        <a:alpha val="90000"/>
+        <a:tint val="40000"/>
+      </a:schemeClr>
+    </dgm:linClrLst>
+    <dgm:effectClrLst/>
+    <dgm:txLinClrLst/>
+    <dgm:txFillClrLst meth="repeat">
+      <a:schemeClr val="dk1"/>
+    </dgm:txFillClrLst>
+    <dgm:txEffectClrLst/>
+  </dgm:styleLbl>
+  <dgm:styleLbl name="bgAccFollowNode1">
+    <dgm:fillClrLst meth="repeat">
+      <a:schemeClr val="accent4">
+        <a:alpha val="90000"/>
+        <a:tint val="40000"/>
+      </a:schemeClr>
+    </dgm:fillClrLst>
+    <dgm:linClrLst meth="repeat">
+      <a:schemeClr val="lt1"/>
+    </dgm:linClrLst>
+    <dgm:effectClrLst/>
+    <dgm:txLinClrLst/>
+    <dgm:txFillClrLst meth="repeat">
+      <a:schemeClr val="dk1"/>
+    </dgm:txFillClrLst>
+    <dgm:txEffectClrLst/>
+  </dgm:styleLbl>
+  <dgm:styleLbl name="fgAcc0">
+    <dgm:fillClrLst meth="repeat">
+      <a:schemeClr val="lt1">
+        <a:alpha val="90000"/>
+      </a:schemeClr>
+    </dgm:fillClrLst>
+    <dgm:linClrLst meth="repeat">
+      <a:schemeClr val="accent4">
+        <a:shade val="80000"/>
+      </a:schemeClr>
+    </dgm:linClrLst>
+    <dgm:effectClrLst/>
+    <dgm:txLinClrLst/>
+    <dgm:txFillClrLst meth="repeat">
+      <a:schemeClr val="dk1"/>
+    </dgm:txFillClrLst>
+    <dgm:txEffectClrLst/>
+  </dgm:styleLbl>
+  <dgm:styleLbl name="fgAcc2">
+    <dgm:fillClrLst meth="repeat">
+      <a:schemeClr val="lt1">
+        <a:alpha val="90000"/>
+      </a:schemeClr>
+    </dgm:fillClrLst>
+    <dgm:linClrLst meth="repeat">
+      <a:schemeClr val="accent4">
+        <a:tint val="90000"/>
+      </a:schemeClr>
+    </dgm:linClrLst>
+    <dgm:effectClrLst/>
+    <dgm:txLinClrLst/>
+    <dgm:txFillClrLst meth="repeat">
+      <a:schemeClr val="dk1"/>
+    </dgm:txFillClrLst>
+    <dgm:txEffectClrLst/>
+  </dgm:styleLbl>
+  <dgm:styleLbl name="fgAcc3">
+    <dgm:fillClrLst meth="repeat">
+      <a:schemeClr val="lt1">
+        <a:alpha val="90000"/>
+      </a:schemeClr>
+    </dgm:fillClrLst>
+    <dgm:linClrLst meth="repeat">
+      <a:schemeClr val="accent4">
+        <a:tint val="70000"/>
+      </a:schemeClr>
+    </dgm:linClrLst>
+    <dgm:effectClrLst/>
+    <dgm:txLinClrLst/>
+    <dgm:txFillClrLst meth="repeat">
+      <a:schemeClr val="dk1"/>
+    </dgm:txFillClrLst>
+    <dgm:txEffectClrLst/>
+  </dgm:styleLbl>
+  <dgm:styleLbl name="fgAcc4">
+    <dgm:fillClrLst meth="repeat">
+      <a:schemeClr val="lt1">
+        <a:alpha val="90000"/>
+      </a:schemeClr>
+    </dgm:fillClrLst>
+    <dgm:linClrLst meth="repeat">
+      <a:schemeClr val="accent4">
+        <a:tint val="50000"/>
+      </a:schemeClr>
+    </dgm:linClrLst>
+    <dgm:effectClrLst/>
+    <dgm:txLinClrLst/>
+    <dgm:txFillClrLst meth="repeat">
+      <a:schemeClr val="dk1"/>
+    </dgm:txFillClrLst>
+    <dgm:txEffectClrLst/>
+  </dgm:styleLbl>
+  <dgm:styleLbl name="bgShp">
+    <dgm:fillClrLst meth="repeat">
+      <a:schemeClr val="accent4">
+        <a:tint val="40000"/>
+      </a:schemeClr>
+    </dgm:fillClrLst>
+    <dgm:linClrLst meth="repeat">
+      <a:schemeClr val="dk1"/>
+    </dgm:linClrLst>
+    <dgm:effectClrLst/>
+    <dgm:txLinClrLst/>
+    <dgm:txFillClrLst meth="repeat">
+      <a:schemeClr val="dk1"/>
+    </dgm:txFillClrLst>
+    <dgm:txEffectClrLst/>
+  </dgm:styleLbl>
+  <dgm:styleLbl name="dkBgShp">
+    <dgm:fillClrLst meth="repeat">
+      <a:schemeClr val="accent4">
+        <a:shade val="90000"/>
+      </a:schemeClr>
+    </dgm:fillClrLst>
+    <dgm:linClrLst meth="repeat">
+      <a:schemeClr val="dk1"/>
+    </dgm:linClrLst>
+    <dgm:effectClrLst/>
+    <dgm:txLinClrLst/>
+    <dgm:txFillClrLst meth="repeat">
+      <a:schemeClr val="lt1"/>
+    </dgm:txFillClrLst>
+    <dgm:txEffectClrLst/>
+  </dgm:styleLbl>
+  <dgm:styleLbl name="trBgShp">
+    <dgm:fillClrLst meth="repeat">
+      <a:schemeClr val="accent4">
+        <a:tint val="50000"/>
+        <a:alpha val="40000"/>
+      </a:schemeClr>
+    </dgm:fillClrLst>
+    <dgm:linClrLst meth="repeat">
+      <a:schemeClr val="accent4"/>
+    </dgm:linClrLst>
+    <dgm:effectClrLst/>
+    <dgm:txLinClrLst/>
+    <dgm:txFillClrLst meth="repeat">
+      <a:schemeClr val="lt1"/>
+    </dgm:txFillClrLst>
+    <dgm:txEffectClrLst/>
+  </dgm:styleLbl>
+  <dgm:styleLbl name="fgShp">
+    <dgm:fillClrLst meth="repeat">
+      <a:schemeClr val="accent4">
+        <a:tint val="40000"/>
+      </a:schemeClr>
+    </dgm:fillClrLst>
+    <dgm:linClrLst meth="repeat">
+      <a:schemeClr val="lt1"/>
+    </dgm:linClrLst>
+    <dgm:effectClrLst/>
+    <dgm:txLinClrLst/>
+    <dgm:txFillClrLst meth="repeat">
+      <a:schemeClr val="dk1"/>
+    </dgm:txFillClrLst>
+    <dgm:txEffectClrLst/>
+  </dgm:styleLbl>
+  <dgm:styleLbl name="revTx">
+    <dgm:fillClrLst meth="repeat">
+      <a:schemeClr val="lt1">
+        <a:alpha val="0"/>
+      </a:schemeClr>
+    </dgm:fillClrLst>
+    <dgm:linClrLst meth="repeat">
+      <a:schemeClr val="dk1">
+        <a:alpha val="0"/>
+      </a:schemeClr>
+    </dgm:linClrLst>
+    <dgm:effectClrLst/>
+    <dgm:txLinClrLst/>
+    <dgm:txFillClrLst meth="repeat">
+      <a:schemeClr val="tx1"/>
+    </dgm:txFillClrLst>
+    <dgm:txEffectClrLst/>
+  </dgm:styleLbl>
+</dgm:colorsDef>
+</file>
+
+<file path=ppt/diagrams/data1.xml><?xml version="1.0" encoding="utf-8"?>
+<dgm:dataModel xmlns:dgm="http://schemas.openxmlformats.org/drawingml/2006/diagram" xmlns:a="http://schemas.openxmlformats.org/drawingml/2006/main">
+  <dgm:ptLst>
+    <dgm:pt modelId="{69782ED6-A307-664D-98BC-84FB29173601}" type="doc">
+      <dgm:prSet loTypeId="urn:microsoft.com/office/officeart/2005/8/layout/pyramid1" loCatId="" qsTypeId="urn:microsoft.com/office/officeart/2005/8/quickstyle/3d2" qsCatId="3D" csTypeId="urn:microsoft.com/office/officeart/2005/8/colors/accent4_5" csCatId="accent4" phldr="1"/>
+      <dgm:spPr/>
+    </dgm:pt>
+    <dgm:pt modelId="{A91D4ECC-92C5-5A47-BA0B-6A7773B89D60}">
+      <dgm:prSet phldrT="[Text]" custT="1"/>
+      <dgm:spPr>
+        <a:gradFill flip="none" rotWithShape="0">
+          <a:gsLst>
+            <a:gs pos="0">
+              <a:schemeClr val="accent2">
+                <a:lumMod val="60000"/>
+                <a:lumOff val="40000"/>
+                <a:tint val="66000"/>
+                <a:satMod val="160000"/>
+              </a:schemeClr>
+            </a:gs>
+            <a:gs pos="50000">
+              <a:schemeClr val="accent2">
+                <a:lumMod val="60000"/>
+                <a:lumOff val="40000"/>
+                <a:tint val="44500"/>
+                <a:satMod val="160000"/>
+              </a:schemeClr>
+            </a:gs>
+            <a:gs pos="100000">
+              <a:schemeClr val="accent2">
+                <a:lumMod val="60000"/>
+                <a:lumOff val="40000"/>
+                <a:tint val="23500"/>
+                <a:satMod val="160000"/>
+              </a:schemeClr>
+            </a:gs>
+          </a:gsLst>
+          <a:lin ang="5400000" scaled="1"/>
+          <a:tileRect/>
+        </a:gradFill>
+      </dgm:spPr>
+      <dgm:t>
+        <a:bodyPr/>
+        <a:lstStyle/>
+        <a:p>
+          <a:r>
+            <a:rPr lang="en-US" sz="1400" dirty="0">
+              <a:latin typeface="Futura Medium" panose="020B0602020204020303" pitchFamily="34" charset="-79"/>
+              <a:cs typeface="Futura Medium" panose="020B0602020204020303" pitchFamily="34" charset="-79"/>
+            </a:rPr>
+            <a:t>Deployment</a:t>
+          </a:r>
+        </a:p>
+      </dgm:t>
+    </dgm:pt>
+    <dgm:pt modelId="{FCC03AB2-4B0A-9749-948A-B8E1AA8BCE5E}" type="parTrans" cxnId="{3917EE2B-37B0-CD48-BD58-D8E74E5F66AC}">
+      <dgm:prSet/>
+      <dgm:spPr/>
+      <dgm:t>
+        <a:bodyPr/>
+        <a:lstStyle/>
+        <a:p>
+          <a:endParaRPr lang="en-US"/>
+        </a:p>
+      </dgm:t>
+    </dgm:pt>
+    <dgm:pt modelId="{5B42F31D-EE64-454D-963C-51088C0923C1}" type="sibTrans" cxnId="{3917EE2B-37B0-CD48-BD58-D8E74E5F66AC}">
+      <dgm:prSet/>
+      <dgm:spPr/>
+      <dgm:t>
+        <a:bodyPr/>
+        <a:lstStyle/>
+        <a:p>
+          <a:endParaRPr lang="en-US"/>
+        </a:p>
+      </dgm:t>
+    </dgm:pt>
+    <dgm:pt modelId="{38BBA8E5-A65B-AF40-ADEC-449E3EF37E7C}">
+      <dgm:prSet phldrT="[Text]" custT="1"/>
+      <dgm:spPr>
+        <a:gradFill flip="none" rotWithShape="0">
+          <a:gsLst>
+            <a:gs pos="0">
+              <a:schemeClr val="accent6">
+                <a:lumMod val="60000"/>
+                <a:lumOff val="40000"/>
+                <a:tint val="66000"/>
+                <a:satMod val="160000"/>
+              </a:schemeClr>
+            </a:gs>
+            <a:gs pos="50000">
+              <a:schemeClr val="accent6">
+                <a:lumMod val="60000"/>
+                <a:lumOff val="40000"/>
+                <a:tint val="44500"/>
+                <a:satMod val="160000"/>
+              </a:schemeClr>
+            </a:gs>
+            <a:gs pos="100000">
+              <a:schemeClr val="accent6">
+                <a:lumMod val="60000"/>
+                <a:lumOff val="40000"/>
+                <a:tint val="23500"/>
+                <a:satMod val="160000"/>
+              </a:schemeClr>
+            </a:gs>
+          </a:gsLst>
+          <a:lin ang="5400000" scaled="1"/>
+          <a:tileRect/>
+        </a:gradFill>
+      </dgm:spPr>
+      <dgm:t>
+        <a:bodyPr/>
+        <a:lstStyle/>
+        <a:p>
+          <a:r>
+            <a:rPr lang="en-US" sz="1400" dirty="0">
+              <a:latin typeface="Futura Medium" panose="020B0602020204020303" pitchFamily="34" charset="-79"/>
+              <a:cs typeface="Futura Medium" panose="020B0602020204020303" pitchFamily="34" charset="-79"/>
+            </a:rPr>
+            <a:t>Database</a:t>
+          </a:r>
+        </a:p>
+      </dgm:t>
+    </dgm:pt>
+    <dgm:pt modelId="{FFA4BAC9-9218-0A40-8AF5-03D3763CB8C6}" type="parTrans" cxnId="{738D97A3-D7A3-E942-B5A3-F886A644DBA6}">
+      <dgm:prSet/>
+      <dgm:spPr/>
+      <dgm:t>
+        <a:bodyPr/>
+        <a:lstStyle/>
+        <a:p>
+          <a:endParaRPr lang="en-US"/>
+        </a:p>
+      </dgm:t>
+    </dgm:pt>
+    <dgm:pt modelId="{DDD7A4E9-CF5C-6545-B29E-8A307841A7A1}" type="sibTrans" cxnId="{738D97A3-D7A3-E942-B5A3-F886A644DBA6}">
+      <dgm:prSet/>
+      <dgm:spPr/>
+      <dgm:t>
+        <a:bodyPr/>
+        <a:lstStyle/>
+        <a:p>
+          <a:endParaRPr lang="en-US"/>
+        </a:p>
+      </dgm:t>
+    </dgm:pt>
+    <dgm:pt modelId="{E8CE2274-4C9F-B946-82F1-88D41E788D14}">
+      <dgm:prSet phldrT="[Text]" custT="1"/>
+      <dgm:spPr>
+        <a:gradFill flip="none" rotWithShape="0">
+          <a:gsLst>
+            <a:gs pos="0">
+              <a:schemeClr val="accent6">
+                <a:lumMod val="60000"/>
+                <a:lumOff val="40000"/>
+                <a:tint val="66000"/>
+                <a:satMod val="160000"/>
+              </a:schemeClr>
+            </a:gs>
+            <a:gs pos="50000">
+              <a:schemeClr val="accent6">
+                <a:lumMod val="60000"/>
+                <a:lumOff val="40000"/>
+                <a:tint val="44500"/>
+                <a:satMod val="160000"/>
+              </a:schemeClr>
+            </a:gs>
+            <a:gs pos="100000">
+              <a:schemeClr val="accent6">
+                <a:lumMod val="60000"/>
+                <a:lumOff val="40000"/>
+                <a:tint val="23500"/>
+                <a:satMod val="160000"/>
+              </a:schemeClr>
+            </a:gs>
+          </a:gsLst>
+          <a:lin ang="5400000" scaled="1"/>
+          <a:tileRect/>
+        </a:gradFill>
+      </dgm:spPr>
+      <dgm:t>
+        <a:bodyPr/>
+        <a:lstStyle/>
+        <a:p>
+          <a:r>
+            <a:rPr lang="en-US" sz="1400" dirty="0">
+              <a:latin typeface="Futura Medium" panose="020B0602020204020303" pitchFamily="34" charset="-79"/>
+              <a:cs typeface="Futura Medium" panose="020B0602020204020303" pitchFamily="34" charset="-79"/>
+            </a:rPr>
+            <a:t>Codebase</a:t>
+          </a:r>
+        </a:p>
+      </dgm:t>
+    </dgm:pt>
+    <dgm:pt modelId="{BB11EEAF-97FF-2B42-ADA5-9E6DB60AFB21}" type="parTrans" cxnId="{29CF4EA8-CBF2-834D-94E5-07F1E246CDC8}">
+      <dgm:prSet/>
+      <dgm:spPr/>
+      <dgm:t>
+        <a:bodyPr/>
+        <a:lstStyle/>
+        <a:p>
+          <a:endParaRPr lang="en-US"/>
+        </a:p>
+      </dgm:t>
+    </dgm:pt>
+    <dgm:pt modelId="{C234B192-12F0-5440-8269-FE65BB3E99C3}" type="sibTrans" cxnId="{29CF4EA8-CBF2-834D-94E5-07F1E246CDC8}">
+      <dgm:prSet/>
+      <dgm:spPr/>
+      <dgm:t>
+        <a:bodyPr/>
+        <a:lstStyle/>
+        <a:p>
+          <a:endParaRPr lang="en-US"/>
+        </a:p>
+      </dgm:t>
+    </dgm:pt>
+    <dgm:pt modelId="{C5B759C8-25A3-A541-B96E-35A65ACF18E0}">
+      <dgm:prSet phldrT="[Text]" custT="1"/>
+      <dgm:spPr>
+        <a:gradFill flip="none" rotWithShape="0">
+          <a:gsLst>
+            <a:gs pos="0">
+              <a:srgbClr val="FF0000">
+                <a:tint val="66000"/>
+                <a:satMod val="160000"/>
+              </a:srgbClr>
+            </a:gs>
+            <a:gs pos="50000">
+              <a:srgbClr val="FF0000">
+                <a:tint val="44500"/>
+                <a:satMod val="160000"/>
+              </a:srgbClr>
+            </a:gs>
+            <a:gs pos="100000">
+              <a:srgbClr val="FF0000">
+                <a:tint val="23500"/>
+                <a:satMod val="160000"/>
+              </a:srgbClr>
+            </a:gs>
+          </a:gsLst>
+          <a:lin ang="5400000" scaled="1"/>
+          <a:tileRect/>
+        </a:gradFill>
+      </dgm:spPr>
+      <dgm:t>
+        <a:bodyPr/>
+        <a:lstStyle/>
+        <a:p>
+          <a:endParaRPr lang="en-US" sz="2000" dirty="0">
+            <a:latin typeface="Copperplate"/>
+            <a:cs typeface="Copperplate"/>
+          </a:endParaRPr>
+        </a:p>
+      </dgm:t>
+    </dgm:pt>
+    <dgm:pt modelId="{711A0E9E-D9C7-7743-9BAC-3D1358C7F852}" type="parTrans" cxnId="{988970A9-D09D-0D42-BADB-D9A684E22642}">
+      <dgm:prSet/>
+      <dgm:spPr/>
+      <dgm:t>
+        <a:bodyPr/>
+        <a:lstStyle/>
+        <a:p>
+          <a:endParaRPr lang="en-US"/>
+        </a:p>
+      </dgm:t>
+    </dgm:pt>
+    <dgm:pt modelId="{7648EE3F-A96E-5D4D-88E0-D81A6EF76B35}" type="sibTrans" cxnId="{988970A9-D09D-0D42-BADB-D9A684E22642}">
+      <dgm:prSet/>
+      <dgm:spPr/>
+      <dgm:t>
+        <a:bodyPr/>
+        <a:lstStyle/>
+        <a:p>
+          <a:endParaRPr lang="en-US"/>
+        </a:p>
+      </dgm:t>
+    </dgm:pt>
+    <dgm:pt modelId="{9F3B4D1A-5607-F945-9FD0-9835395BFAED}">
+      <dgm:prSet phldrT="[Text]" custT="1"/>
+      <dgm:spPr>
+        <a:gradFill flip="none" rotWithShape="0">
+          <a:gsLst>
+            <a:gs pos="0">
+              <a:schemeClr val="accent6">
+                <a:lumMod val="60000"/>
+                <a:lumOff val="40000"/>
+                <a:tint val="66000"/>
+                <a:satMod val="160000"/>
+              </a:schemeClr>
+            </a:gs>
+            <a:gs pos="50000">
+              <a:schemeClr val="accent6">
+                <a:lumMod val="60000"/>
+                <a:lumOff val="40000"/>
+                <a:tint val="44500"/>
+                <a:satMod val="160000"/>
+              </a:schemeClr>
+            </a:gs>
+            <a:gs pos="100000">
+              <a:schemeClr val="accent6">
+                <a:lumMod val="60000"/>
+                <a:lumOff val="40000"/>
+                <a:tint val="23500"/>
+                <a:satMod val="160000"/>
+              </a:schemeClr>
+            </a:gs>
+          </a:gsLst>
+          <a:lin ang="5400000" scaled="1"/>
+          <a:tileRect/>
+        </a:gradFill>
+      </dgm:spPr>
+      <dgm:t>
+        <a:bodyPr/>
+        <a:lstStyle/>
+        <a:p>
+          <a:r>
+            <a:rPr lang="en-US" sz="1400" dirty="0">
+              <a:latin typeface="Futura Medium" panose="020B0602020204020303" pitchFamily="34" charset="-79"/>
+              <a:cs typeface="Futura Medium" panose="020B0602020204020303" pitchFamily="34" charset="-79"/>
+            </a:rPr>
+            <a:t>Validation</a:t>
+          </a:r>
+        </a:p>
+      </dgm:t>
+    </dgm:pt>
+    <dgm:pt modelId="{52BDB6CE-05C5-B543-A33C-E56D0775F682}" type="parTrans" cxnId="{C1D7D6F6-C006-D845-8868-BB1FB41DA668}">
+      <dgm:prSet/>
+      <dgm:spPr/>
+      <dgm:t>
+        <a:bodyPr/>
+        <a:lstStyle/>
+        <a:p>
+          <a:endParaRPr lang="en-US"/>
+        </a:p>
+      </dgm:t>
+    </dgm:pt>
+    <dgm:pt modelId="{16241EB6-B2F2-614D-8B16-91709F1E8039}" type="sibTrans" cxnId="{C1D7D6F6-C006-D845-8868-BB1FB41DA668}">
+      <dgm:prSet/>
+      <dgm:spPr/>
+      <dgm:t>
+        <a:bodyPr/>
+        <a:lstStyle/>
+        <a:p>
+          <a:endParaRPr lang="en-US"/>
+        </a:p>
+      </dgm:t>
+    </dgm:pt>
+    <dgm:pt modelId="{67743780-EB35-FB43-9C61-490942BD5FE8}">
+      <dgm:prSet phldrT="[Text]"/>
+      <dgm:spPr/>
+      <dgm:t>
+        <a:bodyPr/>
+        <a:lstStyle/>
+        <a:p>
+          <a:r>
+            <a:rPr lang="en-US" b="0" i="0" dirty="0">
+              <a:latin typeface="Futura Medium" panose="020B0602020204020303" pitchFamily="34" charset="-79"/>
+              <a:cs typeface="Futura Medium" panose="020B0602020204020303" pitchFamily="34" charset="-79"/>
+            </a:rPr>
+            <a:t>Evolve an independent architecture / tech </a:t>
+          </a:r>
+          <a:r>
+            <a:rPr lang="en-US" b="0" i="0">
+              <a:latin typeface="Futura Medium" panose="020B0602020204020303" pitchFamily="34" charset="-79"/>
+              <a:cs typeface="Futura Medium" panose="020B0602020204020303" pitchFamily="34" charset="-79"/>
+            </a:rPr>
+            <a:t>stackl</a:t>
+          </a:r>
+          <a:endParaRPr lang="en-US" b="0" i="0" dirty="0">
+            <a:latin typeface="Futura Medium" panose="020B0602020204020303" pitchFamily="34" charset="-79"/>
+            <a:cs typeface="Futura Medium" panose="020B0602020204020303" pitchFamily="34" charset="-79"/>
+          </a:endParaRPr>
+        </a:p>
+      </dgm:t>
+    </dgm:pt>
+    <dgm:pt modelId="{3E4825D2-53DD-474D-B27C-38F19BB148DE}" type="parTrans" cxnId="{707F26A6-4F12-FE47-9851-717074B78E53}">
+      <dgm:prSet/>
+      <dgm:spPr/>
+      <dgm:t>
+        <a:bodyPr/>
+        <a:lstStyle/>
+        <a:p>
+          <a:endParaRPr lang="en-US"/>
+        </a:p>
+      </dgm:t>
+    </dgm:pt>
+    <dgm:pt modelId="{DED18B37-D54A-6748-BECF-D071F5AF0FE9}" type="sibTrans" cxnId="{707F26A6-4F12-FE47-9851-717074B78E53}">
+      <dgm:prSet/>
+      <dgm:spPr/>
+      <dgm:t>
+        <a:bodyPr/>
+        <a:lstStyle/>
+        <a:p>
+          <a:endParaRPr lang="en-US"/>
+        </a:p>
+      </dgm:t>
+    </dgm:pt>
+    <dgm:pt modelId="{7949E648-AA02-CC45-9EF3-C120EFB2DA37}">
+      <dgm:prSet phldrT="[Text]"/>
+      <dgm:spPr/>
+      <dgm:t>
+        <a:bodyPr/>
+        <a:lstStyle/>
+        <a:p>
+          <a:r>
+            <a:rPr lang="en-US" b="0" i="0" dirty="0">
+              <a:latin typeface="Futura Medium" panose="020B0602020204020303" pitchFamily="34" charset="-79"/>
+              <a:cs typeface="Futura Medium" panose="020B0602020204020303" pitchFamily="34" charset="-79"/>
+            </a:rPr>
+            <a:t>Separate deployment for each bounded context</a:t>
+          </a:r>
+        </a:p>
+      </dgm:t>
+    </dgm:pt>
+    <dgm:pt modelId="{B7B6FCBE-8367-1745-9F65-05BD2C4651A1}" type="parTrans" cxnId="{7F6555A6-627D-C640-B615-85B2851645DB}">
+      <dgm:prSet/>
+      <dgm:spPr/>
+      <dgm:t>
+        <a:bodyPr/>
+        <a:lstStyle/>
+        <a:p>
+          <a:endParaRPr lang="en-US"/>
+        </a:p>
+      </dgm:t>
+    </dgm:pt>
+    <dgm:pt modelId="{62AA9D02-4952-4E47-87D9-22ED2609E7CC}" type="sibTrans" cxnId="{7F6555A6-627D-C640-B615-85B2851645DB}">
+      <dgm:prSet/>
+      <dgm:spPr/>
+      <dgm:t>
+        <a:bodyPr/>
+        <a:lstStyle/>
+        <a:p>
+          <a:endParaRPr lang="en-US"/>
+        </a:p>
+      </dgm:t>
+    </dgm:pt>
+    <dgm:pt modelId="{AA0DE09A-C4A6-8A40-8530-B04D69BFC6E6}">
+      <dgm:prSet phldrT="[Text]"/>
+      <dgm:spPr/>
+      <dgm:t>
+        <a:bodyPr/>
+        <a:lstStyle/>
+        <a:p>
+          <a:r>
+            <a:rPr lang="en-US" b="0" i="0" dirty="0">
+              <a:latin typeface="Futura Medium" panose="020B0602020204020303" pitchFamily="34" charset="-79"/>
+              <a:cs typeface="Futura Medium" panose="020B0602020204020303" pitchFamily="34" charset="-79"/>
+            </a:rPr>
+            <a:t>Own the BC code barring common modules </a:t>
+          </a:r>
+        </a:p>
+      </dgm:t>
+    </dgm:pt>
+    <dgm:pt modelId="{FE0D86EF-63A7-174B-897B-CD01B7E26AD2}" type="parTrans" cxnId="{6834333A-17E5-6145-BF55-9B0DF52C609B}">
+      <dgm:prSet/>
+      <dgm:spPr/>
+      <dgm:t>
+        <a:bodyPr/>
+        <a:lstStyle/>
+        <a:p>
+          <a:endParaRPr lang="en-US"/>
+        </a:p>
+      </dgm:t>
+    </dgm:pt>
+    <dgm:pt modelId="{E1A8AE84-1CB8-E049-BA37-A49A30B6299D}" type="sibTrans" cxnId="{6834333A-17E5-6145-BF55-9B0DF52C609B}">
+      <dgm:prSet/>
+      <dgm:spPr/>
+      <dgm:t>
+        <a:bodyPr/>
+        <a:lstStyle/>
+        <a:p>
+          <a:endParaRPr lang="en-US"/>
+        </a:p>
+      </dgm:t>
+    </dgm:pt>
+    <dgm:pt modelId="{9C195ACD-B744-FC4F-9EE8-3B5B8CDCA2A2}">
+      <dgm:prSet phldrT="[Text]"/>
+      <dgm:spPr/>
+      <dgm:t>
+        <a:bodyPr/>
+        <a:lstStyle/>
+        <a:p>
+          <a:r>
+            <a:rPr lang="en-US" b="0" i="0" dirty="0">
+              <a:latin typeface="Futura Medium" panose="020B0602020204020303" pitchFamily="34" charset="-79"/>
+              <a:cs typeface="Futura Medium" panose="020B0602020204020303" pitchFamily="34" charset="-79"/>
+            </a:rPr>
+            <a:t>Independently evolve DB schemas for the BC</a:t>
+          </a:r>
+        </a:p>
+      </dgm:t>
+    </dgm:pt>
+    <dgm:pt modelId="{E71945F1-9379-1C4C-8FBC-BC53DC544F34}" type="parTrans" cxnId="{A6BC2E67-A93D-B347-8D04-73EFC0CFE3AB}">
+      <dgm:prSet/>
+      <dgm:spPr/>
+      <dgm:t>
+        <a:bodyPr/>
+        <a:lstStyle/>
+        <a:p>
+          <a:endParaRPr lang="en-US"/>
+        </a:p>
+      </dgm:t>
+    </dgm:pt>
+    <dgm:pt modelId="{686F89D4-8D7A-7040-A0B4-0256906FAF1E}" type="sibTrans" cxnId="{A6BC2E67-A93D-B347-8D04-73EFC0CFE3AB}">
+      <dgm:prSet/>
+      <dgm:spPr/>
+      <dgm:t>
+        <a:bodyPr/>
+        <a:lstStyle/>
+        <a:p>
+          <a:endParaRPr lang="en-US"/>
+        </a:p>
+      </dgm:t>
+    </dgm:pt>
+    <dgm:pt modelId="{B8E1CAE9-79FA-9B49-9BDF-4F49D1B8E81F}">
+      <dgm:prSet phldrT="[Text]"/>
+      <dgm:spPr/>
+      <dgm:t>
+        <a:bodyPr/>
+        <a:lstStyle/>
+        <a:p>
+          <a:r>
+            <a:rPr lang="en-US" b="0" i="0" dirty="0">
+              <a:latin typeface="Futura Medium" panose="020B0602020204020303" pitchFamily="34" charset="-79"/>
+              <a:cs typeface="Futura Medium" panose="020B0602020204020303" pitchFamily="34" charset="-79"/>
+            </a:rPr>
+            <a:t>Independently test functionality / scalability etc.</a:t>
+          </a:r>
+        </a:p>
+      </dgm:t>
+    </dgm:pt>
+    <dgm:pt modelId="{06806CBF-83E3-FC41-997D-C2FE3FA8AA24}" type="parTrans" cxnId="{78DB88DC-60BA-5040-9074-07D144033D21}">
+      <dgm:prSet/>
+      <dgm:spPr/>
+      <dgm:t>
+        <a:bodyPr/>
+        <a:lstStyle/>
+        <a:p>
+          <a:endParaRPr lang="en-US"/>
+        </a:p>
+      </dgm:t>
+    </dgm:pt>
+    <dgm:pt modelId="{894E118C-6B59-464C-8278-398A111E69C1}" type="sibTrans" cxnId="{78DB88DC-60BA-5040-9074-07D144033D21}">
+      <dgm:prSet/>
+      <dgm:spPr/>
+      <dgm:t>
+        <a:bodyPr/>
+        <a:lstStyle/>
+        <a:p>
+          <a:endParaRPr lang="en-US"/>
+        </a:p>
+      </dgm:t>
+    </dgm:pt>
+    <dgm:pt modelId="{A0195C50-98B6-B34E-B53F-75D689D583FE}">
+      <dgm:prSet phldrT="[Text]" custT="1"/>
+      <dgm:spPr>
+        <a:gradFill flip="none" rotWithShape="0">
+          <a:gsLst>
+            <a:gs pos="0">
+              <a:schemeClr val="accent6">
+                <a:lumMod val="60000"/>
+                <a:lumOff val="40000"/>
+                <a:tint val="66000"/>
+                <a:satMod val="160000"/>
+              </a:schemeClr>
+            </a:gs>
+            <a:gs pos="50000">
+              <a:schemeClr val="accent6">
+                <a:lumMod val="60000"/>
+                <a:lumOff val="40000"/>
+                <a:tint val="44500"/>
+                <a:satMod val="160000"/>
+              </a:schemeClr>
+            </a:gs>
+            <a:gs pos="100000">
+              <a:schemeClr val="accent6">
+                <a:lumMod val="60000"/>
+                <a:lumOff val="40000"/>
+                <a:tint val="23500"/>
+                <a:satMod val="160000"/>
+              </a:schemeClr>
+            </a:gs>
+          </a:gsLst>
+          <a:lin ang="5400000" scaled="1"/>
+          <a:tileRect/>
+        </a:gradFill>
+      </dgm:spPr>
+      <dgm:t>
+        <a:bodyPr/>
+        <a:lstStyle/>
+        <a:p>
+          <a:r>
+            <a:rPr lang="en-US" sz="1400" dirty="0">
+              <a:latin typeface="Futura Medium" panose="020B0602020204020303" pitchFamily="34" charset="-79"/>
+              <a:cs typeface="Futura Medium" panose="020B0602020204020303" pitchFamily="34" charset="-79"/>
+            </a:rPr>
+            <a:t>Backlog</a:t>
+          </a:r>
+          <a:endParaRPr lang="en-US" sz="1400" b="0" i="0" dirty="0">
+            <a:latin typeface="Futura Medium" panose="020B0602020204020303" pitchFamily="34" charset="-79"/>
+            <a:cs typeface="Futura Medium" panose="020B0602020204020303" pitchFamily="34" charset="-79"/>
+          </a:endParaRPr>
+        </a:p>
+      </dgm:t>
+    </dgm:pt>
+    <dgm:pt modelId="{A6E089F3-AB16-7C47-AAE5-1AD7FD49000A}" type="parTrans" cxnId="{909AB684-7489-2A4E-9311-5B82811BCFEE}">
+      <dgm:prSet/>
+      <dgm:spPr/>
+      <dgm:t>
+        <a:bodyPr/>
+        <a:lstStyle/>
+        <a:p>
+          <a:endParaRPr lang="en-US"/>
+        </a:p>
+      </dgm:t>
+    </dgm:pt>
+    <dgm:pt modelId="{EF0844C1-3C8F-F64C-B00A-AE692E8763F9}" type="sibTrans" cxnId="{909AB684-7489-2A4E-9311-5B82811BCFEE}">
+      <dgm:prSet/>
+      <dgm:spPr/>
+      <dgm:t>
+        <a:bodyPr/>
+        <a:lstStyle/>
+        <a:p>
+          <a:endParaRPr lang="en-US"/>
+        </a:p>
+      </dgm:t>
+    </dgm:pt>
+    <dgm:pt modelId="{700D5FEB-62A1-5446-91F6-D18AFBB9C0E3}">
+      <dgm:prSet phldrT="[Text]"/>
+      <dgm:spPr/>
+      <dgm:t>
+        <a:bodyPr/>
+        <a:lstStyle/>
+        <a:p>
+          <a:r>
+            <a:rPr lang="en-US" b="0" i="0" dirty="0">
+              <a:latin typeface="Futura Medium" panose="020B0602020204020303" pitchFamily="34" charset="-79"/>
+              <a:cs typeface="Futura Medium" panose="020B0602020204020303" pitchFamily="34" charset="-79"/>
+            </a:rPr>
+            <a:t>Independent product road map</a:t>
+          </a:r>
+        </a:p>
+      </dgm:t>
+    </dgm:pt>
+    <dgm:pt modelId="{D57AD55F-D88D-284E-BC3D-F5EA514177D7}" type="parTrans" cxnId="{D8FD9092-5D0A-8A48-984B-2387C181C9E1}">
+      <dgm:prSet/>
+      <dgm:spPr/>
+      <dgm:t>
+        <a:bodyPr/>
+        <a:lstStyle/>
+        <a:p>
+          <a:endParaRPr lang="en-US"/>
+        </a:p>
+      </dgm:t>
+    </dgm:pt>
+    <dgm:pt modelId="{9B02B08F-071E-674C-8038-9C6FF028C08F}" type="sibTrans" cxnId="{D8FD9092-5D0A-8A48-984B-2387C181C9E1}">
+      <dgm:prSet/>
+      <dgm:spPr/>
+      <dgm:t>
+        <a:bodyPr/>
+        <a:lstStyle/>
+        <a:p>
+          <a:endParaRPr lang="en-US"/>
+        </a:p>
+      </dgm:t>
+    </dgm:pt>
+    <dgm:pt modelId="{DF4A38D7-6800-E249-8667-06D04A3FF7A5}" type="pres">
+      <dgm:prSet presAssocID="{69782ED6-A307-664D-98BC-84FB29173601}" presName="Name0" presStyleCnt="0">
+        <dgm:presLayoutVars>
+          <dgm:dir/>
+          <dgm:animLvl val="lvl"/>
+          <dgm:resizeHandles val="exact"/>
+        </dgm:presLayoutVars>
+      </dgm:prSet>
+      <dgm:spPr/>
+    </dgm:pt>
+    <dgm:pt modelId="{09C627FE-E079-9B40-A9D6-2B0E48EDE1F0}" type="pres">
+      <dgm:prSet presAssocID="{C5B759C8-25A3-A541-B96E-35A65ACF18E0}" presName="Name8" presStyleCnt="0"/>
+      <dgm:spPr/>
+    </dgm:pt>
+    <dgm:pt modelId="{8DF2A691-942D-554B-8CCF-84DD850899D1}" type="pres">
+      <dgm:prSet presAssocID="{C5B759C8-25A3-A541-B96E-35A65ACF18E0}" presName="acctBkgd" presStyleLbl="alignAcc1" presStyleIdx="0" presStyleCnt="6"/>
+      <dgm:spPr/>
+    </dgm:pt>
+    <dgm:pt modelId="{32E8FADD-56F9-A640-9455-D54D8B0C61CF}" type="pres">
+      <dgm:prSet presAssocID="{C5B759C8-25A3-A541-B96E-35A65ACF18E0}" presName="acctTx" presStyleLbl="alignAcc1" presStyleIdx="0" presStyleCnt="6">
+        <dgm:presLayoutVars>
+          <dgm:bulletEnabled val="1"/>
+        </dgm:presLayoutVars>
+      </dgm:prSet>
+      <dgm:spPr/>
+    </dgm:pt>
+    <dgm:pt modelId="{FB37AC7B-C95D-1245-856E-937325F8E632}" type="pres">
+      <dgm:prSet presAssocID="{C5B759C8-25A3-A541-B96E-35A65ACF18E0}" presName="level" presStyleLbl="node1" presStyleIdx="0" presStyleCnt="6">
+        <dgm:presLayoutVars>
+          <dgm:chMax val="1"/>
+          <dgm:bulletEnabled val="1"/>
+        </dgm:presLayoutVars>
+      </dgm:prSet>
+      <dgm:spPr/>
+    </dgm:pt>
+    <dgm:pt modelId="{C3FEA482-03E8-B145-B4D2-F4BCDB98BE30}" type="pres">
+      <dgm:prSet presAssocID="{C5B759C8-25A3-A541-B96E-35A65ACF18E0}" presName="levelTx" presStyleLbl="revTx" presStyleIdx="0" presStyleCnt="0">
+        <dgm:presLayoutVars>
+          <dgm:chMax val="1"/>
+          <dgm:bulletEnabled val="1"/>
+        </dgm:presLayoutVars>
+      </dgm:prSet>
+      <dgm:spPr/>
+    </dgm:pt>
+    <dgm:pt modelId="{1ECE86BA-383F-7D4A-BDAF-B6D63C8BF517}" type="pres">
+      <dgm:prSet presAssocID="{A91D4ECC-92C5-5A47-BA0B-6A7773B89D60}" presName="Name8" presStyleCnt="0"/>
+      <dgm:spPr/>
+    </dgm:pt>
+    <dgm:pt modelId="{CB4091C6-09C5-5745-9607-16257F4F9329}" type="pres">
+      <dgm:prSet presAssocID="{A91D4ECC-92C5-5A47-BA0B-6A7773B89D60}" presName="acctBkgd" presStyleLbl="alignAcc1" presStyleIdx="1" presStyleCnt="6"/>
+      <dgm:spPr/>
+    </dgm:pt>
+    <dgm:pt modelId="{402ED307-7EEA-B14F-AAC3-CF64FA2C7B5B}" type="pres">
+      <dgm:prSet presAssocID="{A91D4ECC-92C5-5A47-BA0B-6A7773B89D60}" presName="acctTx" presStyleLbl="alignAcc1" presStyleIdx="1" presStyleCnt="6">
+        <dgm:presLayoutVars>
+          <dgm:bulletEnabled val="1"/>
+        </dgm:presLayoutVars>
+      </dgm:prSet>
+      <dgm:spPr/>
+    </dgm:pt>
+    <dgm:pt modelId="{C510302B-AA09-BC4F-B34E-659DD15F085C}" type="pres">
+      <dgm:prSet presAssocID="{A91D4ECC-92C5-5A47-BA0B-6A7773B89D60}" presName="level" presStyleLbl="node1" presStyleIdx="1" presStyleCnt="6">
+        <dgm:presLayoutVars>
+          <dgm:chMax val="1"/>
+          <dgm:bulletEnabled val="1"/>
+        </dgm:presLayoutVars>
+      </dgm:prSet>
+      <dgm:spPr/>
+    </dgm:pt>
+    <dgm:pt modelId="{E8415FB1-66F0-1A45-9BF9-4DCA4A04BDAB}" type="pres">
+      <dgm:prSet presAssocID="{A91D4ECC-92C5-5A47-BA0B-6A7773B89D60}" presName="levelTx" presStyleLbl="revTx" presStyleIdx="0" presStyleCnt="0">
+        <dgm:presLayoutVars>
+          <dgm:chMax val="1"/>
+          <dgm:bulletEnabled val="1"/>
+        </dgm:presLayoutVars>
+      </dgm:prSet>
+      <dgm:spPr/>
+    </dgm:pt>
+    <dgm:pt modelId="{C5805055-7500-9A49-BD80-32AA538D2D51}" type="pres">
+      <dgm:prSet presAssocID="{9F3B4D1A-5607-F945-9FD0-9835395BFAED}" presName="Name8" presStyleCnt="0"/>
+      <dgm:spPr/>
+    </dgm:pt>
+    <dgm:pt modelId="{B67DFF4E-F4CB-094B-998C-A517D0521B61}" type="pres">
+      <dgm:prSet presAssocID="{9F3B4D1A-5607-F945-9FD0-9835395BFAED}" presName="acctBkgd" presStyleLbl="alignAcc1" presStyleIdx="2" presStyleCnt="6"/>
+      <dgm:spPr/>
+    </dgm:pt>
+    <dgm:pt modelId="{912ECECE-D5F2-6946-91D3-67B2F762C3CB}" type="pres">
+      <dgm:prSet presAssocID="{9F3B4D1A-5607-F945-9FD0-9835395BFAED}" presName="acctTx" presStyleLbl="alignAcc1" presStyleIdx="2" presStyleCnt="6">
+        <dgm:presLayoutVars>
+          <dgm:bulletEnabled val="1"/>
+        </dgm:presLayoutVars>
+      </dgm:prSet>
+      <dgm:spPr/>
+    </dgm:pt>
+    <dgm:pt modelId="{7205E37B-F271-FF40-B54F-03A68DACAA0A}" type="pres">
+      <dgm:prSet presAssocID="{9F3B4D1A-5607-F945-9FD0-9835395BFAED}" presName="level" presStyleLbl="node1" presStyleIdx="2" presStyleCnt="6">
+        <dgm:presLayoutVars>
+          <dgm:chMax val="1"/>
+          <dgm:bulletEnabled val="1"/>
+        </dgm:presLayoutVars>
+      </dgm:prSet>
+      <dgm:spPr/>
+    </dgm:pt>
+    <dgm:pt modelId="{BBCA922B-6787-7F43-8BAA-1136783301A9}" type="pres">
+      <dgm:prSet presAssocID="{9F3B4D1A-5607-F945-9FD0-9835395BFAED}" presName="levelTx" presStyleLbl="revTx" presStyleIdx="0" presStyleCnt="0">
+        <dgm:presLayoutVars>
+          <dgm:chMax val="1"/>
+          <dgm:bulletEnabled val="1"/>
+        </dgm:presLayoutVars>
+      </dgm:prSet>
+      <dgm:spPr/>
+    </dgm:pt>
+    <dgm:pt modelId="{EBB159B8-A280-CE43-BDC3-DAF631926D98}" type="pres">
+      <dgm:prSet presAssocID="{38BBA8E5-A65B-AF40-ADEC-449E3EF37E7C}" presName="Name8" presStyleCnt="0"/>
+      <dgm:spPr/>
+    </dgm:pt>
+    <dgm:pt modelId="{4B31E65B-18A6-7E4C-AD8F-6BD8EFBC1757}" type="pres">
+      <dgm:prSet presAssocID="{38BBA8E5-A65B-AF40-ADEC-449E3EF37E7C}" presName="acctBkgd" presStyleLbl="alignAcc1" presStyleIdx="3" presStyleCnt="6"/>
+      <dgm:spPr/>
+    </dgm:pt>
+    <dgm:pt modelId="{B9082DB1-D116-9C4B-AE8A-F0242AF41225}" type="pres">
+      <dgm:prSet presAssocID="{38BBA8E5-A65B-AF40-ADEC-449E3EF37E7C}" presName="acctTx" presStyleLbl="alignAcc1" presStyleIdx="3" presStyleCnt="6">
+        <dgm:presLayoutVars>
+          <dgm:bulletEnabled val="1"/>
+        </dgm:presLayoutVars>
+      </dgm:prSet>
+      <dgm:spPr/>
+    </dgm:pt>
+    <dgm:pt modelId="{D1785B88-49A6-0445-AD06-A6D4FF187693}" type="pres">
+      <dgm:prSet presAssocID="{38BBA8E5-A65B-AF40-ADEC-449E3EF37E7C}" presName="level" presStyleLbl="node1" presStyleIdx="3" presStyleCnt="6">
+        <dgm:presLayoutVars>
+          <dgm:chMax val="1"/>
+          <dgm:bulletEnabled val="1"/>
+        </dgm:presLayoutVars>
+      </dgm:prSet>
+      <dgm:spPr/>
+    </dgm:pt>
+    <dgm:pt modelId="{57E1A541-4934-0844-BA37-73F0FDFF5433}" type="pres">
+      <dgm:prSet presAssocID="{38BBA8E5-A65B-AF40-ADEC-449E3EF37E7C}" presName="levelTx" presStyleLbl="revTx" presStyleIdx="0" presStyleCnt="0">
+        <dgm:presLayoutVars>
+          <dgm:chMax val="1"/>
+          <dgm:bulletEnabled val="1"/>
+        </dgm:presLayoutVars>
+      </dgm:prSet>
+      <dgm:spPr/>
+    </dgm:pt>
+    <dgm:pt modelId="{C199E0DE-AC86-4643-91FE-6701A17640E7}" type="pres">
+      <dgm:prSet presAssocID="{E8CE2274-4C9F-B946-82F1-88D41E788D14}" presName="Name8" presStyleCnt="0"/>
+      <dgm:spPr/>
+    </dgm:pt>
+    <dgm:pt modelId="{83A454C9-B7DA-2948-9195-288590543A4C}" type="pres">
+      <dgm:prSet presAssocID="{E8CE2274-4C9F-B946-82F1-88D41E788D14}" presName="acctBkgd" presStyleLbl="alignAcc1" presStyleIdx="4" presStyleCnt="6"/>
+      <dgm:spPr/>
+    </dgm:pt>
+    <dgm:pt modelId="{6014FB43-44CB-F647-A66E-0771DEA49081}" type="pres">
+      <dgm:prSet presAssocID="{E8CE2274-4C9F-B946-82F1-88D41E788D14}" presName="acctTx" presStyleLbl="alignAcc1" presStyleIdx="4" presStyleCnt="6">
+        <dgm:presLayoutVars>
+          <dgm:bulletEnabled val="1"/>
+        </dgm:presLayoutVars>
+      </dgm:prSet>
+      <dgm:spPr/>
+    </dgm:pt>
+    <dgm:pt modelId="{FE0D9470-5137-D24B-B6AA-A073390BF1F6}" type="pres">
+      <dgm:prSet presAssocID="{E8CE2274-4C9F-B946-82F1-88D41E788D14}" presName="level" presStyleLbl="node1" presStyleIdx="4" presStyleCnt="6">
+        <dgm:presLayoutVars>
+          <dgm:chMax val="1"/>
+          <dgm:bulletEnabled val="1"/>
+        </dgm:presLayoutVars>
+      </dgm:prSet>
+      <dgm:spPr/>
+    </dgm:pt>
+    <dgm:pt modelId="{AA1F2371-7742-7E4C-B5BE-80325DDEE00B}" type="pres">
+      <dgm:prSet presAssocID="{E8CE2274-4C9F-B946-82F1-88D41E788D14}" presName="levelTx" presStyleLbl="revTx" presStyleIdx="0" presStyleCnt="0">
+        <dgm:presLayoutVars>
+          <dgm:chMax val="1"/>
+          <dgm:bulletEnabled val="1"/>
+        </dgm:presLayoutVars>
+      </dgm:prSet>
+      <dgm:spPr/>
+    </dgm:pt>
+    <dgm:pt modelId="{D1701EE5-AD51-CE4D-AD43-EB276E27F883}" type="pres">
+      <dgm:prSet presAssocID="{A0195C50-98B6-B34E-B53F-75D689D583FE}" presName="Name8" presStyleCnt="0"/>
+      <dgm:spPr/>
+    </dgm:pt>
+    <dgm:pt modelId="{5E15DBB6-AD7C-C34D-92A7-5641EF8083CF}" type="pres">
+      <dgm:prSet presAssocID="{A0195C50-98B6-B34E-B53F-75D689D583FE}" presName="acctBkgd" presStyleLbl="alignAcc1" presStyleIdx="5" presStyleCnt="6"/>
+      <dgm:spPr/>
+    </dgm:pt>
+    <dgm:pt modelId="{10447C6A-D70B-3D4F-A45F-103C1CB17026}" type="pres">
+      <dgm:prSet presAssocID="{A0195C50-98B6-B34E-B53F-75D689D583FE}" presName="acctTx" presStyleLbl="alignAcc1" presStyleIdx="5" presStyleCnt="6">
+        <dgm:presLayoutVars>
+          <dgm:bulletEnabled val="1"/>
+        </dgm:presLayoutVars>
+      </dgm:prSet>
+      <dgm:spPr/>
+    </dgm:pt>
+    <dgm:pt modelId="{23D5EAAA-D189-8E4B-A39B-8703D5AA9862}" type="pres">
+      <dgm:prSet presAssocID="{A0195C50-98B6-B34E-B53F-75D689D583FE}" presName="level" presStyleLbl="node1" presStyleIdx="5" presStyleCnt="6">
+        <dgm:presLayoutVars>
+          <dgm:chMax val="1"/>
+          <dgm:bulletEnabled val="1"/>
+        </dgm:presLayoutVars>
+      </dgm:prSet>
+      <dgm:spPr/>
+    </dgm:pt>
+    <dgm:pt modelId="{02EABF19-D1F6-A349-BB23-BF774523966A}" type="pres">
+      <dgm:prSet presAssocID="{A0195C50-98B6-B34E-B53F-75D689D583FE}" presName="levelTx" presStyleLbl="revTx" presStyleIdx="0" presStyleCnt="0">
+        <dgm:presLayoutVars>
+          <dgm:chMax val="1"/>
+          <dgm:bulletEnabled val="1"/>
+        </dgm:presLayoutVars>
+      </dgm:prSet>
+      <dgm:spPr/>
+    </dgm:pt>
+  </dgm:ptLst>
+  <dgm:cxnLst>
+    <dgm:cxn modelId="{FE838915-C0C6-224F-8328-CD3547B9372D}" type="presOf" srcId="{AA0DE09A-C4A6-8A40-8530-B04D69BFC6E6}" destId="{83A454C9-B7DA-2948-9195-288590543A4C}" srcOrd="0" destOrd="0" presId="urn:microsoft.com/office/officeart/2005/8/layout/pyramid1"/>
+    <dgm:cxn modelId="{93826C2A-3C41-EB41-BF38-372C6631AE7E}" type="presOf" srcId="{38BBA8E5-A65B-AF40-ADEC-449E3EF37E7C}" destId="{D1785B88-49A6-0445-AD06-A6D4FF187693}" srcOrd="0" destOrd="0" presId="urn:microsoft.com/office/officeart/2005/8/layout/pyramid1"/>
+    <dgm:cxn modelId="{3917EE2B-37B0-CD48-BD58-D8E74E5F66AC}" srcId="{69782ED6-A307-664D-98BC-84FB29173601}" destId="{A91D4ECC-92C5-5A47-BA0B-6A7773B89D60}" srcOrd="1" destOrd="0" parTransId="{FCC03AB2-4B0A-9749-948A-B8E1AA8BCE5E}" sibTransId="{5B42F31D-EE64-454D-963C-51088C0923C1}"/>
+    <dgm:cxn modelId="{C602E32F-4921-4845-999E-4D95062F75C5}" type="presOf" srcId="{38BBA8E5-A65B-AF40-ADEC-449E3EF37E7C}" destId="{57E1A541-4934-0844-BA37-73F0FDFF5433}" srcOrd="1" destOrd="0" presId="urn:microsoft.com/office/officeart/2005/8/layout/pyramid1"/>
+    <dgm:cxn modelId="{69096E33-1CEA-D84B-A4CF-33EF030EC12B}" type="presOf" srcId="{C5B759C8-25A3-A541-B96E-35A65ACF18E0}" destId="{C3FEA482-03E8-B145-B4D2-F4BCDB98BE30}" srcOrd="1" destOrd="0" presId="urn:microsoft.com/office/officeart/2005/8/layout/pyramid1"/>
+    <dgm:cxn modelId="{6834333A-17E5-6145-BF55-9B0DF52C609B}" srcId="{E8CE2274-4C9F-B946-82F1-88D41E788D14}" destId="{AA0DE09A-C4A6-8A40-8530-B04D69BFC6E6}" srcOrd="0" destOrd="0" parTransId="{FE0D86EF-63A7-174B-897B-CD01B7E26AD2}" sibTransId="{E1A8AE84-1CB8-E049-BA37-A49A30B6299D}"/>
+    <dgm:cxn modelId="{50FE2C3D-3C63-3C42-9E86-1EEF9DA3AA2F}" type="presOf" srcId="{C5B759C8-25A3-A541-B96E-35A65ACF18E0}" destId="{FB37AC7B-C95D-1245-856E-937325F8E632}" srcOrd="0" destOrd="0" presId="urn:microsoft.com/office/officeart/2005/8/layout/pyramid1"/>
+    <dgm:cxn modelId="{DE8A564C-7DA4-B642-B41A-7C812DEB4A9F}" type="presOf" srcId="{69782ED6-A307-664D-98BC-84FB29173601}" destId="{DF4A38D7-6800-E249-8667-06D04A3FF7A5}" srcOrd="0" destOrd="0" presId="urn:microsoft.com/office/officeart/2005/8/layout/pyramid1"/>
+    <dgm:cxn modelId="{B2E0704E-20F6-AE4E-96D5-6D387F9C4963}" type="presOf" srcId="{A0195C50-98B6-B34E-B53F-75D689D583FE}" destId="{02EABF19-D1F6-A349-BB23-BF774523966A}" srcOrd="1" destOrd="0" presId="urn:microsoft.com/office/officeart/2005/8/layout/pyramid1"/>
+    <dgm:cxn modelId="{66984357-A9EB-9748-96E0-63754B656451}" type="presOf" srcId="{9C195ACD-B744-FC4F-9EE8-3B5B8CDCA2A2}" destId="{4B31E65B-18A6-7E4C-AD8F-6BD8EFBC1757}" srcOrd="0" destOrd="0" presId="urn:microsoft.com/office/officeart/2005/8/layout/pyramid1"/>
+    <dgm:cxn modelId="{A6BC2E67-A93D-B347-8D04-73EFC0CFE3AB}" srcId="{38BBA8E5-A65B-AF40-ADEC-449E3EF37E7C}" destId="{9C195ACD-B744-FC4F-9EE8-3B5B8CDCA2A2}" srcOrd="0" destOrd="0" parTransId="{E71945F1-9379-1C4C-8FBC-BC53DC544F34}" sibTransId="{686F89D4-8D7A-7040-A0B4-0256906FAF1E}"/>
+    <dgm:cxn modelId="{20DBDF80-3B32-BA4B-8E16-C831E1C9E300}" type="presOf" srcId="{7949E648-AA02-CC45-9EF3-C120EFB2DA37}" destId="{402ED307-7EEA-B14F-AAC3-CF64FA2C7B5B}" srcOrd="1" destOrd="0" presId="urn:microsoft.com/office/officeart/2005/8/layout/pyramid1"/>
+    <dgm:cxn modelId="{909AB684-7489-2A4E-9311-5B82811BCFEE}" srcId="{69782ED6-A307-664D-98BC-84FB29173601}" destId="{A0195C50-98B6-B34E-B53F-75D689D583FE}" srcOrd="5" destOrd="0" parTransId="{A6E089F3-AB16-7C47-AAE5-1AD7FD49000A}" sibTransId="{EF0844C1-3C8F-F64C-B00A-AE692E8763F9}"/>
+    <dgm:cxn modelId="{4A31528A-2DAE-1047-9B40-88DA2E5B7E72}" type="presOf" srcId="{9F3B4D1A-5607-F945-9FD0-9835395BFAED}" destId="{BBCA922B-6787-7F43-8BAA-1136783301A9}" srcOrd="1" destOrd="0" presId="urn:microsoft.com/office/officeart/2005/8/layout/pyramid1"/>
+    <dgm:cxn modelId="{75D9468B-70F6-F54B-8A16-064F6D7F8C87}" type="presOf" srcId="{A0195C50-98B6-B34E-B53F-75D689D583FE}" destId="{23D5EAAA-D189-8E4B-A39B-8703D5AA9862}" srcOrd="0" destOrd="0" presId="urn:microsoft.com/office/officeart/2005/8/layout/pyramid1"/>
+    <dgm:cxn modelId="{D8FD9092-5D0A-8A48-984B-2387C181C9E1}" srcId="{A0195C50-98B6-B34E-B53F-75D689D583FE}" destId="{700D5FEB-62A1-5446-91F6-D18AFBB9C0E3}" srcOrd="0" destOrd="0" parTransId="{D57AD55F-D88D-284E-BC3D-F5EA514177D7}" sibTransId="{9B02B08F-071E-674C-8038-9C6FF028C08F}"/>
+    <dgm:cxn modelId="{59A42F9D-B1DD-B74F-A155-85131A92804F}" type="presOf" srcId="{AA0DE09A-C4A6-8A40-8530-B04D69BFC6E6}" destId="{6014FB43-44CB-F647-A66E-0771DEA49081}" srcOrd="1" destOrd="0" presId="urn:microsoft.com/office/officeart/2005/8/layout/pyramid1"/>
+    <dgm:cxn modelId="{D349019F-3587-C145-80C8-DF75D19D4C2A}" type="presOf" srcId="{B8E1CAE9-79FA-9B49-9BDF-4F49D1B8E81F}" destId="{912ECECE-D5F2-6946-91D3-67B2F762C3CB}" srcOrd="1" destOrd="0" presId="urn:microsoft.com/office/officeart/2005/8/layout/pyramid1"/>
+    <dgm:cxn modelId="{0AE234A1-059B-3745-ACEE-AAA29A4294D7}" type="presOf" srcId="{67743780-EB35-FB43-9C61-490942BD5FE8}" destId="{8DF2A691-942D-554B-8CCF-84DD850899D1}" srcOrd="0" destOrd="0" presId="urn:microsoft.com/office/officeart/2005/8/layout/pyramid1"/>
+    <dgm:cxn modelId="{738D97A3-D7A3-E942-B5A3-F886A644DBA6}" srcId="{69782ED6-A307-664D-98BC-84FB29173601}" destId="{38BBA8E5-A65B-AF40-ADEC-449E3EF37E7C}" srcOrd="3" destOrd="0" parTransId="{FFA4BAC9-9218-0A40-8AF5-03D3763CB8C6}" sibTransId="{DDD7A4E9-CF5C-6545-B29E-8A307841A7A1}"/>
+    <dgm:cxn modelId="{707F26A6-4F12-FE47-9851-717074B78E53}" srcId="{C5B759C8-25A3-A541-B96E-35A65ACF18E0}" destId="{67743780-EB35-FB43-9C61-490942BD5FE8}" srcOrd="0" destOrd="0" parTransId="{3E4825D2-53DD-474D-B27C-38F19BB148DE}" sibTransId="{DED18B37-D54A-6748-BECF-D071F5AF0FE9}"/>
+    <dgm:cxn modelId="{7F6555A6-627D-C640-B615-85B2851645DB}" srcId="{A91D4ECC-92C5-5A47-BA0B-6A7773B89D60}" destId="{7949E648-AA02-CC45-9EF3-C120EFB2DA37}" srcOrd="0" destOrd="0" parTransId="{B7B6FCBE-8367-1745-9F65-05BD2C4651A1}" sibTransId="{62AA9D02-4952-4E47-87D9-22ED2609E7CC}"/>
+    <dgm:cxn modelId="{29CF4EA8-CBF2-834D-94E5-07F1E246CDC8}" srcId="{69782ED6-A307-664D-98BC-84FB29173601}" destId="{E8CE2274-4C9F-B946-82F1-88D41E788D14}" srcOrd="4" destOrd="0" parTransId="{BB11EEAF-97FF-2B42-ADA5-9E6DB60AFB21}" sibTransId="{C234B192-12F0-5440-8269-FE65BB3E99C3}"/>
+    <dgm:cxn modelId="{988970A9-D09D-0D42-BADB-D9A684E22642}" srcId="{69782ED6-A307-664D-98BC-84FB29173601}" destId="{C5B759C8-25A3-A541-B96E-35A65ACF18E0}" srcOrd="0" destOrd="0" parTransId="{711A0E9E-D9C7-7743-9BAC-3D1358C7F852}" sibTransId="{7648EE3F-A96E-5D4D-88E0-D81A6EF76B35}"/>
+    <dgm:cxn modelId="{D35DF0A9-BD33-FD49-8EF7-950FA034970F}" type="presOf" srcId="{67743780-EB35-FB43-9C61-490942BD5FE8}" destId="{32E8FADD-56F9-A640-9455-D54D8B0C61CF}" srcOrd="1" destOrd="0" presId="urn:microsoft.com/office/officeart/2005/8/layout/pyramid1"/>
+    <dgm:cxn modelId="{1B4977AA-F54B-E24A-B49F-F9A066CF41C3}" type="presOf" srcId="{7949E648-AA02-CC45-9EF3-C120EFB2DA37}" destId="{CB4091C6-09C5-5745-9607-16257F4F9329}" srcOrd="0" destOrd="0" presId="urn:microsoft.com/office/officeart/2005/8/layout/pyramid1"/>
+    <dgm:cxn modelId="{340030B3-F36A-474F-BE65-F1E2171DF713}" type="presOf" srcId="{A91D4ECC-92C5-5A47-BA0B-6A7773B89D60}" destId="{E8415FB1-66F0-1A45-9BF9-4DCA4A04BDAB}" srcOrd="1" destOrd="0" presId="urn:microsoft.com/office/officeart/2005/8/layout/pyramid1"/>
+    <dgm:cxn modelId="{9E684AB9-757F-DA44-89B5-F39F2C50A7BB}" type="presOf" srcId="{9C195ACD-B744-FC4F-9EE8-3B5B8CDCA2A2}" destId="{B9082DB1-D116-9C4B-AE8A-F0242AF41225}" srcOrd="1" destOrd="0" presId="urn:microsoft.com/office/officeart/2005/8/layout/pyramid1"/>
+    <dgm:cxn modelId="{9F2BC9C6-E97B-D84D-98E7-22F8B8D22EE6}" type="presOf" srcId="{A91D4ECC-92C5-5A47-BA0B-6A7773B89D60}" destId="{C510302B-AA09-BC4F-B34E-659DD15F085C}" srcOrd="0" destOrd="0" presId="urn:microsoft.com/office/officeart/2005/8/layout/pyramid1"/>
+    <dgm:cxn modelId="{299193CF-9066-0E48-9A52-46ABAD4F75C9}" type="presOf" srcId="{700D5FEB-62A1-5446-91F6-D18AFBB9C0E3}" destId="{5E15DBB6-AD7C-C34D-92A7-5641EF8083CF}" srcOrd="0" destOrd="0" presId="urn:microsoft.com/office/officeart/2005/8/layout/pyramid1"/>
+    <dgm:cxn modelId="{18F929DC-FAFA-9643-9C19-6FBCBAA790D6}" type="presOf" srcId="{700D5FEB-62A1-5446-91F6-D18AFBB9C0E3}" destId="{10447C6A-D70B-3D4F-A45F-103C1CB17026}" srcOrd="1" destOrd="0" presId="urn:microsoft.com/office/officeart/2005/8/layout/pyramid1"/>
+    <dgm:cxn modelId="{78DB88DC-60BA-5040-9074-07D144033D21}" srcId="{9F3B4D1A-5607-F945-9FD0-9835395BFAED}" destId="{B8E1CAE9-79FA-9B49-9BDF-4F49D1B8E81F}" srcOrd="0" destOrd="0" parTransId="{06806CBF-83E3-FC41-997D-C2FE3FA8AA24}" sibTransId="{894E118C-6B59-464C-8278-398A111E69C1}"/>
+    <dgm:cxn modelId="{6CF89EDF-4D76-8C49-B4E4-A09E6D3F1DC7}" type="presOf" srcId="{E8CE2274-4C9F-B946-82F1-88D41E788D14}" destId="{FE0D9470-5137-D24B-B6AA-A073390BF1F6}" srcOrd="0" destOrd="0" presId="urn:microsoft.com/office/officeart/2005/8/layout/pyramid1"/>
+    <dgm:cxn modelId="{739FE3E8-95A8-A24C-B4A9-7D8DA37A9D4F}" type="presOf" srcId="{E8CE2274-4C9F-B946-82F1-88D41E788D14}" destId="{AA1F2371-7742-7E4C-B5BE-80325DDEE00B}" srcOrd="1" destOrd="0" presId="urn:microsoft.com/office/officeart/2005/8/layout/pyramid1"/>
+    <dgm:cxn modelId="{2FAE69EA-3119-7541-B9B3-C8D2E6CBF4D4}" type="presOf" srcId="{9F3B4D1A-5607-F945-9FD0-9835395BFAED}" destId="{7205E37B-F271-FF40-B54F-03A68DACAA0A}" srcOrd="0" destOrd="0" presId="urn:microsoft.com/office/officeart/2005/8/layout/pyramid1"/>
+    <dgm:cxn modelId="{51F7DAF2-E1FF-E74F-8CA1-A73CF1A528A6}" type="presOf" srcId="{B8E1CAE9-79FA-9B49-9BDF-4F49D1B8E81F}" destId="{B67DFF4E-F4CB-094B-998C-A517D0521B61}" srcOrd="0" destOrd="0" presId="urn:microsoft.com/office/officeart/2005/8/layout/pyramid1"/>
+    <dgm:cxn modelId="{C1D7D6F6-C006-D845-8868-BB1FB41DA668}" srcId="{69782ED6-A307-664D-98BC-84FB29173601}" destId="{9F3B4D1A-5607-F945-9FD0-9835395BFAED}" srcOrd="2" destOrd="0" parTransId="{52BDB6CE-05C5-B543-A33C-E56D0775F682}" sibTransId="{16241EB6-B2F2-614D-8B16-91709F1E8039}"/>
+    <dgm:cxn modelId="{5FCE2ECC-D0EB-7844-85A4-1F92E23D25FC}" type="presParOf" srcId="{DF4A38D7-6800-E249-8667-06D04A3FF7A5}" destId="{09C627FE-E079-9B40-A9D6-2B0E48EDE1F0}" srcOrd="0" destOrd="0" presId="urn:microsoft.com/office/officeart/2005/8/layout/pyramid1"/>
+    <dgm:cxn modelId="{9DECF0DA-51C8-084F-A437-6B7E51232473}" type="presParOf" srcId="{09C627FE-E079-9B40-A9D6-2B0E48EDE1F0}" destId="{8DF2A691-942D-554B-8CCF-84DD850899D1}" srcOrd="0" destOrd="0" presId="urn:microsoft.com/office/officeart/2005/8/layout/pyramid1"/>
+    <dgm:cxn modelId="{0180B192-5ED9-F74E-A65D-00165789A1B0}" type="presParOf" srcId="{09C627FE-E079-9B40-A9D6-2B0E48EDE1F0}" destId="{32E8FADD-56F9-A640-9455-D54D8B0C61CF}" srcOrd="1" destOrd="0" presId="urn:microsoft.com/office/officeart/2005/8/layout/pyramid1"/>
+    <dgm:cxn modelId="{FA1535F5-A868-9749-B3CB-2F25D045B3AE}" type="presParOf" srcId="{09C627FE-E079-9B40-A9D6-2B0E48EDE1F0}" destId="{FB37AC7B-C95D-1245-856E-937325F8E632}" srcOrd="2" destOrd="0" presId="urn:microsoft.com/office/officeart/2005/8/layout/pyramid1"/>
+    <dgm:cxn modelId="{3FCD546C-CDBE-E241-8A3F-89ADDEDC53F1}" type="presParOf" srcId="{09C627FE-E079-9B40-A9D6-2B0E48EDE1F0}" destId="{C3FEA482-03E8-B145-B4D2-F4BCDB98BE30}" srcOrd="3" destOrd="0" presId="urn:microsoft.com/office/officeart/2005/8/layout/pyramid1"/>
+    <dgm:cxn modelId="{A07A19CB-4A22-2544-883C-D910319653BA}" type="presParOf" srcId="{DF4A38D7-6800-E249-8667-06D04A3FF7A5}" destId="{1ECE86BA-383F-7D4A-BDAF-B6D63C8BF517}" srcOrd="1" destOrd="0" presId="urn:microsoft.com/office/officeart/2005/8/layout/pyramid1"/>
+    <dgm:cxn modelId="{2340B035-B7D3-D941-90B3-F434DB3E9DBF}" type="presParOf" srcId="{1ECE86BA-383F-7D4A-BDAF-B6D63C8BF517}" destId="{CB4091C6-09C5-5745-9607-16257F4F9329}" srcOrd="0" destOrd="0" presId="urn:microsoft.com/office/officeart/2005/8/layout/pyramid1"/>
+    <dgm:cxn modelId="{C1EE8828-FAF6-1C4C-945A-EC91DCFE7D89}" type="presParOf" srcId="{1ECE86BA-383F-7D4A-BDAF-B6D63C8BF517}" destId="{402ED307-7EEA-B14F-AAC3-CF64FA2C7B5B}" srcOrd="1" destOrd="0" presId="urn:microsoft.com/office/officeart/2005/8/layout/pyramid1"/>
+    <dgm:cxn modelId="{6B7F85C4-611F-A747-BF4B-F760039B210B}" type="presParOf" srcId="{1ECE86BA-383F-7D4A-BDAF-B6D63C8BF517}" destId="{C510302B-AA09-BC4F-B34E-659DD15F085C}" srcOrd="2" destOrd="0" presId="urn:microsoft.com/office/officeart/2005/8/layout/pyramid1"/>
+    <dgm:cxn modelId="{5323E170-B686-C048-A0B7-8C7EC4888473}" type="presParOf" srcId="{1ECE86BA-383F-7D4A-BDAF-B6D63C8BF517}" destId="{E8415FB1-66F0-1A45-9BF9-4DCA4A04BDAB}" srcOrd="3" destOrd="0" presId="urn:microsoft.com/office/officeart/2005/8/layout/pyramid1"/>
+    <dgm:cxn modelId="{55492A21-C4C1-184B-BB6F-9910B1BA5FF5}" type="presParOf" srcId="{DF4A38D7-6800-E249-8667-06D04A3FF7A5}" destId="{C5805055-7500-9A49-BD80-32AA538D2D51}" srcOrd="2" destOrd="0" presId="urn:microsoft.com/office/officeart/2005/8/layout/pyramid1"/>
+    <dgm:cxn modelId="{4D8B28A7-1010-014F-AD10-DDF11F4C16AD}" type="presParOf" srcId="{C5805055-7500-9A49-BD80-32AA538D2D51}" destId="{B67DFF4E-F4CB-094B-998C-A517D0521B61}" srcOrd="0" destOrd="0" presId="urn:microsoft.com/office/officeart/2005/8/layout/pyramid1"/>
+    <dgm:cxn modelId="{7CE9AD23-0E3B-C04D-B7B7-BE2146BD84AF}" type="presParOf" srcId="{C5805055-7500-9A49-BD80-32AA538D2D51}" destId="{912ECECE-D5F2-6946-91D3-67B2F762C3CB}" srcOrd="1" destOrd="0" presId="urn:microsoft.com/office/officeart/2005/8/layout/pyramid1"/>
+    <dgm:cxn modelId="{A5D0C689-EADC-9745-BBCE-67061F171D2F}" type="presParOf" srcId="{C5805055-7500-9A49-BD80-32AA538D2D51}" destId="{7205E37B-F271-FF40-B54F-03A68DACAA0A}" srcOrd="2" destOrd="0" presId="urn:microsoft.com/office/officeart/2005/8/layout/pyramid1"/>
+    <dgm:cxn modelId="{00698703-5456-254B-8688-E0A10AE2565B}" type="presParOf" srcId="{C5805055-7500-9A49-BD80-32AA538D2D51}" destId="{BBCA922B-6787-7F43-8BAA-1136783301A9}" srcOrd="3" destOrd="0" presId="urn:microsoft.com/office/officeart/2005/8/layout/pyramid1"/>
+    <dgm:cxn modelId="{50B548E0-9638-7544-A973-B4F37256A349}" type="presParOf" srcId="{DF4A38D7-6800-E249-8667-06D04A3FF7A5}" destId="{EBB159B8-A280-CE43-BDC3-DAF631926D98}" srcOrd="3" destOrd="0" presId="urn:microsoft.com/office/officeart/2005/8/layout/pyramid1"/>
+    <dgm:cxn modelId="{2FF47615-E458-0748-B0DB-135A8A8356F0}" type="presParOf" srcId="{EBB159B8-A280-CE43-BDC3-DAF631926D98}" destId="{4B31E65B-18A6-7E4C-AD8F-6BD8EFBC1757}" srcOrd="0" destOrd="0" presId="urn:microsoft.com/office/officeart/2005/8/layout/pyramid1"/>
+    <dgm:cxn modelId="{09AF2F5A-19D4-FF41-A832-E1541CBDA3DB}" type="presParOf" srcId="{EBB159B8-A280-CE43-BDC3-DAF631926D98}" destId="{B9082DB1-D116-9C4B-AE8A-F0242AF41225}" srcOrd="1" destOrd="0" presId="urn:microsoft.com/office/officeart/2005/8/layout/pyramid1"/>
+    <dgm:cxn modelId="{B6E63208-0E03-834E-B682-54392D3180BF}" type="presParOf" srcId="{EBB159B8-A280-CE43-BDC3-DAF631926D98}" destId="{D1785B88-49A6-0445-AD06-A6D4FF187693}" srcOrd="2" destOrd="0" presId="urn:microsoft.com/office/officeart/2005/8/layout/pyramid1"/>
+    <dgm:cxn modelId="{D377A418-2756-4D4F-A85C-0F208DB65222}" type="presParOf" srcId="{EBB159B8-A280-CE43-BDC3-DAF631926D98}" destId="{57E1A541-4934-0844-BA37-73F0FDFF5433}" srcOrd="3" destOrd="0" presId="urn:microsoft.com/office/officeart/2005/8/layout/pyramid1"/>
+    <dgm:cxn modelId="{E23B9C37-1358-CD4E-9511-BF763DFDD834}" type="presParOf" srcId="{DF4A38D7-6800-E249-8667-06D04A3FF7A5}" destId="{C199E0DE-AC86-4643-91FE-6701A17640E7}" srcOrd="4" destOrd="0" presId="urn:microsoft.com/office/officeart/2005/8/layout/pyramid1"/>
+    <dgm:cxn modelId="{CD5D7A95-80C1-174C-9404-1004024D53C7}" type="presParOf" srcId="{C199E0DE-AC86-4643-91FE-6701A17640E7}" destId="{83A454C9-B7DA-2948-9195-288590543A4C}" srcOrd="0" destOrd="0" presId="urn:microsoft.com/office/officeart/2005/8/layout/pyramid1"/>
+    <dgm:cxn modelId="{F1476F16-CA06-4F4F-8AEE-FAF3CCD18F81}" type="presParOf" srcId="{C199E0DE-AC86-4643-91FE-6701A17640E7}" destId="{6014FB43-44CB-F647-A66E-0771DEA49081}" srcOrd="1" destOrd="0" presId="urn:microsoft.com/office/officeart/2005/8/layout/pyramid1"/>
+    <dgm:cxn modelId="{4E5C41B0-AEF7-584F-AAE0-D4F7EDEAB6A5}" type="presParOf" srcId="{C199E0DE-AC86-4643-91FE-6701A17640E7}" destId="{FE0D9470-5137-D24B-B6AA-A073390BF1F6}" srcOrd="2" destOrd="0" presId="urn:microsoft.com/office/officeart/2005/8/layout/pyramid1"/>
+    <dgm:cxn modelId="{19C80089-BDDB-414F-9F66-971944D119D0}" type="presParOf" srcId="{C199E0DE-AC86-4643-91FE-6701A17640E7}" destId="{AA1F2371-7742-7E4C-B5BE-80325DDEE00B}" srcOrd="3" destOrd="0" presId="urn:microsoft.com/office/officeart/2005/8/layout/pyramid1"/>
+    <dgm:cxn modelId="{6B7D99AF-4074-3B46-A3DC-FA72740339CB}" type="presParOf" srcId="{DF4A38D7-6800-E249-8667-06D04A3FF7A5}" destId="{D1701EE5-AD51-CE4D-AD43-EB276E27F883}" srcOrd="5" destOrd="0" presId="urn:microsoft.com/office/officeart/2005/8/layout/pyramid1"/>
+    <dgm:cxn modelId="{F6C62C72-2BD5-1741-9AC0-B8AD2E0852D8}" type="presParOf" srcId="{D1701EE5-AD51-CE4D-AD43-EB276E27F883}" destId="{5E15DBB6-AD7C-C34D-92A7-5641EF8083CF}" srcOrd="0" destOrd="0" presId="urn:microsoft.com/office/officeart/2005/8/layout/pyramid1"/>
+    <dgm:cxn modelId="{F4AB7C7F-AB03-6F4D-B881-AB36BD0A4319}" type="presParOf" srcId="{D1701EE5-AD51-CE4D-AD43-EB276E27F883}" destId="{10447C6A-D70B-3D4F-A45F-103C1CB17026}" srcOrd="1" destOrd="0" presId="urn:microsoft.com/office/officeart/2005/8/layout/pyramid1"/>
+    <dgm:cxn modelId="{79AC1CFE-2BF3-964C-B3AE-BD3B0EA59021}" type="presParOf" srcId="{D1701EE5-AD51-CE4D-AD43-EB276E27F883}" destId="{23D5EAAA-D189-8E4B-A39B-8703D5AA9862}" srcOrd="2" destOrd="0" presId="urn:microsoft.com/office/officeart/2005/8/layout/pyramid1"/>
+    <dgm:cxn modelId="{39A2D920-51A6-354E-9160-D39940268018}" type="presParOf" srcId="{D1701EE5-AD51-CE4D-AD43-EB276E27F883}" destId="{02EABF19-D1F6-A349-BB23-BF774523966A}" srcOrd="3" destOrd="0" presId="urn:microsoft.com/office/officeart/2005/8/layout/pyramid1"/>
+  </dgm:cxnLst>
+  <dgm:bg/>
+  <dgm:whole/>
+  <dgm:extLst>
+    <a:ext uri="http://schemas.microsoft.com/office/drawing/2008/diagram">
+      <dsp:dataModelExt xmlns:dsp="http://schemas.microsoft.com/office/drawing/2008/diagram" relId="rId6" minVer="http://schemas.openxmlformats.org/drawingml/2006/diagram"/>
+    </a:ext>
+  </dgm:extLst>
+</dgm:dataModel>
+</file>
+
+<file path=ppt/diagrams/drawing1.xml><?xml version="1.0" encoding="utf-8"?>
+<dsp:drawing xmlns:dgm="http://schemas.openxmlformats.org/drawingml/2006/diagram" xmlns:dsp="http://schemas.microsoft.com/office/drawing/2008/diagram" xmlns:a="http://schemas.openxmlformats.org/drawingml/2006/main">
+  <dsp:spTree>
+    <dsp:nvGrpSpPr>
+      <dsp:cNvPr id="0" name=""/>
+      <dsp:cNvGrpSpPr/>
+    </dsp:nvGrpSpPr>
+    <dsp:grpSpPr/>
+    <dsp:sp modelId="{8DF2A691-942D-554B-8CCF-84DD850899D1}">
+      <dsp:nvSpPr>
+        <dsp:cNvPr id="0" name=""/>
+        <dsp:cNvSpPr/>
+      </dsp:nvSpPr>
+      <dsp:spPr>
+        <a:xfrm rot="10800000">
+          <a:off x="3852619" y="0"/>
+          <a:ext cx="7478613" cy="614530"/>
+        </a:xfrm>
+        <a:prstGeom prst="nonIsoscelesTrapezoid">
+          <a:avLst>
+            <a:gd name="adj1" fmla="val 0"/>
+            <a:gd name="adj2" fmla="val 104487"/>
+          </a:avLst>
+        </a:prstGeom>
+        <a:solidFill>
+          <a:schemeClr val="lt1">
+            <a:alpha val="90000"/>
+            <a:hueOff val="0"/>
+            <a:satOff val="0"/>
+            <a:lumOff val="0"/>
+            <a:alphaOff val="0"/>
+          </a:schemeClr>
+        </a:solidFill>
+        <a:ln w="6350" cap="flat" cmpd="sng" algn="ctr">
+          <a:solidFill>
+            <a:schemeClr val="accent4">
+              <a:alpha val="90000"/>
+              <a:hueOff val="0"/>
+              <a:satOff val="0"/>
+              <a:lumOff val="0"/>
+              <a:alphaOff val="0"/>
+            </a:schemeClr>
+          </a:solidFill>
+          <a:prstDash val="solid"/>
+          <a:miter lim="800000"/>
+        </a:ln>
+        <a:effectLst/>
+        <a:scene3d>
+          <a:camera prst="orthographicFront"/>
+          <a:lightRig rig="threePt" dir="t">
+            <a:rot lat="0" lon="0" rev="7500000"/>
+          </a:lightRig>
+        </a:scene3d>
+        <a:sp3d extrusionH="190500" prstMaterial="dkEdge">
+          <a:bevelT w="135400" h="16350" prst="relaxedInset"/>
+          <a:contourClr>
+            <a:schemeClr val="bg1"/>
+          </a:contourClr>
+        </a:sp3d>
+      </dsp:spPr>
+      <dsp:style>
+        <a:lnRef idx="1">
+          <a:scrgbClr r="0" g="0" b="0"/>
+        </a:lnRef>
+        <a:fillRef idx="1">
+          <a:scrgbClr r="0" g="0" b="0"/>
+        </a:fillRef>
+        <a:effectRef idx="2">
+          <a:scrgbClr r="0" g="0" b="0"/>
+        </a:effectRef>
+        <a:fontRef idx="minor"/>
+      </dsp:style>
+      <dsp:txBody>
+        <a:bodyPr spcFirstLastPara="0" vert="horz" wrap="square" lIns="60960" tIns="60960" rIns="60960" bIns="60960" numCol="1" spcCol="1270" anchor="ctr" anchorCtr="0">
+          <a:noAutofit/>
+        </a:bodyPr>
+        <a:lstStyle/>
+        <a:p>
+          <a:pPr marL="171450" lvl="1" indent="-171450" algn="l" defTabSz="711200">
+            <a:lnSpc>
+              <a:spcPct val="90000"/>
+            </a:lnSpc>
+            <a:spcBef>
+              <a:spcPct val="0"/>
+            </a:spcBef>
+            <a:spcAft>
+              <a:spcPct val="15000"/>
+            </a:spcAft>
+            <a:buChar char="•"/>
+          </a:pPr>
+          <a:r>
+            <a:rPr lang="en-US" sz="1600" b="0" i="0" kern="1200" dirty="0">
+              <a:latin typeface="Futura Medium" panose="020B0602020204020303" pitchFamily="34" charset="-79"/>
+              <a:cs typeface="Futura Medium" panose="020B0602020204020303" pitchFamily="34" charset="-79"/>
+            </a:rPr>
+            <a:t>Evolve an independent architecture / tech </a:t>
+          </a:r>
+          <a:r>
+            <a:rPr lang="en-US" sz="1600" b="0" i="0" kern="1200">
+              <a:latin typeface="Futura Medium" panose="020B0602020204020303" pitchFamily="34" charset="-79"/>
+              <a:cs typeface="Futura Medium" panose="020B0602020204020303" pitchFamily="34" charset="-79"/>
+            </a:rPr>
+            <a:t>stackl</a:t>
+          </a:r>
+          <a:endParaRPr lang="en-US" sz="1600" b="0" i="0" kern="1200" dirty="0">
+            <a:latin typeface="Futura Medium" panose="020B0602020204020303" pitchFamily="34" charset="-79"/>
+            <a:cs typeface="Futura Medium" panose="020B0602020204020303" pitchFamily="34" charset="-79"/>
+          </a:endParaRPr>
+        </a:p>
+      </dsp:txBody>
+      <dsp:txXfrm rot="10800000">
+        <a:off x="4494722" y="0"/>
+        <a:ext cx="6836510" cy="614530"/>
+      </dsp:txXfrm>
+    </dsp:sp>
+    <dsp:sp modelId="{FB37AC7B-C95D-1245-856E-937325F8E632}">
+      <dsp:nvSpPr>
+        <dsp:cNvPr id="0" name=""/>
+        <dsp:cNvSpPr/>
+      </dsp:nvSpPr>
+      <dsp:spPr>
+        <a:xfrm>
+          <a:off x="3210516" y="0"/>
+          <a:ext cx="1284206" cy="614530"/>
+        </a:xfrm>
+        <a:prstGeom prst="trapezoid">
+          <a:avLst>
+            <a:gd name="adj" fmla="val 104487"/>
+          </a:avLst>
+        </a:prstGeom>
+        <a:gradFill flip="none" rotWithShape="0">
+          <a:gsLst>
+            <a:gs pos="0">
+              <a:srgbClr val="FF0000">
+                <a:tint val="66000"/>
+                <a:satMod val="160000"/>
+              </a:srgbClr>
+            </a:gs>
+            <a:gs pos="50000">
+              <a:srgbClr val="FF0000">
+                <a:tint val="44500"/>
+                <a:satMod val="160000"/>
+              </a:srgbClr>
+            </a:gs>
+            <a:gs pos="100000">
+              <a:srgbClr val="FF0000">
+                <a:tint val="23500"/>
+                <a:satMod val="160000"/>
+              </a:srgbClr>
+            </a:gs>
+          </a:gsLst>
+          <a:lin ang="5400000" scaled="1"/>
+          <a:tileRect/>
+        </a:gradFill>
+        <a:ln>
+          <a:noFill/>
+        </a:ln>
+        <a:effectLst/>
+        <a:scene3d>
+          <a:camera prst="orthographicFront"/>
+          <a:lightRig rig="threePt" dir="t">
+            <a:rot lat="0" lon="0" rev="7500000"/>
+          </a:lightRig>
+        </a:scene3d>
+        <a:sp3d prstMaterial="plastic">
+          <a:bevelT w="127000" h="25400" prst="relaxedInset"/>
+        </a:sp3d>
+      </dsp:spPr>
+      <dsp:style>
+        <a:lnRef idx="0">
+          <a:scrgbClr r="0" g="0" b="0"/>
+        </a:lnRef>
+        <a:fillRef idx="3">
+          <a:scrgbClr r="0" g="0" b="0"/>
+        </a:fillRef>
+        <a:effectRef idx="2">
+          <a:scrgbClr r="0" g="0" b="0"/>
+        </a:effectRef>
+        <a:fontRef idx="minor">
+          <a:schemeClr val="lt1"/>
+        </a:fontRef>
+      </dsp:style>
+      <dsp:txBody>
+        <a:bodyPr spcFirstLastPara="0" vert="horz" wrap="square" lIns="25400" tIns="25400" rIns="25400" bIns="25400" numCol="1" spcCol="1270" anchor="ctr" anchorCtr="0">
+          <a:noAutofit/>
+        </a:bodyPr>
+        <a:lstStyle/>
+        <a:p>
+          <a:pPr marL="0" lvl="0" indent="0" algn="ctr" defTabSz="889000">
+            <a:lnSpc>
+              <a:spcPct val="90000"/>
+            </a:lnSpc>
+            <a:spcBef>
+              <a:spcPct val="0"/>
+            </a:spcBef>
+            <a:spcAft>
+              <a:spcPct val="35000"/>
+            </a:spcAft>
+            <a:buNone/>
+          </a:pPr>
+          <a:endParaRPr lang="en-US" sz="2000" kern="1200" dirty="0">
+            <a:latin typeface="Copperplate"/>
+            <a:cs typeface="Copperplate"/>
+          </a:endParaRPr>
+        </a:p>
+      </dsp:txBody>
+      <dsp:txXfrm>
+        <a:off x="3210516" y="0"/>
+        <a:ext cx="1284206" cy="614530"/>
+      </dsp:txXfrm>
+    </dsp:sp>
+    <dsp:sp modelId="{CB4091C6-09C5-5745-9607-16257F4F9329}">
+      <dsp:nvSpPr>
+        <dsp:cNvPr id="0" name=""/>
+        <dsp:cNvSpPr/>
+      </dsp:nvSpPr>
+      <dsp:spPr>
+        <a:xfrm rot="10800000">
+          <a:off x="4494722" y="614530"/>
+          <a:ext cx="6836510" cy="614530"/>
+        </a:xfrm>
+        <a:prstGeom prst="nonIsoscelesTrapezoid">
+          <a:avLst>
+            <a:gd name="adj1" fmla="val 0"/>
+            <a:gd name="adj2" fmla="val 104487"/>
+          </a:avLst>
+        </a:prstGeom>
+        <a:solidFill>
+          <a:schemeClr val="lt1">
+            <a:alpha val="90000"/>
+            <a:hueOff val="0"/>
+            <a:satOff val="0"/>
+            <a:lumOff val="0"/>
+            <a:alphaOff val="0"/>
+          </a:schemeClr>
+        </a:solidFill>
+        <a:ln w="6350" cap="flat" cmpd="sng" algn="ctr">
+          <a:solidFill>
+            <a:schemeClr val="accent4">
+              <a:alpha val="90000"/>
+              <a:hueOff val="0"/>
+              <a:satOff val="0"/>
+              <a:lumOff val="0"/>
+              <a:alphaOff val="-8000"/>
+            </a:schemeClr>
+          </a:solidFill>
+          <a:prstDash val="solid"/>
+          <a:miter lim="800000"/>
+        </a:ln>
+        <a:effectLst/>
+        <a:scene3d>
+          <a:camera prst="orthographicFront"/>
+          <a:lightRig rig="threePt" dir="t">
+            <a:rot lat="0" lon="0" rev="7500000"/>
+          </a:lightRig>
+        </a:scene3d>
+        <a:sp3d extrusionH="190500" prstMaterial="dkEdge">
+          <a:bevelT w="135400" h="16350" prst="relaxedInset"/>
+          <a:contourClr>
+            <a:schemeClr val="bg1"/>
+          </a:contourClr>
+        </a:sp3d>
+      </dsp:spPr>
+      <dsp:style>
+        <a:lnRef idx="1">
+          <a:scrgbClr r="0" g="0" b="0"/>
+        </a:lnRef>
+        <a:fillRef idx="1">
+          <a:scrgbClr r="0" g="0" b="0"/>
+        </a:fillRef>
+        <a:effectRef idx="2">
+          <a:scrgbClr r="0" g="0" b="0"/>
+        </a:effectRef>
+        <a:fontRef idx="minor"/>
+      </dsp:style>
+      <dsp:txBody>
+        <a:bodyPr spcFirstLastPara="0" vert="horz" wrap="square" lIns="60960" tIns="60960" rIns="60960" bIns="60960" numCol="1" spcCol="1270" anchor="ctr" anchorCtr="0">
+          <a:noAutofit/>
+        </a:bodyPr>
+        <a:lstStyle/>
+        <a:p>
+          <a:pPr marL="171450" lvl="1" indent="-171450" algn="l" defTabSz="711200">
+            <a:lnSpc>
+              <a:spcPct val="90000"/>
+            </a:lnSpc>
+            <a:spcBef>
+              <a:spcPct val="0"/>
+            </a:spcBef>
+            <a:spcAft>
+              <a:spcPct val="15000"/>
+            </a:spcAft>
+            <a:buChar char="•"/>
+          </a:pPr>
+          <a:r>
+            <a:rPr lang="en-US" sz="1600" b="0" i="0" kern="1200" dirty="0">
+              <a:latin typeface="Futura Medium" panose="020B0602020204020303" pitchFamily="34" charset="-79"/>
+              <a:cs typeface="Futura Medium" panose="020B0602020204020303" pitchFamily="34" charset="-79"/>
+            </a:rPr>
+            <a:t>Separate deployment for each bounded context</a:t>
+          </a:r>
+        </a:p>
+      </dsp:txBody>
+      <dsp:txXfrm rot="10800000">
+        <a:off x="5136825" y="614530"/>
+        <a:ext cx="6194407" cy="614530"/>
+      </dsp:txXfrm>
+    </dsp:sp>
+    <dsp:sp modelId="{C510302B-AA09-BC4F-B34E-659DD15F085C}">
+      <dsp:nvSpPr>
+        <dsp:cNvPr id="0" name=""/>
+        <dsp:cNvSpPr/>
+      </dsp:nvSpPr>
+      <dsp:spPr>
+        <a:xfrm>
+          <a:off x="2568412" y="614530"/>
+          <a:ext cx="2568412" cy="614530"/>
+        </a:xfrm>
+        <a:prstGeom prst="trapezoid">
+          <a:avLst>
+            <a:gd name="adj" fmla="val 104487"/>
+          </a:avLst>
+        </a:prstGeom>
+        <a:gradFill flip="none" rotWithShape="0">
+          <a:gsLst>
+            <a:gs pos="0">
+              <a:schemeClr val="accent2">
+                <a:lumMod val="60000"/>
+                <a:lumOff val="40000"/>
+                <a:tint val="66000"/>
+                <a:satMod val="160000"/>
+              </a:schemeClr>
+            </a:gs>
+            <a:gs pos="50000">
+              <a:schemeClr val="accent2">
+                <a:lumMod val="60000"/>
+                <a:lumOff val="40000"/>
+                <a:tint val="44500"/>
+                <a:satMod val="160000"/>
+              </a:schemeClr>
+            </a:gs>
+            <a:gs pos="100000">
+              <a:schemeClr val="accent2">
+                <a:lumMod val="60000"/>
+                <a:lumOff val="40000"/>
+                <a:tint val="23500"/>
+                <a:satMod val="160000"/>
+              </a:schemeClr>
+            </a:gs>
+          </a:gsLst>
+          <a:lin ang="5400000" scaled="1"/>
+          <a:tileRect/>
+        </a:gradFill>
+        <a:ln>
+          <a:noFill/>
+        </a:ln>
+        <a:effectLst/>
+        <a:scene3d>
+          <a:camera prst="orthographicFront"/>
+          <a:lightRig rig="threePt" dir="t">
+            <a:rot lat="0" lon="0" rev="7500000"/>
+          </a:lightRig>
+        </a:scene3d>
+        <a:sp3d prstMaterial="plastic">
+          <a:bevelT w="127000" h="25400" prst="relaxedInset"/>
+        </a:sp3d>
+      </dsp:spPr>
+      <dsp:style>
+        <a:lnRef idx="0">
+          <a:scrgbClr r="0" g="0" b="0"/>
+        </a:lnRef>
+        <a:fillRef idx="3">
+          <a:scrgbClr r="0" g="0" b="0"/>
+        </a:fillRef>
+        <a:effectRef idx="2">
+          <a:scrgbClr r="0" g="0" b="0"/>
+        </a:effectRef>
+        <a:fontRef idx="minor">
+          <a:schemeClr val="lt1"/>
+        </a:fontRef>
+      </dsp:style>
+      <dsp:txBody>
+        <a:bodyPr spcFirstLastPara="0" vert="horz" wrap="square" lIns="17780" tIns="17780" rIns="17780" bIns="17780" numCol="1" spcCol="1270" anchor="ctr" anchorCtr="0">
+          <a:noAutofit/>
+        </a:bodyPr>
+        <a:lstStyle/>
+        <a:p>
+          <a:pPr marL="0" lvl="0" indent="0" algn="ctr" defTabSz="622300">
+            <a:lnSpc>
+              <a:spcPct val="90000"/>
+            </a:lnSpc>
+            <a:spcBef>
+              <a:spcPct val="0"/>
+            </a:spcBef>
+            <a:spcAft>
+              <a:spcPct val="35000"/>
+            </a:spcAft>
+            <a:buNone/>
+          </a:pPr>
+          <a:r>
+            <a:rPr lang="en-US" sz="1400" kern="1200" dirty="0">
+              <a:latin typeface="Futura Medium" panose="020B0602020204020303" pitchFamily="34" charset="-79"/>
+              <a:cs typeface="Futura Medium" panose="020B0602020204020303" pitchFamily="34" charset="-79"/>
+            </a:rPr>
+            <a:t>Deployment</a:t>
+          </a:r>
+        </a:p>
+      </dsp:txBody>
+      <dsp:txXfrm>
+        <a:off x="3017885" y="614530"/>
+        <a:ext cx="1669468" cy="614530"/>
+      </dsp:txXfrm>
+    </dsp:sp>
+    <dsp:sp modelId="{B67DFF4E-F4CB-094B-998C-A517D0521B61}">
+      <dsp:nvSpPr>
+        <dsp:cNvPr id="0" name=""/>
+        <dsp:cNvSpPr/>
+      </dsp:nvSpPr>
+      <dsp:spPr>
+        <a:xfrm rot="10800000">
+          <a:off x="5136825" y="1229061"/>
+          <a:ext cx="6194407" cy="614530"/>
+        </a:xfrm>
+        <a:prstGeom prst="nonIsoscelesTrapezoid">
+          <a:avLst>
+            <a:gd name="adj1" fmla="val 0"/>
+            <a:gd name="adj2" fmla="val 104487"/>
+          </a:avLst>
+        </a:prstGeom>
+        <a:solidFill>
+          <a:schemeClr val="lt1">
+            <a:alpha val="90000"/>
+            <a:hueOff val="0"/>
+            <a:satOff val="0"/>
+            <a:lumOff val="0"/>
+            <a:alphaOff val="0"/>
+          </a:schemeClr>
+        </a:solidFill>
+        <a:ln w="6350" cap="flat" cmpd="sng" algn="ctr">
+          <a:solidFill>
+            <a:schemeClr val="accent4">
+              <a:alpha val="90000"/>
+              <a:hueOff val="0"/>
+              <a:satOff val="0"/>
+              <a:lumOff val="0"/>
+              <a:alphaOff val="-16000"/>
+            </a:schemeClr>
+          </a:solidFill>
+          <a:prstDash val="solid"/>
+          <a:miter lim="800000"/>
+        </a:ln>
+        <a:effectLst/>
+        <a:scene3d>
+          <a:camera prst="orthographicFront"/>
+          <a:lightRig rig="threePt" dir="t">
+            <a:rot lat="0" lon="0" rev="7500000"/>
+          </a:lightRig>
+        </a:scene3d>
+        <a:sp3d extrusionH="190500" prstMaterial="dkEdge">
+          <a:bevelT w="135400" h="16350" prst="relaxedInset"/>
+          <a:contourClr>
+            <a:schemeClr val="bg1"/>
+          </a:contourClr>
+        </a:sp3d>
+      </dsp:spPr>
+      <dsp:style>
+        <a:lnRef idx="1">
+          <a:scrgbClr r="0" g="0" b="0"/>
+        </a:lnRef>
+        <a:fillRef idx="1">
+          <a:scrgbClr r="0" g="0" b="0"/>
+        </a:fillRef>
+        <a:effectRef idx="2">
+          <a:scrgbClr r="0" g="0" b="0"/>
+        </a:effectRef>
+        <a:fontRef idx="minor"/>
+      </dsp:style>
+      <dsp:txBody>
+        <a:bodyPr spcFirstLastPara="0" vert="horz" wrap="square" lIns="60960" tIns="60960" rIns="60960" bIns="60960" numCol="1" spcCol="1270" anchor="ctr" anchorCtr="0">
+          <a:noAutofit/>
+        </a:bodyPr>
+        <a:lstStyle/>
+        <a:p>
+          <a:pPr marL="171450" lvl="1" indent="-171450" algn="l" defTabSz="711200">
+            <a:lnSpc>
+              <a:spcPct val="90000"/>
+            </a:lnSpc>
+            <a:spcBef>
+              <a:spcPct val="0"/>
+            </a:spcBef>
+            <a:spcAft>
+              <a:spcPct val="15000"/>
+            </a:spcAft>
+            <a:buChar char="•"/>
+          </a:pPr>
+          <a:r>
+            <a:rPr lang="en-US" sz="1600" b="0" i="0" kern="1200" dirty="0">
+              <a:latin typeface="Futura Medium" panose="020B0602020204020303" pitchFamily="34" charset="-79"/>
+              <a:cs typeface="Futura Medium" panose="020B0602020204020303" pitchFamily="34" charset="-79"/>
+            </a:rPr>
+            <a:t>Independently test functionality / scalability etc.</a:t>
+          </a:r>
+        </a:p>
+      </dsp:txBody>
+      <dsp:txXfrm rot="10800000">
+        <a:off x="5778928" y="1229061"/>
+        <a:ext cx="5552304" cy="614530"/>
+      </dsp:txXfrm>
+    </dsp:sp>
+    <dsp:sp modelId="{7205E37B-F271-FF40-B54F-03A68DACAA0A}">
+      <dsp:nvSpPr>
+        <dsp:cNvPr id="0" name=""/>
+        <dsp:cNvSpPr/>
+      </dsp:nvSpPr>
+      <dsp:spPr>
+        <a:xfrm>
+          <a:off x="1926309" y="1229061"/>
+          <a:ext cx="3852619" cy="614530"/>
+        </a:xfrm>
+        <a:prstGeom prst="trapezoid">
+          <a:avLst>
+            <a:gd name="adj" fmla="val 104487"/>
+          </a:avLst>
+        </a:prstGeom>
+        <a:gradFill flip="none" rotWithShape="0">
+          <a:gsLst>
+            <a:gs pos="0">
+              <a:schemeClr val="accent6">
+                <a:lumMod val="60000"/>
+                <a:lumOff val="40000"/>
+                <a:tint val="66000"/>
+                <a:satMod val="160000"/>
+              </a:schemeClr>
+            </a:gs>
+            <a:gs pos="50000">
+              <a:schemeClr val="accent6">
+                <a:lumMod val="60000"/>
+                <a:lumOff val="40000"/>
+                <a:tint val="44500"/>
+                <a:satMod val="160000"/>
+              </a:schemeClr>
+            </a:gs>
+            <a:gs pos="100000">
+              <a:schemeClr val="accent6">
+                <a:lumMod val="60000"/>
+                <a:lumOff val="40000"/>
+                <a:tint val="23500"/>
+                <a:satMod val="160000"/>
+              </a:schemeClr>
+            </a:gs>
+          </a:gsLst>
+          <a:lin ang="5400000" scaled="1"/>
+          <a:tileRect/>
+        </a:gradFill>
+        <a:ln>
+          <a:noFill/>
+        </a:ln>
+        <a:effectLst/>
+        <a:scene3d>
+          <a:camera prst="orthographicFront"/>
+          <a:lightRig rig="threePt" dir="t">
+            <a:rot lat="0" lon="0" rev="7500000"/>
+          </a:lightRig>
+        </a:scene3d>
+        <a:sp3d prstMaterial="plastic">
+          <a:bevelT w="127000" h="25400" prst="relaxedInset"/>
+        </a:sp3d>
+      </dsp:spPr>
+      <dsp:style>
+        <a:lnRef idx="0">
+          <a:scrgbClr r="0" g="0" b="0"/>
+        </a:lnRef>
+        <a:fillRef idx="3">
+          <a:scrgbClr r="0" g="0" b="0"/>
+        </a:fillRef>
+        <a:effectRef idx="2">
+          <a:scrgbClr r="0" g="0" b="0"/>
+        </a:effectRef>
+        <a:fontRef idx="minor">
+          <a:schemeClr val="lt1"/>
+        </a:fontRef>
+      </dsp:style>
+      <dsp:txBody>
+        <a:bodyPr spcFirstLastPara="0" vert="horz" wrap="square" lIns="17780" tIns="17780" rIns="17780" bIns="17780" numCol="1" spcCol="1270" anchor="ctr" anchorCtr="0">
+          <a:noAutofit/>
+        </a:bodyPr>
+        <a:lstStyle/>
+        <a:p>
+          <a:pPr marL="0" lvl="0" indent="0" algn="ctr" defTabSz="622300">
+            <a:lnSpc>
+              <a:spcPct val="90000"/>
+            </a:lnSpc>
+            <a:spcBef>
+              <a:spcPct val="0"/>
+            </a:spcBef>
+            <a:spcAft>
+              <a:spcPct val="35000"/>
+            </a:spcAft>
+            <a:buNone/>
+          </a:pPr>
+          <a:r>
+            <a:rPr lang="en-US" sz="1400" kern="1200" dirty="0">
+              <a:latin typeface="Futura Medium" panose="020B0602020204020303" pitchFamily="34" charset="-79"/>
+              <a:cs typeface="Futura Medium" panose="020B0602020204020303" pitchFamily="34" charset="-79"/>
+            </a:rPr>
+            <a:t>Validation</a:t>
+          </a:r>
+        </a:p>
+      </dsp:txBody>
+      <dsp:txXfrm>
+        <a:off x="2600517" y="1229061"/>
+        <a:ext cx="2504202" cy="614530"/>
+      </dsp:txXfrm>
+    </dsp:sp>
+    <dsp:sp modelId="{4B31E65B-18A6-7E4C-AD8F-6BD8EFBC1757}">
+      <dsp:nvSpPr>
+        <dsp:cNvPr id="0" name=""/>
+        <dsp:cNvSpPr/>
+      </dsp:nvSpPr>
+      <dsp:spPr>
+        <a:xfrm rot="10800000">
+          <a:off x="5778928" y="1843591"/>
+          <a:ext cx="5552304" cy="614530"/>
+        </a:xfrm>
+        <a:prstGeom prst="nonIsoscelesTrapezoid">
+          <a:avLst>
+            <a:gd name="adj1" fmla="val 0"/>
+            <a:gd name="adj2" fmla="val 104487"/>
+          </a:avLst>
+        </a:prstGeom>
+        <a:solidFill>
+          <a:schemeClr val="lt1">
+            <a:alpha val="90000"/>
+            <a:hueOff val="0"/>
+            <a:satOff val="0"/>
+            <a:lumOff val="0"/>
+            <a:alphaOff val="0"/>
+          </a:schemeClr>
+        </a:solidFill>
+        <a:ln w="6350" cap="flat" cmpd="sng" algn="ctr">
+          <a:solidFill>
+            <a:schemeClr val="accent4">
+              <a:alpha val="90000"/>
+              <a:hueOff val="0"/>
+              <a:satOff val="0"/>
+              <a:lumOff val="0"/>
+              <a:alphaOff val="-24000"/>
+            </a:schemeClr>
+          </a:solidFill>
+          <a:prstDash val="solid"/>
+          <a:miter lim="800000"/>
+        </a:ln>
+        <a:effectLst/>
+        <a:scene3d>
+          <a:camera prst="orthographicFront"/>
+          <a:lightRig rig="threePt" dir="t">
+            <a:rot lat="0" lon="0" rev="7500000"/>
+          </a:lightRig>
+        </a:scene3d>
+        <a:sp3d extrusionH="190500" prstMaterial="dkEdge">
+          <a:bevelT w="135400" h="16350" prst="relaxedInset"/>
+          <a:contourClr>
+            <a:schemeClr val="bg1"/>
+          </a:contourClr>
+        </a:sp3d>
+      </dsp:spPr>
+      <dsp:style>
+        <a:lnRef idx="1">
+          <a:scrgbClr r="0" g="0" b="0"/>
+        </a:lnRef>
+        <a:fillRef idx="1">
+          <a:scrgbClr r="0" g="0" b="0"/>
+        </a:fillRef>
+        <a:effectRef idx="2">
+          <a:scrgbClr r="0" g="0" b="0"/>
+        </a:effectRef>
+        <a:fontRef idx="minor"/>
+      </dsp:style>
+      <dsp:txBody>
+        <a:bodyPr spcFirstLastPara="0" vert="horz" wrap="square" lIns="60960" tIns="60960" rIns="60960" bIns="60960" numCol="1" spcCol="1270" anchor="ctr" anchorCtr="0">
+          <a:noAutofit/>
+        </a:bodyPr>
+        <a:lstStyle/>
+        <a:p>
+          <a:pPr marL="171450" lvl="1" indent="-171450" algn="l" defTabSz="711200">
+            <a:lnSpc>
+              <a:spcPct val="90000"/>
+            </a:lnSpc>
+            <a:spcBef>
+              <a:spcPct val="0"/>
+            </a:spcBef>
+            <a:spcAft>
+              <a:spcPct val="15000"/>
+            </a:spcAft>
+            <a:buChar char="•"/>
+          </a:pPr>
+          <a:r>
+            <a:rPr lang="en-US" sz="1600" b="0" i="0" kern="1200" dirty="0">
+              <a:latin typeface="Futura Medium" panose="020B0602020204020303" pitchFamily="34" charset="-79"/>
+              <a:cs typeface="Futura Medium" panose="020B0602020204020303" pitchFamily="34" charset="-79"/>
+            </a:rPr>
+            <a:t>Independently evolve DB schemas for the BC</a:t>
+          </a:r>
+        </a:p>
+      </dsp:txBody>
+      <dsp:txXfrm rot="10800000">
+        <a:off x="6421032" y="1843591"/>
+        <a:ext cx="4910200" cy="614530"/>
+      </dsp:txXfrm>
+    </dsp:sp>
+    <dsp:sp modelId="{D1785B88-49A6-0445-AD06-A6D4FF187693}">
+      <dsp:nvSpPr>
+        <dsp:cNvPr id="0" name=""/>
+        <dsp:cNvSpPr/>
+      </dsp:nvSpPr>
+      <dsp:spPr>
+        <a:xfrm>
+          <a:off x="1284206" y="1843591"/>
+          <a:ext cx="5136825" cy="614530"/>
+        </a:xfrm>
+        <a:prstGeom prst="trapezoid">
+          <a:avLst>
+            <a:gd name="adj" fmla="val 104487"/>
+          </a:avLst>
+        </a:prstGeom>
+        <a:gradFill flip="none" rotWithShape="0">
+          <a:gsLst>
+            <a:gs pos="0">
+              <a:schemeClr val="accent6">
+                <a:lumMod val="60000"/>
+                <a:lumOff val="40000"/>
+                <a:tint val="66000"/>
+                <a:satMod val="160000"/>
+              </a:schemeClr>
+            </a:gs>
+            <a:gs pos="50000">
+              <a:schemeClr val="accent6">
+                <a:lumMod val="60000"/>
+                <a:lumOff val="40000"/>
+                <a:tint val="44500"/>
+                <a:satMod val="160000"/>
+              </a:schemeClr>
+            </a:gs>
+            <a:gs pos="100000">
+              <a:schemeClr val="accent6">
+                <a:lumMod val="60000"/>
+                <a:lumOff val="40000"/>
+                <a:tint val="23500"/>
+                <a:satMod val="160000"/>
+              </a:schemeClr>
+            </a:gs>
+          </a:gsLst>
+          <a:lin ang="5400000" scaled="1"/>
+          <a:tileRect/>
+        </a:gradFill>
+        <a:ln>
+          <a:noFill/>
+        </a:ln>
+        <a:effectLst/>
+        <a:scene3d>
+          <a:camera prst="orthographicFront"/>
+          <a:lightRig rig="threePt" dir="t">
+            <a:rot lat="0" lon="0" rev="7500000"/>
+          </a:lightRig>
+        </a:scene3d>
+        <a:sp3d prstMaterial="plastic">
+          <a:bevelT w="127000" h="25400" prst="relaxedInset"/>
+        </a:sp3d>
+      </dsp:spPr>
+      <dsp:style>
+        <a:lnRef idx="0">
+          <a:scrgbClr r="0" g="0" b="0"/>
+        </a:lnRef>
+        <a:fillRef idx="3">
+          <a:scrgbClr r="0" g="0" b="0"/>
+        </a:fillRef>
+        <a:effectRef idx="2">
+          <a:scrgbClr r="0" g="0" b="0"/>
+        </a:effectRef>
+        <a:fontRef idx="minor">
+          <a:schemeClr val="lt1"/>
+        </a:fontRef>
+      </dsp:style>
+      <dsp:txBody>
+        <a:bodyPr spcFirstLastPara="0" vert="horz" wrap="square" lIns="17780" tIns="17780" rIns="17780" bIns="17780" numCol="1" spcCol="1270" anchor="ctr" anchorCtr="0">
+          <a:noAutofit/>
+        </a:bodyPr>
+        <a:lstStyle/>
+        <a:p>
+          <a:pPr marL="0" lvl="0" indent="0" algn="ctr" defTabSz="622300">
+            <a:lnSpc>
+              <a:spcPct val="90000"/>
+            </a:lnSpc>
+            <a:spcBef>
+              <a:spcPct val="0"/>
+            </a:spcBef>
+            <a:spcAft>
+              <a:spcPct val="35000"/>
+            </a:spcAft>
+            <a:buNone/>
+          </a:pPr>
+          <a:r>
+            <a:rPr lang="en-US" sz="1400" kern="1200" dirty="0">
+              <a:latin typeface="Futura Medium" panose="020B0602020204020303" pitchFamily="34" charset="-79"/>
+              <a:cs typeface="Futura Medium" panose="020B0602020204020303" pitchFamily="34" charset="-79"/>
+            </a:rPr>
+            <a:t>Database</a:t>
+          </a:r>
+        </a:p>
+      </dsp:txBody>
+      <dsp:txXfrm>
+        <a:off x="2183150" y="1843591"/>
+        <a:ext cx="3338936" cy="614530"/>
+      </dsp:txXfrm>
+    </dsp:sp>
+    <dsp:sp modelId="{83A454C9-B7DA-2948-9195-288590543A4C}">
+      <dsp:nvSpPr>
+        <dsp:cNvPr id="0" name=""/>
+        <dsp:cNvSpPr/>
+      </dsp:nvSpPr>
+      <dsp:spPr>
+        <a:xfrm rot="10800000">
+          <a:off x="6421032" y="2458122"/>
+          <a:ext cx="4910200" cy="614530"/>
+        </a:xfrm>
+        <a:prstGeom prst="nonIsoscelesTrapezoid">
+          <a:avLst>
+            <a:gd name="adj1" fmla="val 0"/>
+            <a:gd name="adj2" fmla="val 104487"/>
+          </a:avLst>
+        </a:prstGeom>
+        <a:solidFill>
+          <a:schemeClr val="lt1">
+            <a:alpha val="90000"/>
+            <a:hueOff val="0"/>
+            <a:satOff val="0"/>
+            <a:lumOff val="0"/>
+            <a:alphaOff val="0"/>
+          </a:schemeClr>
+        </a:solidFill>
+        <a:ln w="6350" cap="flat" cmpd="sng" algn="ctr">
+          <a:solidFill>
+            <a:schemeClr val="accent4">
+              <a:alpha val="90000"/>
+              <a:hueOff val="0"/>
+              <a:satOff val="0"/>
+              <a:lumOff val="0"/>
+              <a:alphaOff val="-32000"/>
+            </a:schemeClr>
+          </a:solidFill>
+          <a:prstDash val="solid"/>
+          <a:miter lim="800000"/>
+        </a:ln>
+        <a:effectLst/>
+        <a:scene3d>
+          <a:camera prst="orthographicFront"/>
+          <a:lightRig rig="threePt" dir="t">
+            <a:rot lat="0" lon="0" rev="7500000"/>
+          </a:lightRig>
+        </a:scene3d>
+        <a:sp3d extrusionH="190500" prstMaterial="dkEdge">
+          <a:bevelT w="135400" h="16350" prst="relaxedInset"/>
+          <a:contourClr>
+            <a:schemeClr val="bg1"/>
+          </a:contourClr>
+        </a:sp3d>
+      </dsp:spPr>
+      <dsp:style>
+        <a:lnRef idx="1">
+          <a:scrgbClr r="0" g="0" b="0"/>
+        </a:lnRef>
+        <a:fillRef idx="1">
+          <a:scrgbClr r="0" g="0" b="0"/>
+        </a:fillRef>
+        <a:effectRef idx="2">
+          <a:scrgbClr r="0" g="0" b="0"/>
+        </a:effectRef>
+        <a:fontRef idx="minor"/>
+      </dsp:style>
+      <dsp:txBody>
+        <a:bodyPr spcFirstLastPara="0" vert="horz" wrap="square" lIns="60960" tIns="60960" rIns="60960" bIns="60960" numCol="1" spcCol="1270" anchor="ctr" anchorCtr="0">
+          <a:noAutofit/>
+        </a:bodyPr>
+        <a:lstStyle/>
+        <a:p>
+          <a:pPr marL="171450" lvl="1" indent="-171450" algn="l" defTabSz="711200">
+            <a:lnSpc>
+              <a:spcPct val="90000"/>
+            </a:lnSpc>
+            <a:spcBef>
+              <a:spcPct val="0"/>
+            </a:spcBef>
+            <a:spcAft>
+              <a:spcPct val="15000"/>
+            </a:spcAft>
+            <a:buChar char="•"/>
+          </a:pPr>
+          <a:r>
+            <a:rPr lang="en-US" sz="1600" b="0" i="0" kern="1200" dirty="0">
+              <a:latin typeface="Futura Medium" panose="020B0602020204020303" pitchFamily="34" charset="-79"/>
+              <a:cs typeface="Futura Medium" panose="020B0602020204020303" pitchFamily="34" charset="-79"/>
+            </a:rPr>
+            <a:t>Own the BC code barring common modules </a:t>
+          </a:r>
+        </a:p>
+      </dsp:txBody>
+      <dsp:txXfrm rot="10800000">
+        <a:off x="7063135" y="2458122"/>
+        <a:ext cx="4268097" cy="614530"/>
+      </dsp:txXfrm>
+    </dsp:sp>
+    <dsp:sp modelId="{FE0D9470-5137-D24B-B6AA-A073390BF1F6}">
+      <dsp:nvSpPr>
+        <dsp:cNvPr id="0" name=""/>
+        <dsp:cNvSpPr/>
+      </dsp:nvSpPr>
+      <dsp:spPr>
+        <a:xfrm>
+          <a:off x="642103" y="2458122"/>
+          <a:ext cx="6421032" cy="614530"/>
+        </a:xfrm>
+        <a:prstGeom prst="trapezoid">
+          <a:avLst>
+            <a:gd name="adj" fmla="val 104487"/>
+          </a:avLst>
+        </a:prstGeom>
+        <a:gradFill flip="none" rotWithShape="0">
+          <a:gsLst>
+            <a:gs pos="0">
+              <a:schemeClr val="accent6">
+                <a:lumMod val="60000"/>
+                <a:lumOff val="40000"/>
+                <a:tint val="66000"/>
+                <a:satMod val="160000"/>
+              </a:schemeClr>
+            </a:gs>
+            <a:gs pos="50000">
+              <a:schemeClr val="accent6">
+                <a:lumMod val="60000"/>
+                <a:lumOff val="40000"/>
+                <a:tint val="44500"/>
+                <a:satMod val="160000"/>
+              </a:schemeClr>
+            </a:gs>
+            <a:gs pos="100000">
+              <a:schemeClr val="accent6">
+                <a:lumMod val="60000"/>
+                <a:lumOff val="40000"/>
+                <a:tint val="23500"/>
+                <a:satMod val="160000"/>
+              </a:schemeClr>
+            </a:gs>
+          </a:gsLst>
+          <a:lin ang="5400000" scaled="1"/>
+          <a:tileRect/>
+        </a:gradFill>
+        <a:ln>
+          <a:noFill/>
+        </a:ln>
+        <a:effectLst/>
+        <a:scene3d>
+          <a:camera prst="orthographicFront"/>
+          <a:lightRig rig="threePt" dir="t">
+            <a:rot lat="0" lon="0" rev="7500000"/>
+          </a:lightRig>
+        </a:scene3d>
+        <a:sp3d prstMaterial="plastic">
+          <a:bevelT w="127000" h="25400" prst="relaxedInset"/>
+        </a:sp3d>
+      </dsp:spPr>
+      <dsp:style>
+        <a:lnRef idx="0">
+          <a:scrgbClr r="0" g="0" b="0"/>
+        </a:lnRef>
+        <a:fillRef idx="3">
+          <a:scrgbClr r="0" g="0" b="0"/>
+        </a:fillRef>
+        <a:effectRef idx="2">
+          <a:scrgbClr r="0" g="0" b="0"/>
+        </a:effectRef>
+        <a:fontRef idx="minor">
+          <a:schemeClr val="lt1"/>
+        </a:fontRef>
+      </dsp:style>
+      <dsp:txBody>
+        <a:bodyPr spcFirstLastPara="0" vert="horz" wrap="square" lIns="17780" tIns="17780" rIns="17780" bIns="17780" numCol="1" spcCol="1270" anchor="ctr" anchorCtr="0">
+          <a:noAutofit/>
+        </a:bodyPr>
+        <a:lstStyle/>
+        <a:p>
+          <a:pPr marL="0" lvl="0" indent="0" algn="ctr" defTabSz="622300">
+            <a:lnSpc>
+              <a:spcPct val="90000"/>
+            </a:lnSpc>
+            <a:spcBef>
+              <a:spcPct val="0"/>
+            </a:spcBef>
+            <a:spcAft>
+              <a:spcPct val="35000"/>
+            </a:spcAft>
+            <a:buNone/>
+          </a:pPr>
+          <a:r>
+            <a:rPr lang="en-US" sz="1400" kern="1200" dirty="0">
+              <a:latin typeface="Futura Medium" panose="020B0602020204020303" pitchFamily="34" charset="-79"/>
+              <a:cs typeface="Futura Medium" panose="020B0602020204020303" pitchFamily="34" charset="-79"/>
+            </a:rPr>
+            <a:t>Codebase</a:t>
+          </a:r>
+        </a:p>
+      </dsp:txBody>
+      <dsp:txXfrm>
+        <a:off x="1765783" y="2458122"/>
+        <a:ext cx="4173670" cy="614530"/>
+      </dsp:txXfrm>
+    </dsp:sp>
+    <dsp:sp modelId="{5E15DBB6-AD7C-C34D-92A7-5641EF8083CF}">
+      <dsp:nvSpPr>
+        <dsp:cNvPr id="0" name=""/>
+        <dsp:cNvSpPr/>
+      </dsp:nvSpPr>
+      <dsp:spPr>
+        <a:xfrm rot="10800000">
+          <a:off x="7063135" y="3072652"/>
+          <a:ext cx="4268097" cy="614530"/>
+        </a:xfrm>
+        <a:prstGeom prst="nonIsoscelesTrapezoid">
+          <a:avLst>
+            <a:gd name="adj1" fmla="val 0"/>
+            <a:gd name="adj2" fmla="val 104487"/>
+          </a:avLst>
+        </a:prstGeom>
+        <a:solidFill>
+          <a:schemeClr val="lt1">
+            <a:alpha val="90000"/>
+            <a:hueOff val="0"/>
+            <a:satOff val="0"/>
+            <a:lumOff val="0"/>
+            <a:alphaOff val="0"/>
+          </a:schemeClr>
+        </a:solidFill>
+        <a:ln w="6350" cap="flat" cmpd="sng" algn="ctr">
+          <a:solidFill>
+            <a:schemeClr val="accent4">
+              <a:alpha val="90000"/>
+              <a:hueOff val="0"/>
+              <a:satOff val="0"/>
+              <a:lumOff val="0"/>
+              <a:alphaOff val="-40000"/>
+            </a:schemeClr>
+          </a:solidFill>
+          <a:prstDash val="solid"/>
+          <a:miter lim="800000"/>
+        </a:ln>
+        <a:effectLst/>
+        <a:scene3d>
+          <a:camera prst="orthographicFront"/>
+          <a:lightRig rig="threePt" dir="t">
+            <a:rot lat="0" lon="0" rev="7500000"/>
+          </a:lightRig>
+        </a:scene3d>
+        <a:sp3d extrusionH="190500" prstMaterial="dkEdge">
+          <a:bevelT w="135400" h="16350" prst="relaxedInset"/>
+          <a:contourClr>
+            <a:schemeClr val="bg1"/>
+          </a:contourClr>
+        </a:sp3d>
+      </dsp:spPr>
+      <dsp:style>
+        <a:lnRef idx="1">
+          <a:scrgbClr r="0" g="0" b="0"/>
+        </a:lnRef>
+        <a:fillRef idx="1">
+          <a:scrgbClr r="0" g="0" b="0"/>
+        </a:fillRef>
+        <a:effectRef idx="2">
+          <a:scrgbClr r="0" g="0" b="0"/>
+        </a:effectRef>
+        <a:fontRef idx="minor"/>
+      </dsp:style>
+      <dsp:txBody>
+        <a:bodyPr spcFirstLastPara="0" vert="horz" wrap="square" lIns="60960" tIns="60960" rIns="60960" bIns="60960" numCol="1" spcCol="1270" anchor="ctr" anchorCtr="0">
+          <a:noAutofit/>
+        </a:bodyPr>
+        <a:lstStyle/>
+        <a:p>
+          <a:pPr marL="171450" lvl="1" indent="-171450" algn="l" defTabSz="711200">
+            <a:lnSpc>
+              <a:spcPct val="90000"/>
+            </a:lnSpc>
+            <a:spcBef>
+              <a:spcPct val="0"/>
+            </a:spcBef>
+            <a:spcAft>
+              <a:spcPct val="15000"/>
+            </a:spcAft>
+            <a:buChar char="•"/>
+          </a:pPr>
+          <a:r>
+            <a:rPr lang="en-US" sz="1600" b="0" i="0" kern="1200" dirty="0">
+              <a:latin typeface="Futura Medium" panose="020B0602020204020303" pitchFamily="34" charset="-79"/>
+              <a:cs typeface="Futura Medium" panose="020B0602020204020303" pitchFamily="34" charset="-79"/>
+            </a:rPr>
+            <a:t>Independent product road map</a:t>
+          </a:r>
+        </a:p>
+      </dsp:txBody>
+      <dsp:txXfrm rot="10800000">
+        <a:off x="7705238" y="3072652"/>
+        <a:ext cx="3625994" cy="614530"/>
+      </dsp:txXfrm>
+    </dsp:sp>
+    <dsp:sp modelId="{23D5EAAA-D189-8E4B-A39B-8703D5AA9862}">
+      <dsp:nvSpPr>
+        <dsp:cNvPr id="0" name=""/>
+        <dsp:cNvSpPr/>
+      </dsp:nvSpPr>
+      <dsp:spPr>
+        <a:xfrm>
+          <a:off x="0" y="3072652"/>
+          <a:ext cx="7705238" cy="614530"/>
+        </a:xfrm>
+        <a:prstGeom prst="trapezoid">
+          <a:avLst>
+            <a:gd name="adj" fmla="val 104487"/>
+          </a:avLst>
+        </a:prstGeom>
+        <a:gradFill flip="none" rotWithShape="0">
+          <a:gsLst>
+            <a:gs pos="0">
+              <a:schemeClr val="accent6">
+                <a:lumMod val="60000"/>
+                <a:lumOff val="40000"/>
+                <a:tint val="66000"/>
+                <a:satMod val="160000"/>
+              </a:schemeClr>
+            </a:gs>
+            <a:gs pos="50000">
+              <a:schemeClr val="accent6">
+                <a:lumMod val="60000"/>
+                <a:lumOff val="40000"/>
+                <a:tint val="44500"/>
+                <a:satMod val="160000"/>
+              </a:schemeClr>
+            </a:gs>
+            <a:gs pos="100000">
+              <a:schemeClr val="accent6">
+                <a:lumMod val="60000"/>
+                <a:lumOff val="40000"/>
+                <a:tint val="23500"/>
+                <a:satMod val="160000"/>
+              </a:schemeClr>
+            </a:gs>
+          </a:gsLst>
+          <a:lin ang="5400000" scaled="1"/>
+          <a:tileRect/>
+        </a:gradFill>
+        <a:ln>
+          <a:noFill/>
+        </a:ln>
+        <a:effectLst/>
+        <a:scene3d>
+          <a:camera prst="orthographicFront"/>
+          <a:lightRig rig="threePt" dir="t">
+            <a:rot lat="0" lon="0" rev="7500000"/>
+          </a:lightRig>
+        </a:scene3d>
+        <a:sp3d prstMaterial="plastic">
+          <a:bevelT w="127000" h="25400" prst="relaxedInset"/>
+        </a:sp3d>
+      </dsp:spPr>
+      <dsp:style>
+        <a:lnRef idx="0">
+          <a:scrgbClr r="0" g="0" b="0"/>
+        </a:lnRef>
+        <a:fillRef idx="3">
+          <a:scrgbClr r="0" g="0" b="0"/>
+        </a:fillRef>
+        <a:effectRef idx="2">
+          <a:scrgbClr r="0" g="0" b="0"/>
+        </a:effectRef>
+        <a:fontRef idx="minor">
+          <a:schemeClr val="lt1"/>
+        </a:fontRef>
+      </dsp:style>
+      <dsp:txBody>
+        <a:bodyPr spcFirstLastPara="0" vert="horz" wrap="square" lIns="17780" tIns="17780" rIns="17780" bIns="17780" numCol="1" spcCol="1270" anchor="ctr" anchorCtr="0">
+          <a:noAutofit/>
+        </a:bodyPr>
+        <a:lstStyle/>
+        <a:p>
+          <a:pPr marL="0" lvl="0" indent="0" algn="ctr" defTabSz="622300">
+            <a:lnSpc>
+              <a:spcPct val="90000"/>
+            </a:lnSpc>
+            <a:spcBef>
+              <a:spcPct val="0"/>
+            </a:spcBef>
+            <a:spcAft>
+              <a:spcPct val="35000"/>
+            </a:spcAft>
+            <a:buNone/>
+          </a:pPr>
+          <a:r>
+            <a:rPr lang="en-US" sz="1400" kern="1200" dirty="0">
+              <a:latin typeface="Futura Medium" panose="020B0602020204020303" pitchFamily="34" charset="-79"/>
+              <a:cs typeface="Futura Medium" panose="020B0602020204020303" pitchFamily="34" charset="-79"/>
+            </a:rPr>
+            <a:t>Backlog</a:t>
+          </a:r>
+          <a:endParaRPr lang="en-US" sz="1400" b="0" i="0" kern="1200" dirty="0">
+            <a:latin typeface="Futura Medium" panose="020B0602020204020303" pitchFamily="34" charset="-79"/>
+            <a:cs typeface="Futura Medium" panose="020B0602020204020303" pitchFamily="34" charset="-79"/>
+          </a:endParaRPr>
+        </a:p>
+      </dsp:txBody>
+      <dsp:txXfrm>
+        <a:off x="1348416" y="3072652"/>
+        <a:ext cx="5008404" cy="614530"/>
+      </dsp:txXfrm>
+    </dsp:sp>
+  </dsp:spTree>
+</dsp:drawing>
+</file>
+
+<file path=ppt/diagrams/layout1.xml><?xml version="1.0" encoding="utf-8"?>
+<dgm:layoutDef xmlns:dgm="http://schemas.openxmlformats.org/drawingml/2006/diagram" xmlns:a="http://schemas.openxmlformats.org/drawingml/2006/main" uniqueId="urn:microsoft.com/office/officeart/2005/8/layout/pyramid1">
+  <dgm:title val=""/>
+  <dgm:desc val=""/>
+  <dgm:catLst>
+    <dgm:cat type="pyramid" pri="1000"/>
+  </dgm:catLst>
+  <dgm:sampData useDef="1">
+    <dgm:dataModel>
+      <dgm:ptLst/>
+      <dgm:bg/>
+      <dgm:whole/>
+    </dgm:dataModel>
+  </dgm:sampData>
+  <dgm:styleData>
+    <dgm:dataModel>
+      <dgm:ptLst>
+        <dgm:pt modelId="0" type="doc"/>
+        <dgm:pt modelId="1"/>
+        <dgm:pt modelId="2"/>
+      </dgm:ptLst>
+      <dgm:cxnLst>
+        <dgm:cxn modelId="3" srcId="0" destId="1" srcOrd="0" destOrd="0"/>
+        <dgm:cxn modelId="4" srcId="0" destId="2" srcOrd="1" destOrd="0"/>
+      </dgm:cxnLst>
+      <dgm:bg/>
+      <dgm:whole/>
+    </dgm:dataModel>
+  </dgm:styleData>
+  <dgm:clrData>
+    <dgm:dataModel>
+      <dgm:ptLst>
+        <dgm:pt modelId="0" type="doc"/>
+        <dgm:pt modelId="1"/>
+        <dgm:pt modelId="2"/>
+        <dgm:pt modelId="3"/>
+        <dgm:pt modelId="4"/>
+      </dgm:ptLst>
+      <dgm:cxnLst>
+        <dgm:cxn modelId="5" srcId="0" destId="1" srcOrd="0" destOrd="0"/>
+        <dgm:cxn modelId="6" srcId="0" destId="2" srcOrd="1" destOrd="0"/>
+        <dgm:cxn modelId="7" srcId="0" destId="3" srcOrd="2" destOrd="0"/>
+        <dgm:cxn modelId="8" srcId="0" destId="4" srcOrd="3" destOrd="0"/>
+      </dgm:cxnLst>
+      <dgm:bg/>
+      <dgm:whole/>
+    </dgm:dataModel>
+  </dgm:clrData>
+  <dgm:layoutNode name="Name0">
+    <dgm:varLst>
+      <dgm:dir/>
+      <dgm:animLvl val="lvl"/>
+      <dgm:resizeHandles val="exact"/>
+    </dgm:varLst>
+    <dgm:choose name="Name1">
+      <dgm:if name="Name2" func="var" arg="dir" op="equ" val="norm">
+        <dgm:alg type="pyra">
+          <dgm:param type="linDir" val="fromB"/>
+          <dgm:param type="txDir" val="fromT"/>
+          <dgm:param type="pyraAcctPos" val="aft"/>
+          <dgm:param type="pyraAcctTxMar" val="step"/>
+          <dgm:param type="pyraAcctBkgdNode" val="acctBkgd"/>
+          <dgm:param type="pyraAcctTxNode" val="acctTx"/>
+          <dgm:param type="pyraLvlNode" val="level"/>
+        </dgm:alg>
+      </dgm:if>
+      <dgm:else name="Name3">
+        <dgm:alg type="pyra">
+          <dgm:param type="linDir" val="fromB"/>
+          <dgm:param type="txDir" val="fromT"/>
+          <dgm:param type="pyraAcctPos" val="bef"/>
+          <dgm:param type="pyraAcctTxMar" val="step"/>
+          <dgm:param type="pyraAcctBkgdNode" val="acctBkgd"/>
+          <dgm:param type="pyraAcctTxNode" val="acctTx"/>
+          <dgm:param type="pyraLvlNode" val="level"/>
+        </dgm:alg>
+      </dgm:else>
+    </dgm:choose>
+    <dgm:shape xmlns:r="http://schemas.openxmlformats.org/officeDocument/2006/relationships" r:blip="">
+      <dgm:adjLst/>
+    </dgm:shape>
+    <dgm:presOf/>
+    <dgm:choose name="Name4">
+      <dgm:if name="Name5" axis="root des" ptType="all node" func="maxDepth" op="gte" val="2">
+        <dgm:constrLst>
+          <dgm:constr type="primFontSz" for="des" forName="levelTx" op="equ"/>
+          <dgm:constr type="secFontSz" for="des" forName="acctTx" op="equ"/>
+          <dgm:constr type="pyraAcctRatio" val="0.32"/>
+        </dgm:constrLst>
+      </dgm:if>
+      <dgm:else name="Name6">
+        <dgm:constrLst>
+          <dgm:constr type="primFontSz" for="des" forName="levelTx" op="equ"/>
+          <dgm:constr type="secFontSz" for="des" forName="acctTx" op="equ"/>
+          <dgm:constr type="pyraAcctRatio"/>
+        </dgm:constrLst>
+      </dgm:else>
+    </dgm:choose>
+    <dgm:ruleLst/>
+    <dgm:forEach name="Name7" axis="ch" ptType="node">
+      <dgm:layoutNode name="Name8">
+        <dgm:alg type="composite">
+          <dgm:param type="horzAlign" val="none"/>
+        </dgm:alg>
+        <dgm:shape xmlns:r="http://schemas.openxmlformats.org/officeDocument/2006/relationships" r:blip="">
+          <dgm:adjLst/>
+        </dgm:shape>
+        <dgm:presOf/>
+        <dgm:choose name="Name9">
+          <dgm:if name="Name10" axis="self" ptType="node" func="pos" op="equ" val="1">
+            <dgm:constrLst>
+              <dgm:constr type="ctrX" for="ch" forName="acctBkgd" val="1"/>
+              <dgm:constr type="ctrY" for="ch" forName="acctBkgd" val="1"/>
+              <dgm:constr type="w" for="ch" forName="acctBkgd" val="1"/>
+              <dgm:constr type="h" for="ch" forName="acctBkgd" val="1"/>
+              <dgm:constr type="ctrX" for="ch" forName="acctTx" val="1"/>
+              <dgm:constr type="ctrY" for="ch" forName="acctTx" val="1"/>
+              <dgm:constr type="w" for="ch" forName="acctTx" val="1"/>
+              <dgm:constr type="h" for="ch" forName="acctTx" val="1"/>
+              <dgm:constr type="ctrX" for="ch" forName="level" val="1"/>
+              <dgm:constr type="ctrY" for="ch" forName="level" val="1"/>
+              <dgm:constr type="w" for="ch" forName="level" val="1"/>
+              <dgm:constr type="h" for="ch" forName="level" val="1"/>
+              <dgm:constr type="ctrX" for="ch" forName="levelTx" refType="ctrX" refFor="ch" refForName="level"/>
+              <dgm:constr type="ctrY" for="ch" forName="levelTx" refType="ctrY" refFor="ch" refForName="level"/>
+              <dgm:constr type="w" for="ch" forName="levelTx" refType="w" refFor="ch" refForName="level"/>
+              <dgm:constr type="h" for="ch" forName="levelTx" refType="h" refFor="ch" refForName="level"/>
+            </dgm:constrLst>
+          </dgm:if>
+          <dgm:else name="Name11">
+            <dgm:constrLst>
+              <dgm:constr type="ctrX" for="ch" forName="acctBkgd" val="1"/>
+              <dgm:constr type="ctrY" for="ch" forName="acctBkgd" val="1"/>
+              <dgm:constr type="w" for="ch" forName="acctBkgd" val="1"/>
+              <dgm:constr type="h" for="ch" forName="acctBkgd" val="1"/>
+              <dgm:constr type="ctrX" for="ch" forName="acctTx" val="1"/>
+              <dgm:constr type="ctrY" for="ch" forName="acctTx" val="1"/>
+              <dgm:constr type="w" for="ch" forName="acctTx" val="1"/>
+              <dgm:constr type="h" for="ch" forName="acctTx" val="1"/>
+              <dgm:constr type="ctrX" for="ch" forName="level" val="1"/>
+              <dgm:constr type="ctrY" for="ch" forName="level" val="1"/>
+              <dgm:constr type="w" for="ch" forName="level" val="1"/>
+              <dgm:constr type="h" for="ch" forName="level" val="1"/>
+              <dgm:constr type="ctrX" for="ch" forName="levelTx" refType="ctrX" refFor="ch" refForName="level"/>
+              <dgm:constr type="ctrY" for="ch" forName="levelTx" refType="ctrY" refFor="ch" refForName="level"/>
+              <dgm:constr type="w" for="ch" forName="levelTx" refType="w" refFor="ch" refForName="level" fact="0.65"/>
+              <dgm:constr type="h" for="ch" forName="levelTx" refType="h" refFor="ch" refForName="level"/>
+            </dgm:constrLst>
+          </dgm:else>
+        </dgm:choose>
+        <dgm:ruleLst/>
+        <dgm:choose name="Name12">
+          <dgm:if name="Name13" axis="ch" ptType="node" func="cnt" op="gte" val="1">
+            <dgm:layoutNode name="acctBkgd" styleLbl="alignAcc1">
+              <dgm:alg type="sp"/>
+              <dgm:shape xmlns:r="http://schemas.openxmlformats.org/officeDocument/2006/relationships" type="nonIsoscelesTrapezoid" r:blip="">
+                <dgm:adjLst/>
+              </dgm:shape>
+              <dgm:presOf axis="des" ptType="node"/>
+              <dgm:constrLst/>
+              <dgm:ruleLst/>
+            </dgm:layoutNode>
+            <dgm:layoutNode name="acctTx" styleLbl="alignAcc1">
+              <dgm:varLst>
+                <dgm:bulletEnabled val="1"/>
+              </dgm:varLst>
+              <dgm:alg type="tx">
+                <dgm:param type="stBulletLvl" val="1"/>
+                <dgm:param type="txAnchorVertCh" val="mid"/>
+              </dgm:alg>
+              <dgm:shape xmlns:r="http://schemas.openxmlformats.org/officeDocument/2006/relationships" type="nonIsoscelesTrapezoid" r:blip="" hideGeom="1">
+                <dgm:adjLst/>
+              </dgm:shape>
+              <dgm:presOf axis="des" ptType="node"/>
+              <dgm:constrLst>
+                <dgm:constr type="secFontSz" val="65"/>
+                <dgm:constr type="primFontSz" refType="secFontSz"/>
+                <dgm:constr type="tMarg" refType="secFontSz" fact="0.3"/>
+                <dgm:constr type="bMarg" refType="secFontSz" fact="0.3"/>
+                <dgm:constr type="lMarg" refType="secFontSz" fact="0.3"/>
+                <dgm:constr type="rMarg" refType="secFontSz" fact="0.3"/>
+              </dgm:constrLst>
+              <dgm:ruleLst>
+                <dgm:rule type="secFontSz" val="5" fact="NaN" max="NaN"/>
+              </dgm:ruleLst>
+            </dgm:layoutNode>
+          </dgm:if>
+          <dgm:else name="Name14"/>
+        </dgm:choose>
+        <dgm:layoutNode name="level">
+          <dgm:varLst>
+            <dgm:chMax val="1"/>
+            <dgm:bulletEnabled val="1"/>
+          </dgm:varLst>
+          <dgm:alg type="sp"/>
+          <dgm:shape xmlns:r="http://schemas.openxmlformats.org/officeDocument/2006/relationships" type="trapezoid" r:blip="">
+            <dgm:adjLst/>
+          </dgm:shape>
+          <dgm:presOf axis="self"/>
+          <dgm:constrLst>
+            <dgm:constr type="h" val="500"/>
+            <dgm:constr type="w" val="1"/>
+          </dgm:constrLst>
+          <dgm:ruleLst/>
+        </dgm:layoutNode>
+        <dgm:layoutNode name="levelTx" styleLbl="revTx">
+          <dgm:varLst>
+            <dgm:chMax val="1"/>
+            <dgm:bulletEnabled val="1"/>
+          </dgm:varLst>
+          <dgm:alg type="tx"/>
+          <dgm:shape xmlns:r="http://schemas.openxmlformats.org/officeDocument/2006/relationships" type="rect" r:blip="" hideGeom="1">
+            <dgm:adjLst/>
+          </dgm:shape>
+          <dgm:presOf axis="self"/>
+          <dgm:constrLst>
+            <dgm:constr type="tMarg" refType="primFontSz" fact="0.1"/>
+            <dgm:constr type="bMarg" refType="primFontSz" fact="0.1"/>
+            <dgm:constr type="lMarg" refType="primFontSz" fact="0.1"/>
+            <dgm:constr type="rMarg" refType="primFontSz" fact="0.1"/>
+            <dgm:constr type="primFontSz" val="65"/>
+          </dgm:constrLst>
+          <dgm:ruleLst>
+            <dgm:rule type="primFontSz" val="5" fact="NaN" max="NaN"/>
+          </dgm:ruleLst>
+        </dgm:layoutNode>
+      </dgm:layoutNode>
+    </dgm:forEach>
+  </dgm:layoutNode>
+</dgm:layoutDef>
+</file>
+
+<file path=ppt/diagrams/quickStyle1.xml><?xml version="1.0" encoding="utf-8"?>
+<dgm:styleDef xmlns:dgm="http://schemas.openxmlformats.org/drawingml/2006/diagram" xmlns:a="http://schemas.openxmlformats.org/drawingml/2006/main" uniqueId="urn:microsoft.com/office/officeart/2005/8/quickstyle/3d2">
+  <dgm:title val=""/>
+  <dgm:desc val=""/>
+  <dgm:catLst>
+    <dgm:cat type="3D" pri="11200"/>
+  </dgm:catLst>
+  <dgm:scene3d>
+    <a:camera prst="orthographicFront"/>
+    <a:lightRig rig="threePt" dir="t"/>
+  </dgm:scene3d>
+  <dgm:styleLbl name="node0">
+    <dgm:scene3d>
+      <a:camera prst="orthographicFront"/>
+      <a:lightRig rig="threePt" dir="t">
+        <a:rot lat="0" lon="0" rev="7500000"/>
+      </a:lightRig>
+    </dgm:scene3d>
+    <dgm:sp3d prstMaterial="plastic">
+      <a:bevelT w="127000" h="25400" prst="relaxedInset"/>
+    </dgm:sp3d>
+    <dgm:txPr/>
+    <dgm:style>
+      <a:lnRef idx="0">
+        <a:scrgbClr r="0" g="0" b="0"/>
+      </a:lnRef>
+      <a:fillRef idx="3">
+        <a:scrgbClr r="0" g="0" b="0"/>
+      </a:fillRef>
+      <a:effectRef idx="2">
+        <a:scrgbClr r="0" g="0" b="0"/>
+      </a:effectRef>
+      <a:fontRef idx="minor">
+        <a:schemeClr val="lt1"/>
+      </a:fontRef>
+    </dgm:style>
+  </dgm:styleLbl>
+  <dgm:styleLbl name="lnNode1">
+    <dgm:scene3d>
+      <a:camera prst="orthographicFront"/>
+      <a:lightRig rig="threePt" dir="t">
+        <a:rot lat="0" lon="0" rev="7500000"/>
+      </a:lightRig>
+    </dgm:scene3d>
+    <dgm:sp3d prstMaterial="plastic">
+      <a:bevelT w="127000" h="25400" prst="relaxedInset"/>
+    </dgm:sp3d>
+    <dgm:txPr/>
+    <dgm:style>
+      <a:lnRef idx="1">
+        <a:scrgbClr r="0" g="0" b="0"/>
+      </a:lnRef>
+      <a:fillRef idx="3">
+        <a:scrgbClr r="0" g="0" b="0"/>
+      </a:fillRef>
+      <a:effectRef idx="2">
+        <a:scrgbClr r="0" g="0" b="0"/>
+      </a:effectRef>
+      <a:fontRef idx="minor">
+        <a:schemeClr val="lt1"/>
+      </a:fontRef>
+    </dgm:style>
+  </dgm:styleLbl>
+  <dgm:styleLbl name="vennNode1">
+    <dgm:scene3d>
+      <a:camera prst="orthographicFront"/>
+      <a:lightRig rig="threePt" dir="t">
+        <a:rot lat="0" lon="0" rev="7500000"/>
+      </a:lightRig>
+    </dgm:scene3d>
+    <dgm:sp3d prstMaterial="plastic">
+      <a:bevelT w="127000" h="25400" prst="relaxedInset"/>
+    </dgm:sp3d>
+    <dgm:txPr/>
+    <dgm:style>
+      <a:lnRef idx="0">
+        <a:scrgbClr r="0" g="0" b="0"/>
+      </a:lnRef>
+      <a:fillRef idx="3">
+        <a:scrgbClr r="0" g="0" b="0"/>
+      </a:fillRef>
+      <a:effectRef idx="2">
+        <a:scrgbClr r="0" g="0" b="0"/>
+      </a:effectRef>
+      <a:fontRef idx="minor">
+        <a:schemeClr val="tx1"/>
+      </a:fontRef>
+    </dgm:style>
+  </dgm:styleLbl>
+  <dgm:styleLbl name="alingNode1">
+    <dgm:scene3d>
+      <a:camera prst="orthographicFront"/>
+      <a:lightRig rig="threePt" dir="t">
+        <a:rot lat="0" lon="0" rev="7500000"/>
+      </a:lightRig>
+    </dgm:scene3d>
+    <dgm:sp3d prstMaterial="plastic">
+      <a:bevelT w="127000" h="25400" prst="relaxedInset"/>
+    </dgm:sp3d>
+    <dgm:txPr/>
+    <dgm:style>
+      <a:lnRef idx="0">
+        <a:scrgbClr r="0" g="0" b="0"/>
+      </a:lnRef>
+      <a:fillRef idx="3">
+        <a:scrgbClr r="0" g="0" b="0"/>
+      </a:fillRef>
+      <a:effectRef idx="2">
+        <a:scrgbClr r="0" g="0" b="0"/>
+      </a:effectRef>
+      <a:fontRef idx="minor">
+        <a:schemeClr val="lt1"/>
+      </a:fontRef>
+    </dgm:style>
+  </dgm:styleLbl>
+  <dgm:styleLbl name="node1">
+    <dgm:scene3d>
+      <a:camera prst="orthographicFront"/>
+      <a:lightRig rig="threePt" dir="t">
+        <a:rot lat="0" lon="0" rev="7500000"/>
+      </a:lightRig>
+    </dgm:scene3d>
+    <dgm:sp3d prstMaterial="plastic">
+      <a:bevelT w="127000" h="25400" prst="relaxedInset"/>
+    </dgm:sp3d>
+    <dgm:txPr/>
+    <dgm:style>
+      <a:lnRef idx="0">
+        <a:scrgbClr r="0" g="0" b="0"/>
+      </a:lnRef>
+      <a:fillRef idx="3">
+        <a:scrgbClr r="0" g="0" b="0"/>
+      </a:fillRef>
+      <a:effectRef idx="2">
+        <a:scrgbClr r="0" g="0" b="0"/>
+      </a:effectRef>
+      <a:fontRef idx="minor">
+        <a:schemeClr val="lt1"/>
+      </a:fontRef>
+    </dgm:style>
+  </dgm:styleLbl>
+  <dgm:styleLbl name="node2">
+    <dgm:scene3d>
+      <a:camera prst="orthographicFront"/>
+      <a:lightRig rig="threePt" dir="t">
+        <a:rot lat="0" lon="0" rev="7500000"/>
+      </a:lightRig>
+    </dgm:scene3d>
+    <dgm:sp3d prstMaterial="plastic">
+      <a:bevelT w="127000" h="25400" prst="relaxedInset"/>
+    </dgm:sp3d>
+    <dgm:txPr/>
+    <dgm:style>
+      <a:lnRef idx="0">
+        <a:scrgbClr r="0" g="0" b="0"/>
+      </a:lnRef>
+      <a:fillRef idx="3">
+        <a:scrgbClr r="0" g="0" b="0"/>
+      </a:fillRef>
+      <a:effectRef idx="2">
+        <a:scrgbClr r="0" g="0" b="0"/>
+      </a:effectRef>
+      <a:fontRef idx="minor">
+        <a:schemeClr val="lt1"/>
+      </a:fontRef>
+    </dgm:style>
+  </dgm:styleLbl>
+  <dgm:styleLbl name="node3">
+    <dgm:scene3d>
+      <a:camera prst="orthographicFront"/>
+      <a:lightRig rig="threePt" dir="t">
+        <a:rot lat="0" lon="0" rev="7500000"/>
+      </a:lightRig>
+    </dgm:scene3d>
+    <dgm:sp3d prstMaterial="plastic">
+      <a:bevelT w="127000" h="25400" prst="relaxedInset"/>
+    </dgm:sp3d>
+    <dgm:txPr/>
+    <dgm:style>
+      <a:lnRef idx="0">
+        <a:scrgbClr r="0" g="0" b="0"/>
+      </a:lnRef>
+      <a:fillRef idx="3">
+        <a:scrgbClr r="0" g="0" b="0"/>
+      </a:fillRef>
+      <a:effectRef idx="2">
+        <a:scrgbClr r="0" g="0" b="0"/>
+      </a:effectRef>
+      <a:fontRef idx="minor">
+        <a:schemeClr val="lt1"/>
+      </a:fontRef>
+    </dgm:style>
+  </dgm:styleLbl>
+  <dgm:styleLbl name="node4">
+    <dgm:scene3d>
+      <a:camera prst="orthographicFront"/>
+      <a:lightRig rig="threePt" dir="t">
+        <a:rot lat="0" lon="0" rev="7500000"/>
+      </a:lightRig>
+    </dgm:scene3d>
+    <dgm:sp3d prstMaterial="plastic">
+      <a:bevelT w="127000" h="25400" prst="relaxedInset"/>
+    </dgm:sp3d>
+    <dgm:txPr/>
+    <dgm:style>
+      <a:lnRef idx="0">
+        <a:scrgbClr r="0" g="0" b="0"/>
+      </a:lnRef>
+      <a:fillRef idx="3">
+        <a:scrgbClr r="0" g="0" b="0"/>
+      </a:fillRef>
+      <a:effectRef idx="2">
+        <a:scrgbClr r="0" g="0" b="0"/>
+      </a:effectRef>
+      <a:fontRef idx="minor">
+        <a:schemeClr val="lt1"/>
+      </a:fontRef>
+    </dgm:style>
+  </dgm:styleLbl>
+  <dgm:styleLbl name="fgImgPlace1">
+    <dgm:scene3d>
+      <a:camera prst="orthographicFront"/>
+      <a:lightRig rig="threePt" dir="t">
+        <a:rot lat="0" lon="0" rev="7500000"/>
+      </a:lightRig>
+    </dgm:scene3d>
+    <dgm:sp3d z="152400" extrusionH="63500" prstMaterial="matte">
+      <a:bevelT w="50800" h="19050" prst="relaxedInset"/>
+      <a:contourClr>
+        <a:schemeClr val="bg1"/>
+      </a:contourClr>
+    </dgm:sp3d>
+    <dgm:txPr/>
+    <dgm:style>
+      <a:lnRef idx="0">
+        <a:scrgbClr r="0" g="0" b="0"/>
+      </a:lnRef>
+      <a:fillRef idx="1">
+        <a:scrgbClr r="0" g="0" b="0"/>
+      </a:fillRef>
+      <a:effectRef idx="0">
+        <a:scrgbClr r="0" g="0" b="0"/>
+      </a:effectRef>
+      <a:fontRef idx="minor"/>
+    </dgm:style>
+  </dgm:styleLbl>
+  <dgm:styleLbl name="alignImgPlace1">
+    <dgm:scene3d>
+      <a:camera prst="orthographicFront"/>
+      <a:lightRig rig="threePt" dir="t">
+        <a:rot lat="0" lon="0" rev="7500000"/>
+      </a:lightRig>
+    </dgm:scene3d>
+    <dgm:sp3d z="254000" extrusionH="63500" contourW="12700" prstMaterial="matte">
+      <a:contourClr>
+        <a:schemeClr val="lt1"/>
+      </a:contourClr>
+    </dgm:sp3d>
+    <dgm:txPr/>
+    <dgm:style>
+      <a:lnRef idx="0">
+        <a:scrgbClr r="0" g="0" b="0"/>
+      </a:lnRef>
+      <a:fillRef idx="1">
+        <a:scrgbClr r="0" g="0" b="0"/>
+      </a:fillRef>
+      <a:effectRef idx="0">
+        <a:scrgbClr r="0" g="0" b="0"/>
+      </a:effectRef>
+      <a:fontRef idx="minor"/>
+    </dgm:style>
+  </dgm:styleLbl>
+  <dgm:styleLbl name="bgImgPlace1">
+    <dgm:scene3d>
+      <a:camera prst="orthographicFront"/>
+      <a:lightRig rig="threePt" dir="t">
+        <a:rot lat="0" lon="0" rev="7500000"/>
+      </a:lightRig>
+    </dgm:scene3d>
+    <dgm:sp3d z="-152400" extrusionH="63500" contourW="12700" prstMaterial="matte">
+      <a:contourClr>
+        <a:schemeClr val="lt1"/>
+      </a:contourClr>
+    </dgm:sp3d>
+    <dgm:txPr/>
+    <dgm:style>
+      <a:lnRef idx="0">
+        <a:scrgbClr r="0" g="0" b="0"/>
+      </a:lnRef>
+      <a:fillRef idx="1">
+        <a:scrgbClr r="0" g="0" b="0"/>
+      </a:fillRef>
+      <a:effectRef idx="0">
+        <a:scrgbClr r="0" g="0" b="0"/>
+      </a:effectRef>
+      <a:fontRef idx="minor"/>
+    </dgm:style>
+  </dgm:styleLbl>
+  <dgm:styleLbl name="sibTrans2D1">
+    <dgm:scene3d>
+      <a:camera prst="orthographicFront"/>
+      <a:lightRig rig="threePt" dir="t">
+        <a:rot lat="0" lon="0" rev="7500000"/>
+      </a:lightRig>
+    </dgm:scene3d>
+    <dgm:sp3d z="-70000" extrusionH="63500" prstMaterial="matte">
+      <a:bevelT w="25400" h="6350" prst="relaxedInset"/>
+      <a:contourClr>
+        <a:schemeClr val="bg1"/>
+      </a:contourClr>
+    </dgm:sp3d>
+    <dgm:txPr/>
+    <dgm:style>
+      <a:lnRef idx="0">
+        <a:scrgbClr r="0" g="0" b="0"/>
+      </a:lnRef>
+      <a:fillRef idx="1">
+        <a:scrgbClr r="0" g="0" b="0"/>
+      </a:fillRef>
+      <a:effectRef idx="2">
+        <a:scrgbClr r="0" g="0" b="0"/>
+      </a:effectRef>
+      <a:fontRef idx="minor">
+        <a:schemeClr val="lt1"/>
+      </a:fontRef>
+    </dgm:style>
+  </dgm:styleLbl>
+  <dgm:styleLbl name="fgSibTrans2D1">
+    <dgm:scene3d>
+      <a:camera prst="orthographicFront"/>
+      <a:lightRig rig="threePt" dir="t">
+        <a:rot lat="0" lon="0" rev="7500000"/>
+      </a:lightRig>
+    </dgm:scene3d>
+    <dgm:sp3d z="152400" extrusionH="63500" prstMaterial="matte">
+      <a:bevelT w="25400" h="6350" prst="relaxedInset"/>
+      <a:contourClr>
+        <a:schemeClr val="bg1"/>
+      </a:contourClr>
+    </dgm:sp3d>
+    <dgm:txPr/>
+    <dgm:style>
+      <a:lnRef idx="0">
+        <a:scrgbClr r="0" g="0" b="0"/>
+      </a:lnRef>
+      <a:fillRef idx="1">
+        <a:scrgbClr r="0" g="0" b="0"/>
+      </a:fillRef>
+      <a:effectRef idx="2">
+        <a:scrgbClr r="0" g="0" b="0"/>
+      </a:effectRef>
+      <a:fontRef idx="minor">
+        <a:schemeClr val="lt1"/>
+      </a:fontRef>
+    </dgm:style>
+  </dgm:styleLbl>
+  <dgm:styleLbl name="bgSibTrans2D1">
+    <dgm:scene3d>
+      <a:camera prst="orthographicFront"/>
+      <a:lightRig rig="threePt" dir="t">
+        <a:rot lat="0" lon="0" rev="7500000"/>
+      </a:lightRig>
+    </dgm:scene3d>
+    <dgm:sp3d z="-152400" extrusionH="63500" prstMaterial="matte">
+      <a:bevelT w="25400" h="6350" prst="relaxedInset"/>
+      <a:contourClr>
+        <a:schemeClr val="bg1"/>
+      </a:contourClr>
+    </dgm:sp3d>
+    <dgm:txPr/>
+    <dgm:style>
+      <a:lnRef idx="0">
+        <a:scrgbClr r="0" g="0" b="0"/>
+      </a:lnRef>
+      <a:fillRef idx="1">
+        <a:scrgbClr r="0" g="0" b="0"/>
+      </a:fillRef>
+      <a:effectRef idx="2">
+        <a:scrgbClr r="0" g="0" b="0"/>
+      </a:effectRef>
+      <a:fontRef idx="minor">
+        <a:schemeClr val="lt1"/>
+      </a:fontRef>
+    </dgm:style>
+  </dgm:styleLbl>
+  <dgm:styleLbl name="sibTrans1D1">
+    <dgm:scene3d>
+      <a:camera prst="orthographicFront"/>
+      <a:lightRig rig="threePt" dir="t">
+        <a:rot lat="0" lon="0" rev="7500000"/>
+      </a:lightRig>
+    </dgm:scene3d>
+    <dgm:sp3d z="-40000" prstMaterial="matte"/>
+    <dgm:txPr/>
+    <dgm:style>
+      <a:lnRef idx="1">
+        <a:scrgbClr r="0" g="0" b="0"/>
+      </a:lnRef>
+      <a:fillRef idx="0">
+        <a:scrgbClr r="0" g="0" b="0"/>
+      </a:fillRef>
+      <a:effectRef idx="0">
+        <a:scrgbClr r="0" g="0" b="0"/>
+      </a:effectRef>
+      <a:fontRef idx="minor"/>
+    </dgm:style>
+  </dgm:styleLbl>
+  <dgm:styleLbl name="callout">
+    <dgm:scene3d>
+      <a:camera prst="orthographicFront"/>
+      <a:lightRig rig="threePt" dir="t">
+        <a:rot lat="0" lon="0" rev="7500000"/>
+      </a:lightRig>
+    </dgm:scene3d>
+    <dgm:sp3d z="127000" prstMaterial="matte"/>
+    <dgm:txPr/>
+    <dgm:style>
+      <a:lnRef idx="2">
+        <a:scrgbClr r="0" g="0" b="0"/>
+      </a:lnRef>
+      <a:fillRef idx="1">
+        <a:scrgbClr r="0" g="0" b="0"/>
+      </a:fillRef>
+      <a:effectRef idx="0">
+        <a:scrgbClr r="0" g="0" b="0"/>
+      </a:effectRef>
+      <a:fontRef idx="minor"/>
+    </dgm:style>
+  </dgm:styleLbl>
+  <dgm:styleLbl name="asst0">
+    <dgm:scene3d>
+      <a:camera prst="orthographicFront"/>
+      <a:lightRig rig="threePt" dir="t">
+        <a:rot lat="0" lon="0" rev="7500000"/>
+      </a:lightRig>
+    </dgm:scene3d>
+    <dgm:sp3d prstMaterial="plastic">
+      <a:bevelT w="127000" h="25400" prst="relaxedInset"/>
+    </dgm:sp3d>
+    <dgm:txPr/>
+    <dgm:style>
+      <a:lnRef idx="0">
+        <a:scrgbClr r="0" g="0" b="0"/>
+      </a:lnRef>
+      <a:fillRef idx="3">
+        <a:scrgbClr r="0" g="0" b="0"/>
+      </a:fillRef>
+      <a:effectRef idx="2">
+        <a:scrgbClr r="0" g="0" b="0"/>
+      </a:effectRef>
+      <a:fontRef idx="minor">
+        <a:schemeClr val="lt1"/>
+      </a:fontRef>
+    </dgm:style>
+  </dgm:styleLbl>
+  <dgm:styleLbl name="asst1">
+    <dgm:scene3d>
+      <a:camera prst="orthographicFront"/>
+      <a:lightRig rig="threePt" dir="t">
+        <a:rot lat="0" lon="0" rev="7500000"/>
+      </a:lightRig>
+    </dgm:scene3d>
+    <dgm:sp3d prstMaterial="plastic">
+      <a:bevelT w="127000" h="25400" prst="relaxedInset"/>
+    </dgm:sp3d>
+    <dgm:txPr/>
+    <dgm:style>
+      <a:lnRef idx="0">
+        <a:scrgbClr r="0" g="0" b="0"/>
+      </a:lnRef>
+      <a:fillRef idx="3">
+        <a:scrgbClr r="0" g="0" b="0"/>
+      </a:fillRef>
+      <a:effectRef idx="2">
+        <a:scrgbClr r="0" g="0" b="0"/>
+      </a:effectRef>
+      <a:fontRef idx="minor">
+        <a:schemeClr val="lt1"/>
+      </a:fontRef>
+    </dgm:style>
+  </dgm:styleLbl>
+  <dgm:styleLbl name="asst2">
+    <dgm:scene3d>
+      <a:camera prst="orthographicFront"/>
+      <a:lightRig rig="threePt" dir="t">
+        <a:rot lat="0" lon="0" rev="7500000"/>
+      </a:lightRig>
+    </dgm:scene3d>
+    <dgm:sp3d prstMaterial="plastic">
+      <a:bevelT w="127000" h="25400" prst="relaxedInset"/>
+    </dgm:sp3d>
+    <dgm:txPr/>
+    <dgm:style>
+      <a:lnRef idx="0">
+        <a:scrgbClr r="0" g="0" b="0"/>
+      </a:lnRef>
+      <a:fillRef idx="3">
+        <a:scrgbClr r="0" g="0" b="0"/>
+      </a:fillRef>
+      <a:effectRef idx="2">
+        <a:scrgbClr r="0" g="0" b="0"/>
+      </a:effectRef>
+      <a:fontRef idx="minor">
+        <a:schemeClr val="lt1"/>
+      </a:fontRef>
+    </dgm:style>
+  </dgm:styleLbl>
+  <dgm:styleLbl name="asst3">
+    <dgm:scene3d>
+      <a:camera prst="orthographicFront"/>
+      <a:lightRig rig="threePt" dir="t">
+        <a:rot lat="0" lon="0" rev="7500000"/>
+      </a:lightRig>
+    </dgm:scene3d>
+    <dgm:sp3d prstMaterial="plastic">
+      <a:bevelT w="127000" h="25400" prst="relaxedInset"/>
+    </dgm:sp3d>
+    <dgm:txPr/>
+    <dgm:style>
+      <a:lnRef idx="0">
+        <a:scrgbClr r="0" g="0" b="0"/>
+      </a:lnRef>
+      <a:fillRef idx="3">
+        <a:scrgbClr r="0" g="0" b="0"/>
+      </a:fillRef>
+      <a:effectRef idx="2">
+        <a:scrgbClr r="0" g="0" b="0"/>
+      </a:effectRef>
+      <a:fontRef idx="minor">
+        <a:schemeClr val="lt1"/>
+      </a:fontRef>
+    </dgm:style>
+  </dgm:styleLbl>
+  <dgm:styleLbl name="parChTrans2D1">
+    <dgm:scene3d>
+      <a:camera prst="orthographicFront"/>
+      <a:lightRig rig="threePt" dir="t">
+        <a:rot lat="0" lon="0" rev="7500000"/>
+      </a:lightRig>
+    </dgm:scene3d>
+    <dgm:sp3d extrusionH="63500" prstMaterial="matte">
+      <a:bevelT w="50800" h="19050" prst="relaxedInset"/>
+      <a:contourClr>
+        <a:schemeClr val="bg1"/>
+      </a:contourClr>
+    </dgm:sp3d>
+    <dgm:txPr/>
+    <dgm:style>
+      <a:lnRef idx="0">
+        <a:scrgbClr r="0" g="0" b="0"/>
+      </a:lnRef>
+      <a:fillRef idx="1">
+        <a:scrgbClr r="0" g="0" b="0"/>
+      </a:fillRef>
+      <a:effectRef idx="2">
+        <a:scrgbClr r="0" g="0" b="0"/>
+      </a:effectRef>
+      <a:fontRef idx="minor">
+        <a:schemeClr val="lt1"/>
+      </a:fontRef>
+    </dgm:style>
+  </dgm:styleLbl>
+  <dgm:styleLbl name="parChTrans2D2">
+    <dgm:scene3d>
+      <a:camera prst="orthographicFront"/>
+      <a:lightRig rig="threePt" dir="t">
+        <a:rot lat="0" lon="0" rev="7500000"/>
+      </a:lightRig>
+    </dgm:scene3d>
+    <dgm:sp3d extrusionH="63500" prstMaterial="matte">
+      <a:bevelT w="50800" h="19050" prst="relaxedInset"/>
+      <a:contourClr>
+        <a:schemeClr val="bg1"/>
+      </a:contourClr>
+    </dgm:sp3d>
+    <dgm:txPr/>
+    <dgm:style>
+      <a:lnRef idx="0">
+        <a:scrgbClr r="0" g="0" b="0"/>
+      </a:lnRef>
+      <a:fillRef idx="1">
+        <a:scrgbClr r="0" g="0" b="0"/>
+      </a:fillRef>
+      <a:effectRef idx="0">
+        <a:scrgbClr r="0" g="0" b="0"/>
+      </a:effectRef>
+      <a:fontRef idx="minor">
+        <a:schemeClr val="lt1"/>
+      </a:fontRef>
+    </dgm:style>
+  </dgm:styleLbl>
+  <dgm:styleLbl name="parChTrans2D3">
+    <dgm:scene3d>
+      <a:camera prst="orthographicFront"/>
+      <a:lightRig rig="threePt" dir="t">
+        <a:rot lat="0" lon="0" rev="7500000"/>
+      </a:lightRig>
+    </dgm:scene3d>
+    <dgm:sp3d z="60000" prstMaterial="flat">
+      <a:bevelT w="120900" h="88900"/>
+    </dgm:sp3d>
+    <dgm:txPr/>
+    <dgm:style>
+      <a:lnRef idx="0">
+        <a:scrgbClr r="0" g="0" b="0"/>
+      </a:lnRef>
+      <a:fillRef idx="3">
+        <a:scrgbClr r="0" g="0" b="0"/>
+      </a:fillRef>
+      <a:effectRef idx="1">
+        <a:scrgbClr r="0" g="0" b="0"/>
+      </a:effectRef>
+      <a:fontRef idx="minor">
+        <a:schemeClr val="lt1"/>
+      </a:fontRef>
+    </dgm:style>
+  </dgm:styleLbl>
+  <dgm:styleLbl name="parChTrans2D4">
+    <dgm:scene3d>
+      <a:camera prst="orthographicFront"/>
+      <a:lightRig rig="threePt" dir="t">
+        <a:rot lat="0" lon="0" rev="7500000"/>
+      </a:lightRig>
+    </dgm:scene3d>
+    <dgm:sp3d z="60000" prstMaterial="flat">
+      <a:bevelT w="120900" h="88900"/>
+    </dgm:sp3d>
+    <dgm:txPr/>
+    <dgm:style>
+      <a:lnRef idx="0">
+        <a:scrgbClr r="0" g="0" b="0"/>
+      </a:lnRef>
+      <a:fillRef idx="3">
+        <a:scrgbClr r="0" g="0" b="0"/>
+      </a:fillRef>
+      <a:effectRef idx="1">
+        <a:scrgbClr r="0" g="0" b="0"/>
+      </a:effectRef>
+      <a:fontRef idx="minor">
+        <a:schemeClr val="lt1"/>
+      </a:fontRef>
+    </dgm:style>
+  </dgm:styleLbl>
+  <dgm:styleLbl name="parChTrans1D1">
+    <dgm:scene3d>
+      <a:camera prst="orthographicFront"/>
+      <a:lightRig rig="threePt" dir="t">
+        <a:rot lat="0" lon="0" rev="7500000"/>
+      </a:lightRig>
+    </dgm:scene3d>
+    <dgm:sp3d z="-40000" prstMaterial="matte"/>
+    <dgm:txPr/>
+    <dgm:style>
+      <a:lnRef idx="2">
+        <a:scrgbClr r="0" g="0" b="0"/>
+      </a:lnRef>
+      <a:fillRef idx="0">
+        <a:scrgbClr r="0" g="0" b="0"/>
+      </a:fillRef>
+      <a:effectRef idx="0">
+        <a:scrgbClr r="0" g="0" b="0"/>
+      </a:effectRef>
+      <a:fontRef idx="minor"/>
+    </dgm:style>
+  </dgm:styleLbl>
+  <dgm:styleLbl name="parChTrans1D2">
+    <dgm:scene3d>
+      <a:camera prst="orthographicFront"/>
+      <a:lightRig rig="threePt" dir="t">
+        <a:rot lat="0" lon="0" rev="7500000"/>
+      </a:lightRig>
+    </dgm:scene3d>
+    <dgm:sp3d z="-40000" prstMaterial="matte"/>
+    <dgm:txPr/>
+    <dgm:style>
+      <a:lnRef idx="2">
+        <a:scrgbClr r="0" g="0" b="0"/>
+      </a:lnRef>
+      <a:fillRef idx="0">
+        <a:scrgbClr r="0" g="0" b="0"/>
+      </a:fillRef>
+      <a:effectRef idx="0">
+        <a:scrgbClr r="0" g="0" b="0"/>
+      </a:effectRef>
+      <a:fontRef idx="minor"/>
+    </dgm:style>
+  </dgm:styleLbl>
+  <dgm:styleLbl name="parChTrans1D3">
+    <dgm:scene3d>
+      <a:camera prst="orthographicFront"/>
+      <a:lightRig rig="threePt" dir="t">
+        <a:rot lat="0" lon="0" rev="7500000"/>
+      </a:lightRig>
+    </dgm:scene3d>
+    <dgm:sp3d z="-40000" prstMaterial="matte"/>
+    <dgm:txPr/>
+    <dgm:style>
+      <a:lnRef idx="2">
+        <a:scrgbClr r="0" g="0" b="0"/>
+      </a:lnRef>
+      <a:fillRef idx="0">
+        <a:scrgbClr r="0" g="0" b="0"/>
+      </a:fillRef>
+      <a:effectRef idx="0">
+        <a:scrgbClr r="0" g="0" b="0"/>
+      </a:effectRef>
+      <a:fontRef idx="minor"/>
+    </dgm:style>
+  </dgm:styleLbl>
+  <dgm:styleLbl name="parChTrans1D4">
+    <dgm:scene3d>
+      <a:camera prst="orthographicFront"/>
+      <a:lightRig rig="threePt" dir="t">
+        <a:rot lat="0" lon="0" rev="7500000"/>
+      </a:lightRig>
+    </dgm:scene3d>
+    <dgm:sp3d z="-40000" prstMaterial="matte"/>
+    <dgm:txPr/>
+    <dgm:style>
+      <a:lnRef idx="2">
+        <a:scrgbClr r="0" g="0" b="0"/>
+      </a:lnRef>
+      <a:fillRef idx="0">
+        <a:scrgbClr r="0" g="0" b="0"/>
+      </a:fillRef>
+      <a:effectRef idx="0">
+        <a:scrgbClr r="0" g="0" b="0"/>
+      </a:effectRef>
+      <a:fontRef idx="minor"/>
+    </dgm:style>
+  </dgm:styleLbl>
+  <dgm:styleLbl name="fgAcc1">
+    <dgm:scene3d>
+      <a:camera prst="orthographicFront"/>
+      <a:lightRig rig="threePt" dir="t">
+        <a:rot lat="0" lon="0" rev="7500000"/>
+      </a:lightRig>
+    </dgm:scene3d>
+    <dgm:sp3d z="152400" extrusionH="63500" prstMaterial="dkEdge">
+      <a:bevelT w="135400" h="16350" prst="relaxedInset"/>
+      <a:contourClr>
+        <a:schemeClr val="bg1"/>
+      </a:contourClr>
+    </dgm:sp3d>
+    <dgm:txPr/>
+    <dgm:style>
+      <a:lnRef idx="1">
+        <a:scrgbClr r="0" g="0" b="0"/>
+      </a:lnRef>
+      <a:fillRef idx="1">
+        <a:scrgbClr r="0" g="0" b="0"/>
+      </a:fillRef>
+      <a:effectRef idx="2">
+        <a:scrgbClr r="0" g="0" b="0"/>
+      </a:effectRef>
+      <a:fontRef idx="minor"/>
+    </dgm:style>
+  </dgm:styleLbl>
+  <dgm:styleLbl name="conFgAcc1">
+    <dgm:scene3d>
+      <a:camera prst="orthographicFront"/>
+      <a:lightRig rig="threePt" dir="t">
+        <a:rot lat="0" lon="0" rev="7500000"/>
+      </a:lightRig>
+    </dgm:scene3d>
+    <dgm:sp3d z="152400" extrusionH="63500" prstMaterial="dkEdge">
+      <a:bevelT w="135400" h="16350" prst="relaxedInset"/>
+      <a:contourClr>
+        <a:schemeClr val="bg1"/>
+      </a:contourClr>
+    </dgm:sp3d>
+    <dgm:txPr/>
+    <dgm:style>
+      <a:lnRef idx="1">
+        <a:scrgbClr r="0" g="0" b="0"/>
+      </a:lnRef>
+      <a:fillRef idx="1">
+        <a:scrgbClr r="0" g="0" b="0"/>
+      </a:fillRef>
+      <a:effectRef idx="2">
+        <a:scrgbClr r="0" g="0" b="0"/>
+      </a:effectRef>
+      <a:fontRef idx="minor"/>
+    </dgm:style>
+  </dgm:styleLbl>
+  <dgm:styleLbl name="alignAcc1">
+    <dgm:scene3d>
+      <a:camera prst="orthographicFront"/>
+      <a:lightRig rig="threePt" dir="t">
+        <a:rot lat="0" lon="0" rev="7500000"/>
+      </a:lightRig>
+    </dgm:scene3d>
+    <dgm:sp3d extrusionH="190500" prstMaterial="dkEdge">
+      <a:bevelT w="135400" h="16350" prst="relaxedInset"/>
+      <a:contourClr>
+        <a:schemeClr val="bg1"/>
+      </a:contourClr>
+    </dgm:sp3d>
+    <dgm:txPr/>
+    <dgm:style>
+      <a:lnRef idx="1">
+        <a:scrgbClr r="0" g="0" b="0"/>
+      </a:lnRef>
+      <a:fillRef idx="1">
+        <a:scrgbClr r="0" g="0" b="0"/>
+      </a:fillRef>
+      <a:effectRef idx="2">
+        <a:scrgbClr r="0" g="0" b="0"/>
+      </a:effectRef>
+      <a:fontRef idx="minor"/>
+    </dgm:style>
+  </dgm:styleLbl>
+  <dgm:styleLbl name="trAlignAcc1">
+    <dgm:scene3d>
+      <a:camera prst="orthographicFront"/>
+      <a:lightRig rig="threePt" dir="t">
+        <a:rot lat="0" lon="0" rev="7500000"/>
+      </a:lightRig>
+    </dgm:scene3d>
+    <dgm:sp3d prstMaterial="plastic">
+      <a:bevelT w="127000" h="35400"/>
+    </dgm:sp3d>
+    <dgm:txPr/>
+    <dgm:style>
+      <a:lnRef idx="1">
+        <a:scrgbClr r="0" g="0" b="0"/>
+      </a:lnRef>
+      <a:fillRef idx="1">
+        <a:scrgbClr r="0" g="0" b="0"/>
+      </a:fillRef>
+      <a:effectRef idx="2">
+        <a:scrgbClr r="0" g="0" b="0"/>
+      </a:effectRef>
+      <a:fontRef idx="minor">
+        <a:schemeClr val="lt1"/>
+      </a:fontRef>
+    </dgm:style>
+  </dgm:styleLbl>
+  <dgm:styleLbl name="bgAcc1">
+    <dgm:scene3d>
+      <a:camera prst="orthographicFront"/>
+      <a:lightRig rig="threePt" dir="t">
+        <a:rot lat="0" lon="0" rev="7500000"/>
+      </a:lightRig>
+    </dgm:scene3d>
+    <dgm:sp3d z="-152400" extrusionH="63500" prstMaterial="dkEdge">
+      <a:bevelT w="124450" h="16350" prst="relaxedInset"/>
+      <a:contourClr>
+        <a:schemeClr val="bg1"/>
+      </a:contourClr>
+    </dgm:sp3d>
+    <dgm:txPr/>
+    <dgm:style>
+      <a:lnRef idx="1">
+        <a:scrgbClr r="0" g="0" b="0"/>
+      </a:lnRef>
+      <a:fillRef idx="1">
+        <a:scrgbClr r="0" g="0" b="0"/>
+      </a:fillRef>
+      <a:effectRef idx="0">
+        <a:scrgbClr r="0" g="0" b="0"/>
+      </a:effectRef>
+      <a:fontRef idx="minor"/>
+    </dgm:style>
+  </dgm:styleLbl>
+  <dgm:styleLbl name="solidFgAcc1">
+    <dgm:scene3d>
+      <a:camera prst="orthographicFront"/>
+      <a:lightRig rig="threePt" dir="t">
+        <a:rot lat="0" lon="0" rev="7500000"/>
+      </a:lightRig>
+    </dgm:scene3d>
+    <dgm:sp3d z="152400" extrusionH="63500" prstMaterial="dkEdge">
+      <a:bevelT w="120800" h="19050" prst="relaxedInset"/>
+      <a:contourClr>
+        <a:schemeClr val="bg1"/>
+      </a:contourClr>
+    </dgm:sp3d>
+    <dgm:txPr/>
+    <dgm:style>
+      <a:lnRef idx="1">
+        <a:scrgbClr r="0" g="0" b="0"/>
+      </a:lnRef>
+      <a:fillRef idx="1">
+        <a:scrgbClr r="0" g="0" b="0"/>
+      </a:fillRef>
+      <a:effectRef idx="2">
+        <a:scrgbClr r="0" g="0" b="0"/>
+      </a:effectRef>
+      <a:fontRef idx="minor"/>
+    </dgm:style>
+  </dgm:styleLbl>
+  <dgm:styleLbl name="solidAlignAcc1">
+    <dgm:scene3d>
+      <a:camera prst="orthographicFront"/>
+      <a:lightRig rig="threePt" dir="t">
+        <a:rot lat="0" lon="0" rev="7500000"/>
+      </a:lightRig>
+    </dgm:scene3d>
+    <dgm:sp3d extrusionH="190500" prstMaterial="dkEdge">
+      <a:bevelT w="120650" h="38100" prst="relaxedInset"/>
+      <a:contourClr>
+        <a:schemeClr val="bg1"/>
+      </a:contourClr>
+    </dgm:sp3d>
+    <dgm:txPr/>
+    <dgm:style>
+      <a:lnRef idx="1">
+        <a:scrgbClr r="0" g="0" b="0"/>
+      </a:lnRef>
+      <a:fillRef idx="1">
+        <a:scrgbClr r="0" g="0" b="0"/>
+      </a:fillRef>
+      <a:effectRef idx="2">
+        <a:scrgbClr r="0" g="0" b="0"/>
+      </a:effectRef>
+      <a:fontRef idx="minor"/>
+    </dgm:style>
+  </dgm:styleLbl>
+  <dgm:styleLbl name="solidBgAcc1">
+    <dgm:scene3d>
+      <a:camera prst="orthographicFront"/>
+      <a:lightRig rig="threePt" dir="t">
+        <a:rot lat="0" lon="0" rev="7500000"/>
+      </a:lightRig>
+    </dgm:scene3d>
+    <dgm:sp3d z="-152400" extrusionH="63500" prstMaterial="dkEdge">
+      <a:bevelT w="144450" h="36350" prst="relaxedInset"/>
+      <a:contourClr>
+        <a:schemeClr val="bg1"/>
+      </a:contourClr>
+    </dgm:sp3d>
+    <dgm:txPr/>
+    <dgm:style>
+      <a:lnRef idx="1">
+        <a:scrgbClr r="0" g="0" b="0"/>
+      </a:lnRef>
+      <a:fillRef idx="1">
+        <a:scrgbClr r="0" g="0" b="0"/>
+      </a:fillRef>
+      <a:effectRef idx="0">
+        <a:scrgbClr r="0" g="0" b="0"/>
+      </a:effectRef>
+      <a:fontRef idx="minor"/>
+    </dgm:style>
+  </dgm:styleLbl>
+  <dgm:styleLbl name="fgAccFollowNode1">
+    <dgm:scene3d>
+      <a:camera prst="orthographicFront"/>
+      <a:lightRig rig="threePt" dir="t">
+        <a:rot lat="0" lon="0" rev="7500000"/>
+      </a:lightRig>
+    </dgm:scene3d>
+    <dgm:sp3d z="152400" extrusionH="63500" prstMaterial="dkEdge">
+      <a:bevelT w="125400" h="36350" prst="relaxedInset"/>
+      <a:contourClr>
+        <a:schemeClr val="bg1"/>
+      </a:contourClr>
+    </dgm:sp3d>
+    <dgm:txPr/>
+    <dgm:style>
+      <a:lnRef idx="1">
+        <a:scrgbClr r="0" g="0" b="0"/>
+      </a:lnRef>
+      <a:fillRef idx="1">
+        <a:scrgbClr r="0" g="0" b="0"/>
+      </a:fillRef>
+      <a:effectRef idx="0">
+        <a:scrgbClr r="0" g="0" b="0"/>
+      </a:effectRef>
+      <a:fontRef idx="minor"/>
+    </dgm:style>
+  </dgm:styleLbl>
+  <dgm:styleLbl name="alignAccFollowNode1">
+    <dgm:scene3d>
+      <a:camera prst="orthographicFront"/>
+      <a:lightRig rig="threePt" dir="t">
+        <a:rot lat="0" lon="0" rev="7500000"/>
+      </a:lightRig>
+    </dgm:scene3d>
+    <dgm:sp3d extrusionH="190500" prstMaterial="dkEdge">
+      <a:bevelT w="120650" h="38100" prst="relaxedInset"/>
+      <a:bevelB w="120650" h="57150" prst="relaxedInset"/>
+      <a:contourClr>
+        <a:schemeClr val="bg1"/>
+      </a:contourClr>
+    </dgm:sp3d>
+    <dgm:txPr/>
+    <dgm:style>
+      <a:lnRef idx="1">
+        <a:scrgbClr r="0" g="0" b="0"/>
+      </a:lnRef>
+      <a:fillRef idx="1">
+        <a:scrgbClr r="0" g="0" b="0"/>
+      </a:fillRef>
+      <a:effectRef idx="2">
+        <a:scrgbClr r="0" g="0" b="0"/>
+      </a:effectRef>
+      <a:fontRef idx="minor"/>
+    </dgm:style>
+  </dgm:styleLbl>
+  <dgm:styleLbl name="bgAccFollowNode1">
+    <dgm:scene3d>
+      <a:camera prst="orthographicFront"/>
+      <a:lightRig rig="threePt" dir="t">
+        <a:rot lat="0" lon="0" rev="7500000"/>
+      </a:lightRig>
+    </dgm:scene3d>
+    <dgm:sp3d z="-152400" extrusionH="63500" prstMaterial="dkEdge">
+      <a:bevelT w="144450" h="36350" prst="relaxedInset"/>
+      <a:contourClr>
+        <a:schemeClr val="bg1"/>
+      </a:contourClr>
+    </dgm:sp3d>
+    <dgm:txPr/>
+    <dgm:style>
+      <a:lnRef idx="1">
+        <a:scrgbClr r="0" g="0" b="0"/>
+      </a:lnRef>
+      <a:fillRef idx="1">
+        <a:scrgbClr r="0" g="0" b="0"/>
+      </a:fillRef>
+      <a:effectRef idx="2">
+        <a:scrgbClr r="0" g="0" b="0"/>
+      </a:effectRef>
+      <a:fontRef idx="minor"/>
+    </dgm:style>
+  </dgm:styleLbl>
+  <dgm:styleLbl name="fgAcc0">
+    <dgm:scene3d>
+      <a:camera prst="orthographicFront"/>
+      <a:lightRig rig="threePt" dir="t">
+        <a:rot lat="0" lon="0" rev="7500000"/>
+      </a:lightRig>
+    </dgm:scene3d>
+    <dgm:sp3d z="152400" extrusionH="63500" prstMaterial="dkEdge">
+      <a:bevelT w="125400" h="36350" prst="relaxedInset"/>
+      <a:contourClr>
+        <a:schemeClr val="bg1"/>
+      </a:contourClr>
+    </dgm:sp3d>
+    <dgm:txPr/>
+    <dgm:style>
+      <a:lnRef idx="1">
+        <a:scrgbClr r="0" g="0" b="0"/>
+      </a:lnRef>
+      <a:fillRef idx="1">
+        <a:scrgbClr r="0" g="0" b="0"/>
+      </a:fillRef>
+      <a:effectRef idx="2">
+        <a:scrgbClr r="0" g="0" b="0"/>
+      </a:effectRef>
+      <a:fontRef idx="minor"/>
+    </dgm:style>
+  </dgm:styleLbl>
+  <dgm:styleLbl name="fgAcc2">
+    <dgm:scene3d>
+      <a:camera prst="orthographicFront"/>
+      <a:lightRig rig="threePt" dir="t">
+        <a:rot lat="0" lon="0" rev="7500000"/>
+      </a:lightRig>
+    </dgm:scene3d>
+    <dgm:sp3d z="152400" extrusionH="63500" prstMaterial="dkEdge">
+      <a:bevelT w="125400" h="36350" prst="relaxedInset"/>
+      <a:contourClr>
+        <a:schemeClr val="bg1"/>
+      </a:contourClr>
+    </dgm:sp3d>
+    <dgm:txPr/>
+    <dgm:style>
+      <a:lnRef idx="1">
+        <a:scrgbClr r="0" g="0" b="0"/>
+      </a:lnRef>
+      <a:fillRef idx="1">
+        <a:scrgbClr r="0" g="0" b="0"/>
+      </a:fillRef>
+      <a:effectRef idx="2">
+        <a:scrgbClr r="0" g="0" b="0"/>
+      </a:effectRef>
+      <a:fontRef idx="minor"/>
+    </dgm:style>
+  </dgm:styleLbl>
+  <dgm:styleLbl name="fgAcc3">
+    <dgm:scene3d>
+      <a:camera prst="orthographicFront"/>
+      <a:lightRig rig="threePt" dir="t">
+        <a:rot lat="0" lon="0" rev="7500000"/>
+      </a:lightRig>
+    </dgm:scene3d>
+    <dgm:sp3d z="152400" extrusionH="63500" prstMaterial="dkEdge">
+      <a:bevelT w="125400" h="36350" prst="relaxedInset"/>
+      <a:contourClr>
+        <a:schemeClr val="bg1"/>
+      </a:contourClr>
+    </dgm:sp3d>
+    <dgm:txPr/>
+    <dgm:style>
+      <a:lnRef idx="1">
+        <a:scrgbClr r="0" g="0" b="0"/>
+      </a:lnRef>
+      <a:fillRef idx="1">
+        <a:scrgbClr r="0" g="0" b="0"/>
+      </a:fillRef>
+      <a:effectRef idx="2">
+        <a:scrgbClr r="0" g="0" b="0"/>
+      </a:effectRef>
+      <a:fontRef idx="minor"/>
+    </dgm:style>
+  </dgm:styleLbl>
+  <dgm:styleLbl name="fgAcc4">
+    <dgm:scene3d>
+      <a:camera prst="orthographicFront"/>
+      <a:lightRig rig="threePt" dir="t">
+        <a:rot lat="0" lon="0" rev="7500000"/>
+      </a:lightRig>
+    </dgm:scene3d>
+    <dgm:sp3d z="152400" extrusionH="63500" prstMaterial="dkEdge">
+      <a:bevelT w="125400" h="36350" prst="relaxedInset"/>
+      <a:contourClr>
+        <a:schemeClr val="bg1"/>
+      </a:contourClr>
+    </dgm:sp3d>
+    <dgm:txPr/>
+    <dgm:style>
+      <a:lnRef idx="1">
+        <a:scrgbClr r="0" g="0" b="0"/>
+      </a:lnRef>
+      <a:fillRef idx="1">
+        <a:scrgbClr r="0" g="0" b="0"/>
+      </a:fillRef>
+      <a:effectRef idx="2">
+        <a:scrgbClr r="0" g="0" b="0"/>
+      </a:effectRef>
+      <a:fontRef idx="minor"/>
+    </dgm:style>
+  </dgm:styleLbl>
+  <dgm:styleLbl name="bgShp">
+    <dgm:scene3d>
+      <a:camera prst="orthographicFront"/>
+      <a:lightRig rig="threePt" dir="t">
+        <a:rot lat="0" lon="0" rev="7500000"/>
+      </a:lightRig>
+    </dgm:scene3d>
+    <dgm:sp3d z="-152400" extrusionH="63500" prstMaterial="matte">
+      <a:bevelT w="144450" h="6350" prst="relaxedInset"/>
+      <a:contourClr>
+        <a:schemeClr val="bg1"/>
+      </a:contourClr>
+    </dgm:sp3d>
+    <dgm:txPr/>
+    <dgm:style>
+      <a:lnRef idx="0">
+        <a:scrgbClr r="0" g="0" b="0"/>
+      </a:lnRef>
+      <a:fillRef idx="3">
+        <a:scrgbClr r="0" g="0" b="0"/>
+      </a:fillRef>
+      <a:effectRef idx="0">
+        <a:scrgbClr r="0" g="0" b="0"/>
+      </a:effectRef>
+      <a:fontRef idx="minor"/>
+    </dgm:style>
+  </dgm:styleLbl>
+  <dgm:styleLbl name="dkBgShp">
+    <dgm:scene3d>
+      <a:camera prst="orthographicFront"/>
+      <a:lightRig rig="threePt" dir="t">
+        <a:rot lat="0" lon="0" rev="7500000"/>
+      </a:lightRig>
+    </dgm:scene3d>
+    <dgm:sp3d prstMaterial="plastic">
+      <a:bevelT w="127000" h="25400" prst="relaxedInset"/>
+      <a:bevelB w="88900" h="121750" prst="angle"/>
+    </dgm:sp3d>
+    <dgm:txPr/>
+    <dgm:style>
+      <a:lnRef idx="0">
+        <a:scrgbClr r="0" g="0" b="0"/>
+      </a:lnRef>
+      <a:fillRef idx="1">
+        <a:scrgbClr r="0" g="0" b="0"/>
+      </a:fillRef>
+      <a:effectRef idx="2">
+        <a:scrgbClr r="0" g="0" b="0"/>
+      </a:effectRef>
+      <a:fontRef idx="minor">
+        <a:schemeClr val="lt1"/>
+      </a:fontRef>
+    </dgm:style>
+  </dgm:styleLbl>
+  <dgm:styleLbl name="trBgShp">
+    <dgm:scene3d>
+      <a:camera prst="orthographicFront"/>
+      <a:lightRig rig="threePt" dir="t"/>
+    </dgm:scene3d>
+    <dgm:sp3d z="-152400" prstMaterial="matte"/>
+    <dgm:txPr/>
+    <dgm:style>
+      <a:lnRef idx="0">
+        <a:scrgbClr r="0" g="0" b="0"/>
+      </a:lnRef>
+      <a:fillRef idx="1">
+        <a:scrgbClr r="0" g="0" b="0"/>
+      </a:fillRef>
+      <a:effectRef idx="0">
+        <a:scrgbClr r="0" g="0" b="0"/>
+      </a:effectRef>
+      <a:fontRef idx="minor"/>
+    </dgm:style>
+  </dgm:styleLbl>
+  <dgm:styleLbl name="fgShp">
+    <dgm:scene3d>
+      <a:camera prst="orthographicFront"/>
+      <a:lightRig rig="threePt" dir="t">
+        <a:rot lat="0" lon="0" rev="7500000"/>
+      </a:lightRig>
+    </dgm:scene3d>
+    <dgm:sp3d z="152400" extrusionH="63500" prstMaterial="matte">
+      <a:bevelT w="50800" h="19050" prst="relaxedInset"/>
+      <a:contourClr>
+        <a:schemeClr val="bg1"/>
+      </a:contourClr>
+    </dgm:sp3d>
+    <dgm:txPr/>
+    <dgm:style>
+      <a:lnRef idx="0">
+        <a:scrgbClr r="0" g="0" b="0"/>
+      </a:lnRef>
+      <a:fillRef idx="1">
+        <a:scrgbClr r="0" g="0" b="0"/>
+      </a:fillRef>
+      <a:effectRef idx="2">
+        <a:scrgbClr r="0" g="0" b="0"/>
+      </a:effectRef>
+      <a:fontRef idx="minor">
+        <a:schemeClr val="lt1"/>
+      </a:fontRef>
+    </dgm:style>
+  </dgm:styleLbl>
+  <dgm:styleLbl name="revTx">
+    <dgm:scene3d>
+      <a:camera prst="orthographicFront"/>
+      <a:lightRig rig="threePt" dir="t"/>
+    </dgm:scene3d>
+    <dgm:sp3d/>
+    <dgm:txPr/>
+    <dgm:style>
+      <a:lnRef idx="0">
+        <a:scrgbClr r="0" g="0" b="0"/>
+      </a:lnRef>
+      <a:fillRef idx="0">
+        <a:scrgbClr r="0" g="0" b="0"/>
+      </a:fillRef>
+      <a:effectRef idx="0">
+        <a:scrgbClr r="0" g="0" b="0"/>
+      </a:effectRef>
+      <a:fontRef idx="minor"/>
+    </dgm:style>
+  </dgm:styleLbl>
+</dgm:styleDef>
 </file>
 
 <file path=ppt/slideLayouts/slideLayout1.xml><?xml version="1.0" encoding="utf-8"?>
@@ -242,7 +4807,7 @@
           <a:p>
             <a:fld id="{BCB44191-F645-0249-BC75-C58B9FE779BF}" type="datetimeFigureOut">
               <a:rPr lang="en-US" smtClean="0"/>
-              <a:t>3/29/24</a:t>
+              <a:t>3/31/24</a:t>
             </a:fld>
             <a:endParaRPr lang="en-US"/>
           </a:p>
@@ -412,7 +4977,7 @@
           <a:p>
             <a:fld id="{BCB44191-F645-0249-BC75-C58B9FE779BF}" type="datetimeFigureOut">
               <a:rPr lang="en-US" smtClean="0"/>
-              <a:t>3/29/24</a:t>
+              <a:t>3/31/24</a:t>
             </a:fld>
             <a:endParaRPr lang="en-US"/>
           </a:p>
@@ -592,7 +5157,7 @@
           <a:p>
             <a:fld id="{BCB44191-F645-0249-BC75-C58B9FE779BF}" type="datetimeFigureOut">
               <a:rPr lang="en-US" smtClean="0"/>
-              <a:t>3/29/24</a:t>
+              <a:t>3/31/24</a:t>
             </a:fld>
             <a:endParaRPr lang="en-US"/>
           </a:p>
@@ -762,7 +5327,7 @@
           <a:p>
             <a:fld id="{BCB44191-F645-0249-BC75-C58B9FE779BF}" type="datetimeFigureOut">
               <a:rPr lang="en-US" smtClean="0"/>
-              <a:t>3/29/24</a:t>
+              <a:t>3/31/24</a:t>
             </a:fld>
             <a:endParaRPr lang="en-US"/>
           </a:p>
@@ -1008,7 +5573,7 @@
           <a:p>
             <a:fld id="{BCB44191-F645-0249-BC75-C58B9FE779BF}" type="datetimeFigureOut">
               <a:rPr lang="en-US" smtClean="0"/>
-              <a:t>3/29/24</a:t>
+              <a:t>3/31/24</a:t>
             </a:fld>
             <a:endParaRPr lang="en-US"/>
           </a:p>
@@ -1240,7 +5805,7 @@
           <a:p>
             <a:fld id="{BCB44191-F645-0249-BC75-C58B9FE779BF}" type="datetimeFigureOut">
               <a:rPr lang="en-US" smtClean="0"/>
-              <a:t>3/29/24</a:t>
+              <a:t>3/31/24</a:t>
             </a:fld>
             <a:endParaRPr lang="en-US"/>
           </a:p>
@@ -1607,7 +6172,7 @@
           <a:p>
             <a:fld id="{BCB44191-F645-0249-BC75-C58B9FE779BF}" type="datetimeFigureOut">
               <a:rPr lang="en-US" smtClean="0"/>
-              <a:t>3/29/24</a:t>
+              <a:t>3/31/24</a:t>
             </a:fld>
             <a:endParaRPr lang="en-US"/>
           </a:p>
@@ -1725,7 +6290,7 @@
           <a:p>
             <a:fld id="{BCB44191-F645-0249-BC75-C58B9FE779BF}" type="datetimeFigureOut">
               <a:rPr lang="en-US" smtClean="0"/>
-              <a:t>3/29/24</a:t>
+              <a:t>3/31/24</a:t>
             </a:fld>
             <a:endParaRPr lang="en-US"/>
           </a:p>
@@ -1820,7 +6385,7 @@
           <a:p>
             <a:fld id="{BCB44191-F645-0249-BC75-C58B9FE779BF}" type="datetimeFigureOut">
               <a:rPr lang="en-US" smtClean="0"/>
-              <a:t>3/29/24</a:t>
+              <a:t>3/31/24</a:t>
             </a:fld>
             <a:endParaRPr lang="en-US"/>
           </a:p>
@@ -2097,7 +6662,7 @@
           <a:p>
             <a:fld id="{BCB44191-F645-0249-BC75-C58B9FE779BF}" type="datetimeFigureOut">
               <a:rPr lang="en-US" smtClean="0"/>
-              <a:t>3/29/24</a:t>
+              <a:t>3/31/24</a:t>
             </a:fld>
             <a:endParaRPr lang="en-US"/>
           </a:p>
@@ -2354,7 +6919,7 @@
           <a:p>
             <a:fld id="{BCB44191-F645-0249-BC75-C58B9FE779BF}" type="datetimeFigureOut">
               <a:rPr lang="en-US" smtClean="0"/>
-              <a:t>3/29/24</a:t>
+              <a:t>3/31/24</a:t>
             </a:fld>
             <a:endParaRPr lang="en-US"/>
           </a:p>
@@ -2567,7 +7132,7 @@
           <a:p>
             <a:fld id="{BCB44191-F645-0249-BC75-C58B9FE779BF}" type="datetimeFigureOut">
               <a:rPr lang="en-US" smtClean="0"/>
-              <a:t>3/29/24</a:t>
+              <a:t>3/31/24</a:t>
             </a:fld>
             <a:endParaRPr lang="en-US"/>
           </a:p>
@@ -4617,14 +9182,6 @@
               </a:rPr>
               <a:t>Spring Boot</a:t>
             </a:r>
-            <a:endParaRPr lang="en-US" sz="1800" kern="0" dirty="0">
-              <a:solidFill>
-                <a:schemeClr val="accent1"/>
-              </a:solidFill>
-              <a:latin typeface="Futura Medium" panose="020B0602020204020303" pitchFamily="34" charset="-79"/>
-              <a:ea typeface="Source Code Pro" panose="020B0509030403020204" pitchFamily="49" charset="0"/>
-              <a:cs typeface="Futura Medium" panose="020B0602020204020303" pitchFamily="34" charset="-79"/>
-            </a:endParaRPr>
           </a:p>
         </p:txBody>
       </p:sp>
@@ -18623,6 +23180,553 @@
 </p:sld>
 </file>
 
+<file path=ppt/slides/slide6.xml><?xml version="1.0" encoding="utf-8"?>
+<p:sld xmlns:a="http://schemas.openxmlformats.org/drawingml/2006/main" xmlns:r="http://schemas.openxmlformats.org/officeDocument/2006/relationships" xmlns:p="http://schemas.openxmlformats.org/presentationml/2006/main">
+  <p:cSld>
+    <p:spTree>
+      <p:nvGrpSpPr>
+        <p:cNvPr id="1" name=""/>
+        <p:cNvGrpSpPr/>
+        <p:nvPr/>
+      </p:nvGrpSpPr>
+      <p:grpSpPr>
+        <a:xfrm>
+          <a:off x="0" y="0"/>
+          <a:ext cx="0" cy="0"/>
+          <a:chOff x="0" y="0"/>
+          <a:chExt cx="0" cy="0"/>
+        </a:xfrm>
+      </p:grpSpPr>
+      <p:graphicFrame>
+        <p:nvGraphicFramePr>
+          <p:cNvPr id="2" name="Diagram 1">
+            <a:extLst>
+              <a:ext uri="{FF2B5EF4-FFF2-40B4-BE49-F238E27FC236}">
+                <a16:creationId xmlns:a16="http://schemas.microsoft.com/office/drawing/2014/main" id="{C727893A-5F8C-FD31-4007-33A0EEEA8B8E}"/>
+              </a:ext>
+            </a:extLst>
+          </p:cNvPr>
+          <p:cNvGraphicFramePr/>
+          <p:nvPr>
+            <p:extLst>
+              <p:ext uri="{D42A27DB-BD31-4B8C-83A1-F6EECF244321}">
+                <p14:modId xmlns:p14="http://schemas.microsoft.com/office/powerpoint/2010/main" val="202899432"/>
+              </p:ext>
+            </p:extLst>
+          </p:nvPr>
+        </p:nvGraphicFramePr>
+        <p:xfrm>
+          <a:off x="696505" y="1585408"/>
+          <a:ext cx="11331233" cy="3687183"/>
+        </p:xfrm>
+        <a:graphic>
+          <a:graphicData uri="http://schemas.openxmlformats.org/drawingml/2006/diagram">
+            <dgm:relIds xmlns:dgm="http://schemas.openxmlformats.org/drawingml/2006/diagram" xmlns:r="http://schemas.openxmlformats.org/officeDocument/2006/relationships" r:dm="rId2" r:lo="rId3" r:qs="rId4" r:cs="rId5"/>
+          </a:graphicData>
+        </a:graphic>
+      </p:graphicFrame>
+      <p:sp>
+        <p:nvSpPr>
+          <p:cNvPr id="3" name="TextBox 2">
+            <a:extLst>
+              <a:ext uri="{FF2B5EF4-FFF2-40B4-BE49-F238E27FC236}">
+                <a16:creationId xmlns:a16="http://schemas.microsoft.com/office/drawing/2014/main" id="{3CD00D5B-7814-25E0-AAF6-328ED184226D}"/>
+              </a:ext>
+            </a:extLst>
+          </p:cNvPr>
+          <p:cNvSpPr txBox="1"/>
+          <p:nvPr/>
+        </p:nvSpPr>
+        <p:spPr>
+          <a:xfrm>
+            <a:off x="4036210" y="1771793"/>
+            <a:ext cx="1164293" cy="307777"/>
+          </a:xfrm>
+          <a:prstGeom prst="rect">
+            <a:avLst/>
+          </a:prstGeom>
+          <a:noFill/>
+        </p:spPr>
+        <p:txBody>
+          <a:bodyPr wrap="none" rtlCol="0">
+            <a:spAutoFit/>
+          </a:bodyPr>
+          <a:lstStyle/>
+          <a:p>
+            <a:r>
+              <a:rPr lang="en-US" sz="1400" dirty="0">
+                <a:latin typeface="Futura Medium" panose="020B0602020204020303" pitchFamily="34" charset="-79"/>
+                <a:cs typeface="Futura Medium" panose="020B0602020204020303" pitchFamily="34" charset="-79"/>
+              </a:rPr>
+              <a:t>Architecture</a:t>
+            </a:r>
+          </a:p>
+        </p:txBody>
+      </p:sp>
+      <p:sp>
+        <p:nvSpPr>
+          <p:cNvPr id="4" name="Up Arrow 3">
+            <a:extLst>
+              <a:ext uri="{FF2B5EF4-FFF2-40B4-BE49-F238E27FC236}">
+                <a16:creationId xmlns:a16="http://schemas.microsoft.com/office/drawing/2014/main" id="{A9B297E1-B382-B144-BE0F-AEB70E12751B}"/>
+              </a:ext>
+            </a:extLst>
+          </p:cNvPr>
+          <p:cNvSpPr/>
+          <p:nvPr/>
+        </p:nvSpPr>
+        <p:spPr>
+          <a:xfrm>
+            <a:off x="0" y="1585408"/>
+            <a:ext cx="815093" cy="3687183"/>
+          </a:xfrm>
+          <a:prstGeom prst="upArrow">
+            <a:avLst/>
+          </a:prstGeom>
+          <a:gradFill flip="none" rotWithShape="1">
+            <a:gsLst>
+              <a:gs pos="0">
+                <a:schemeClr val="accent2">
+                  <a:lumMod val="50000"/>
+                  <a:tint val="66000"/>
+                  <a:satMod val="160000"/>
+                </a:schemeClr>
+              </a:gs>
+              <a:gs pos="50000">
+                <a:schemeClr val="accent2">
+                  <a:lumMod val="50000"/>
+                  <a:tint val="44500"/>
+                  <a:satMod val="160000"/>
+                </a:schemeClr>
+              </a:gs>
+              <a:gs pos="100000">
+                <a:schemeClr val="accent2">
+                  <a:lumMod val="50000"/>
+                  <a:tint val="23500"/>
+                  <a:satMod val="160000"/>
+                </a:schemeClr>
+              </a:gs>
+            </a:gsLst>
+            <a:path path="circle">
+              <a:fillToRect l="50000" t="50000" r="50000" b="50000"/>
+            </a:path>
+            <a:tileRect/>
+          </a:gradFill>
+          <a:ln>
+            <a:noFill/>
+          </a:ln>
+        </p:spPr>
+        <p:style>
+          <a:lnRef idx="1">
+            <a:schemeClr val="accent1"/>
+          </a:lnRef>
+          <a:fillRef idx="3">
+            <a:schemeClr val="accent1"/>
+          </a:fillRef>
+          <a:effectRef idx="2">
+            <a:schemeClr val="accent1"/>
+          </a:effectRef>
+          <a:fontRef idx="minor">
+            <a:schemeClr val="lt1"/>
+          </a:fontRef>
+        </p:style>
+        <p:txBody>
+          <a:bodyPr/>
+          <a:lstStyle/>
+          <a:p>
+            <a:endParaRPr lang="en-US" sz="1050">
+              <a:latin typeface="Candara" panose="020E0502030303020204" pitchFamily="34" charset="0"/>
+            </a:endParaRPr>
+          </a:p>
+        </p:txBody>
+      </p:sp>
+      <p:sp>
+        <p:nvSpPr>
+          <p:cNvPr id="5" name="TextBox 4">
+            <a:extLst>
+              <a:ext uri="{FF2B5EF4-FFF2-40B4-BE49-F238E27FC236}">
+                <a16:creationId xmlns:a16="http://schemas.microsoft.com/office/drawing/2014/main" id="{B5E3FD9D-E82A-9212-34AD-7FFCCECDF2DB}"/>
+              </a:ext>
+            </a:extLst>
+          </p:cNvPr>
+          <p:cNvSpPr txBox="1"/>
+          <p:nvPr/>
+        </p:nvSpPr>
+        <p:spPr>
+          <a:xfrm rot="16200000">
+            <a:off x="-1163522" y="3277880"/>
+            <a:ext cx="3073726" cy="369332"/>
+          </a:xfrm>
+          <a:prstGeom prst="rect">
+            <a:avLst/>
+          </a:prstGeom>
+          <a:noFill/>
+        </p:spPr>
+        <p:txBody>
+          <a:bodyPr wrap="square" rtlCol="0">
+            <a:spAutoFit/>
+          </a:bodyPr>
+          <a:lstStyle/>
+          <a:p>
+            <a:r>
+              <a:rPr lang="en-US" dirty="0">
+                <a:latin typeface="Futura Medium" panose="020B0602020204020303" pitchFamily="34" charset="-79"/>
+                <a:cs typeface="Futura Medium" panose="020B0602020204020303" pitchFamily="34" charset="-79"/>
+              </a:rPr>
+              <a:t>Increasing  autonomy</a:t>
+            </a:r>
+          </a:p>
+        </p:txBody>
+      </p:sp>
+      <p:sp>
+        <p:nvSpPr>
+          <p:cNvPr id="17" name="Rectangle 16">
+            <a:extLst>
+              <a:ext uri="{FF2B5EF4-FFF2-40B4-BE49-F238E27FC236}">
+                <a16:creationId xmlns:a16="http://schemas.microsoft.com/office/drawing/2014/main" id="{B6BAE408-E806-B559-1BC3-F0D32F89454B}"/>
+              </a:ext>
+            </a:extLst>
+          </p:cNvPr>
+          <p:cNvSpPr/>
+          <p:nvPr/>
+        </p:nvSpPr>
+        <p:spPr>
+          <a:xfrm>
+            <a:off x="7890173" y="5830872"/>
+            <a:ext cx="356839" cy="334537"/>
+          </a:xfrm>
+          <a:prstGeom prst="rect">
+            <a:avLst/>
+          </a:prstGeom>
+          <a:gradFill flip="none" rotWithShape="1">
+            <a:gsLst>
+              <a:gs pos="0">
+                <a:srgbClr val="FF0000">
+                  <a:tint val="66000"/>
+                  <a:satMod val="160000"/>
+                </a:srgbClr>
+              </a:gs>
+              <a:gs pos="50000">
+                <a:srgbClr val="FF0000">
+                  <a:tint val="44500"/>
+                  <a:satMod val="160000"/>
+                </a:srgbClr>
+              </a:gs>
+              <a:gs pos="100000">
+                <a:srgbClr val="FF0000">
+                  <a:tint val="23500"/>
+                  <a:satMod val="160000"/>
+                </a:srgbClr>
+              </a:gs>
+            </a:gsLst>
+            <a:lin ang="5400000" scaled="1"/>
+            <a:tileRect/>
+          </a:gradFill>
+        </p:spPr>
+        <p:style>
+          <a:lnRef idx="2">
+            <a:schemeClr val="accent1">
+              <a:shade val="15000"/>
+            </a:schemeClr>
+          </a:lnRef>
+          <a:fillRef idx="1">
+            <a:schemeClr val="accent1"/>
+          </a:fillRef>
+          <a:effectRef idx="0">
+            <a:schemeClr val="accent1"/>
+          </a:effectRef>
+          <a:fontRef idx="minor">
+            <a:schemeClr val="lt1"/>
+          </a:fontRef>
+        </p:style>
+        <p:txBody>
+          <a:bodyPr rtlCol="0" anchor="ctr"/>
+          <a:lstStyle/>
+          <a:p>
+            <a:pPr algn="ctr"/>
+            <a:endParaRPr lang="en-US"/>
+          </a:p>
+        </p:txBody>
+      </p:sp>
+      <p:sp>
+        <p:nvSpPr>
+          <p:cNvPr id="18" name="Rectangle 17">
+            <a:extLst>
+              <a:ext uri="{FF2B5EF4-FFF2-40B4-BE49-F238E27FC236}">
+                <a16:creationId xmlns:a16="http://schemas.microsoft.com/office/drawing/2014/main" id="{888B7D96-32CF-B0C9-C07A-C704D9A2A5B5}"/>
+              </a:ext>
+            </a:extLst>
+          </p:cNvPr>
+          <p:cNvSpPr/>
+          <p:nvPr/>
+        </p:nvSpPr>
+        <p:spPr>
+          <a:xfrm>
+            <a:off x="3908042" y="5830872"/>
+            <a:ext cx="356839" cy="334537"/>
+          </a:xfrm>
+          <a:prstGeom prst="rect">
+            <a:avLst/>
+          </a:prstGeom>
+          <a:gradFill flip="none" rotWithShape="1">
+            <a:gsLst>
+              <a:gs pos="0">
+                <a:schemeClr val="accent2">
+                  <a:lumMod val="60000"/>
+                  <a:lumOff val="40000"/>
+                  <a:tint val="66000"/>
+                  <a:satMod val="160000"/>
+                </a:schemeClr>
+              </a:gs>
+              <a:gs pos="50000">
+                <a:schemeClr val="accent2">
+                  <a:lumMod val="60000"/>
+                  <a:lumOff val="40000"/>
+                  <a:tint val="44500"/>
+                  <a:satMod val="160000"/>
+                </a:schemeClr>
+              </a:gs>
+              <a:gs pos="100000">
+                <a:schemeClr val="accent2">
+                  <a:lumMod val="60000"/>
+                  <a:lumOff val="40000"/>
+                  <a:tint val="23500"/>
+                  <a:satMod val="160000"/>
+                </a:schemeClr>
+              </a:gs>
+            </a:gsLst>
+            <a:lin ang="5400000" scaled="1"/>
+            <a:tileRect/>
+          </a:gradFill>
+        </p:spPr>
+        <p:style>
+          <a:lnRef idx="2">
+            <a:schemeClr val="accent1">
+              <a:shade val="15000"/>
+            </a:schemeClr>
+          </a:lnRef>
+          <a:fillRef idx="1">
+            <a:schemeClr val="accent1"/>
+          </a:fillRef>
+          <a:effectRef idx="0">
+            <a:schemeClr val="accent1"/>
+          </a:effectRef>
+          <a:fontRef idx="minor">
+            <a:schemeClr val="lt1"/>
+          </a:fontRef>
+        </p:style>
+        <p:txBody>
+          <a:bodyPr rtlCol="0" anchor="ctr"/>
+          <a:lstStyle/>
+          <a:p>
+            <a:pPr algn="ctr"/>
+            <a:endParaRPr lang="en-US"/>
+          </a:p>
+        </p:txBody>
+      </p:sp>
+      <p:sp>
+        <p:nvSpPr>
+          <p:cNvPr id="19" name="Rectangle 18">
+            <a:extLst>
+              <a:ext uri="{FF2B5EF4-FFF2-40B4-BE49-F238E27FC236}">
+                <a16:creationId xmlns:a16="http://schemas.microsoft.com/office/drawing/2014/main" id="{2B00D309-061D-2787-DCF4-B98DCA0754B9}"/>
+              </a:ext>
+            </a:extLst>
+          </p:cNvPr>
+          <p:cNvSpPr/>
+          <p:nvPr/>
+        </p:nvSpPr>
+        <p:spPr>
+          <a:xfrm>
+            <a:off x="558007" y="5830872"/>
+            <a:ext cx="356839" cy="334537"/>
+          </a:xfrm>
+          <a:prstGeom prst="rect">
+            <a:avLst/>
+          </a:prstGeom>
+          <a:gradFill flip="none" rotWithShape="1">
+            <a:gsLst>
+              <a:gs pos="0">
+                <a:schemeClr val="accent6">
+                  <a:lumMod val="60000"/>
+                  <a:lumOff val="40000"/>
+                  <a:tint val="66000"/>
+                  <a:satMod val="160000"/>
+                </a:schemeClr>
+              </a:gs>
+              <a:gs pos="50000">
+                <a:schemeClr val="accent6">
+                  <a:lumMod val="60000"/>
+                  <a:lumOff val="40000"/>
+                  <a:tint val="44500"/>
+                  <a:satMod val="160000"/>
+                </a:schemeClr>
+              </a:gs>
+              <a:gs pos="100000">
+                <a:schemeClr val="accent6">
+                  <a:lumMod val="60000"/>
+                  <a:lumOff val="40000"/>
+                  <a:tint val="23500"/>
+                  <a:satMod val="160000"/>
+                </a:schemeClr>
+              </a:gs>
+            </a:gsLst>
+            <a:lin ang="5400000" scaled="1"/>
+            <a:tileRect/>
+          </a:gradFill>
+        </p:spPr>
+        <p:style>
+          <a:lnRef idx="2">
+            <a:schemeClr val="accent1">
+              <a:shade val="15000"/>
+            </a:schemeClr>
+          </a:lnRef>
+          <a:fillRef idx="1">
+            <a:schemeClr val="accent1"/>
+          </a:fillRef>
+          <a:effectRef idx="0">
+            <a:schemeClr val="accent1"/>
+          </a:effectRef>
+          <a:fontRef idx="minor">
+            <a:schemeClr val="lt1"/>
+          </a:fontRef>
+        </p:style>
+        <p:txBody>
+          <a:bodyPr rtlCol="0" anchor="ctr"/>
+          <a:lstStyle/>
+          <a:p>
+            <a:pPr algn="ctr"/>
+            <a:endParaRPr lang="en-US"/>
+          </a:p>
+        </p:txBody>
+      </p:sp>
+      <p:sp>
+        <p:nvSpPr>
+          <p:cNvPr id="20" name="TextBox 19">
+            <a:extLst>
+              <a:ext uri="{FF2B5EF4-FFF2-40B4-BE49-F238E27FC236}">
+                <a16:creationId xmlns:a16="http://schemas.microsoft.com/office/drawing/2014/main" id="{914AEFA1-C755-A2E4-1538-2C0ECA2D1CFE}"/>
+              </a:ext>
+            </a:extLst>
+          </p:cNvPr>
+          <p:cNvSpPr txBox="1"/>
+          <p:nvPr/>
+        </p:nvSpPr>
+        <p:spPr>
+          <a:xfrm>
+            <a:off x="1805797" y="5859641"/>
+            <a:ext cx="1211294" cy="276999"/>
+          </a:xfrm>
+          <a:prstGeom prst="rect">
+            <a:avLst/>
+          </a:prstGeom>
+          <a:noFill/>
+        </p:spPr>
+        <p:txBody>
+          <a:bodyPr wrap="none" rtlCol="0">
+            <a:spAutoFit/>
+          </a:bodyPr>
+          <a:lstStyle/>
+          <a:p>
+            <a:r>
+              <a:rPr lang="en-US" sz="1200" dirty="0">
+                <a:latin typeface="Futura Medium" panose="020B0602020204020303" pitchFamily="34" charset="-79"/>
+                <a:cs typeface="Futura Medium" panose="020B0602020204020303" pitchFamily="34" charset="-79"/>
+              </a:rPr>
+              <a:t>Recommended</a:t>
+            </a:r>
+          </a:p>
+        </p:txBody>
+      </p:sp>
+      <p:sp>
+        <p:nvSpPr>
+          <p:cNvPr id="21" name="TextBox 20">
+            <a:extLst>
+              <a:ext uri="{FF2B5EF4-FFF2-40B4-BE49-F238E27FC236}">
+                <a16:creationId xmlns:a16="http://schemas.microsoft.com/office/drawing/2014/main" id="{B4D07846-A623-4B63-A106-1955A8344A9A}"/>
+              </a:ext>
+            </a:extLst>
+          </p:cNvPr>
+          <p:cNvSpPr txBox="1"/>
+          <p:nvPr/>
+        </p:nvSpPr>
+        <p:spPr>
+          <a:xfrm>
+            <a:off x="5155832" y="5859641"/>
+            <a:ext cx="1843390" cy="276999"/>
+          </a:xfrm>
+          <a:prstGeom prst="rect">
+            <a:avLst/>
+          </a:prstGeom>
+          <a:noFill/>
+        </p:spPr>
+        <p:txBody>
+          <a:bodyPr wrap="none" rtlCol="0">
+            <a:spAutoFit/>
+          </a:bodyPr>
+          <a:lstStyle/>
+          <a:p>
+            <a:r>
+              <a:rPr lang="en-US" sz="1200" dirty="0">
+                <a:latin typeface="Futura Medium" panose="020B0602020204020303" pitchFamily="34" charset="-79"/>
+                <a:cs typeface="Futura Medium" panose="020B0602020204020303" pitchFamily="34" charset="-79"/>
+              </a:rPr>
+              <a:t>Recommended partially</a:t>
+            </a:r>
+          </a:p>
+        </p:txBody>
+      </p:sp>
+      <p:sp>
+        <p:nvSpPr>
+          <p:cNvPr id="22" name="TextBox 21">
+            <a:extLst>
+              <a:ext uri="{FF2B5EF4-FFF2-40B4-BE49-F238E27FC236}">
+                <a16:creationId xmlns:a16="http://schemas.microsoft.com/office/drawing/2014/main" id="{99B8FC6C-458B-6B82-7979-AB9CA29FA514}"/>
+              </a:ext>
+            </a:extLst>
+          </p:cNvPr>
+          <p:cNvSpPr txBox="1"/>
+          <p:nvPr/>
+        </p:nvSpPr>
+        <p:spPr>
+          <a:xfrm>
+            <a:off x="9137963" y="5859641"/>
+            <a:ext cx="1525802" cy="276999"/>
+          </a:xfrm>
+          <a:prstGeom prst="rect">
+            <a:avLst/>
+          </a:prstGeom>
+          <a:noFill/>
+        </p:spPr>
+        <p:txBody>
+          <a:bodyPr wrap="none" rtlCol="0">
+            <a:spAutoFit/>
+          </a:bodyPr>
+          <a:lstStyle/>
+          <a:p>
+            <a:r>
+              <a:rPr lang="en-US" sz="1200" dirty="0">
+                <a:latin typeface="Futura Medium" panose="020B0602020204020303" pitchFamily="34" charset="-79"/>
+                <a:cs typeface="Futura Medium" panose="020B0602020204020303" pitchFamily="34" charset="-79"/>
+              </a:rPr>
+              <a:t>Not Recommended</a:t>
+            </a:r>
+          </a:p>
+        </p:txBody>
+      </p:sp>
+    </p:spTree>
+    <p:extLst>
+      <p:ext uri="{BB962C8B-B14F-4D97-AF65-F5344CB8AC3E}">
+        <p14:creationId xmlns:p14="http://schemas.microsoft.com/office/powerpoint/2010/main" val="1471168448"/>
+      </p:ext>
+    </p:extLst>
+  </p:cSld>
+  <p:clrMapOvr>
+    <a:masterClrMapping/>
+  </p:clrMapOvr>
+</p:sld>
+</file>
+
 <file path=ppt/theme/theme1.xml><?xml version="1.0" encoding="utf-8"?>
 <a:theme xmlns:a="http://schemas.openxmlformats.org/drawingml/2006/main" name="Office 2013 - 2022 Theme">
   <a:themeElements>

--- a/ppt/chenile.pptx
+++ b/ppt/chenile.pptx
@@ -1360,7 +1360,7 @@
             <a:t>Evolve an independent architecture / tech </a:t>
           </a:r>
           <a:r>
-            <a:rPr lang="en-US" b="0" i="0">
+            <a:rPr lang="en-US" b="0" i="0" dirty="0" err="1">
               <a:latin typeface="Futura Medium" panose="020B0602020204020303" pitchFamily="34" charset="-79"/>
               <a:cs typeface="Futura Medium" panose="020B0602020204020303" pitchFamily="34" charset="-79"/>
             </a:rPr>
@@ -2056,7 +2056,7 @@
             <a:t>Evolve an independent architecture / tech </a:t>
           </a:r>
           <a:r>
-            <a:rPr lang="en-US" sz="1600" b="0" i="0" kern="1200">
+            <a:rPr lang="en-US" sz="1600" b="0" i="0" kern="1200" dirty="0" err="1">
               <a:latin typeface="Futura Medium" panose="020B0602020204020303" pitchFamily="34" charset="-79"/>
               <a:cs typeface="Futura Medium" panose="020B0602020204020303" pitchFamily="34" charset="-79"/>
             </a:rPr>
@@ -23210,7 +23210,7 @@
           <p:nvPr>
             <p:extLst>
               <p:ext uri="{D42A27DB-BD31-4B8C-83A1-F6EECF244321}">
-                <p14:modId xmlns:p14="http://schemas.microsoft.com/office/powerpoint/2010/main" val="202899432"/>
+                <p14:modId xmlns:p14="http://schemas.microsoft.com/office/powerpoint/2010/main" val="1635194736"/>
               </p:ext>
             </p:extLst>
           </p:nvPr>

--- a/ppt/chenile.pptx
+++ b/ppt/chenile.pptx
@@ -4807,7 +4807,7 @@
           <a:p>
             <a:fld id="{BCB44191-F645-0249-BC75-C58B9FE779BF}" type="datetimeFigureOut">
               <a:rPr lang="en-US" smtClean="0"/>
-              <a:t>3/31/24</a:t>
+              <a:t>5/3/24</a:t>
             </a:fld>
             <a:endParaRPr lang="en-US"/>
           </a:p>
@@ -4977,7 +4977,7 @@
           <a:p>
             <a:fld id="{BCB44191-F645-0249-BC75-C58B9FE779BF}" type="datetimeFigureOut">
               <a:rPr lang="en-US" smtClean="0"/>
-              <a:t>3/31/24</a:t>
+              <a:t>5/3/24</a:t>
             </a:fld>
             <a:endParaRPr lang="en-US"/>
           </a:p>
@@ -5157,7 +5157,7 @@
           <a:p>
             <a:fld id="{BCB44191-F645-0249-BC75-C58B9FE779BF}" type="datetimeFigureOut">
               <a:rPr lang="en-US" smtClean="0"/>
-              <a:t>3/31/24</a:t>
+              <a:t>5/3/24</a:t>
             </a:fld>
             <a:endParaRPr lang="en-US"/>
           </a:p>
@@ -5327,7 +5327,7 @@
           <a:p>
             <a:fld id="{BCB44191-F645-0249-BC75-C58B9FE779BF}" type="datetimeFigureOut">
               <a:rPr lang="en-US" smtClean="0"/>
-              <a:t>3/31/24</a:t>
+              <a:t>5/3/24</a:t>
             </a:fld>
             <a:endParaRPr lang="en-US"/>
           </a:p>
@@ -5573,7 +5573,7 @@
           <a:p>
             <a:fld id="{BCB44191-F645-0249-BC75-C58B9FE779BF}" type="datetimeFigureOut">
               <a:rPr lang="en-US" smtClean="0"/>
-              <a:t>3/31/24</a:t>
+              <a:t>5/3/24</a:t>
             </a:fld>
             <a:endParaRPr lang="en-US"/>
           </a:p>
@@ -5805,7 +5805,7 @@
           <a:p>
             <a:fld id="{BCB44191-F645-0249-BC75-C58B9FE779BF}" type="datetimeFigureOut">
               <a:rPr lang="en-US" smtClean="0"/>
-              <a:t>3/31/24</a:t>
+              <a:t>5/3/24</a:t>
             </a:fld>
             <a:endParaRPr lang="en-US"/>
           </a:p>
@@ -6172,7 +6172,7 @@
           <a:p>
             <a:fld id="{BCB44191-F645-0249-BC75-C58B9FE779BF}" type="datetimeFigureOut">
               <a:rPr lang="en-US" smtClean="0"/>
-              <a:t>3/31/24</a:t>
+              <a:t>5/3/24</a:t>
             </a:fld>
             <a:endParaRPr lang="en-US"/>
           </a:p>
@@ -6290,7 +6290,7 @@
           <a:p>
             <a:fld id="{BCB44191-F645-0249-BC75-C58B9FE779BF}" type="datetimeFigureOut">
               <a:rPr lang="en-US" smtClean="0"/>
-              <a:t>3/31/24</a:t>
+              <a:t>5/3/24</a:t>
             </a:fld>
             <a:endParaRPr lang="en-US"/>
           </a:p>
@@ -6385,7 +6385,7 @@
           <a:p>
             <a:fld id="{BCB44191-F645-0249-BC75-C58B9FE779BF}" type="datetimeFigureOut">
               <a:rPr lang="en-US" smtClean="0"/>
-              <a:t>3/31/24</a:t>
+              <a:t>5/3/24</a:t>
             </a:fld>
             <a:endParaRPr lang="en-US"/>
           </a:p>
@@ -6662,7 +6662,7 @@
           <a:p>
             <a:fld id="{BCB44191-F645-0249-BC75-C58B9FE779BF}" type="datetimeFigureOut">
               <a:rPr lang="en-US" smtClean="0"/>
-              <a:t>3/31/24</a:t>
+              <a:t>5/3/24</a:t>
             </a:fld>
             <a:endParaRPr lang="en-US"/>
           </a:p>
@@ -6919,7 +6919,7 @@
           <a:p>
             <a:fld id="{BCB44191-F645-0249-BC75-C58B9FE779BF}" type="datetimeFigureOut">
               <a:rPr lang="en-US" smtClean="0"/>
-              <a:t>3/31/24</a:t>
+              <a:t>5/3/24</a:t>
             </a:fld>
             <a:endParaRPr lang="en-US"/>
           </a:p>
@@ -7132,7 +7132,7 @@
           <a:p>
             <a:fld id="{BCB44191-F645-0249-BC75-C58B9FE779BF}" type="datetimeFigureOut">
               <a:rPr lang="en-US" smtClean="0"/>
-              <a:t>3/31/24</a:t>
+              <a:t>5/3/24</a:t>
             </a:fld>
             <a:endParaRPr lang="en-US"/>
           </a:p>
@@ -13403,6 +13403,57 @@
       </p:grpSpPr>
       <p:sp>
         <p:nvSpPr>
+          <p:cNvPr id="12" name="Rectangle 11">
+            <a:extLst>
+              <a:ext uri="{FF2B5EF4-FFF2-40B4-BE49-F238E27FC236}">
+                <a16:creationId xmlns:a16="http://schemas.microsoft.com/office/drawing/2014/main" id="{9DDE035F-CB1B-683E-D02D-F52DA911289A}"/>
+              </a:ext>
+            </a:extLst>
+          </p:cNvPr>
+          <p:cNvSpPr/>
+          <p:nvPr/>
+        </p:nvSpPr>
+        <p:spPr>
+          <a:xfrm>
+            <a:off x="83149" y="153888"/>
+            <a:ext cx="11896815" cy="6551711"/>
+          </a:xfrm>
+          <a:prstGeom prst="rect">
+            <a:avLst/>
+          </a:prstGeom>
+          <a:solidFill>
+            <a:schemeClr val="bg1">
+              <a:lumMod val="85000"/>
+            </a:schemeClr>
+          </a:solidFill>
+        </p:spPr>
+        <p:style>
+          <a:lnRef idx="2">
+            <a:schemeClr val="accent1">
+              <a:shade val="15000"/>
+            </a:schemeClr>
+          </a:lnRef>
+          <a:fillRef idx="1">
+            <a:schemeClr val="accent1"/>
+          </a:fillRef>
+          <a:effectRef idx="0">
+            <a:schemeClr val="accent1"/>
+          </a:effectRef>
+          <a:fontRef idx="minor">
+            <a:schemeClr val="lt1"/>
+          </a:fontRef>
+        </p:style>
+        <p:txBody>
+          <a:bodyPr rtlCol="0" anchor="ctr"/>
+          <a:lstStyle/>
+          <a:p>
+            <a:pPr algn="ctr"/>
+            <a:endParaRPr lang="en-US" dirty="0"/>
+          </a:p>
+        </p:txBody>
+      </p:sp>
+      <p:sp>
+        <p:nvSpPr>
           <p:cNvPr id="41" name="Rectangle 40">
             <a:extLst>
               <a:ext uri="{FF2B5EF4-FFF2-40B4-BE49-F238E27FC236}">
@@ -13707,7 +13758,7 @@
               <a:defRPr/>
             </a:pPr>
             <a:r>
-              <a:rPr kumimoji="0" lang="en-US" sz="1400" b="0" i="0" u="none" strike="noStrike" kern="0" cap="none" spc="0" normalizeH="0" baseline="0" noProof="0" dirty="0">
+              <a:rPr kumimoji="0" lang="en-US" sz="1400" b="1" i="0" u="none" strike="noStrike" kern="0" cap="none" spc="0" normalizeH="0" baseline="0" noProof="0" dirty="0">
                 <a:ln>
                   <a:noFill/>
                 </a:ln>
@@ -13806,7 +13857,7 @@
               <a:defRPr/>
             </a:pPr>
             <a:r>
-              <a:rPr kumimoji="0" lang="en-US" sz="1100" b="0" i="0" u="none" strike="noStrike" kern="0" cap="none" spc="0" normalizeH="0" baseline="0" noProof="0" dirty="0">
+              <a:rPr kumimoji="0" lang="en-US" sz="1100" b="1" i="0" u="none" strike="noStrike" kern="0" cap="none" spc="0" normalizeH="0" baseline="0" noProof="0" dirty="0">
                 <a:ln>
                   <a:noFill/>
                 </a:ln>
@@ -13827,49 +13878,6 @@
       </p:sp>
       <p:sp>
         <p:nvSpPr>
-          <p:cNvPr id="45" name="TextBox 44">
-            <a:extLst>
-              <a:ext uri="{FF2B5EF4-FFF2-40B4-BE49-F238E27FC236}">
-                <a16:creationId xmlns:a16="http://schemas.microsoft.com/office/drawing/2014/main" id="{461C00E5-A012-15D6-0E71-FC0703ABF453}"/>
-              </a:ext>
-            </a:extLst>
-          </p:cNvPr>
-          <p:cNvSpPr txBox="1"/>
-          <p:nvPr/>
-        </p:nvSpPr>
-        <p:spPr>
-          <a:xfrm>
-            <a:off x="6944730" y="730588"/>
-            <a:ext cx="782266" cy="307777"/>
-          </a:xfrm>
-          <a:prstGeom prst="rect">
-            <a:avLst/>
-          </a:prstGeom>
-          <a:noFill/>
-        </p:spPr>
-        <p:txBody>
-          <a:bodyPr wrap="none" rtlCol="0">
-            <a:spAutoFit/>
-          </a:bodyPr>
-          <a:lstStyle/>
-          <a:p>
-            <a:pPr algn="ctr" defTabSz="914400"/>
-            <a:r>
-              <a:rPr lang="en-US" sz="1400" dirty="0">
-                <a:solidFill>
-                  <a:srgbClr val="FFFFFF"/>
-                </a:solidFill>
-                <a:latin typeface="Futura Medium" panose="020B0602020204020303" pitchFamily="34" charset="-79"/>
-                <a:ea typeface="Century Gothic" charset="0"/>
-                <a:cs typeface="Futura Medium" panose="020B0602020204020303" pitchFamily="34" charset="-79"/>
-              </a:rPr>
-              <a:t>Service</a:t>
-            </a:r>
-          </a:p>
-        </p:txBody>
-      </p:sp>
-      <p:sp>
-        <p:nvSpPr>
           <p:cNvPr id="46" name="TextBox 45">
             <a:extLst>
               <a:ext uri="{FF2B5EF4-FFF2-40B4-BE49-F238E27FC236}">
@@ -13883,7 +13891,7 @@
         <p:spPr>
           <a:xfrm>
             <a:off x="5863049" y="550187"/>
-            <a:ext cx="1580048" cy="276999"/>
+            <a:ext cx="1808124" cy="307777"/>
           </a:xfrm>
           <a:prstGeom prst="rect">
             <a:avLst/>
@@ -13898,7 +13906,7 @@
           <a:p>
             <a:pPr defTabSz="914400"/>
             <a:r>
-              <a:rPr lang="en-US" sz="1200" dirty="0" err="1">
+              <a:rPr lang="en-US" sz="1400" dirty="0" err="1">
                 <a:solidFill>
                   <a:srgbClr val="041F41"/>
                 </a:solidFill>
@@ -13909,7 +13917,7 @@
               <a:t>Chenile</a:t>
             </a:r>
             <a:r>
-              <a:rPr lang="en-US" sz="1200" dirty="0">
+              <a:rPr lang="en-US" sz="1400" dirty="0">
                 <a:solidFill>
                   <a:srgbClr val="041F41"/>
                 </a:solidFill>
@@ -14281,7 +14289,7 @@
               <a:defRPr/>
             </a:pPr>
             <a:r>
-              <a:rPr kumimoji="0" lang="en-US" sz="1100" b="0" i="0" u="none" strike="noStrike" kern="0" cap="none" spc="0" normalizeH="0" baseline="0" noProof="0" dirty="0">
+              <a:rPr kumimoji="0" lang="en-US" sz="1200" b="1" i="0" u="none" strike="noStrike" kern="0" cap="none" spc="0" normalizeH="0" baseline="0" noProof="0" dirty="0">
                 <a:ln>
                   <a:noFill/>
                 </a:ln>
@@ -14380,7 +14388,7 @@
               <a:defRPr/>
             </a:pPr>
             <a:r>
-              <a:rPr kumimoji="0" lang="en-US" sz="1100" b="0" i="0" u="none" strike="noStrike" kern="0" cap="none" spc="0" normalizeH="0" baseline="0" noProof="0" dirty="0">
+              <a:rPr kumimoji="0" lang="en-US" sz="1200" b="1" i="0" u="none" strike="noStrike" kern="0" cap="none" spc="0" normalizeH="0" baseline="0" noProof="0" dirty="0">
                 <a:ln>
                   <a:noFill/>
                 </a:ln>
@@ -14479,7 +14487,7 @@
               <a:defRPr/>
             </a:pPr>
             <a:r>
-              <a:rPr kumimoji="0" lang="en-US" sz="1100" b="0" i="0" u="none" strike="noStrike" kern="0" cap="none" spc="0" normalizeH="0" baseline="0" noProof="0" dirty="0">
+              <a:rPr kumimoji="0" lang="en-US" sz="1100" b="1" i="0" u="none" strike="noStrike" kern="0" cap="none" spc="0" normalizeH="0" baseline="0" noProof="0" dirty="0">
                 <a:ln>
                   <a:noFill/>
                 </a:ln>
@@ -14578,7 +14586,7 @@
               <a:defRPr/>
             </a:pPr>
             <a:r>
-              <a:rPr kumimoji="0" lang="en-US" sz="1100" b="0" i="0" u="none" strike="noStrike" kern="0" cap="none" spc="0" normalizeH="0" baseline="0" noProof="0" dirty="0">
+              <a:rPr kumimoji="0" lang="en-US" sz="1100" b="1" i="0" u="none" strike="noStrike" kern="0" cap="none" spc="0" normalizeH="0" baseline="0" noProof="0" dirty="0">
                 <a:ln>
                   <a:noFill/>
                 </a:ln>
@@ -14677,7 +14685,7 @@
               <a:defRPr/>
             </a:pPr>
             <a:r>
-              <a:rPr kumimoji="0" lang="en-US" sz="1100" b="0" i="0" u="none" strike="noStrike" kern="0" cap="none" spc="0" normalizeH="0" baseline="0" noProof="0" dirty="0">
+              <a:rPr kumimoji="0" lang="en-US" sz="1200" b="1" i="0" u="none" strike="noStrike" kern="0" cap="none" spc="0" normalizeH="0" baseline="0" noProof="0" dirty="0">
                 <a:ln>
                   <a:noFill/>
                 </a:ln>
@@ -15408,8 +15416,8 @@
         </p:nvSpPr>
         <p:spPr>
           <a:xfrm>
-            <a:off x="4595873" y="1424361"/>
-            <a:ext cx="789385" cy="4166524"/>
+            <a:off x="4289089" y="1424361"/>
+            <a:ext cx="1096170" cy="4166524"/>
           </a:xfrm>
           <a:prstGeom prst="rect">
             <a:avLst/>
@@ -15432,57 +15440,45 @@
           <a:bodyPr rtlCol="0" anchor="ctr"/>
           <a:lstStyle/>
           <a:p>
-            <a:pPr marL="0" marR="0" lvl="0" indent="0" algn="ctr" defTabSz="914400" eaLnBrk="1" fontAlgn="auto" latinLnBrk="0" hangingPunct="1">
-              <a:lnSpc>
-                <a:spcPct val="100000"/>
-              </a:lnSpc>
-              <a:spcBef>
-                <a:spcPts val="0"/>
-              </a:spcBef>
-              <a:spcAft>
-                <a:spcPts val="0"/>
-              </a:spcAft>
-              <a:buClrTx/>
-              <a:buSzTx/>
-              <a:buFontTx/>
-              <a:buNone/>
-              <a:tabLst/>
+            <a:pPr lvl="0" algn="ctr" defTabSz="914400">
               <a:defRPr/>
             </a:pPr>
             <a:r>
-              <a:rPr kumimoji="0" lang="en-US" sz="1400" b="0" i="0" u="none" strike="noStrike" kern="0" cap="none" spc="0" normalizeH="0" baseline="0" noProof="0" dirty="0" err="1">
-                <a:ln>
-                  <a:noFill/>
-                </a:ln>
+              <a:rPr lang="en-US" b="1" kern="0" dirty="0" err="1">
                 <a:solidFill>
-                  <a:srgbClr val="FFFFFF"/>
+                  <a:srgbClr val="FFFF00"/>
                 </a:solidFill>
-                <a:effectLst/>
-                <a:uLnTx/>
-                <a:uFillTx/>
-                <a:latin typeface="Futura Medium" panose="020B0602020204020303" pitchFamily="34" charset="-79"/>
+                <a:latin typeface="Futura" panose="020B0602020204020303" pitchFamily="34" charset="-79"/>
                 <a:ea typeface="Source Code Pro" panose="020B0509030403020204" pitchFamily="49" charset="0"/>
-                <a:cs typeface="Futura Medium" panose="020B0602020204020303" pitchFamily="34" charset="-79"/>
+                <a:cs typeface="Futura" panose="020B0602020204020303" pitchFamily="34" charset="-79"/>
               </a:rPr>
               <a:t>Chenile</a:t>
             </a:r>
             <a:r>
-              <a:rPr kumimoji="0" lang="en-US" sz="1400" b="0" i="0" u="none" strike="noStrike" kern="0" cap="none" spc="0" normalizeH="0" baseline="0" noProof="0" dirty="0">
-                <a:ln>
-                  <a:noFill/>
-                </a:ln>
+              <a:rPr lang="en-US" b="1" kern="0" dirty="0">
                 <a:solidFill>
-                  <a:srgbClr val="FFFFFF"/>
+                  <a:srgbClr val="FFFF00"/>
                 </a:solidFill>
-                <a:effectLst/>
-                <a:uLnTx/>
-                <a:uFillTx/>
-                <a:latin typeface="Futura Medium" panose="020B0602020204020303" pitchFamily="34" charset="-79"/>
+                <a:latin typeface="Futura" panose="020B0602020204020303" pitchFamily="34" charset="-79"/>
                 <a:ea typeface="Source Code Pro" panose="020B0509030403020204" pitchFamily="49" charset="0"/>
-                <a:cs typeface="Futura Medium" panose="020B0602020204020303" pitchFamily="34" charset="-79"/>
+                <a:cs typeface="Futura" panose="020B0602020204020303" pitchFamily="34" charset="-79"/>
               </a:rPr>
               <a:t> Entry Point</a:t>
             </a:r>
+            <a:endParaRPr kumimoji="0" lang="en-US" b="1" u="none" strike="noStrike" kern="0" cap="none" spc="0" normalizeH="0" baseline="0" noProof="0" dirty="0">
+              <a:ln>
+                <a:noFill/>
+              </a:ln>
+              <a:solidFill>
+                <a:srgbClr val="FFFF00"/>
+              </a:solidFill>
+              <a:effectLst/>
+              <a:uLnTx/>
+              <a:uFillTx/>
+              <a:latin typeface="Futura" panose="020B0602020204020303" pitchFamily="34" charset="-79"/>
+              <a:ea typeface="Source Code Pro" panose="020B0509030403020204" pitchFamily="49" charset="0"/>
+              <a:cs typeface="Futura" panose="020B0602020204020303" pitchFamily="34" charset="-79"/>
+            </a:endParaRPr>
           </a:p>
         </p:txBody>
       </p:sp>
@@ -15575,7 +15571,7 @@
         </p:nvSpPr>
         <p:spPr>
           <a:xfrm>
-            <a:off x="3358928" y="1640346"/>
+            <a:off x="3387410" y="1984838"/>
             <a:ext cx="661288" cy="593856"/>
           </a:xfrm>
           <a:prstGeom prst="rect">
@@ -15650,8 +15646,8 @@
         </p:nvSpPr>
         <p:spPr>
           <a:xfrm>
-            <a:off x="3350301" y="4616459"/>
-            <a:ext cx="715261" cy="593856"/>
+            <a:off x="3338673" y="4309372"/>
+            <a:ext cx="715261" cy="437414"/>
           </a:xfrm>
           <a:prstGeom prst="rect">
             <a:avLst/>
@@ -15726,8 +15722,8 @@
           <p:nvPr/>
         </p:nvSpPr>
         <p:spPr bwMode="auto">
-          <a:xfrm rot="12330116" flipH="1">
-            <a:off x="3992530" y="1854629"/>
+          <a:xfrm rot="11181294" flipH="1">
+            <a:off x="3979082" y="2159027"/>
             <a:ext cx="622773" cy="437413"/>
           </a:xfrm>
           <a:custGeom>
@@ -16946,8 +16942,8 @@
           <p:nvPr/>
         </p:nvSpPr>
         <p:spPr bwMode="auto">
-          <a:xfrm rot="8761938" flipH="1">
-            <a:off x="4019332" y="4577447"/>
+          <a:xfrm rot="9978567" flipH="1">
+            <a:off x="3992531" y="4196823"/>
             <a:ext cx="622773" cy="437413"/>
           </a:xfrm>
           <a:custGeom>
@@ -18167,8 +18163,8 @@
         </p:nvSpPr>
         <p:spPr bwMode="auto">
           <a:xfrm rot="10800000" flipH="1">
-            <a:off x="3992531" y="3147066"/>
-            <a:ext cx="622773" cy="437413"/>
+            <a:off x="3992532" y="3147065"/>
+            <a:ext cx="375786" cy="437413"/>
           </a:xfrm>
           <a:custGeom>
             <a:avLst/>
@@ -19385,8 +19381,8 @@
         </p:nvSpPr>
         <p:spPr>
           <a:xfrm>
-            <a:off x="5004851" y="5708014"/>
-            <a:ext cx="2510944" cy="400110"/>
+            <a:off x="4902944" y="5655781"/>
+            <a:ext cx="2175339" cy="400110"/>
           </a:xfrm>
           <a:prstGeom prst="rect">
             <a:avLst/>
@@ -19401,14 +19397,24 @@
           <a:p>
             <a:pPr defTabSz="914400"/>
             <a:r>
-              <a:rPr lang="en-US" sz="2000" dirty="0">
+              <a:rPr lang="en-US" sz="2000" i="1" dirty="0" err="1">
                 <a:solidFill>
                   <a:srgbClr val="041F41"/>
                 </a:solidFill>
                 <a:latin typeface="Futura Medium" panose="020B0602020204020303" pitchFamily="34" charset="-79"/>
                 <a:cs typeface="Futura Medium" panose="020B0602020204020303" pitchFamily="34" charset="-79"/>
               </a:rPr>
-              <a:t>Service Deployment</a:t>
+              <a:t>Chenile</a:t>
+            </a:r>
+            <a:r>
+              <a:rPr lang="en-US" sz="2000" i="1" dirty="0">
+                <a:solidFill>
+                  <a:srgbClr val="041F41"/>
+                </a:solidFill>
+                <a:latin typeface="Futura Medium" panose="020B0602020204020303" pitchFamily="34" charset="-79"/>
+                <a:cs typeface="Futura Medium" panose="020B0602020204020303" pitchFamily="34" charset="-79"/>
+              </a:rPr>
+              <a:t> Highway</a:t>
             </a:r>
           </a:p>
         </p:txBody>
@@ -20662,7 +20668,7 @@
         </p:blipFill>
         <p:spPr bwMode="auto">
           <a:xfrm>
-            <a:off x="2469381" y="1326151"/>
+            <a:off x="2351140" y="1453795"/>
             <a:ext cx="461995" cy="481849"/>
           </a:xfrm>
           <a:prstGeom prst="rect">
@@ -20696,7 +20702,7 @@
         </p:nvSpPr>
         <p:spPr bwMode="auto">
           <a:xfrm rot="12271367" flipH="1">
-            <a:off x="2897083" y="1488567"/>
+            <a:off x="2830423" y="1690795"/>
             <a:ext cx="388595" cy="437413"/>
           </a:xfrm>
           <a:custGeom>
@@ -21929,7 +21935,7 @@
         </p:blipFill>
         <p:spPr bwMode="auto">
           <a:xfrm>
-            <a:off x="2416039" y="4928772"/>
+            <a:off x="2127439" y="4356724"/>
             <a:ext cx="593336" cy="593336"/>
           </a:xfrm>
           <a:prstGeom prst="rect">
@@ -21962,8 +21968,8 @@
           <p:nvPr/>
         </p:nvSpPr>
         <p:spPr bwMode="auto">
-          <a:xfrm rot="8948440" flipH="1">
-            <a:off x="2999337" y="4835526"/>
+          <a:xfrm rot="10401925" flipH="1">
+            <a:off x="2824558" y="4387593"/>
             <a:ext cx="388595" cy="437413"/>
           </a:xfrm>
           <a:custGeom>
@@ -23164,6 +23170,5389 @@
               <a:latin typeface="Futura Medium" panose="020B0602020204020303" pitchFamily="34" charset="-79"/>
               <a:cs typeface="Futura Medium" panose="020B0602020204020303" pitchFamily="34" charset="-79"/>
             </a:endParaRPr>
+          </a:p>
+        </p:txBody>
+      </p:sp>
+      <p:grpSp>
+        <p:nvGrpSpPr>
+          <p:cNvPr id="4" name="Group 3">
+            <a:extLst>
+              <a:ext uri="{FF2B5EF4-FFF2-40B4-BE49-F238E27FC236}">
+                <a16:creationId xmlns:a16="http://schemas.microsoft.com/office/drawing/2014/main" id="{DA3D862F-0AB4-CE47-CC4A-2C149C0E876F}"/>
+              </a:ext>
+            </a:extLst>
+          </p:cNvPr>
+          <p:cNvGrpSpPr/>
+          <p:nvPr/>
+        </p:nvGrpSpPr>
+        <p:grpSpPr>
+          <a:xfrm>
+            <a:off x="9080022" y="730587"/>
+            <a:ext cx="2581891" cy="3105915"/>
+            <a:chOff x="8803933" y="539408"/>
+            <a:chExt cx="2531327" cy="2399003"/>
+          </a:xfrm>
+        </p:grpSpPr>
+        <p:sp>
+          <p:nvSpPr>
+            <p:cNvPr id="2" name="Document 1">
+              <a:extLst>
+                <a:ext uri="{FF2B5EF4-FFF2-40B4-BE49-F238E27FC236}">
+                  <a16:creationId xmlns:a16="http://schemas.microsoft.com/office/drawing/2014/main" id="{307711D0-7EDE-56B3-43FB-A17610433D0D}"/>
+                </a:ext>
+              </a:extLst>
+            </p:cNvPr>
+            <p:cNvSpPr/>
+            <p:nvPr/>
+          </p:nvSpPr>
+          <p:spPr>
+            <a:xfrm>
+              <a:off x="8803933" y="539408"/>
+              <a:ext cx="2531327" cy="2399003"/>
+            </a:xfrm>
+            <a:prstGeom prst="flowChartDocument">
+              <a:avLst/>
+            </a:prstGeom>
+            <a:gradFill flip="none" rotWithShape="1">
+              <a:gsLst>
+                <a:gs pos="0">
+                  <a:schemeClr val="accent2">
+                    <a:tint val="66000"/>
+                    <a:satMod val="160000"/>
+                  </a:schemeClr>
+                </a:gs>
+                <a:gs pos="50000">
+                  <a:schemeClr val="accent2">
+                    <a:tint val="44500"/>
+                    <a:satMod val="160000"/>
+                  </a:schemeClr>
+                </a:gs>
+                <a:gs pos="100000">
+                  <a:schemeClr val="accent2">
+                    <a:tint val="23500"/>
+                    <a:satMod val="160000"/>
+                  </a:schemeClr>
+                </a:gs>
+              </a:gsLst>
+              <a:lin ang="5400000" scaled="1"/>
+              <a:tileRect/>
+            </a:gradFill>
+          </p:spPr>
+          <p:style>
+            <a:lnRef idx="2">
+              <a:schemeClr val="accent2">
+                <a:shade val="15000"/>
+              </a:schemeClr>
+            </a:lnRef>
+            <a:fillRef idx="1">
+              <a:schemeClr val="accent2"/>
+            </a:fillRef>
+            <a:effectRef idx="0">
+              <a:schemeClr val="accent2"/>
+            </a:effectRef>
+            <a:fontRef idx="minor">
+              <a:schemeClr val="lt1"/>
+            </a:fontRef>
+          </p:style>
+          <p:txBody>
+            <a:bodyPr rtlCol="0" anchor="t"/>
+            <a:lstStyle/>
+            <a:p>
+              <a:pPr algn="ctr"/>
+              <a:r>
+                <a:rPr lang="en-US" sz="1400" b="1" dirty="0">
+                  <a:solidFill>
+                    <a:schemeClr val="tx1"/>
+                  </a:solidFill>
+                  <a:latin typeface="Cavolini" panose="03000502040302020204" pitchFamily="66" charset="0"/>
+                  <a:cs typeface="Cavolini" panose="03000502040302020204" pitchFamily="66" charset="0"/>
+                </a:rPr>
+                <a:t>Service Configuration</a:t>
+              </a:r>
+            </a:p>
+            <a:p>
+              <a:pPr algn="ctr"/>
+              <a:r>
+                <a:rPr lang="en-US" sz="1400" b="1" dirty="0">
+                  <a:solidFill>
+                    <a:schemeClr val="tx1"/>
+                  </a:solidFill>
+                  <a:latin typeface="Cavolini" panose="03000502040302020204" pitchFamily="66" charset="0"/>
+                  <a:cs typeface="Cavolini" panose="03000502040302020204" pitchFamily="66" charset="0"/>
+                </a:rPr>
+                <a:t>(Metadata)</a:t>
+              </a:r>
+            </a:p>
+          </p:txBody>
+        </p:sp>
+        <p:sp>
+          <p:nvSpPr>
+            <p:cNvPr id="3" name="TextBox 2">
+              <a:extLst>
+                <a:ext uri="{FF2B5EF4-FFF2-40B4-BE49-F238E27FC236}">
+                  <a16:creationId xmlns:a16="http://schemas.microsoft.com/office/drawing/2014/main" id="{7969599E-D22E-7E45-04D0-EA03BD69B228}"/>
+                </a:ext>
+              </a:extLst>
+            </p:cNvPr>
+            <p:cNvSpPr txBox="1"/>
+            <p:nvPr/>
+          </p:nvSpPr>
+          <p:spPr>
+            <a:xfrm>
+              <a:off x="8912062" y="1075677"/>
+              <a:ext cx="2187508" cy="1602260"/>
+            </a:xfrm>
+            <a:prstGeom prst="rect">
+              <a:avLst/>
+            </a:prstGeom>
+            <a:noFill/>
+          </p:spPr>
+          <p:txBody>
+            <a:bodyPr wrap="square" rtlCol="0">
+              <a:normAutofit/>
+            </a:bodyPr>
+            <a:lstStyle/>
+            <a:p>
+              <a:r>
+                <a:rPr lang="en-US" sz="1200" dirty="0">
+                  <a:latin typeface="Cavolini" panose="03000502040302020204" pitchFamily="66" charset="0"/>
+                  <a:cs typeface="Cavolini" panose="03000502040302020204" pitchFamily="66" charset="0"/>
+                </a:rPr>
+                <a:t>Operations with parameter definitions</a:t>
+              </a:r>
+            </a:p>
+            <a:p>
+              <a:r>
+                <a:rPr lang="en-US" sz="1200" dirty="0">
+                  <a:latin typeface="Cavolini" panose="03000502040302020204" pitchFamily="66" charset="0"/>
+                  <a:cs typeface="Cavolini" panose="03000502040302020204" pitchFamily="66" charset="0"/>
+                </a:rPr>
+                <a:t>Service policies</a:t>
+              </a:r>
+            </a:p>
+            <a:p>
+              <a:r>
+                <a:rPr lang="en-US" sz="1200" dirty="0">
+                  <a:latin typeface="Cavolini" panose="03000502040302020204" pitchFamily="66" charset="0"/>
+                  <a:cs typeface="Cavolini" panose="03000502040302020204" pitchFamily="66" charset="0"/>
+                </a:rPr>
+                <a:t>   - policy config for each policy</a:t>
+              </a:r>
+            </a:p>
+            <a:p>
+              <a:r>
+                <a:rPr lang="en-US" sz="1200" dirty="0">
+                  <a:latin typeface="Cavolini" panose="03000502040302020204" pitchFamily="66" charset="0"/>
+                  <a:cs typeface="Cavolini" panose="03000502040302020204" pitchFamily="66" charset="0"/>
+                </a:rPr>
+                <a:t>Trajectory overrides</a:t>
+              </a:r>
+            </a:p>
+            <a:p>
+              <a:r>
+                <a:rPr lang="en-US" sz="1200" dirty="0">
+                  <a:latin typeface="Cavolini" panose="03000502040302020204" pitchFamily="66" charset="0"/>
+                  <a:cs typeface="Cavolini" panose="03000502040302020204" pitchFamily="66" charset="0"/>
+                </a:rPr>
+                <a:t>Health checks</a:t>
+              </a:r>
+            </a:p>
+            <a:p>
+              <a:r>
+                <a:rPr lang="en-US" sz="1200" dirty="0">
+                  <a:latin typeface="Cavolini" panose="03000502040302020204" pitchFamily="66" charset="0"/>
+                  <a:cs typeface="Cavolini" panose="03000502040302020204" pitchFamily="66" charset="0"/>
+                </a:rPr>
+                <a:t>Transports exposed (e.g., HTTP) and their configuration </a:t>
+              </a:r>
+            </a:p>
+            <a:p>
+              <a:endParaRPr lang="en-US" sz="1200" dirty="0">
+                <a:latin typeface="Cavolini" panose="03000502040302020204" pitchFamily="66" charset="0"/>
+                <a:cs typeface="Cavolini" panose="03000502040302020204" pitchFamily="66" charset="0"/>
+              </a:endParaRPr>
+            </a:p>
+          </p:txBody>
+        </p:sp>
+      </p:grpSp>
+      <p:pic>
+        <p:nvPicPr>
+          <p:cNvPr id="1026" name="Picture 2" descr="MQTT Specification">
+            <a:extLst>
+              <a:ext uri="{FF2B5EF4-FFF2-40B4-BE49-F238E27FC236}">
+                <a16:creationId xmlns:a16="http://schemas.microsoft.com/office/drawing/2014/main" id="{78195E83-197C-9C75-B616-E761304729C2}"/>
+              </a:ext>
+            </a:extLst>
+          </p:cNvPr>
+          <p:cNvPicPr>
+            <a:picLocks noChangeAspect="1" noChangeArrowheads="1"/>
+          </p:cNvPicPr>
+          <p:nvPr/>
+        </p:nvPicPr>
+        <p:blipFill>
+          <a:blip r:embed="rId5">
+            <a:extLst>
+              <a:ext uri="{28A0092B-C50C-407E-A947-70E740481C1C}">
+                <a14:useLocalDpi xmlns:a14="http://schemas.microsoft.com/office/drawing/2010/main" val="0"/>
+              </a:ext>
+            </a:extLst>
+          </a:blip>
+          <a:srcRect/>
+          <a:stretch>
+            <a:fillRect/>
+          </a:stretch>
+        </p:blipFill>
+        <p:spPr bwMode="auto">
+          <a:xfrm>
+            <a:off x="2361286" y="611089"/>
+            <a:ext cx="791775" cy="395888"/>
+          </a:xfrm>
+          <a:prstGeom prst="rect">
+            <a:avLst/>
+          </a:prstGeom>
+          <a:noFill/>
+          <a:extLst>
+            <a:ext uri="{909E8E84-426E-40DD-AFC4-6F175D3DCCD1}">
+              <a14:hiddenFill xmlns:a14="http://schemas.microsoft.com/office/drawing/2010/main">
+                <a:solidFill>
+                  <a:srgbClr val="FFFFFF"/>
+                </a:solidFill>
+              </a14:hiddenFill>
+            </a:ext>
+          </a:extLst>
+        </p:spPr>
+      </p:pic>
+      <p:sp>
+        <p:nvSpPr>
+          <p:cNvPr id="5" name="Rectangle 4">
+            <a:extLst>
+              <a:ext uri="{FF2B5EF4-FFF2-40B4-BE49-F238E27FC236}">
+                <a16:creationId xmlns:a16="http://schemas.microsoft.com/office/drawing/2014/main" id="{3C450F0B-6295-F304-B024-C07DE051A01A}"/>
+              </a:ext>
+            </a:extLst>
+          </p:cNvPr>
+          <p:cNvSpPr/>
+          <p:nvPr/>
+        </p:nvSpPr>
+        <p:spPr>
+          <a:xfrm>
+            <a:off x="3360906" y="1149952"/>
+            <a:ext cx="661288" cy="377004"/>
+          </a:xfrm>
+          <a:prstGeom prst="rect">
+            <a:avLst/>
+          </a:prstGeom>
+          <a:solidFill>
+            <a:srgbClr val="605E63"/>
+          </a:solidFill>
+          <a:ln w="12700" cap="flat" cmpd="sng" algn="ctr">
+            <a:solidFill>
+              <a:srgbClr val="605E63">
+                <a:shade val="50000"/>
+              </a:srgbClr>
+            </a:solidFill>
+            <a:prstDash val="solid"/>
+            <a:miter lim="800000"/>
+          </a:ln>
+          <a:effectLst/>
+        </p:spPr>
+        <p:txBody>
+          <a:bodyPr rtlCol="0" anchor="ctr"/>
+          <a:lstStyle/>
+          <a:p>
+            <a:pPr marL="0" marR="0" lvl="0" indent="0" algn="ctr" defTabSz="914400" eaLnBrk="1" fontAlgn="auto" latinLnBrk="0" hangingPunct="1">
+              <a:lnSpc>
+                <a:spcPct val="100000"/>
+              </a:lnSpc>
+              <a:spcBef>
+                <a:spcPts val="0"/>
+              </a:spcBef>
+              <a:spcAft>
+                <a:spcPts val="0"/>
+              </a:spcAft>
+              <a:buClrTx/>
+              <a:buSzTx/>
+              <a:buFontTx/>
+              <a:buNone/>
+              <a:tabLst/>
+              <a:defRPr/>
+            </a:pPr>
+            <a:r>
+              <a:rPr kumimoji="0" lang="en-US" sz="1400" b="0" i="0" u="none" strike="noStrike" kern="0" cap="none" spc="0" normalizeH="0" baseline="0" noProof="0" dirty="0" err="1">
+                <a:ln>
+                  <a:noFill/>
+                </a:ln>
+                <a:solidFill>
+                  <a:srgbClr val="FFFFFF"/>
+                </a:solidFill>
+                <a:effectLst/>
+                <a:uLnTx/>
+                <a:uFillTx/>
+                <a:latin typeface="Futura Medium" panose="020B0602020204020303" pitchFamily="34" charset="-79"/>
+                <a:ea typeface="Source Code Pro" panose="020B0509030403020204" pitchFamily="49" charset="0"/>
+                <a:cs typeface="Futura Medium" panose="020B0602020204020303" pitchFamily="34" charset="-79"/>
+              </a:rPr>
+              <a:t>Mqtt</a:t>
+            </a:r>
+            <a:endParaRPr kumimoji="0" lang="en-US" sz="1400" b="0" i="0" u="none" strike="noStrike" kern="0" cap="none" spc="0" normalizeH="0" baseline="0" noProof="0" dirty="0">
+              <a:ln>
+                <a:noFill/>
+              </a:ln>
+              <a:solidFill>
+                <a:srgbClr val="FFFFFF"/>
+              </a:solidFill>
+              <a:effectLst/>
+              <a:uLnTx/>
+              <a:uFillTx/>
+              <a:latin typeface="Futura Medium" panose="020B0602020204020303" pitchFamily="34" charset="-79"/>
+              <a:ea typeface="Source Code Pro" panose="020B0509030403020204" pitchFamily="49" charset="0"/>
+              <a:cs typeface="Futura Medium" panose="020B0602020204020303" pitchFamily="34" charset="-79"/>
+            </a:endParaRPr>
+          </a:p>
+        </p:txBody>
+      </p:sp>
+      <p:sp>
+        <p:nvSpPr>
+          <p:cNvPr id="6" name="Freeform 16">
+            <a:extLst>
+              <a:ext uri="{FF2B5EF4-FFF2-40B4-BE49-F238E27FC236}">
+                <a16:creationId xmlns:a16="http://schemas.microsoft.com/office/drawing/2014/main" id="{7F4CCE30-00CE-9BAD-E632-252064ACEB6C}"/>
+              </a:ext>
+            </a:extLst>
+          </p:cNvPr>
+          <p:cNvSpPr>
+            <a:spLocks noChangeAspect="1"/>
+          </p:cNvSpPr>
+          <p:nvPr/>
+        </p:nvSpPr>
+        <p:spPr bwMode="auto">
+          <a:xfrm rot="12271367" flipH="1">
+            <a:off x="2922934" y="828572"/>
+            <a:ext cx="388595" cy="437413"/>
+          </a:xfrm>
+          <a:custGeom>
+            <a:avLst/>
+            <a:gdLst>
+              <a:gd name="T0" fmla="*/ 578 w 595"/>
+              <a:gd name="T1" fmla="*/ 192 h 408"/>
+              <a:gd name="T2" fmla="*/ 570 w 595"/>
+              <a:gd name="T3" fmla="*/ 185 h 408"/>
+              <a:gd name="T4" fmla="*/ 558 w 595"/>
+              <a:gd name="T5" fmla="*/ 173 h 408"/>
+              <a:gd name="T6" fmla="*/ 544 w 595"/>
+              <a:gd name="T7" fmla="*/ 164 h 408"/>
+              <a:gd name="T8" fmla="*/ 533 w 595"/>
+              <a:gd name="T9" fmla="*/ 159 h 408"/>
+              <a:gd name="T10" fmla="*/ 519 w 595"/>
+              <a:gd name="T11" fmla="*/ 146 h 408"/>
+              <a:gd name="T12" fmla="*/ 508 w 595"/>
+              <a:gd name="T13" fmla="*/ 136 h 408"/>
+              <a:gd name="T14" fmla="*/ 492 w 595"/>
+              <a:gd name="T15" fmla="*/ 124 h 408"/>
+              <a:gd name="T16" fmla="*/ 475 w 595"/>
+              <a:gd name="T17" fmla="*/ 111 h 408"/>
+              <a:gd name="T18" fmla="*/ 461 w 595"/>
+              <a:gd name="T19" fmla="*/ 103 h 408"/>
+              <a:gd name="T20" fmla="*/ 450 w 595"/>
+              <a:gd name="T21" fmla="*/ 95 h 408"/>
+              <a:gd name="T22" fmla="*/ 437 w 595"/>
+              <a:gd name="T23" fmla="*/ 83 h 408"/>
+              <a:gd name="T24" fmla="*/ 425 w 595"/>
+              <a:gd name="T25" fmla="*/ 72 h 408"/>
+              <a:gd name="T26" fmla="*/ 411 w 595"/>
+              <a:gd name="T27" fmla="*/ 65 h 408"/>
+              <a:gd name="T28" fmla="*/ 396 w 595"/>
+              <a:gd name="T29" fmla="*/ 54 h 408"/>
+              <a:gd name="T30" fmla="*/ 382 w 595"/>
+              <a:gd name="T31" fmla="*/ 43 h 408"/>
+              <a:gd name="T32" fmla="*/ 373 w 595"/>
+              <a:gd name="T33" fmla="*/ 33 h 408"/>
+              <a:gd name="T34" fmla="*/ 361 w 595"/>
+              <a:gd name="T35" fmla="*/ 27 h 408"/>
+              <a:gd name="T36" fmla="*/ 346 w 595"/>
+              <a:gd name="T37" fmla="*/ 15 h 408"/>
+              <a:gd name="T38" fmla="*/ 336 w 595"/>
+              <a:gd name="T39" fmla="*/ 7 h 408"/>
+              <a:gd name="T40" fmla="*/ 322 w 595"/>
+              <a:gd name="T41" fmla="*/ 1 h 408"/>
+              <a:gd name="T42" fmla="*/ 313 w 595"/>
+              <a:gd name="T43" fmla="*/ 22 h 408"/>
+              <a:gd name="T44" fmla="*/ 314 w 595"/>
+              <a:gd name="T45" fmla="*/ 39 h 408"/>
+              <a:gd name="T46" fmla="*/ 313 w 595"/>
+              <a:gd name="T47" fmla="*/ 60 h 408"/>
+              <a:gd name="T48" fmla="*/ 314 w 595"/>
+              <a:gd name="T49" fmla="*/ 78 h 408"/>
+              <a:gd name="T50" fmla="*/ 313 w 595"/>
+              <a:gd name="T51" fmla="*/ 98 h 408"/>
+              <a:gd name="T52" fmla="*/ 168 w 595"/>
+              <a:gd name="T53" fmla="*/ 95 h 408"/>
+              <a:gd name="T54" fmla="*/ 5 w 595"/>
+              <a:gd name="T55" fmla="*/ 118 h 408"/>
+              <a:gd name="T56" fmla="*/ 16 w 595"/>
+              <a:gd name="T57" fmla="*/ 131 h 408"/>
+              <a:gd name="T58" fmla="*/ 24 w 595"/>
+              <a:gd name="T59" fmla="*/ 140 h 408"/>
+              <a:gd name="T60" fmla="*/ 34 w 595"/>
+              <a:gd name="T61" fmla="*/ 150 h 408"/>
+              <a:gd name="T62" fmla="*/ 42 w 595"/>
+              <a:gd name="T63" fmla="*/ 158 h 408"/>
+              <a:gd name="T64" fmla="*/ 50 w 595"/>
+              <a:gd name="T65" fmla="*/ 170 h 408"/>
+              <a:gd name="T66" fmla="*/ 62 w 595"/>
+              <a:gd name="T67" fmla="*/ 184 h 408"/>
+              <a:gd name="T68" fmla="*/ 69 w 595"/>
+              <a:gd name="T69" fmla="*/ 188 h 408"/>
+              <a:gd name="T70" fmla="*/ 81 w 595"/>
+              <a:gd name="T71" fmla="*/ 206 h 408"/>
+              <a:gd name="T72" fmla="*/ 57 w 595"/>
+              <a:gd name="T73" fmla="*/ 236 h 408"/>
+              <a:gd name="T74" fmla="*/ 22 w 595"/>
+              <a:gd name="T75" fmla="*/ 278 h 408"/>
+              <a:gd name="T76" fmla="*/ 0 w 595"/>
+              <a:gd name="T77" fmla="*/ 305 h 408"/>
+              <a:gd name="T78" fmla="*/ 14 w 595"/>
+              <a:gd name="T79" fmla="*/ 327 h 408"/>
+              <a:gd name="T80" fmla="*/ 312 w 595"/>
+              <a:gd name="T81" fmla="*/ 317 h 408"/>
+              <a:gd name="T82" fmla="*/ 314 w 595"/>
+              <a:gd name="T83" fmla="*/ 335 h 408"/>
+              <a:gd name="T84" fmla="*/ 314 w 595"/>
+              <a:gd name="T85" fmla="*/ 349 h 408"/>
+              <a:gd name="T86" fmla="*/ 313 w 595"/>
+              <a:gd name="T87" fmla="*/ 366 h 408"/>
+              <a:gd name="T88" fmla="*/ 313 w 595"/>
+              <a:gd name="T89" fmla="*/ 382 h 408"/>
+              <a:gd name="T90" fmla="*/ 316 w 595"/>
+              <a:gd name="T91" fmla="*/ 402 h 408"/>
+              <a:gd name="T92" fmla="*/ 325 w 595"/>
+              <a:gd name="T93" fmla="*/ 406 h 408"/>
+              <a:gd name="T94" fmla="*/ 343 w 595"/>
+              <a:gd name="T95" fmla="*/ 403 h 408"/>
+              <a:gd name="T96" fmla="*/ 374 w 595"/>
+              <a:gd name="T97" fmla="*/ 380 h 408"/>
+              <a:gd name="T98" fmla="*/ 396 w 595"/>
+              <a:gd name="T99" fmla="*/ 360 h 408"/>
+              <a:gd name="T100" fmla="*/ 427 w 595"/>
+              <a:gd name="T101" fmla="*/ 337 h 408"/>
+              <a:gd name="T102" fmla="*/ 461 w 595"/>
+              <a:gd name="T103" fmla="*/ 310 h 408"/>
+              <a:gd name="T104" fmla="*/ 482 w 595"/>
+              <a:gd name="T105" fmla="*/ 294 h 408"/>
+              <a:gd name="T106" fmla="*/ 513 w 595"/>
+              <a:gd name="T107" fmla="*/ 270 h 408"/>
+              <a:gd name="T108" fmla="*/ 545 w 595"/>
+              <a:gd name="T109" fmla="*/ 246 h 408"/>
+              <a:gd name="T110" fmla="*/ 578 w 595"/>
+              <a:gd name="T111" fmla="*/ 223 h 408"/>
+            </a:gdLst>
+            <a:ahLst/>
+            <a:cxnLst>
+              <a:cxn ang="0">
+                <a:pos x="T0" y="T1"/>
+              </a:cxn>
+              <a:cxn ang="0">
+                <a:pos x="T2" y="T3"/>
+              </a:cxn>
+              <a:cxn ang="0">
+                <a:pos x="T4" y="T5"/>
+              </a:cxn>
+              <a:cxn ang="0">
+                <a:pos x="T6" y="T7"/>
+              </a:cxn>
+              <a:cxn ang="0">
+                <a:pos x="T8" y="T9"/>
+              </a:cxn>
+              <a:cxn ang="0">
+                <a:pos x="T10" y="T11"/>
+              </a:cxn>
+              <a:cxn ang="0">
+                <a:pos x="T12" y="T13"/>
+              </a:cxn>
+              <a:cxn ang="0">
+                <a:pos x="T14" y="T15"/>
+              </a:cxn>
+              <a:cxn ang="0">
+                <a:pos x="T16" y="T17"/>
+              </a:cxn>
+              <a:cxn ang="0">
+                <a:pos x="T18" y="T19"/>
+              </a:cxn>
+              <a:cxn ang="0">
+                <a:pos x="T20" y="T21"/>
+              </a:cxn>
+              <a:cxn ang="0">
+                <a:pos x="T22" y="T23"/>
+              </a:cxn>
+              <a:cxn ang="0">
+                <a:pos x="T24" y="T25"/>
+              </a:cxn>
+              <a:cxn ang="0">
+                <a:pos x="T26" y="T27"/>
+              </a:cxn>
+              <a:cxn ang="0">
+                <a:pos x="T28" y="T29"/>
+              </a:cxn>
+              <a:cxn ang="0">
+                <a:pos x="T30" y="T31"/>
+              </a:cxn>
+              <a:cxn ang="0">
+                <a:pos x="T32" y="T33"/>
+              </a:cxn>
+              <a:cxn ang="0">
+                <a:pos x="T34" y="T35"/>
+              </a:cxn>
+              <a:cxn ang="0">
+                <a:pos x="T36" y="T37"/>
+              </a:cxn>
+              <a:cxn ang="0">
+                <a:pos x="T38" y="T39"/>
+              </a:cxn>
+              <a:cxn ang="0">
+                <a:pos x="T40" y="T41"/>
+              </a:cxn>
+              <a:cxn ang="0">
+                <a:pos x="T42" y="T43"/>
+              </a:cxn>
+              <a:cxn ang="0">
+                <a:pos x="T44" y="T45"/>
+              </a:cxn>
+              <a:cxn ang="0">
+                <a:pos x="T46" y="T47"/>
+              </a:cxn>
+              <a:cxn ang="0">
+                <a:pos x="T48" y="T49"/>
+              </a:cxn>
+              <a:cxn ang="0">
+                <a:pos x="T50" y="T51"/>
+              </a:cxn>
+              <a:cxn ang="0">
+                <a:pos x="T52" y="T53"/>
+              </a:cxn>
+              <a:cxn ang="0">
+                <a:pos x="T54" y="T55"/>
+              </a:cxn>
+              <a:cxn ang="0">
+                <a:pos x="T56" y="T57"/>
+              </a:cxn>
+              <a:cxn ang="0">
+                <a:pos x="T58" y="T59"/>
+              </a:cxn>
+              <a:cxn ang="0">
+                <a:pos x="T60" y="T61"/>
+              </a:cxn>
+              <a:cxn ang="0">
+                <a:pos x="T62" y="T63"/>
+              </a:cxn>
+              <a:cxn ang="0">
+                <a:pos x="T64" y="T65"/>
+              </a:cxn>
+              <a:cxn ang="0">
+                <a:pos x="T66" y="T67"/>
+              </a:cxn>
+              <a:cxn ang="0">
+                <a:pos x="T68" y="T69"/>
+              </a:cxn>
+              <a:cxn ang="0">
+                <a:pos x="T70" y="T71"/>
+              </a:cxn>
+              <a:cxn ang="0">
+                <a:pos x="T72" y="T73"/>
+              </a:cxn>
+              <a:cxn ang="0">
+                <a:pos x="T74" y="T75"/>
+              </a:cxn>
+              <a:cxn ang="0">
+                <a:pos x="T76" y="T77"/>
+              </a:cxn>
+              <a:cxn ang="0">
+                <a:pos x="T78" y="T79"/>
+              </a:cxn>
+              <a:cxn ang="0">
+                <a:pos x="T80" y="T81"/>
+              </a:cxn>
+              <a:cxn ang="0">
+                <a:pos x="T82" y="T83"/>
+              </a:cxn>
+              <a:cxn ang="0">
+                <a:pos x="T84" y="T85"/>
+              </a:cxn>
+              <a:cxn ang="0">
+                <a:pos x="T86" y="T87"/>
+              </a:cxn>
+              <a:cxn ang="0">
+                <a:pos x="T88" y="T89"/>
+              </a:cxn>
+              <a:cxn ang="0">
+                <a:pos x="T90" y="T91"/>
+              </a:cxn>
+              <a:cxn ang="0">
+                <a:pos x="T92" y="T93"/>
+              </a:cxn>
+              <a:cxn ang="0">
+                <a:pos x="T94" y="T95"/>
+              </a:cxn>
+              <a:cxn ang="0">
+                <a:pos x="T96" y="T97"/>
+              </a:cxn>
+              <a:cxn ang="0">
+                <a:pos x="T98" y="T99"/>
+              </a:cxn>
+              <a:cxn ang="0">
+                <a:pos x="T100" y="T101"/>
+              </a:cxn>
+              <a:cxn ang="0">
+                <a:pos x="T102" y="T103"/>
+              </a:cxn>
+              <a:cxn ang="0">
+                <a:pos x="T104" y="T105"/>
+              </a:cxn>
+              <a:cxn ang="0">
+                <a:pos x="T106" y="T107"/>
+              </a:cxn>
+              <a:cxn ang="0">
+                <a:pos x="T108" y="T109"/>
+              </a:cxn>
+              <a:cxn ang="0">
+                <a:pos x="T110" y="T111"/>
+              </a:cxn>
+            </a:cxnLst>
+            <a:rect l="0" t="0" r="r" b="b"/>
+            <a:pathLst>
+              <a:path w="595" h="408">
+                <a:moveTo>
+                  <a:pt x="592" y="199"/>
+                </a:moveTo>
+                <a:cubicBezTo>
+                  <a:pt x="590" y="198"/>
+                  <a:pt x="588" y="198"/>
+                  <a:pt x="587" y="197"/>
+                </a:cubicBezTo>
+                <a:cubicBezTo>
+                  <a:pt x="584" y="194"/>
+                  <a:pt x="580" y="193"/>
+                  <a:pt x="578" y="192"/>
+                </a:cubicBezTo>
+                <a:cubicBezTo>
+                  <a:pt x="578" y="192"/>
+                  <a:pt x="578" y="191"/>
+                  <a:pt x="578" y="191"/>
+                </a:cubicBezTo>
+                <a:cubicBezTo>
+                  <a:pt x="577" y="189"/>
+                  <a:pt x="576" y="188"/>
+                  <a:pt x="574" y="186"/>
+                </a:cubicBezTo>
+                <a:cubicBezTo>
+                  <a:pt x="573" y="185"/>
+                  <a:pt x="571" y="185"/>
+                  <a:pt x="570" y="185"/>
+                </a:cubicBezTo>
+                <a:cubicBezTo>
+                  <a:pt x="567" y="182"/>
+                  <a:pt x="564" y="180"/>
+                  <a:pt x="562" y="179"/>
+                </a:cubicBezTo>
+                <a:cubicBezTo>
+                  <a:pt x="562" y="179"/>
+                  <a:pt x="562" y="179"/>
+                  <a:pt x="562" y="179"/>
+                </a:cubicBezTo>
+                <a:cubicBezTo>
+                  <a:pt x="561" y="177"/>
+                  <a:pt x="560" y="175"/>
+                  <a:pt x="558" y="173"/>
+                </a:cubicBezTo>
+                <a:cubicBezTo>
+                  <a:pt x="556" y="173"/>
+                  <a:pt x="555" y="172"/>
+                  <a:pt x="553" y="172"/>
+                </a:cubicBezTo>
+                <a:cubicBezTo>
+                  <a:pt x="551" y="168"/>
+                  <a:pt x="547" y="166"/>
+                  <a:pt x="544" y="164"/>
+                </a:cubicBezTo>
+                <a:cubicBezTo>
+                  <a:pt x="544" y="164"/>
+                  <a:pt x="544" y="164"/>
+                  <a:pt x="544" y="164"/>
+                </a:cubicBezTo>
+                <a:cubicBezTo>
+                  <a:pt x="543" y="163"/>
+                  <a:pt x="542" y="162"/>
+                  <a:pt x="541" y="161"/>
+                </a:cubicBezTo>
+                <a:cubicBezTo>
+                  <a:pt x="539" y="159"/>
+                  <a:pt x="536" y="159"/>
+                  <a:pt x="534" y="159"/>
+                </a:cubicBezTo>
+                <a:cubicBezTo>
+                  <a:pt x="533" y="159"/>
+                  <a:pt x="533" y="159"/>
+                  <a:pt x="533" y="159"/>
+                </a:cubicBezTo>
+                <a:cubicBezTo>
+                  <a:pt x="532" y="158"/>
+                  <a:pt x="529" y="156"/>
+                  <a:pt x="529" y="156"/>
+                </a:cubicBezTo>
+                <a:cubicBezTo>
+                  <a:pt x="528" y="153"/>
+                  <a:pt x="527" y="150"/>
+                  <a:pt x="525" y="148"/>
+                </a:cubicBezTo>
+                <a:cubicBezTo>
+                  <a:pt x="523" y="147"/>
+                  <a:pt x="521" y="146"/>
+                  <a:pt x="519" y="146"/>
+                </a:cubicBezTo>
+                <a:cubicBezTo>
+                  <a:pt x="517" y="144"/>
+                  <a:pt x="515" y="142"/>
+                  <a:pt x="512" y="139"/>
+                </a:cubicBezTo>
+                <a:cubicBezTo>
+                  <a:pt x="512" y="139"/>
+                  <a:pt x="511" y="139"/>
+                  <a:pt x="511" y="139"/>
+                </a:cubicBezTo>
+                <a:cubicBezTo>
+                  <a:pt x="510" y="138"/>
+                  <a:pt x="509" y="137"/>
+                  <a:pt x="508" y="136"/>
+                </a:cubicBezTo>
+                <a:cubicBezTo>
+                  <a:pt x="507" y="135"/>
+                  <a:pt x="505" y="134"/>
+                  <a:pt x="504" y="134"/>
+                </a:cubicBezTo>
+                <a:cubicBezTo>
+                  <a:pt x="501" y="131"/>
+                  <a:pt x="497" y="128"/>
+                  <a:pt x="493" y="125"/>
+                </a:cubicBezTo>
+                <a:cubicBezTo>
+                  <a:pt x="493" y="124"/>
+                  <a:pt x="493" y="124"/>
+                  <a:pt x="492" y="124"/>
+                </a:cubicBezTo>
+                <a:cubicBezTo>
+                  <a:pt x="490" y="122"/>
+                  <a:pt x="489" y="122"/>
+                  <a:pt x="487" y="121"/>
+                </a:cubicBezTo>
+                <a:cubicBezTo>
+                  <a:pt x="484" y="118"/>
+                  <a:pt x="480" y="114"/>
+                  <a:pt x="476" y="112"/>
+                </a:cubicBezTo>
+                <a:cubicBezTo>
+                  <a:pt x="476" y="111"/>
+                  <a:pt x="476" y="111"/>
+                  <a:pt x="475" y="111"/>
+                </a:cubicBezTo>
+                <a:cubicBezTo>
+                  <a:pt x="473" y="109"/>
+                  <a:pt x="471" y="109"/>
+                  <a:pt x="469" y="109"/>
+                </a:cubicBezTo>
+                <a:cubicBezTo>
+                  <a:pt x="468" y="109"/>
+                  <a:pt x="467" y="108"/>
+                  <a:pt x="466" y="107"/>
+                </a:cubicBezTo>
+                <a:cubicBezTo>
+                  <a:pt x="465" y="106"/>
+                  <a:pt x="462" y="104"/>
+                  <a:pt x="461" y="103"/>
+                </a:cubicBezTo>
+                <a:cubicBezTo>
+                  <a:pt x="461" y="101"/>
+                  <a:pt x="460" y="99"/>
+                  <a:pt x="458" y="98"/>
+                </a:cubicBezTo>
+                <a:cubicBezTo>
+                  <a:pt x="456" y="96"/>
+                  <a:pt x="453" y="96"/>
+                  <a:pt x="452" y="96"/>
+                </a:cubicBezTo>
+                <a:cubicBezTo>
+                  <a:pt x="451" y="96"/>
+                  <a:pt x="450" y="95"/>
+                  <a:pt x="450" y="95"/>
+                </a:cubicBezTo>
+                <a:cubicBezTo>
+                  <a:pt x="448" y="94"/>
+                  <a:pt x="446" y="92"/>
+                  <a:pt x="445" y="90"/>
+                </a:cubicBezTo>
+                <a:cubicBezTo>
+                  <a:pt x="444" y="88"/>
+                  <a:pt x="443" y="87"/>
+                  <a:pt x="442" y="85"/>
+                </a:cubicBezTo>
+                <a:cubicBezTo>
+                  <a:pt x="440" y="84"/>
+                  <a:pt x="438" y="83"/>
+                  <a:pt x="437" y="83"/>
+                </a:cubicBezTo>
+                <a:cubicBezTo>
+                  <a:pt x="434" y="80"/>
+                  <a:pt x="431" y="78"/>
+                  <a:pt x="429" y="76"/>
+                </a:cubicBezTo>
+                <a:cubicBezTo>
+                  <a:pt x="428" y="76"/>
+                  <a:pt x="428" y="76"/>
+                  <a:pt x="427" y="76"/>
+                </a:cubicBezTo>
+                <a:cubicBezTo>
+                  <a:pt x="427" y="74"/>
+                  <a:pt x="426" y="73"/>
+                  <a:pt x="425" y="72"/>
+                </a:cubicBezTo>
+                <a:cubicBezTo>
+                  <a:pt x="423" y="71"/>
+                  <a:pt x="420" y="70"/>
+                  <a:pt x="418" y="70"/>
+                </a:cubicBezTo>
+                <a:cubicBezTo>
+                  <a:pt x="417" y="69"/>
+                  <a:pt x="416" y="68"/>
+                  <a:pt x="414" y="67"/>
+                </a:cubicBezTo>
+                <a:cubicBezTo>
+                  <a:pt x="413" y="67"/>
+                  <a:pt x="412" y="65"/>
+                  <a:pt x="411" y="65"/>
+                </a:cubicBezTo>
+                <a:cubicBezTo>
+                  <a:pt x="410" y="62"/>
+                  <a:pt x="409" y="60"/>
+                  <a:pt x="407" y="58"/>
+                </a:cubicBezTo>
+                <a:cubicBezTo>
+                  <a:pt x="405" y="57"/>
+                  <a:pt x="403" y="57"/>
+                  <a:pt x="401" y="57"/>
+                </a:cubicBezTo>
+                <a:cubicBezTo>
+                  <a:pt x="399" y="55"/>
+                  <a:pt x="398" y="54"/>
+                  <a:pt x="396" y="54"/>
+                </a:cubicBezTo>
+                <a:cubicBezTo>
+                  <a:pt x="396" y="53"/>
+                  <a:pt x="394" y="53"/>
+                  <a:pt x="394" y="52"/>
+                </a:cubicBezTo>
+                <a:cubicBezTo>
+                  <a:pt x="393" y="49"/>
+                  <a:pt x="392" y="47"/>
+                  <a:pt x="390" y="45"/>
+                </a:cubicBezTo>
+                <a:cubicBezTo>
+                  <a:pt x="387" y="43"/>
+                  <a:pt x="384" y="43"/>
+                  <a:pt x="382" y="43"/>
+                </a:cubicBezTo>
+                <a:cubicBezTo>
+                  <a:pt x="382" y="43"/>
+                  <a:pt x="382" y="43"/>
+                  <a:pt x="382" y="43"/>
+                </a:cubicBezTo>
+                <a:cubicBezTo>
+                  <a:pt x="381" y="43"/>
+                  <a:pt x="378" y="41"/>
+                  <a:pt x="377" y="40"/>
+                </a:cubicBezTo>
+                <a:cubicBezTo>
+                  <a:pt x="377" y="37"/>
+                  <a:pt x="376" y="34"/>
+                  <a:pt x="373" y="33"/>
+                </a:cubicBezTo>
+                <a:cubicBezTo>
+                  <a:pt x="371" y="31"/>
+                  <a:pt x="369" y="31"/>
+                  <a:pt x="367" y="31"/>
+                </a:cubicBezTo>
+                <a:cubicBezTo>
+                  <a:pt x="366" y="30"/>
+                  <a:pt x="365" y="30"/>
+                  <a:pt x="364" y="29"/>
+                </a:cubicBezTo>
+                <a:cubicBezTo>
+                  <a:pt x="363" y="29"/>
+                  <a:pt x="362" y="28"/>
+                  <a:pt x="361" y="27"/>
+                </a:cubicBezTo>
+                <a:cubicBezTo>
+                  <a:pt x="361" y="25"/>
+                  <a:pt x="359" y="23"/>
+                  <a:pt x="357" y="21"/>
+                </a:cubicBezTo>
+                <a:cubicBezTo>
+                  <a:pt x="356" y="20"/>
+                  <a:pt x="354" y="19"/>
+                  <a:pt x="353" y="19"/>
+                </a:cubicBezTo>
+                <a:cubicBezTo>
+                  <a:pt x="351" y="17"/>
+                  <a:pt x="348" y="16"/>
+                  <a:pt x="346" y="15"/>
+                </a:cubicBezTo>
+                <a:cubicBezTo>
+                  <a:pt x="346" y="14"/>
+                  <a:pt x="345" y="14"/>
+                  <a:pt x="344" y="13"/>
+                </a:cubicBezTo>
+                <a:cubicBezTo>
+                  <a:pt x="344" y="12"/>
+                  <a:pt x="343" y="10"/>
+                  <a:pt x="341" y="9"/>
+                </a:cubicBezTo>
+                <a:cubicBezTo>
+                  <a:pt x="340" y="7"/>
+                  <a:pt x="338" y="7"/>
+                  <a:pt x="336" y="7"/>
+                </a:cubicBezTo>
+                <a:cubicBezTo>
+                  <a:pt x="336" y="5"/>
+                  <a:pt x="335" y="4"/>
+                  <a:pt x="333" y="3"/>
+                </a:cubicBezTo>
+                <a:cubicBezTo>
+                  <a:pt x="330" y="0"/>
+                  <a:pt x="326" y="0"/>
+                  <a:pt x="324" y="1"/>
+                </a:cubicBezTo>
+                <a:cubicBezTo>
+                  <a:pt x="323" y="1"/>
+                  <a:pt x="322" y="1"/>
+                  <a:pt x="322" y="1"/>
+                </a:cubicBezTo>
+                <a:cubicBezTo>
+                  <a:pt x="317" y="1"/>
+                  <a:pt x="313" y="5"/>
+                  <a:pt x="313" y="10"/>
+                </a:cubicBezTo>
+                <a:cubicBezTo>
+                  <a:pt x="313" y="12"/>
+                  <a:pt x="313" y="13"/>
+                  <a:pt x="314" y="15"/>
+                </a:cubicBezTo>
+                <a:cubicBezTo>
+                  <a:pt x="313" y="17"/>
+                  <a:pt x="313" y="20"/>
+                  <a:pt x="313" y="22"/>
+                </a:cubicBezTo>
+                <a:cubicBezTo>
+                  <a:pt x="313" y="24"/>
+                  <a:pt x="313" y="26"/>
+                  <a:pt x="314" y="27"/>
+                </a:cubicBezTo>
+                <a:cubicBezTo>
+                  <a:pt x="313" y="29"/>
+                  <a:pt x="313" y="32"/>
+                  <a:pt x="313" y="35"/>
+                </a:cubicBezTo>
+                <a:cubicBezTo>
+                  <a:pt x="313" y="36"/>
+                  <a:pt x="313" y="38"/>
+                  <a:pt x="314" y="39"/>
+                </a:cubicBezTo>
+                <a:cubicBezTo>
+                  <a:pt x="313" y="42"/>
+                  <a:pt x="313" y="45"/>
+                  <a:pt x="313" y="48"/>
+                </a:cubicBezTo>
+                <a:cubicBezTo>
+                  <a:pt x="313" y="50"/>
+                  <a:pt x="313" y="51"/>
+                  <a:pt x="314" y="53"/>
+                </a:cubicBezTo>
+                <a:cubicBezTo>
+                  <a:pt x="313" y="55"/>
+                  <a:pt x="313" y="57"/>
+                  <a:pt x="313" y="60"/>
+                </a:cubicBezTo>
+                <a:cubicBezTo>
+                  <a:pt x="313" y="62"/>
+                  <a:pt x="313" y="64"/>
+                  <a:pt x="314" y="65"/>
+                </a:cubicBezTo>
+                <a:cubicBezTo>
+                  <a:pt x="313" y="68"/>
+                  <a:pt x="313" y="70"/>
+                  <a:pt x="313" y="73"/>
+                </a:cubicBezTo>
+                <a:cubicBezTo>
+                  <a:pt x="313" y="75"/>
+                  <a:pt x="313" y="76"/>
+                  <a:pt x="314" y="78"/>
+                </a:cubicBezTo>
+                <a:cubicBezTo>
+                  <a:pt x="313" y="80"/>
+                  <a:pt x="313" y="82"/>
+                  <a:pt x="313" y="85"/>
+                </a:cubicBezTo>
+                <a:cubicBezTo>
+                  <a:pt x="313" y="87"/>
+                  <a:pt x="313" y="89"/>
+                  <a:pt x="314" y="90"/>
+                </a:cubicBezTo>
+                <a:cubicBezTo>
+                  <a:pt x="313" y="92"/>
+                  <a:pt x="313" y="95"/>
+                  <a:pt x="313" y="98"/>
+                </a:cubicBezTo>
+                <a:cubicBezTo>
+                  <a:pt x="313" y="98"/>
+                  <a:pt x="313" y="99"/>
+                  <a:pt x="313" y="99"/>
+                </a:cubicBezTo>
+                <a:cubicBezTo>
+                  <a:pt x="308" y="101"/>
+                  <a:pt x="297" y="104"/>
+                  <a:pt x="268" y="103"/>
+                </a:cubicBezTo>
+                <a:cubicBezTo>
+                  <a:pt x="240" y="102"/>
+                  <a:pt x="204" y="99"/>
+                  <a:pt x="168" y="95"/>
+                </a:cubicBezTo>
+                <a:cubicBezTo>
+                  <a:pt x="80" y="86"/>
+                  <a:pt x="24" y="82"/>
+                  <a:pt x="7" y="98"/>
+                </a:cubicBezTo>
+                <a:cubicBezTo>
+                  <a:pt x="3" y="101"/>
+                  <a:pt x="1" y="106"/>
+                  <a:pt x="1" y="111"/>
+                </a:cubicBezTo>
+                <a:cubicBezTo>
+                  <a:pt x="1" y="114"/>
+                  <a:pt x="3" y="117"/>
+                  <a:pt x="5" y="118"/>
+                </a:cubicBezTo>
+                <a:cubicBezTo>
+                  <a:pt x="6" y="119"/>
+                  <a:pt x="8" y="120"/>
+                  <a:pt x="10" y="120"/>
+                </a:cubicBezTo>
+                <a:cubicBezTo>
+                  <a:pt x="12" y="122"/>
+                  <a:pt x="12" y="123"/>
+                  <a:pt x="12" y="124"/>
+                </a:cubicBezTo>
+                <a:cubicBezTo>
+                  <a:pt x="12" y="127"/>
+                  <a:pt x="14" y="130"/>
+                  <a:pt x="16" y="131"/>
+                </a:cubicBezTo>
+                <a:cubicBezTo>
+                  <a:pt x="17" y="132"/>
+                  <a:pt x="18" y="132"/>
+                  <a:pt x="19" y="133"/>
+                </a:cubicBezTo>
+                <a:cubicBezTo>
+                  <a:pt x="20" y="135"/>
+                  <a:pt x="22" y="137"/>
+                  <a:pt x="23" y="139"/>
+                </a:cubicBezTo>
+                <a:cubicBezTo>
+                  <a:pt x="24" y="139"/>
+                  <a:pt x="24" y="140"/>
+                  <a:pt x="24" y="140"/>
+                </a:cubicBezTo>
+                <a:cubicBezTo>
+                  <a:pt x="25" y="142"/>
+                  <a:pt x="26" y="143"/>
+                  <a:pt x="27" y="144"/>
+                </a:cubicBezTo>
+                <a:cubicBezTo>
+                  <a:pt x="28" y="145"/>
+                  <a:pt x="30" y="145"/>
+                  <a:pt x="31" y="146"/>
+                </a:cubicBezTo>
+                <a:cubicBezTo>
+                  <a:pt x="31" y="147"/>
+                  <a:pt x="32" y="149"/>
+                  <a:pt x="34" y="150"/>
+                </a:cubicBezTo>
+                <a:cubicBezTo>
+                  <a:pt x="34" y="151"/>
+                  <a:pt x="35" y="152"/>
+                  <a:pt x="35" y="152"/>
+                </a:cubicBezTo>
+                <a:cubicBezTo>
+                  <a:pt x="36" y="154"/>
+                  <a:pt x="36" y="155"/>
+                  <a:pt x="38" y="156"/>
+                </a:cubicBezTo>
+                <a:cubicBezTo>
+                  <a:pt x="39" y="157"/>
+                  <a:pt x="41" y="158"/>
+                  <a:pt x="42" y="158"/>
+                </a:cubicBezTo>
+                <a:cubicBezTo>
+                  <a:pt x="42" y="159"/>
+                  <a:pt x="43" y="159"/>
+                  <a:pt x="43" y="159"/>
+                </a:cubicBezTo>
+                <a:cubicBezTo>
+                  <a:pt x="44" y="161"/>
+                  <a:pt x="46" y="163"/>
+                  <a:pt x="46" y="164"/>
+                </a:cubicBezTo>
+                <a:cubicBezTo>
+                  <a:pt x="47" y="167"/>
+                  <a:pt x="48" y="169"/>
+                  <a:pt x="50" y="170"/>
+                </a:cubicBezTo>
+                <a:cubicBezTo>
+                  <a:pt x="52" y="171"/>
+                  <a:pt x="54" y="172"/>
+                  <a:pt x="55" y="172"/>
+                </a:cubicBezTo>
+                <a:cubicBezTo>
+                  <a:pt x="57" y="174"/>
+                  <a:pt x="58" y="176"/>
+                  <a:pt x="58" y="176"/>
+                </a:cubicBezTo>
+                <a:cubicBezTo>
+                  <a:pt x="58" y="179"/>
+                  <a:pt x="59" y="182"/>
+                  <a:pt x="62" y="184"/>
+                </a:cubicBezTo>
+                <a:cubicBezTo>
+                  <a:pt x="64" y="185"/>
+                  <a:pt x="66" y="185"/>
+                  <a:pt x="67" y="185"/>
+                </a:cubicBezTo>
+                <a:cubicBezTo>
+                  <a:pt x="67" y="185"/>
+                  <a:pt x="67" y="185"/>
+                  <a:pt x="67" y="185"/>
+                </a:cubicBezTo>
+                <a:cubicBezTo>
+                  <a:pt x="68" y="186"/>
+                  <a:pt x="69" y="188"/>
+                  <a:pt x="69" y="188"/>
+                </a:cubicBezTo>
+                <a:cubicBezTo>
+                  <a:pt x="69" y="191"/>
+                  <a:pt x="70" y="193"/>
+                  <a:pt x="72" y="195"/>
+                </a:cubicBezTo>
+                <a:cubicBezTo>
+                  <a:pt x="73" y="196"/>
+                  <a:pt x="74" y="197"/>
+                  <a:pt x="75" y="197"/>
+                </a:cubicBezTo>
+                <a:cubicBezTo>
+                  <a:pt x="76" y="201"/>
+                  <a:pt x="79" y="204"/>
+                  <a:pt x="81" y="206"/>
+                </a:cubicBezTo>
+                <a:cubicBezTo>
+                  <a:pt x="80" y="208"/>
+                  <a:pt x="79" y="210"/>
+                  <a:pt x="79" y="212"/>
+                </a:cubicBezTo>
+                <a:cubicBezTo>
+                  <a:pt x="68" y="221"/>
+                  <a:pt x="68" y="222"/>
+                  <a:pt x="68" y="226"/>
+                </a:cubicBezTo>
+                <a:cubicBezTo>
+                  <a:pt x="63" y="228"/>
+                  <a:pt x="58" y="231"/>
+                  <a:pt x="57" y="236"/>
+                </a:cubicBezTo>
+                <a:cubicBezTo>
+                  <a:pt x="50" y="241"/>
+                  <a:pt x="46" y="246"/>
+                  <a:pt x="45" y="250"/>
+                </a:cubicBezTo>
+                <a:cubicBezTo>
+                  <a:pt x="40" y="253"/>
+                  <a:pt x="35" y="257"/>
+                  <a:pt x="34" y="262"/>
+                </a:cubicBezTo>
+                <a:cubicBezTo>
+                  <a:pt x="23" y="270"/>
+                  <a:pt x="22" y="275"/>
+                  <a:pt x="22" y="278"/>
+                </a:cubicBezTo>
+                <a:cubicBezTo>
+                  <a:pt x="20" y="280"/>
+                  <a:pt x="17" y="282"/>
+                  <a:pt x="14" y="285"/>
+                </a:cubicBezTo>
+                <a:cubicBezTo>
+                  <a:pt x="13" y="286"/>
+                  <a:pt x="12" y="287"/>
+                  <a:pt x="11" y="289"/>
+                </a:cubicBezTo>
+                <a:cubicBezTo>
+                  <a:pt x="0" y="298"/>
+                  <a:pt x="0" y="302"/>
+                  <a:pt x="0" y="305"/>
+                </a:cubicBezTo>
+                <a:cubicBezTo>
+                  <a:pt x="0" y="307"/>
+                  <a:pt x="1" y="310"/>
+                  <a:pt x="3" y="312"/>
+                </a:cubicBezTo>
+                <a:cubicBezTo>
+                  <a:pt x="4" y="312"/>
+                  <a:pt x="4" y="312"/>
+                  <a:pt x="4" y="313"/>
+                </a:cubicBezTo>
+                <a:cubicBezTo>
+                  <a:pt x="6" y="318"/>
+                  <a:pt x="9" y="323"/>
+                  <a:pt x="14" y="327"/>
+                </a:cubicBezTo>
+                <a:cubicBezTo>
+                  <a:pt x="36" y="345"/>
+                  <a:pt x="92" y="331"/>
+                  <a:pt x="157" y="316"/>
+                </a:cubicBezTo>
+                <a:cubicBezTo>
+                  <a:pt x="217" y="301"/>
+                  <a:pt x="284" y="285"/>
+                  <a:pt x="306" y="301"/>
+                </a:cubicBezTo>
+                <a:cubicBezTo>
+                  <a:pt x="309" y="304"/>
+                  <a:pt x="312" y="308"/>
+                  <a:pt x="312" y="317"/>
+                </a:cubicBezTo>
+                <a:cubicBezTo>
+                  <a:pt x="312" y="319"/>
+                  <a:pt x="313" y="321"/>
+                  <a:pt x="314" y="322"/>
+                </a:cubicBezTo>
+                <a:cubicBezTo>
+                  <a:pt x="313" y="325"/>
+                  <a:pt x="312" y="328"/>
+                  <a:pt x="312" y="330"/>
+                </a:cubicBezTo>
+                <a:cubicBezTo>
+                  <a:pt x="312" y="332"/>
+                  <a:pt x="313" y="334"/>
+                  <a:pt x="314" y="335"/>
+                </a:cubicBezTo>
+                <a:cubicBezTo>
+                  <a:pt x="313" y="337"/>
+                  <a:pt x="313" y="340"/>
+                  <a:pt x="313" y="343"/>
+                </a:cubicBezTo>
+                <a:cubicBezTo>
+                  <a:pt x="313" y="345"/>
+                  <a:pt x="313" y="347"/>
+                  <a:pt x="314" y="348"/>
+                </a:cubicBezTo>
+                <a:cubicBezTo>
+                  <a:pt x="314" y="349"/>
+                  <a:pt x="314" y="349"/>
+                  <a:pt x="314" y="349"/>
+                </a:cubicBezTo>
+                <a:cubicBezTo>
+                  <a:pt x="313" y="353"/>
+                  <a:pt x="313" y="354"/>
+                  <a:pt x="313" y="356"/>
+                </a:cubicBezTo>
+                <a:cubicBezTo>
+                  <a:pt x="313" y="358"/>
+                  <a:pt x="313" y="359"/>
+                  <a:pt x="314" y="361"/>
+                </a:cubicBezTo>
+                <a:cubicBezTo>
+                  <a:pt x="314" y="363"/>
+                  <a:pt x="313" y="365"/>
+                  <a:pt x="313" y="366"/>
+                </a:cubicBezTo>
+                <a:cubicBezTo>
+                  <a:pt x="312" y="369"/>
+                  <a:pt x="313" y="372"/>
+                  <a:pt x="314" y="374"/>
+                </a:cubicBezTo>
+                <a:cubicBezTo>
+                  <a:pt x="314" y="375"/>
+                  <a:pt x="314" y="376"/>
+                  <a:pt x="314" y="377"/>
+                </a:cubicBezTo>
+                <a:cubicBezTo>
+                  <a:pt x="313" y="379"/>
+                  <a:pt x="313" y="380"/>
+                  <a:pt x="313" y="382"/>
+                </a:cubicBezTo>
+                <a:cubicBezTo>
+                  <a:pt x="313" y="383"/>
+                  <a:pt x="313" y="385"/>
+                  <a:pt x="314" y="386"/>
+                </a:cubicBezTo>
+                <a:cubicBezTo>
+                  <a:pt x="313" y="389"/>
+                  <a:pt x="313" y="392"/>
+                  <a:pt x="313" y="395"/>
+                </a:cubicBezTo>
+                <a:cubicBezTo>
+                  <a:pt x="313" y="397"/>
+                  <a:pt x="314" y="400"/>
+                  <a:pt x="316" y="402"/>
+                </a:cubicBezTo>
+                <a:cubicBezTo>
+                  <a:pt x="318" y="403"/>
+                  <a:pt x="320" y="404"/>
+                  <a:pt x="322" y="404"/>
+                </a:cubicBezTo>
+                <a:cubicBezTo>
+                  <a:pt x="323" y="404"/>
+                  <a:pt x="323" y="404"/>
+                  <a:pt x="323" y="404"/>
+                </a:cubicBezTo>
+                <a:cubicBezTo>
+                  <a:pt x="324" y="405"/>
+                  <a:pt x="325" y="406"/>
+                  <a:pt x="325" y="406"/>
+                </a:cubicBezTo>
+                <a:cubicBezTo>
+                  <a:pt x="327" y="407"/>
+                  <a:pt x="329" y="408"/>
+                  <a:pt x="331" y="408"/>
+                </a:cubicBezTo>
+                <a:cubicBezTo>
+                  <a:pt x="332" y="408"/>
+                  <a:pt x="333" y="408"/>
+                  <a:pt x="334" y="407"/>
+                </a:cubicBezTo>
+                <a:cubicBezTo>
+                  <a:pt x="338" y="408"/>
+                  <a:pt x="341" y="406"/>
+                  <a:pt x="343" y="403"/>
+                </a:cubicBezTo>
+                <a:cubicBezTo>
+                  <a:pt x="350" y="401"/>
+                  <a:pt x="360" y="397"/>
+                  <a:pt x="360" y="387"/>
+                </a:cubicBezTo>
+                <a:cubicBezTo>
+                  <a:pt x="361" y="387"/>
+                  <a:pt x="362" y="386"/>
+                  <a:pt x="363" y="386"/>
+                </a:cubicBezTo>
+                <a:cubicBezTo>
+                  <a:pt x="367" y="385"/>
+                  <a:pt x="371" y="383"/>
+                  <a:pt x="374" y="380"/>
+                </a:cubicBezTo>
+                <a:cubicBezTo>
+                  <a:pt x="390" y="376"/>
+                  <a:pt x="393" y="367"/>
+                  <a:pt x="393" y="361"/>
+                </a:cubicBezTo>
+                <a:cubicBezTo>
+                  <a:pt x="393" y="361"/>
+                  <a:pt x="393" y="360"/>
+                  <a:pt x="393" y="360"/>
+                </a:cubicBezTo>
+                <a:cubicBezTo>
+                  <a:pt x="394" y="360"/>
+                  <a:pt x="395" y="360"/>
+                  <a:pt x="396" y="360"/>
+                </a:cubicBezTo>
+                <a:cubicBezTo>
+                  <a:pt x="401" y="359"/>
+                  <a:pt x="410" y="357"/>
+                  <a:pt x="410" y="348"/>
+                </a:cubicBezTo>
+                <a:cubicBezTo>
+                  <a:pt x="411" y="348"/>
+                  <a:pt x="411" y="348"/>
+                  <a:pt x="411" y="348"/>
+                </a:cubicBezTo>
+                <a:cubicBezTo>
+                  <a:pt x="416" y="347"/>
+                  <a:pt x="426" y="345"/>
+                  <a:pt x="427" y="337"/>
+                </a:cubicBezTo>
+                <a:cubicBezTo>
+                  <a:pt x="433" y="337"/>
+                  <a:pt x="443" y="334"/>
+                  <a:pt x="444" y="323"/>
+                </a:cubicBezTo>
+                <a:cubicBezTo>
+                  <a:pt x="447" y="322"/>
+                  <a:pt x="451" y="320"/>
+                  <a:pt x="452" y="319"/>
+                </a:cubicBezTo>
+                <a:cubicBezTo>
+                  <a:pt x="457" y="316"/>
+                  <a:pt x="461" y="315"/>
+                  <a:pt x="461" y="310"/>
+                </a:cubicBezTo>
+                <a:cubicBezTo>
+                  <a:pt x="467" y="309"/>
+                  <a:pt x="478" y="307"/>
+                  <a:pt x="478" y="296"/>
+                </a:cubicBezTo>
+                <a:cubicBezTo>
+                  <a:pt x="478" y="296"/>
+                  <a:pt x="478" y="295"/>
+                  <a:pt x="478" y="295"/>
+                </a:cubicBezTo>
+                <a:cubicBezTo>
+                  <a:pt x="480" y="294"/>
+                  <a:pt x="481" y="294"/>
+                  <a:pt x="482" y="294"/>
+                </a:cubicBezTo>
+                <a:cubicBezTo>
+                  <a:pt x="486" y="293"/>
+                  <a:pt x="492" y="292"/>
+                  <a:pt x="494" y="287"/>
+                </a:cubicBezTo>
+                <a:cubicBezTo>
+                  <a:pt x="501" y="285"/>
+                  <a:pt x="511" y="282"/>
+                  <a:pt x="511" y="271"/>
+                </a:cubicBezTo>
+                <a:cubicBezTo>
+                  <a:pt x="512" y="271"/>
+                  <a:pt x="512" y="270"/>
+                  <a:pt x="513" y="270"/>
+                </a:cubicBezTo>
+                <a:cubicBezTo>
+                  <a:pt x="518" y="269"/>
+                  <a:pt x="528" y="267"/>
+                  <a:pt x="528" y="258"/>
+                </a:cubicBezTo>
+                <a:cubicBezTo>
+                  <a:pt x="528" y="258"/>
+                  <a:pt x="529" y="258"/>
+                  <a:pt x="530" y="258"/>
+                </a:cubicBezTo>
+                <a:cubicBezTo>
+                  <a:pt x="535" y="257"/>
+                  <a:pt x="544" y="254"/>
+                  <a:pt x="545" y="246"/>
+                </a:cubicBezTo>
+                <a:cubicBezTo>
+                  <a:pt x="547" y="245"/>
+                  <a:pt x="551" y="243"/>
+                  <a:pt x="555" y="241"/>
+                </a:cubicBezTo>
+                <a:cubicBezTo>
+                  <a:pt x="556" y="241"/>
+                  <a:pt x="558" y="240"/>
+                  <a:pt x="559" y="238"/>
+                </a:cubicBezTo>
+                <a:cubicBezTo>
+                  <a:pt x="567" y="236"/>
+                  <a:pt x="576" y="232"/>
+                  <a:pt x="578" y="223"/>
+                </a:cubicBezTo>
+                <a:cubicBezTo>
+                  <a:pt x="586" y="220"/>
+                  <a:pt x="595" y="216"/>
+                  <a:pt x="595" y="207"/>
+                </a:cubicBezTo>
+                <a:cubicBezTo>
+                  <a:pt x="595" y="204"/>
+                  <a:pt x="594" y="201"/>
+                  <a:pt x="592" y="199"/>
+                </a:cubicBezTo>
+                <a:close/>
+              </a:path>
+            </a:pathLst>
+          </a:custGeom>
+          <a:solidFill>
+            <a:srgbClr val="00B0F0"/>
+          </a:solidFill>
+          <a:ln w="19050" cap="flat" cmpd="sng" algn="ctr">
+            <a:solidFill>
+              <a:srgbClr val="FFFFFF"/>
+            </a:solidFill>
+            <a:prstDash val="solid"/>
+            <a:miter lim="800000"/>
+          </a:ln>
+          <a:effectLst>
+            <a:outerShdw blurRad="50800" dist="38100" dir="5400000" algn="t" rotWithShape="0">
+              <a:prstClr val="black">
+                <a:alpha val="40000"/>
+              </a:prstClr>
+            </a:outerShdw>
+          </a:effectLst>
+        </p:spPr>
+        <p:txBody>
+          <a:bodyPr vert="horz" wrap="square" lIns="91440" tIns="45720" rIns="91440" bIns="45720" numCol="1" anchor="t" anchorCtr="0" compatLnSpc="1">
+            <a:prstTxWarp prst="textNoShape">
+              <a:avLst/>
+            </a:prstTxWarp>
+          </a:bodyPr>
+          <a:lstStyle/>
+          <a:p>
+            <a:pPr marL="0" marR="0" lvl="0" indent="0" defTabSz="914400" eaLnBrk="1" fontAlgn="auto" latinLnBrk="0" hangingPunct="1">
+              <a:lnSpc>
+                <a:spcPct val="100000"/>
+              </a:lnSpc>
+              <a:spcBef>
+                <a:spcPts val="0"/>
+              </a:spcBef>
+              <a:spcAft>
+                <a:spcPts val="0"/>
+              </a:spcAft>
+              <a:buClrTx/>
+              <a:buSzTx/>
+              <a:buFontTx/>
+              <a:buNone/>
+              <a:tabLst/>
+              <a:defRPr/>
+            </a:pPr>
+            <a:endParaRPr kumimoji="0" lang="en-US" sz="1800" b="0" i="0" u="none" strike="noStrike" kern="0" cap="none" spc="0" normalizeH="0" baseline="0" noProof="0">
+              <a:ln>
+                <a:noFill/>
+              </a:ln>
+              <a:solidFill>
+                <a:srgbClr val="FFFFFF"/>
+              </a:solidFill>
+              <a:effectLst/>
+              <a:uLnTx/>
+              <a:uFillTx/>
+              <a:latin typeface="Futura Medium" panose="020B0602020204020303" pitchFamily="34" charset="-79"/>
+              <a:cs typeface="Futura Medium" panose="020B0602020204020303" pitchFamily="34" charset="-79"/>
+            </a:endParaRPr>
+          </a:p>
+        </p:txBody>
+      </p:sp>
+      <p:sp>
+        <p:nvSpPr>
+          <p:cNvPr id="7" name="Freeform 16">
+            <a:extLst>
+              <a:ext uri="{FF2B5EF4-FFF2-40B4-BE49-F238E27FC236}">
+                <a16:creationId xmlns:a16="http://schemas.microsoft.com/office/drawing/2014/main" id="{5C5602C9-180D-7E84-56F5-ED81DD2CCDDC}"/>
+              </a:ext>
+            </a:extLst>
+          </p:cNvPr>
+          <p:cNvSpPr>
+            <a:spLocks noChangeAspect="1"/>
+          </p:cNvSpPr>
+          <p:nvPr/>
+        </p:nvSpPr>
+        <p:spPr bwMode="auto">
+          <a:xfrm rot="11181294" flipH="1">
+            <a:off x="3978531" y="1245015"/>
+            <a:ext cx="622773" cy="437413"/>
+          </a:xfrm>
+          <a:custGeom>
+            <a:avLst/>
+            <a:gdLst>
+              <a:gd name="T0" fmla="*/ 578 w 595"/>
+              <a:gd name="T1" fmla="*/ 192 h 408"/>
+              <a:gd name="T2" fmla="*/ 570 w 595"/>
+              <a:gd name="T3" fmla="*/ 185 h 408"/>
+              <a:gd name="T4" fmla="*/ 558 w 595"/>
+              <a:gd name="T5" fmla="*/ 173 h 408"/>
+              <a:gd name="T6" fmla="*/ 544 w 595"/>
+              <a:gd name="T7" fmla="*/ 164 h 408"/>
+              <a:gd name="T8" fmla="*/ 533 w 595"/>
+              <a:gd name="T9" fmla="*/ 159 h 408"/>
+              <a:gd name="T10" fmla="*/ 519 w 595"/>
+              <a:gd name="T11" fmla="*/ 146 h 408"/>
+              <a:gd name="T12" fmla="*/ 508 w 595"/>
+              <a:gd name="T13" fmla="*/ 136 h 408"/>
+              <a:gd name="T14" fmla="*/ 492 w 595"/>
+              <a:gd name="T15" fmla="*/ 124 h 408"/>
+              <a:gd name="T16" fmla="*/ 475 w 595"/>
+              <a:gd name="T17" fmla="*/ 111 h 408"/>
+              <a:gd name="T18" fmla="*/ 461 w 595"/>
+              <a:gd name="T19" fmla="*/ 103 h 408"/>
+              <a:gd name="T20" fmla="*/ 450 w 595"/>
+              <a:gd name="T21" fmla="*/ 95 h 408"/>
+              <a:gd name="T22" fmla="*/ 437 w 595"/>
+              <a:gd name="T23" fmla="*/ 83 h 408"/>
+              <a:gd name="T24" fmla="*/ 425 w 595"/>
+              <a:gd name="T25" fmla="*/ 72 h 408"/>
+              <a:gd name="T26" fmla="*/ 411 w 595"/>
+              <a:gd name="T27" fmla="*/ 65 h 408"/>
+              <a:gd name="T28" fmla="*/ 396 w 595"/>
+              <a:gd name="T29" fmla="*/ 54 h 408"/>
+              <a:gd name="T30" fmla="*/ 382 w 595"/>
+              <a:gd name="T31" fmla="*/ 43 h 408"/>
+              <a:gd name="T32" fmla="*/ 373 w 595"/>
+              <a:gd name="T33" fmla="*/ 33 h 408"/>
+              <a:gd name="T34" fmla="*/ 361 w 595"/>
+              <a:gd name="T35" fmla="*/ 27 h 408"/>
+              <a:gd name="T36" fmla="*/ 346 w 595"/>
+              <a:gd name="T37" fmla="*/ 15 h 408"/>
+              <a:gd name="T38" fmla="*/ 336 w 595"/>
+              <a:gd name="T39" fmla="*/ 7 h 408"/>
+              <a:gd name="T40" fmla="*/ 322 w 595"/>
+              <a:gd name="T41" fmla="*/ 1 h 408"/>
+              <a:gd name="T42" fmla="*/ 313 w 595"/>
+              <a:gd name="T43" fmla="*/ 22 h 408"/>
+              <a:gd name="T44" fmla="*/ 314 w 595"/>
+              <a:gd name="T45" fmla="*/ 39 h 408"/>
+              <a:gd name="T46" fmla="*/ 313 w 595"/>
+              <a:gd name="T47" fmla="*/ 60 h 408"/>
+              <a:gd name="T48" fmla="*/ 314 w 595"/>
+              <a:gd name="T49" fmla="*/ 78 h 408"/>
+              <a:gd name="T50" fmla="*/ 313 w 595"/>
+              <a:gd name="T51" fmla="*/ 98 h 408"/>
+              <a:gd name="T52" fmla="*/ 168 w 595"/>
+              <a:gd name="T53" fmla="*/ 95 h 408"/>
+              <a:gd name="T54" fmla="*/ 5 w 595"/>
+              <a:gd name="T55" fmla="*/ 118 h 408"/>
+              <a:gd name="T56" fmla="*/ 16 w 595"/>
+              <a:gd name="T57" fmla="*/ 131 h 408"/>
+              <a:gd name="T58" fmla="*/ 24 w 595"/>
+              <a:gd name="T59" fmla="*/ 140 h 408"/>
+              <a:gd name="T60" fmla="*/ 34 w 595"/>
+              <a:gd name="T61" fmla="*/ 150 h 408"/>
+              <a:gd name="T62" fmla="*/ 42 w 595"/>
+              <a:gd name="T63" fmla="*/ 158 h 408"/>
+              <a:gd name="T64" fmla="*/ 50 w 595"/>
+              <a:gd name="T65" fmla="*/ 170 h 408"/>
+              <a:gd name="T66" fmla="*/ 62 w 595"/>
+              <a:gd name="T67" fmla="*/ 184 h 408"/>
+              <a:gd name="T68" fmla="*/ 69 w 595"/>
+              <a:gd name="T69" fmla="*/ 188 h 408"/>
+              <a:gd name="T70" fmla="*/ 81 w 595"/>
+              <a:gd name="T71" fmla="*/ 206 h 408"/>
+              <a:gd name="T72" fmla="*/ 57 w 595"/>
+              <a:gd name="T73" fmla="*/ 236 h 408"/>
+              <a:gd name="T74" fmla="*/ 22 w 595"/>
+              <a:gd name="T75" fmla="*/ 278 h 408"/>
+              <a:gd name="T76" fmla="*/ 0 w 595"/>
+              <a:gd name="T77" fmla="*/ 305 h 408"/>
+              <a:gd name="T78" fmla="*/ 14 w 595"/>
+              <a:gd name="T79" fmla="*/ 327 h 408"/>
+              <a:gd name="T80" fmla="*/ 312 w 595"/>
+              <a:gd name="T81" fmla="*/ 317 h 408"/>
+              <a:gd name="T82" fmla="*/ 314 w 595"/>
+              <a:gd name="T83" fmla="*/ 335 h 408"/>
+              <a:gd name="T84" fmla="*/ 314 w 595"/>
+              <a:gd name="T85" fmla="*/ 349 h 408"/>
+              <a:gd name="T86" fmla="*/ 313 w 595"/>
+              <a:gd name="T87" fmla="*/ 366 h 408"/>
+              <a:gd name="T88" fmla="*/ 313 w 595"/>
+              <a:gd name="T89" fmla="*/ 382 h 408"/>
+              <a:gd name="T90" fmla="*/ 316 w 595"/>
+              <a:gd name="T91" fmla="*/ 402 h 408"/>
+              <a:gd name="T92" fmla="*/ 325 w 595"/>
+              <a:gd name="T93" fmla="*/ 406 h 408"/>
+              <a:gd name="T94" fmla="*/ 343 w 595"/>
+              <a:gd name="T95" fmla="*/ 403 h 408"/>
+              <a:gd name="T96" fmla="*/ 374 w 595"/>
+              <a:gd name="T97" fmla="*/ 380 h 408"/>
+              <a:gd name="T98" fmla="*/ 396 w 595"/>
+              <a:gd name="T99" fmla="*/ 360 h 408"/>
+              <a:gd name="T100" fmla="*/ 427 w 595"/>
+              <a:gd name="T101" fmla="*/ 337 h 408"/>
+              <a:gd name="T102" fmla="*/ 461 w 595"/>
+              <a:gd name="T103" fmla="*/ 310 h 408"/>
+              <a:gd name="T104" fmla="*/ 482 w 595"/>
+              <a:gd name="T105" fmla="*/ 294 h 408"/>
+              <a:gd name="T106" fmla="*/ 513 w 595"/>
+              <a:gd name="T107" fmla="*/ 270 h 408"/>
+              <a:gd name="T108" fmla="*/ 545 w 595"/>
+              <a:gd name="T109" fmla="*/ 246 h 408"/>
+              <a:gd name="T110" fmla="*/ 578 w 595"/>
+              <a:gd name="T111" fmla="*/ 223 h 408"/>
+            </a:gdLst>
+            <a:ahLst/>
+            <a:cxnLst>
+              <a:cxn ang="0">
+                <a:pos x="T0" y="T1"/>
+              </a:cxn>
+              <a:cxn ang="0">
+                <a:pos x="T2" y="T3"/>
+              </a:cxn>
+              <a:cxn ang="0">
+                <a:pos x="T4" y="T5"/>
+              </a:cxn>
+              <a:cxn ang="0">
+                <a:pos x="T6" y="T7"/>
+              </a:cxn>
+              <a:cxn ang="0">
+                <a:pos x="T8" y="T9"/>
+              </a:cxn>
+              <a:cxn ang="0">
+                <a:pos x="T10" y="T11"/>
+              </a:cxn>
+              <a:cxn ang="0">
+                <a:pos x="T12" y="T13"/>
+              </a:cxn>
+              <a:cxn ang="0">
+                <a:pos x="T14" y="T15"/>
+              </a:cxn>
+              <a:cxn ang="0">
+                <a:pos x="T16" y="T17"/>
+              </a:cxn>
+              <a:cxn ang="0">
+                <a:pos x="T18" y="T19"/>
+              </a:cxn>
+              <a:cxn ang="0">
+                <a:pos x="T20" y="T21"/>
+              </a:cxn>
+              <a:cxn ang="0">
+                <a:pos x="T22" y="T23"/>
+              </a:cxn>
+              <a:cxn ang="0">
+                <a:pos x="T24" y="T25"/>
+              </a:cxn>
+              <a:cxn ang="0">
+                <a:pos x="T26" y="T27"/>
+              </a:cxn>
+              <a:cxn ang="0">
+                <a:pos x="T28" y="T29"/>
+              </a:cxn>
+              <a:cxn ang="0">
+                <a:pos x="T30" y="T31"/>
+              </a:cxn>
+              <a:cxn ang="0">
+                <a:pos x="T32" y="T33"/>
+              </a:cxn>
+              <a:cxn ang="0">
+                <a:pos x="T34" y="T35"/>
+              </a:cxn>
+              <a:cxn ang="0">
+                <a:pos x="T36" y="T37"/>
+              </a:cxn>
+              <a:cxn ang="0">
+                <a:pos x="T38" y="T39"/>
+              </a:cxn>
+              <a:cxn ang="0">
+                <a:pos x="T40" y="T41"/>
+              </a:cxn>
+              <a:cxn ang="0">
+                <a:pos x="T42" y="T43"/>
+              </a:cxn>
+              <a:cxn ang="0">
+                <a:pos x="T44" y="T45"/>
+              </a:cxn>
+              <a:cxn ang="0">
+                <a:pos x="T46" y="T47"/>
+              </a:cxn>
+              <a:cxn ang="0">
+                <a:pos x="T48" y="T49"/>
+              </a:cxn>
+              <a:cxn ang="0">
+                <a:pos x="T50" y="T51"/>
+              </a:cxn>
+              <a:cxn ang="0">
+                <a:pos x="T52" y="T53"/>
+              </a:cxn>
+              <a:cxn ang="0">
+                <a:pos x="T54" y="T55"/>
+              </a:cxn>
+              <a:cxn ang="0">
+                <a:pos x="T56" y="T57"/>
+              </a:cxn>
+              <a:cxn ang="0">
+                <a:pos x="T58" y="T59"/>
+              </a:cxn>
+              <a:cxn ang="0">
+                <a:pos x="T60" y="T61"/>
+              </a:cxn>
+              <a:cxn ang="0">
+                <a:pos x="T62" y="T63"/>
+              </a:cxn>
+              <a:cxn ang="0">
+                <a:pos x="T64" y="T65"/>
+              </a:cxn>
+              <a:cxn ang="0">
+                <a:pos x="T66" y="T67"/>
+              </a:cxn>
+              <a:cxn ang="0">
+                <a:pos x="T68" y="T69"/>
+              </a:cxn>
+              <a:cxn ang="0">
+                <a:pos x="T70" y="T71"/>
+              </a:cxn>
+              <a:cxn ang="0">
+                <a:pos x="T72" y="T73"/>
+              </a:cxn>
+              <a:cxn ang="0">
+                <a:pos x="T74" y="T75"/>
+              </a:cxn>
+              <a:cxn ang="0">
+                <a:pos x="T76" y="T77"/>
+              </a:cxn>
+              <a:cxn ang="0">
+                <a:pos x="T78" y="T79"/>
+              </a:cxn>
+              <a:cxn ang="0">
+                <a:pos x="T80" y="T81"/>
+              </a:cxn>
+              <a:cxn ang="0">
+                <a:pos x="T82" y="T83"/>
+              </a:cxn>
+              <a:cxn ang="0">
+                <a:pos x="T84" y="T85"/>
+              </a:cxn>
+              <a:cxn ang="0">
+                <a:pos x="T86" y="T87"/>
+              </a:cxn>
+              <a:cxn ang="0">
+                <a:pos x="T88" y="T89"/>
+              </a:cxn>
+              <a:cxn ang="0">
+                <a:pos x="T90" y="T91"/>
+              </a:cxn>
+              <a:cxn ang="0">
+                <a:pos x="T92" y="T93"/>
+              </a:cxn>
+              <a:cxn ang="0">
+                <a:pos x="T94" y="T95"/>
+              </a:cxn>
+              <a:cxn ang="0">
+                <a:pos x="T96" y="T97"/>
+              </a:cxn>
+              <a:cxn ang="0">
+                <a:pos x="T98" y="T99"/>
+              </a:cxn>
+              <a:cxn ang="0">
+                <a:pos x="T100" y="T101"/>
+              </a:cxn>
+              <a:cxn ang="0">
+                <a:pos x="T102" y="T103"/>
+              </a:cxn>
+              <a:cxn ang="0">
+                <a:pos x="T104" y="T105"/>
+              </a:cxn>
+              <a:cxn ang="0">
+                <a:pos x="T106" y="T107"/>
+              </a:cxn>
+              <a:cxn ang="0">
+                <a:pos x="T108" y="T109"/>
+              </a:cxn>
+              <a:cxn ang="0">
+                <a:pos x="T110" y="T111"/>
+              </a:cxn>
+            </a:cxnLst>
+            <a:rect l="0" t="0" r="r" b="b"/>
+            <a:pathLst>
+              <a:path w="595" h="408">
+                <a:moveTo>
+                  <a:pt x="592" y="199"/>
+                </a:moveTo>
+                <a:cubicBezTo>
+                  <a:pt x="590" y="198"/>
+                  <a:pt x="588" y="198"/>
+                  <a:pt x="587" y="197"/>
+                </a:cubicBezTo>
+                <a:cubicBezTo>
+                  <a:pt x="584" y="194"/>
+                  <a:pt x="580" y="193"/>
+                  <a:pt x="578" y="192"/>
+                </a:cubicBezTo>
+                <a:cubicBezTo>
+                  <a:pt x="578" y="192"/>
+                  <a:pt x="578" y="191"/>
+                  <a:pt x="578" y="191"/>
+                </a:cubicBezTo>
+                <a:cubicBezTo>
+                  <a:pt x="577" y="189"/>
+                  <a:pt x="576" y="188"/>
+                  <a:pt x="574" y="186"/>
+                </a:cubicBezTo>
+                <a:cubicBezTo>
+                  <a:pt x="573" y="185"/>
+                  <a:pt x="571" y="185"/>
+                  <a:pt x="570" y="185"/>
+                </a:cubicBezTo>
+                <a:cubicBezTo>
+                  <a:pt x="567" y="182"/>
+                  <a:pt x="564" y="180"/>
+                  <a:pt x="562" y="179"/>
+                </a:cubicBezTo>
+                <a:cubicBezTo>
+                  <a:pt x="562" y="179"/>
+                  <a:pt x="562" y="179"/>
+                  <a:pt x="562" y="179"/>
+                </a:cubicBezTo>
+                <a:cubicBezTo>
+                  <a:pt x="561" y="177"/>
+                  <a:pt x="560" y="175"/>
+                  <a:pt x="558" y="173"/>
+                </a:cubicBezTo>
+                <a:cubicBezTo>
+                  <a:pt x="556" y="173"/>
+                  <a:pt x="555" y="172"/>
+                  <a:pt x="553" y="172"/>
+                </a:cubicBezTo>
+                <a:cubicBezTo>
+                  <a:pt x="551" y="168"/>
+                  <a:pt x="547" y="166"/>
+                  <a:pt x="544" y="164"/>
+                </a:cubicBezTo>
+                <a:cubicBezTo>
+                  <a:pt x="544" y="164"/>
+                  <a:pt x="544" y="164"/>
+                  <a:pt x="544" y="164"/>
+                </a:cubicBezTo>
+                <a:cubicBezTo>
+                  <a:pt x="543" y="163"/>
+                  <a:pt x="542" y="162"/>
+                  <a:pt x="541" y="161"/>
+                </a:cubicBezTo>
+                <a:cubicBezTo>
+                  <a:pt x="539" y="159"/>
+                  <a:pt x="536" y="159"/>
+                  <a:pt x="534" y="159"/>
+                </a:cubicBezTo>
+                <a:cubicBezTo>
+                  <a:pt x="533" y="159"/>
+                  <a:pt x="533" y="159"/>
+                  <a:pt x="533" y="159"/>
+                </a:cubicBezTo>
+                <a:cubicBezTo>
+                  <a:pt x="532" y="158"/>
+                  <a:pt x="529" y="156"/>
+                  <a:pt x="529" y="156"/>
+                </a:cubicBezTo>
+                <a:cubicBezTo>
+                  <a:pt x="528" y="153"/>
+                  <a:pt x="527" y="150"/>
+                  <a:pt x="525" y="148"/>
+                </a:cubicBezTo>
+                <a:cubicBezTo>
+                  <a:pt x="523" y="147"/>
+                  <a:pt x="521" y="146"/>
+                  <a:pt x="519" y="146"/>
+                </a:cubicBezTo>
+                <a:cubicBezTo>
+                  <a:pt x="517" y="144"/>
+                  <a:pt x="515" y="142"/>
+                  <a:pt x="512" y="139"/>
+                </a:cubicBezTo>
+                <a:cubicBezTo>
+                  <a:pt x="512" y="139"/>
+                  <a:pt x="511" y="139"/>
+                  <a:pt x="511" y="139"/>
+                </a:cubicBezTo>
+                <a:cubicBezTo>
+                  <a:pt x="510" y="138"/>
+                  <a:pt x="509" y="137"/>
+                  <a:pt x="508" y="136"/>
+                </a:cubicBezTo>
+                <a:cubicBezTo>
+                  <a:pt x="507" y="135"/>
+                  <a:pt x="505" y="134"/>
+                  <a:pt x="504" y="134"/>
+                </a:cubicBezTo>
+                <a:cubicBezTo>
+                  <a:pt x="501" y="131"/>
+                  <a:pt x="497" y="128"/>
+                  <a:pt x="493" y="125"/>
+                </a:cubicBezTo>
+                <a:cubicBezTo>
+                  <a:pt x="493" y="124"/>
+                  <a:pt x="493" y="124"/>
+                  <a:pt x="492" y="124"/>
+                </a:cubicBezTo>
+                <a:cubicBezTo>
+                  <a:pt x="490" y="122"/>
+                  <a:pt x="489" y="122"/>
+                  <a:pt x="487" y="121"/>
+                </a:cubicBezTo>
+                <a:cubicBezTo>
+                  <a:pt x="484" y="118"/>
+                  <a:pt x="480" y="114"/>
+                  <a:pt x="476" y="112"/>
+                </a:cubicBezTo>
+                <a:cubicBezTo>
+                  <a:pt x="476" y="111"/>
+                  <a:pt x="476" y="111"/>
+                  <a:pt x="475" y="111"/>
+                </a:cubicBezTo>
+                <a:cubicBezTo>
+                  <a:pt x="473" y="109"/>
+                  <a:pt x="471" y="109"/>
+                  <a:pt x="469" y="109"/>
+                </a:cubicBezTo>
+                <a:cubicBezTo>
+                  <a:pt x="468" y="109"/>
+                  <a:pt x="467" y="108"/>
+                  <a:pt x="466" y="107"/>
+                </a:cubicBezTo>
+                <a:cubicBezTo>
+                  <a:pt x="465" y="106"/>
+                  <a:pt x="462" y="104"/>
+                  <a:pt x="461" y="103"/>
+                </a:cubicBezTo>
+                <a:cubicBezTo>
+                  <a:pt x="461" y="101"/>
+                  <a:pt x="460" y="99"/>
+                  <a:pt x="458" y="98"/>
+                </a:cubicBezTo>
+                <a:cubicBezTo>
+                  <a:pt x="456" y="96"/>
+                  <a:pt x="453" y="96"/>
+                  <a:pt x="452" y="96"/>
+                </a:cubicBezTo>
+                <a:cubicBezTo>
+                  <a:pt x="451" y="96"/>
+                  <a:pt x="450" y="95"/>
+                  <a:pt x="450" y="95"/>
+                </a:cubicBezTo>
+                <a:cubicBezTo>
+                  <a:pt x="448" y="94"/>
+                  <a:pt x="446" y="92"/>
+                  <a:pt x="445" y="90"/>
+                </a:cubicBezTo>
+                <a:cubicBezTo>
+                  <a:pt x="444" y="88"/>
+                  <a:pt x="443" y="87"/>
+                  <a:pt x="442" y="85"/>
+                </a:cubicBezTo>
+                <a:cubicBezTo>
+                  <a:pt x="440" y="84"/>
+                  <a:pt x="438" y="83"/>
+                  <a:pt x="437" y="83"/>
+                </a:cubicBezTo>
+                <a:cubicBezTo>
+                  <a:pt x="434" y="80"/>
+                  <a:pt x="431" y="78"/>
+                  <a:pt x="429" y="76"/>
+                </a:cubicBezTo>
+                <a:cubicBezTo>
+                  <a:pt x="428" y="76"/>
+                  <a:pt x="428" y="76"/>
+                  <a:pt x="427" y="76"/>
+                </a:cubicBezTo>
+                <a:cubicBezTo>
+                  <a:pt x="427" y="74"/>
+                  <a:pt x="426" y="73"/>
+                  <a:pt x="425" y="72"/>
+                </a:cubicBezTo>
+                <a:cubicBezTo>
+                  <a:pt x="423" y="71"/>
+                  <a:pt x="420" y="70"/>
+                  <a:pt x="418" y="70"/>
+                </a:cubicBezTo>
+                <a:cubicBezTo>
+                  <a:pt x="417" y="69"/>
+                  <a:pt x="416" y="68"/>
+                  <a:pt x="414" y="67"/>
+                </a:cubicBezTo>
+                <a:cubicBezTo>
+                  <a:pt x="413" y="67"/>
+                  <a:pt x="412" y="65"/>
+                  <a:pt x="411" y="65"/>
+                </a:cubicBezTo>
+                <a:cubicBezTo>
+                  <a:pt x="410" y="62"/>
+                  <a:pt x="409" y="60"/>
+                  <a:pt x="407" y="58"/>
+                </a:cubicBezTo>
+                <a:cubicBezTo>
+                  <a:pt x="405" y="57"/>
+                  <a:pt x="403" y="57"/>
+                  <a:pt x="401" y="57"/>
+                </a:cubicBezTo>
+                <a:cubicBezTo>
+                  <a:pt x="399" y="55"/>
+                  <a:pt x="398" y="54"/>
+                  <a:pt x="396" y="54"/>
+                </a:cubicBezTo>
+                <a:cubicBezTo>
+                  <a:pt x="396" y="53"/>
+                  <a:pt x="394" y="53"/>
+                  <a:pt x="394" y="52"/>
+                </a:cubicBezTo>
+                <a:cubicBezTo>
+                  <a:pt x="393" y="49"/>
+                  <a:pt x="392" y="47"/>
+                  <a:pt x="390" y="45"/>
+                </a:cubicBezTo>
+                <a:cubicBezTo>
+                  <a:pt x="387" y="43"/>
+                  <a:pt x="384" y="43"/>
+                  <a:pt x="382" y="43"/>
+                </a:cubicBezTo>
+                <a:cubicBezTo>
+                  <a:pt x="382" y="43"/>
+                  <a:pt x="382" y="43"/>
+                  <a:pt x="382" y="43"/>
+                </a:cubicBezTo>
+                <a:cubicBezTo>
+                  <a:pt x="381" y="43"/>
+                  <a:pt x="378" y="41"/>
+                  <a:pt x="377" y="40"/>
+                </a:cubicBezTo>
+                <a:cubicBezTo>
+                  <a:pt x="377" y="37"/>
+                  <a:pt x="376" y="34"/>
+                  <a:pt x="373" y="33"/>
+                </a:cubicBezTo>
+                <a:cubicBezTo>
+                  <a:pt x="371" y="31"/>
+                  <a:pt x="369" y="31"/>
+                  <a:pt x="367" y="31"/>
+                </a:cubicBezTo>
+                <a:cubicBezTo>
+                  <a:pt x="366" y="30"/>
+                  <a:pt x="365" y="30"/>
+                  <a:pt x="364" y="29"/>
+                </a:cubicBezTo>
+                <a:cubicBezTo>
+                  <a:pt x="363" y="29"/>
+                  <a:pt x="362" y="28"/>
+                  <a:pt x="361" y="27"/>
+                </a:cubicBezTo>
+                <a:cubicBezTo>
+                  <a:pt x="361" y="25"/>
+                  <a:pt x="359" y="23"/>
+                  <a:pt x="357" y="21"/>
+                </a:cubicBezTo>
+                <a:cubicBezTo>
+                  <a:pt x="356" y="20"/>
+                  <a:pt x="354" y="19"/>
+                  <a:pt x="353" y="19"/>
+                </a:cubicBezTo>
+                <a:cubicBezTo>
+                  <a:pt x="351" y="17"/>
+                  <a:pt x="348" y="16"/>
+                  <a:pt x="346" y="15"/>
+                </a:cubicBezTo>
+                <a:cubicBezTo>
+                  <a:pt x="346" y="14"/>
+                  <a:pt x="345" y="14"/>
+                  <a:pt x="344" y="13"/>
+                </a:cubicBezTo>
+                <a:cubicBezTo>
+                  <a:pt x="344" y="12"/>
+                  <a:pt x="343" y="10"/>
+                  <a:pt x="341" y="9"/>
+                </a:cubicBezTo>
+                <a:cubicBezTo>
+                  <a:pt x="340" y="7"/>
+                  <a:pt x="338" y="7"/>
+                  <a:pt x="336" y="7"/>
+                </a:cubicBezTo>
+                <a:cubicBezTo>
+                  <a:pt x="336" y="5"/>
+                  <a:pt x="335" y="4"/>
+                  <a:pt x="333" y="3"/>
+                </a:cubicBezTo>
+                <a:cubicBezTo>
+                  <a:pt x="330" y="0"/>
+                  <a:pt x="326" y="0"/>
+                  <a:pt x="324" y="1"/>
+                </a:cubicBezTo>
+                <a:cubicBezTo>
+                  <a:pt x="323" y="1"/>
+                  <a:pt x="322" y="1"/>
+                  <a:pt x="322" y="1"/>
+                </a:cubicBezTo>
+                <a:cubicBezTo>
+                  <a:pt x="317" y="1"/>
+                  <a:pt x="313" y="5"/>
+                  <a:pt x="313" y="10"/>
+                </a:cubicBezTo>
+                <a:cubicBezTo>
+                  <a:pt x="313" y="12"/>
+                  <a:pt x="313" y="13"/>
+                  <a:pt x="314" y="15"/>
+                </a:cubicBezTo>
+                <a:cubicBezTo>
+                  <a:pt x="313" y="17"/>
+                  <a:pt x="313" y="20"/>
+                  <a:pt x="313" y="22"/>
+                </a:cubicBezTo>
+                <a:cubicBezTo>
+                  <a:pt x="313" y="24"/>
+                  <a:pt x="313" y="26"/>
+                  <a:pt x="314" y="27"/>
+                </a:cubicBezTo>
+                <a:cubicBezTo>
+                  <a:pt x="313" y="29"/>
+                  <a:pt x="313" y="32"/>
+                  <a:pt x="313" y="35"/>
+                </a:cubicBezTo>
+                <a:cubicBezTo>
+                  <a:pt x="313" y="36"/>
+                  <a:pt x="313" y="38"/>
+                  <a:pt x="314" y="39"/>
+                </a:cubicBezTo>
+                <a:cubicBezTo>
+                  <a:pt x="313" y="42"/>
+                  <a:pt x="313" y="45"/>
+                  <a:pt x="313" y="48"/>
+                </a:cubicBezTo>
+                <a:cubicBezTo>
+                  <a:pt x="313" y="50"/>
+                  <a:pt x="313" y="51"/>
+                  <a:pt x="314" y="53"/>
+                </a:cubicBezTo>
+                <a:cubicBezTo>
+                  <a:pt x="313" y="55"/>
+                  <a:pt x="313" y="57"/>
+                  <a:pt x="313" y="60"/>
+                </a:cubicBezTo>
+                <a:cubicBezTo>
+                  <a:pt x="313" y="62"/>
+                  <a:pt x="313" y="64"/>
+                  <a:pt x="314" y="65"/>
+                </a:cubicBezTo>
+                <a:cubicBezTo>
+                  <a:pt x="313" y="68"/>
+                  <a:pt x="313" y="70"/>
+                  <a:pt x="313" y="73"/>
+                </a:cubicBezTo>
+                <a:cubicBezTo>
+                  <a:pt x="313" y="75"/>
+                  <a:pt x="313" y="76"/>
+                  <a:pt x="314" y="78"/>
+                </a:cubicBezTo>
+                <a:cubicBezTo>
+                  <a:pt x="313" y="80"/>
+                  <a:pt x="313" y="82"/>
+                  <a:pt x="313" y="85"/>
+                </a:cubicBezTo>
+                <a:cubicBezTo>
+                  <a:pt x="313" y="87"/>
+                  <a:pt x="313" y="89"/>
+                  <a:pt x="314" y="90"/>
+                </a:cubicBezTo>
+                <a:cubicBezTo>
+                  <a:pt x="313" y="92"/>
+                  <a:pt x="313" y="95"/>
+                  <a:pt x="313" y="98"/>
+                </a:cubicBezTo>
+                <a:cubicBezTo>
+                  <a:pt x="313" y="98"/>
+                  <a:pt x="313" y="99"/>
+                  <a:pt x="313" y="99"/>
+                </a:cubicBezTo>
+                <a:cubicBezTo>
+                  <a:pt x="308" y="101"/>
+                  <a:pt x="297" y="104"/>
+                  <a:pt x="268" y="103"/>
+                </a:cubicBezTo>
+                <a:cubicBezTo>
+                  <a:pt x="240" y="102"/>
+                  <a:pt x="204" y="99"/>
+                  <a:pt x="168" y="95"/>
+                </a:cubicBezTo>
+                <a:cubicBezTo>
+                  <a:pt x="80" y="86"/>
+                  <a:pt x="24" y="82"/>
+                  <a:pt x="7" y="98"/>
+                </a:cubicBezTo>
+                <a:cubicBezTo>
+                  <a:pt x="3" y="101"/>
+                  <a:pt x="1" y="106"/>
+                  <a:pt x="1" y="111"/>
+                </a:cubicBezTo>
+                <a:cubicBezTo>
+                  <a:pt x="1" y="114"/>
+                  <a:pt x="3" y="117"/>
+                  <a:pt x="5" y="118"/>
+                </a:cubicBezTo>
+                <a:cubicBezTo>
+                  <a:pt x="6" y="119"/>
+                  <a:pt x="8" y="120"/>
+                  <a:pt x="10" y="120"/>
+                </a:cubicBezTo>
+                <a:cubicBezTo>
+                  <a:pt x="12" y="122"/>
+                  <a:pt x="12" y="123"/>
+                  <a:pt x="12" y="124"/>
+                </a:cubicBezTo>
+                <a:cubicBezTo>
+                  <a:pt x="12" y="127"/>
+                  <a:pt x="14" y="130"/>
+                  <a:pt x="16" y="131"/>
+                </a:cubicBezTo>
+                <a:cubicBezTo>
+                  <a:pt x="17" y="132"/>
+                  <a:pt x="18" y="132"/>
+                  <a:pt x="19" y="133"/>
+                </a:cubicBezTo>
+                <a:cubicBezTo>
+                  <a:pt x="20" y="135"/>
+                  <a:pt x="22" y="137"/>
+                  <a:pt x="23" y="139"/>
+                </a:cubicBezTo>
+                <a:cubicBezTo>
+                  <a:pt x="24" y="139"/>
+                  <a:pt x="24" y="140"/>
+                  <a:pt x="24" y="140"/>
+                </a:cubicBezTo>
+                <a:cubicBezTo>
+                  <a:pt x="25" y="142"/>
+                  <a:pt x="26" y="143"/>
+                  <a:pt x="27" y="144"/>
+                </a:cubicBezTo>
+                <a:cubicBezTo>
+                  <a:pt x="28" y="145"/>
+                  <a:pt x="30" y="145"/>
+                  <a:pt x="31" y="146"/>
+                </a:cubicBezTo>
+                <a:cubicBezTo>
+                  <a:pt x="31" y="147"/>
+                  <a:pt x="32" y="149"/>
+                  <a:pt x="34" y="150"/>
+                </a:cubicBezTo>
+                <a:cubicBezTo>
+                  <a:pt x="34" y="151"/>
+                  <a:pt x="35" y="152"/>
+                  <a:pt x="35" y="152"/>
+                </a:cubicBezTo>
+                <a:cubicBezTo>
+                  <a:pt x="36" y="154"/>
+                  <a:pt x="36" y="155"/>
+                  <a:pt x="38" y="156"/>
+                </a:cubicBezTo>
+                <a:cubicBezTo>
+                  <a:pt x="39" y="157"/>
+                  <a:pt x="41" y="158"/>
+                  <a:pt x="42" y="158"/>
+                </a:cubicBezTo>
+                <a:cubicBezTo>
+                  <a:pt x="42" y="159"/>
+                  <a:pt x="43" y="159"/>
+                  <a:pt x="43" y="159"/>
+                </a:cubicBezTo>
+                <a:cubicBezTo>
+                  <a:pt x="44" y="161"/>
+                  <a:pt x="46" y="163"/>
+                  <a:pt x="46" y="164"/>
+                </a:cubicBezTo>
+                <a:cubicBezTo>
+                  <a:pt x="47" y="167"/>
+                  <a:pt x="48" y="169"/>
+                  <a:pt x="50" y="170"/>
+                </a:cubicBezTo>
+                <a:cubicBezTo>
+                  <a:pt x="52" y="171"/>
+                  <a:pt x="54" y="172"/>
+                  <a:pt x="55" y="172"/>
+                </a:cubicBezTo>
+                <a:cubicBezTo>
+                  <a:pt x="57" y="174"/>
+                  <a:pt x="58" y="176"/>
+                  <a:pt x="58" y="176"/>
+                </a:cubicBezTo>
+                <a:cubicBezTo>
+                  <a:pt x="58" y="179"/>
+                  <a:pt x="59" y="182"/>
+                  <a:pt x="62" y="184"/>
+                </a:cubicBezTo>
+                <a:cubicBezTo>
+                  <a:pt x="64" y="185"/>
+                  <a:pt x="66" y="185"/>
+                  <a:pt x="67" y="185"/>
+                </a:cubicBezTo>
+                <a:cubicBezTo>
+                  <a:pt x="67" y="185"/>
+                  <a:pt x="67" y="185"/>
+                  <a:pt x="67" y="185"/>
+                </a:cubicBezTo>
+                <a:cubicBezTo>
+                  <a:pt x="68" y="186"/>
+                  <a:pt x="69" y="188"/>
+                  <a:pt x="69" y="188"/>
+                </a:cubicBezTo>
+                <a:cubicBezTo>
+                  <a:pt x="69" y="191"/>
+                  <a:pt x="70" y="193"/>
+                  <a:pt x="72" y="195"/>
+                </a:cubicBezTo>
+                <a:cubicBezTo>
+                  <a:pt x="73" y="196"/>
+                  <a:pt x="74" y="197"/>
+                  <a:pt x="75" y="197"/>
+                </a:cubicBezTo>
+                <a:cubicBezTo>
+                  <a:pt x="76" y="201"/>
+                  <a:pt x="79" y="204"/>
+                  <a:pt x="81" y="206"/>
+                </a:cubicBezTo>
+                <a:cubicBezTo>
+                  <a:pt x="80" y="208"/>
+                  <a:pt x="79" y="210"/>
+                  <a:pt x="79" y="212"/>
+                </a:cubicBezTo>
+                <a:cubicBezTo>
+                  <a:pt x="68" y="221"/>
+                  <a:pt x="68" y="222"/>
+                  <a:pt x="68" y="226"/>
+                </a:cubicBezTo>
+                <a:cubicBezTo>
+                  <a:pt x="63" y="228"/>
+                  <a:pt x="58" y="231"/>
+                  <a:pt x="57" y="236"/>
+                </a:cubicBezTo>
+                <a:cubicBezTo>
+                  <a:pt x="50" y="241"/>
+                  <a:pt x="46" y="246"/>
+                  <a:pt x="45" y="250"/>
+                </a:cubicBezTo>
+                <a:cubicBezTo>
+                  <a:pt x="40" y="253"/>
+                  <a:pt x="35" y="257"/>
+                  <a:pt x="34" y="262"/>
+                </a:cubicBezTo>
+                <a:cubicBezTo>
+                  <a:pt x="23" y="270"/>
+                  <a:pt x="22" y="275"/>
+                  <a:pt x="22" y="278"/>
+                </a:cubicBezTo>
+                <a:cubicBezTo>
+                  <a:pt x="20" y="280"/>
+                  <a:pt x="17" y="282"/>
+                  <a:pt x="14" y="285"/>
+                </a:cubicBezTo>
+                <a:cubicBezTo>
+                  <a:pt x="13" y="286"/>
+                  <a:pt x="12" y="287"/>
+                  <a:pt x="11" y="289"/>
+                </a:cubicBezTo>
+                <a:cubicBezTo>
+                  <a:pt x="0" y="298"/>
+                  <a:pt x="0" y="302"/>
+                  <a:pt x="0" y="305"/>
+                </a:cubicBezTo>
+                <a:cubicBezTo>
+                  <a:pt x="0" y="307"/>
+                  <a:pt x="1" y="310"/>
+                  <a:pt x="3" y="312"/>
+                </a:cubicBezTo>
+                <a:cubicBezTo>
+                  <a:pt x="4" y="312"/>
+                  <a:pt x="4" y="312"/>
+                  <a:pt x="4" y="313"/>
+                </a:cubicBezTo>
+                <a:cubicBezTo>
+                  <a:pt x="6" y="318"/>
+                  <a:pt x="9" y="323"/>
+                  <a:pt x="14" y="327"/>
+                </a:cubicBezTo>
+                <a:cubicBezTo>
+                  <a:pt x="36" y="345"/>
+                  <a:pt x="92" y="331"/>
+                  <a:pt x="157" y="316"/>
+                </a:cubicBezTo>
+                <a:cubicBezTo>
+                  <a:pt x="217" y="301"/>
+                  <a:pt x="284" y="285"/>
+                  <a:pt x="306" y="301"/>
+                </a:cubicBezTo>
+                <a:cubicBezTo>
+                  <a:pt x="309" y="304"/>
+                  <a:pt x="312" y="308"/>
+                  <a:pt x="312" y="317"/>
+                </a:cubicBezTo>
+                <a:cubicBezTo>
+                  <a:pt x="312" y="319"/>
+                  <a:pt x="313" y="321"/>
+                  <a:pt x="314" y="322"/>
+                </a:cubicBezTo>
+                <a:cubicBezTo>
+                  <a:pt x="313" y="325"/>
+                  <a:pt x="312" y="328"/>
+                  <a:pt x="312" y="330"/>
+                </a:cubicBezTo>
+                <a:cubicBezTo>
+                  <a:pt x="312" y="332"/>
+                  <a:pt x="313" y="334"/>
+                  <a:pt x="314" y="335"/>
+                </a:cubicBezTo>
+                <a:cubicBezTo>
+                  <a:pt x="313" y="337"/>
+                  <a:pt x="313" y="340"/>
+                  <a:pt x="313" y="343"/>
+                </a:cubicBezTo>
+                <a:cubicBezTo>
+                  <a:pt x="313" y="345"/>
+                  <a:pt x="313" y="347"/>
+                  <a:pt x="314" y="348"/>
+                </a:cubicBezTo>
+                <a:cubicBezTo>
+                  <a:pt x="314" y="349"/>
+                  <a:pt x="314" y="349"/>
+                  <a:pt x="314" y="349"/>
+                </a:cubicBezTo>
+                <a:cubicBezTo>
+                  <a:pt x="313" y="353"/>
+                  <a:pt x="313" y="354"/>
+                  <a:pt x="313" y="356"/>
+                </a:cubicBezTo>
+                <a:cubicBezTo>
+                  <a:pt x="313" y="358"/>
+                  <a:pt x="313" y="359"/>
+                  <a:pt x="314" y="361"/>
+                </a:cubicBezTo>
+                <a:cubicBezTo>
+                  <a:pt x="314" y="363"/>
+                  <a:pt x="313" y="365"/>
+                  <a:pt x="313" y="366"/>
+                </a:cubicBezTo>
+                <a:cubicBezTo>
+                  <a:pt x="312" y="369"/>
+                  <a:pt x="313" y="372"/>
+                  <a:pt x="314" y="374"/>
+                </a:cubicBezTo>
+                <a:cubicBezTo>
+                  <a:pt x="314" y="375"/>
+                  <a:pt x="314" y="376"/>
+                  <a:pt x="314" y="377"/>
+                </a:cubicBezTo>
+                <a:cubicBezTo>
+                  <a:pt x="313" y="379"/>
+                  <a:pt x="313" y="380"/>
+                  <a:pt x="313" y="382"/>
+                </a:cubicBezTo>
+                <a:cubicBezTo>
+                  <a:pt x="313" y="383"/>
+                  <a:pt x="313" y="385"/>
+                  <a:pt x="314" y="386"/>
+                </a:cubicBezTo>
+                <a:cubicBezTo>
+                  <a:pt x="313" y="389"/>
+                  <a:pt x="313" y="392"/>
+                  <a:pt x="313" y="395"/>
+                </a:cubicBezTo>
+                <a:cubicBezTo>
+                  <a:pt x="313" y="397"/>
+                  <a:pt x="314" y="400"/>
+                  <a:pt x="316" y="402"/>
+                </a:cubicBezTo>
+                <a:cubicBezTo>
+                  <a:pt x="318" y="403"/>
+                  <a:pt x="320" y="404"/>
+                  <a:pt x="322" y="404"/>
+                </a:cubicBezTo>
+                <a:cubicBezTo>
+                  <a:pt x="323" y="404"/>
+                  <a:pt x="323" y="404"/>
+                  <a:pt x="323" y="404"/>
+                </a:cubicBezTo>
+                <a:cubicBezTo>
+                  <a:pt x="324" y="405"/>
+                  <a:pt x="325" y="406"/>
+                  <a:pt x="325" y="406"/>
+                </a:cubicBezTo>
+                <a:cubicBezTo>
+                  <a:pt x="327" y="407"/>
+                  <a:pt x="329" y="408"/>
+                  <a:pt x="331" y="408"/>
+                </a:cubicBezTo>
+                <a:cubicBezTo>
+                  <a:pt x="332" y="408"/>
+                  <a:pt x="333" y="408"/>
+                  <a:pt x="334" y="407"/>
+                </a:cubicBezTo>
+                <a:cubicBezTo>
+                  <a:pt x="338" y="408"/>
+                  <a:pt x="341" y="406"/>
+                  <a:pt x="343" y="403"/>
+                </a:cubicBezTo>
+                <a:cubicBezTo>
+                  <a:pt x="350" y="401"/>
+                  <a:pt x="360" y="397"/>
+                  <a:pt x="360" y="387"/>
+                </a:cubicBezTo>
+                <a:cubicBezTo>
+                  <a:pt x="361" y="387"/>
+                  <a:pt x="362" y="386"/>
+                  <a:pt x="363" y="386"/>
+                </a:cubicBezTo>
+                <a:cubicBezTo>
+                  <a:pt x="367" y="385"/>
+                  <a:pt x="371" y="383"/>
+                  <a:pt x="374" y="380"/>
+                </a:cubicBezTo>
+                <a:cubicBezTo>
+                  <a:pt x="390" y="376"/>
+                  <a:pt x="393" y="367"/>
+                  <a:pt x="393" y="361"/>
+                </a:cubicBezTo>
+                <a:cubicBezTo>
+                  <a:pt x="393" y="361"/>
+                  <a:pt x="393" y="360"/>
+                  <a:pt x="393" y="360"/>
+                </a:cubicBezTo>
+                <a:cubicBezTo>
+                  <a:pt x="394" y="360"/>
+                  <a:pt x="395" y="360"/>
+                  <a:pt x="396" y="360"/>
+                </a:cubicBezTo>
+                <a:cubicBezTo>
+                  <a:pt x="401" y="359"/>
+                  <a:pt x="410" y="357"/>
+                  <a:pt x="410" y="348"/>
+                </a:cubicBezTo>
+                <a:cubicBezTo>
+                  <a:pt x="411" y="348"/>
+                  <a:pt x="411" y="348"/>
+                  <a:pt x="411" y="348"/>
+                </a:cubicBezTo>
+                <a:cubicBezTo>
+                  <a:pt x="416" y="347"/>
+                  <a:pt x="426" y="345"/>
+                  <a:pt x="427" y="337"/>
+                </a:cubicBezTo>
+                <a:cubicBezTo>
+                  <a:pt x="433" y="337"/>
+                  <a:pt x="443" y="334"/>
+                  <a:pt x="444" y="323"/>
+                </a:cubicBezTo>
+                <a:cubicBezTo>
+                  <a:pt x="447" y="322"/>
+                  <a:pt x="451" y="320"/>
+                  <a:pt x="452" y="319"/>
+                </a:cubicBezTo>
+                <a:cubicBezTo>
+                  <a:pt x="457" y="316"/>
+                  <a:pt x="461" y="315"/>
+                  <a:pt x="461" y="310"/>
+                </a:cubicBezTo>
+                <a:cubicBezTo>
+                  <a:pt x="467" y="309"/>
+                  <a:pt x="478" y="307"/>
+                  <a:pt x="478" y="296"/>
+                </a:cubicBezTo>
+                <a:cubicBezTo>
+                  <a:pt x="478" y="296"/>
+                  <a:pt x="478" y="295"/>
+                  <a:pt x="478" y="295"/>
+                </a:cubicBezTo>
+                <a:cubicBezTo>
+                  <a:pt x="480" y="294"/>
+                  <a:pt x="481" y="294"/>
+                  <a:pt x="482" y="294"/>
+                </a:cubicBezTo>
+                <a:cubicBezTo>
+                  <a:pt x="486" y="293"/>
+                  <a:pt x="492" y="292"/>
+                  <a:pt x="494" y="287"/>
+                </a:cubicBezTo>
+                <a:cubicBezTo>
+                  <a:pt x="501" y="285"/>
+                  <a:pt x="511" y="282"/>
+                  <a:pt x="511" y="271"/>
+                </a:cubicBezTo>
+                <a:cubicBezTo>
+                  <a:pt x="512" y="271"/>
+                  <a:pt x="512" y="270"/>
+                  <a:pt x="513" y="270"/>
+                </a:cubicBezTo>
+                <a:cubicBezTo>
+                  <a:pt x="518" y="269"/>
+                  <a:pt x="528" y="267"/>
+                  <a:pt x="528" y="258"/>
+                </a:cubicBezTo>
+                <a:cubicBezTo>
+                  <a:pt x="528" y="258"/>
+                  <a:pt x="529" y="258"/>
+                  <a:pt x="530" y="258"/>
+                </a:cubicBezTo>
+                <a:cubicBezTo>
+                  <a:pt x="535" y="257"/>
+                  <a:pt x="544" y="254"/>
+                  <a:pt x="545" y="246"/>
+                </a:cubicBezTo>
+                <a:cubicBezTo>
+                  <a:pt x="547" y="245"/>
+                  <a:pt x="551" y="243"/>
+                  <a:pt x="555" y="241"/>
+                </a:cubicBezTo>
+                <a:cubicBezTo>
+                  <a:pt x="556" y="241"/>
+                  <a:pt x="558" y="240"/>
+                  <a:pt x="559" y="238"/>
+                </a:cubicBezTo>
+                <a:cubicBezTo>
+                  <a:pt x="567" y="236"/>
+                  <a:pt x="576" y="232"/>
+                  <a:pt x="578" y="223"/>
+                </a:cubicBezTo>
+                <a:cubicBezTo>
+                  <a:pt x="586" y="220"/>
+                  <a:pt x="595" y="216"/>
+                  <a:pt x="595" y="207"/>
+                </a:cubicBezTo>
+                <a:cubicBezTo>
+                  <a:pt x="595" y="204"/>
+                  <a:pt x="594" y="201"/>
+                  <a:pt x="592" y="199"/>
+                </a:cubicBezTo>
+                <a:close/>
+              </a:path>
+            </a:pathLst>
+          </a:custGeom>
+          <a:solidFill>
+            <a:srgbClr val="00B0F0"/>
+          </a:solidFill>
+          <a:ln w="19050" cap="flat" cmpd="sng" algn="ctr">
+            <a:solidFill>
+              <a:srgbClr val="FFFFFF"/>
+            </a:solidFill>
+            <a:prstDash val="solid"/>
+            <a:miter lim="800000"/>
+          </a:ln>
+          <a:effectLst>
+            <a:outerShdw blurRad="50800" dist="38100" dir="5400000" algn="t" rotWithShape="0">
+              <a:prstClr val="black">
+                <a:alpha val="40000"/>
+              </a:prstClr>
+            </a:outerShdw>
+          </a:effectLst>
+        </p:spPr>
+        <p:txBody>
+          <a:bodyPr vert="horz" wrap="square" lIns="91440" tIns="45720" rIns="91440" bIns="45720" numCol="1" anchor="t" anchorCtr="0" compatLnSpc="1">
+            <a:prstTxWarp prst="textNoShape">
+              <a:avLst/>
+            </a:prstTxWarp>
+          </a:bodyPr>
+          <a:lstStyle/>
+          <a:p>
+            <a:pPr marL="0" marR="0" lvl="0" indent="0" defTabSz="914400" eaLnBrk="1" fontAlgn="auto" latinLnBrk="0" hangingPunct="1">
+              <a:lnSpc>
+                <a:spcPct val="100000"/>
+              </a:lnSpc>
+              <a:spcBef>
+                <a:spcPts val="0"/>
+              </a:spcBef>
+              <a:spcAft>
+                <a:spcPts val="0"/>
+              </a:spcAft>
+              <a:buClrTx/>
+              <a:buSzTx/>
+              <a:buFontTx/>
+              <a:buNone/>
+              <a:tabLst/>
+              <a:defRPr/>
+            </a:pPr>
+            <a:endParaRPr kumimoji="0" lang="en-US" sz="1800" b="0" i="0" u="none" strike="noStrike" kern="0" cap="none" spc="0" normalizeH="0" baseline="0" noProof="0">
+              <a:ln>
+                <a:noFill/>
+              </a:ln>
+              <a:solidFill>
+                <a:srgbClr val="FFFFFF"/>
+              </a:solidFill>
+              <a:effectLst/>
+              <a:uLnTx/>
+              <a:uFillTx/>
+              <a:latin typeface="Futura Medium" panose="020B0602020204020303" pitchFamily="34" charset="-79"/>
+              <a:cs typeface="Futura Medium" panose="020B0602020204020303" pitchFamily="34" charset="-79"/>
+            </a:endParaRPr>
+          </a:p>
+        </p:txBody>
+      </p:sp>
+      <p:sp>
+        <p:nvSpPr>
+          <p:cNvPr id="9" name="Rectangle 8">
+            <a:extLst>
+              <a:ext uri="{FF2B5EF4-FFF2-40B4-BE49-F238E27FC236}">
+                <a16:creationId xmlns:a16="http://schemas.microsoft.com/office/drawing/2014/main" id="{A8996BEF-16F1-C71C-B654-7E4989D20358}"/>
+              </a:ext>
+            </a:extLst>
+          </p:cNvPr>
+          <p:cNvSpPr/>
+          <p:nvPr/>
+        </p:nvSpPr>
+        <p:spPr>
+          <a:xfrm>
+            <a:off x="3338673" y="5343042"/>
+            <a:ext cx="989140" cy="437414"/>
+          </a:xfrm>
+          <a:prstGeom prst="rect">
+            <a:avLst/>
+          </a:prstGeom>
+          <a:solidFill>
+            <a:srgbClr val="605E63"/>
+          </a:solidFill>
+          <a:ln w="12700" cap="flat" cmpd="sng" algn="ctr">
+            <a:solidFill>
+              <a:srgbClr val="605E63">
+                <a:shade val="50000"/>
+              </a:srgbClr>
+            </a:solidFill>
+            <a:prstDash val="solid"/>
+            <a:miter lim="800000"/>
+          </a:ln>
+          <a:effectLst/>
+        </p:spPr>
+        <p:txBody>
+          <a:bodyPr rtlCol="0" anchor="ctr"/>
+          <a:lstStyle/>
+          <a:p>
+            <a:pPr marL="0" marR="0" lvl="0" indent="0" algn="ctr" defTabSz="914400" eaLnBrk="1" fontAlgn="auto" latinLnBrk="0" hangingPunct="1">
+              <a:lnSpc>
+                <a:spcPct val="100000"/>
+              </a:lnSpc>
+              <a:spcBef>
+                <a:spcPts val="0"/>
+              </a:spcBef>
+              <a:spcAft>
+                <a:spcPts val="0"/>
+              </a:spcAft>
+              <a:buClrTx/>
+              <a:buSzTx/>
+              <a:buFontTx/>
+              <a:buNone/>
+              <a:tabLst/>
+              <a:defRPr/>
+            </a:pPr>
+            <a:r>
+              <a:rPr kumimoji="0" lang="en-US" sz="1400" b="0" i="0" u="none" strike="noStrike" kern="0" cap="none" spc="0" normalizeH="0" baseline="0" noProof="0" dirty="0">
+                <a:ln>
+                  <a:noFill/>
+                </a:ln>
+                <a:solidFill>
+                  <a:srgbClr val="FFFFFF"/>
+                </a:solidFill>
+                <a:effectLst/>
+                <a:uLnTx/>
+                <a:uFillTx/>
+                <a:latin typeface="Futura Medium" panose="020B0602020204020303" pitchFamily="34" charset="-79"/>
+                <a:ea typeface="Source Code Pro" panose="020B0509030403020204" pitchFamily="49" charset="0"/>
+                <a:cs typeface="Futura Medium" panose="020B0602020204020303" pitchFamily="34" charset="-79"/>
+              </a:rPr>
+              <a:t>Scheduler</a:t>
+            </a:r>
+          </a:p>
+        </p:txBody>
+      </p:sp>
+      <p:sp>
+        <p:nvSpPr>
+          <p:cNvPr id="10" name="Freeform 16">
+            <a:extLst>
+              <a:ext uri="{FF2B5EF4-FFF2-40B4-BE49-F238E27FC236}">
+                <a16:creationId xmlns:a16="http://schemas.microsoft.com/office/drawing/2014/main" id="{F2163D20-D216-B645-D491-0B7BF2A5DEB7}"/>
+              </a:ext>
+            </a:extLst>
+          </p:cNvPr>
+          <p:cNvSpPr>
+            <a:spLocks noChangeAspect="1"/>
+          </p:cNvSpPr>
+          <p:nvPr/>
+        </p:nvSpPr>
+        <p:spPr bwMode="auto">
+          <a:xfrm rot="9978567" flipH="1">
+            <a:off x="4259938" y="5203117"/>
+            <a:ext cx="622773" cy="437413"/>
+          </a:xfrm>
+          <a:custGeom>
+            <a:avLst/>
+            <a:gdLst>
+              <a:gd name="T0" fmla="*/ 578 w 595"/>
+              <a:gd name="T1" fmla="*/ 192 h 408"/>
+              <a:gd name="T2" fmla="*/ 570 w 595"/>
+              <a:gd name="T3" fmla="*/ 185 h 408"/>
+              <a:gd name="T4" fmla="*/ 558 w 595"/>
+              <a:gd name="T5" fmla="*/ 173 h 408"/>
+              <a:gd name="T6" fmla="*/ 544 w 595"/>
+              <a:gd name="T7" fmla="*/ 164 h 408"/>
+              <a:gd name="T8" fmla="*/ 533 w 595"/>
+              <a:gd name="T9" fmla="*/ 159 h 408"/>
+              <a:gd name="T10" fmla="*/ 519 w 595"/>
+              <a:gd name="T11" fmla="*/ 146 h 408"/>
+              <a:gd name="T12" fmla="*/ 508 w 595"/>
+              <a:gd name="T13" fmla="*/ 136 h 408"/>
+              <a:gd name="T14" fmla="*/ 492 w 595"/>
+              <a:gd name="T15" fmla="*/ 124 h 408"/>
+              <a:gd name="T16" fmla="*/ 475 w 595"/>
+              <a:gd name="T17" fmla="*/ 111 h 408"/>
+              <a:gd name="T18" fmla="*/ 461 w 595"/>
+              <a:gd name="T19" fmla="*/ 103 h 408"/>
+              <a:gd name="T20" fmla="*/ 450 w 595"/>
+              <a:gd name="T21" fmla="*/ 95 h 408"/>
+              <a:gd name="T22" fmla="*/ 437 w 595"/>
+              <a:gd name="T23" fmla="*/ 83 h 408"/>
+              <a:gd name="T24" fmla="*/ 425 w 595"/>
+              <a:gd name="T25" fmla="*/ 72 h 408"/>
+              <a:gd name="T26" fmla="*/ 411 w 595"/>
+              <a:gd name="T27" fmla="*/ 65 h 408"/>
+              <a:gd name="T28" fmla="*/ 396 w 595"/>
+              <a:gd name="T29" fmla="*/ 54 h 408"/>
+              <a:gd name="T30" fmla="*/ 382 w 595"/>
+              <a:gd name="T31" fmla="*/ 43 h 408"/>
+              <a:gd name="T32" fmla="*/ 373 w 595"/>
+              <a:gd name="T33" fmla="*/ 33 h 408"/>
+              <a:gd name="T34" fmla="*/ 361 w 595"/>
+              <a:gd name="T35" fmla="*/ 27 h 408"/>
+              <a:gd name="T36" fmla="*/ 346 w 595"/>
+              <a:gd name="T37" fmla="*/ 15 h 408"/>
+              <a:gd name="T38" fmla="*/ 336 w 595"/>
+              <a:gd name="T39" fmla="*/ 7 h 408"/>
+              <a:gd name="T40" fmla="*/ 322 w 595"/>
+              <a:gd name="T41" fmla="*/ 1 h 408"/>
+              <a:gd name="T42" fmla="*/ 313 w 595"/>
+              <a:gd name="T43" fmla="*/ 22 h 408"/>
+              <a:gd name="T44" fmla="*/ 314 w 595"/>
+              <a:gd name="T45" fmla="*/ 39 h 408"/>
+              <a:gd name="T46" fmla="*/ 313 w 595"/>
+              <a:gd name="T47" fmla="*/ 60 h 408"/>
+              <a:gd name="T48" fmla="*/ 314 w 595"/>
+              <a:gd name="T49" fmla="*/ 78 h 408"/>
+              <a:gd name="T50" fmla="*/ 313 w 595"/>
+              <a:gd name="T51" fmla="*/ 98 h 408"/>
+              <a:gd name="T52" fmla="*/ 168 w 595"/>
+              <a:gd name="T53" fmla="*/ 95 h 408"/>
+              <a:gd name="T54" fmla="*/ 5 w 595"/>
+              <a:gd name="T55" fmla="*/ 118 h 408"/>
+              <a:gd name="T56" fmla="*/ 16 w 595"/>
+              <a:gd name="T57" fmla="*/ 131 h 408"/>
+              <a:gd name="T58" fmla="*/ 24 w 595"/>
+              <a:gd name="T59" fmla="*/ 140 h 408"/>
+              <a:gd name="T60" fmla="*/ 34 w 595"/>
+              <a:gd name="T61" fmla="*/ 150 h 408"/>
+              <a:gd name="T62" fmla="*/ 42 w 595"/>
+              <a:gd name="T63" fmla="*/ 158 h 408"/>
+              <a:gd name="T64" fmla="*/ 50 w 595"/>
+              <a:gd name="T65" fmla="*/ 170 h 408"/>
+              <a:gd name="T66" fmla="*/ 62 w 595"/>
+              <a:gd name="T67" fmla="*/ 184 h 408"/>
+              <a:gd name="T68" fmla="*/ 69 w 595"/>
+              <a:gd name="T69" fmla="*/ 188 h 408"/>
+              <a:gd name="T70" fmla="*/ 81 w 595"/>
+              <a:gd name="T71" fmla="*/ 206 h 408"/>
+              <a:gd name="T72" fmla="*/ 57 w 595"/>
+              <a:gd name="T73" fmla="*/ 236 h 408"/>
+              <a:gd name="T74" fmla="*/ 22 w 595"/>
+              <a:gd name="T75" fmla="*/ 278 h 408"/>
+              <a:gd name="T76" fmla="*/ 0 w 595"/>
+              <a:gd name="T77" fmla="*/ 305 h 408"/>
+              <a:gd name="T78" fmla="*/ 14 w 595"/>
+              <a:gd name="T79" fmla="*/ 327 h 408"/>
+              <a:gd name="T80" fmla="*/ 312 w 595"/>
+              <a:gd name="T81" fmla="*/ 317 h 408"/>
+              <a:gd name="T82" fmla="*/ 314 w 595"/>
+              <a:gd name="T83" fmla="*/ 335 h 408"/>
+              <a:gd name="T84" fmla="*/ 314 w 595"/>
+              <a:gd name="T85" fmla="*/ 349 h 408"/>
+              <a:gd name="T86" fmla="*/ 313 w 595"/>
+              <a:gd name="T87" fmla="*/ 366 h 408"/>
+              <a:gd name="T88" fmla="*/ 313 w 595"/>
+              <a:gd name="T89" fmla="*/ 382 h 408"/>
+              <a:gd name="T90" fmla="*/ 316 w 595"/>
+              <a:gd name="T91" fmla="*/ 402 h 408"/>
+              <a:gd name="T92" fmla="*/ 325 w 595"/>
+              <a:gd name="T93" fmla="*/ 406 h 408"/>
+              <a:gd name="T94" fmla="*/ 343 w 595"/>
+              <a:gd name="T95" fmla="*/ 403 h 408"/>
+              <a:gd name="T96" fmla="*/ 374 w 595"/>
+              <a:gd name="T97" fmla="*/ 380 h 408"/>
+              <a:gd name="T98" fmla="*/ 396 w 595"/>
+              <a:gd name="T99" fmla="*/ 360 h 408"/>
+              <a:gd name="T100" fmla="*/ 427 w 595"/>
+              <a:gd name="T101" fmla="*/ 337 h 408"/>
+              <a:gd name="T102" fmla="*/ 461 w 595"/>
+              <a:gd name="T103" fmla="*/ 310 h 408"/>
+              <a:gd name="T104" fmla="*/ 482 w 595"/>
+              <a:gd name="T105" fmla="*/ 294 h 408"/>
+              <a:gd name="T106" fmla="*/ 513 w 595"/>
+              <a:gd name="T107" fmla="*/ 270 h 408"/>
+              <a:gd name="T108" fmla="*/ 545 w 595"/>
+              <a:gd name="T109" fmla="*/ 246 h 408"/>
+              <a:gd name="T110" fmla="*/ 578 w 595"/>
+              <a:gd name="T111" fmla="*/ 223 h 408"/>
+            </a:gdLst>
+            <a:ahLst/>
+            <a:cxnLst>
+              <a:cxn ang="0">
+                <a:pos x="T0" y="T1"/>
+              </a:cxn>
+              <a:cxn ang="0">
+                <a:pos x="T2" y="T3"/>
+              </a:cxn>
+              <a:cxn ang="0">
+                <a:pos x="T4" y="T5"/>
+              </a:cxn>
+              <a:cxn ang="0">
+                <a:pos x="T6" y="T7"/>
+              </a:cxn>
+              <a:cxn ang="0">
+                <a:pos x="T8" y="T9"/>
+              </a:cxn>
+              <a:cxn ang="0">
+                <a:pos x="T10" y="T11"/>
+              </a:cxn>
+              <a:cxn ang="0">
+                <a:pos x="T12" y="T13"/>
+              </a:cxn>
+              <a:cxn ang="0">
+                <a:pos x="T14" y="T15"/>
+              </a:cxn>
+              <a:cxn ang="0">
+                <a:pos x="T16" y="T17"/>
+              </a:cxn>
+              <a:cxn ang="0">
+                <a:pos x="T18" y="T19"/>
+              </a:cxn>
+              <a:cxn ang="0">
+                <a:pos x="T20" y="T21"/>
+              </a:cxn>
+              <a:cxn ang="0">
+                <a:pos x="T22" y="T23"/>
+              </a:cxn>
+              <a:cxn ang="0">
+                <a:pos x="T24" y="T25"/>
+              </a:cxn>
+              <a:cxn ang="0">
+                <a:pos x="T26" y="T27"/>
+              </a:cxn>
+              <a:cxn ang="0">
+                <a:pos x="T28" y="T29"/>
+              </a:cxn>
+              <a:cxn ang="0">
+                <a:pos x="T30" y="T31"/>
+              </a:cxn>
+              <a:cxn ang="0">
+                <a:pos x="T32" y="T33"/>
+              </a:cxn>
+              <a:cxn ang="0">
+                <a:pos x="T34" y="T35"/>
+              </a:cxn>
+              <a:cxn ang="0">
+                <a:pos x="T36" y="T37"/>
+              </a:cxn>
+              <a:cxn ang="0">
+                <a:pos x="T38" y="T39"/>
+              </a:cxn>
+              <a:cxn ang="0">
+                <a:pos x="T40" y="T41"/>
+              </a:cxn>
+              <a:cxn ang="0">
+                <a:pos x="T42" y="T43"/>
+              </a:cxn>
+              <a:cxn ang="0">
+                <a:pos x="T44" y="T45"/>
+              </a:cxn>
+              <a:cxn ang="0">
+                <a:pos x="T46" y="T47"/>
+              </a:cxn>
+              <a:cxn ang="0">
+                <a:pos x="T48" y="T49"/>
+              </a:cxn>
+              <a:cxn ang="0">
+                <a:pos x="T50" y="T51"/>
+              </a:cxn>
+              <a:cxn ang="0">
+                <a:pos x="T52" y="T53"/>
+              </a:cxn>
+              <a:cxn ang="0">
+                <a:pos x="T54" y="T55"/>
+              </a:cxn>
+              <a:cxn ang="0">
+                <a:pos x="T56" y="T57"/>
+              </a:cxn>
+              <a:cxn ang="0">
+                <a:pos x="T58" y="T59"/>
+              </a:cxn>
+              <a:cxn ang="0">
+                <a:pos x="T60" y="T61"/>
+              </a:cxn>
+              <a:cxn ang="0">
+                <a:pos x="T62" y="T63"/>
+              </a:cxn>
+              <a:cxn ang="0">
+                <a:pos x="T64" y="T65"/>
+              </a:cxn>
+              <a:cxn ang="0">
+                <a:pos x="T66" y="T67"/>
+              </a:cxn>
+              <a:cxn ang="0">
+                <a:pos x="T68" y="T69"/>
+              </a:cxn>
+              <a:cxn ang="0">
+                <a:pos x="T70" y="T71"/>
+              </a:cxn>
+              <a:cxn ang="0">
+                <a:pos x="T72" y="T73"/>
+              </a:cxn>
+              <a:cxn ang="0">
+                <a:pos x="T74" y="T75"/>
+              </a:cxn>
+              <a:cxn ang="0">
+                <a:pos x="T76" y="T77"/>
+              </a:cxn>
+              <a:cxn ang="0">
+                <a:pos x="T78" y="T79"/>
+              </a:cxn>
+              <a:cxn ang="0">
+                <a:pos x="T80" y="T81"/>
+              </a:cxn>
+              <a:cxn ang="0">
+                <a:pos x="T82" y="T83"/>
+              </a:cxn>
+              <a:cxn ang="0">
+                <a:pos x="T84" y="T85"/>
+              </a:cxn>
+              <a:cxn ang="0">
+                <a:pos x="T86" y="T87"/>
+              </a:cxn>
+              <a:cxn ang="0">
+                <a:pos x="T88" y="T89"/>
+              </a:cxn>
+              <a:cxn ang="0">
+                <a:pos x="T90" y="T91"/>
+              </a:cxn>
+              <a:cxn ang="0">
+                <a:pos x="T92" y="T93"/>
+              </a:cxn>
+              <a:cxn ang="0">
+                <a:pos x="T94" y="T95"/>
+              </a:cxn>
+              <a:cxn ang="0">
+                <a:pos x="T96" y="T97"/>
+              </a:cxn>
+              <a:cxn ang="0">
+                <a:pos x="T98" y="T99"/>
+              </a:cxn>
+              <a:cxn ang="0">
+                <a:pos x="T100" y="T101"/>
+              </a:cxn>
+              <a:cxn ang="0">
+                <a:pos x="T102" y="T103"/>
+              </a:cxn>
+              <a:cxn ang="0">
+                <a:pos x="T104" y="T105"/>
+              </a:cxn>
+              <a:cxn ang="0">
+                <a:pos x="T106" y="T107"/>
+              </a:cxn>
+              <a:cxn ang="0">
+                <a:pos x="T108" y="T109"/>
+              </a:cxn>
+              <a:cxn ang="0">
+                <a:pos x="T110" y="T111"/>
+              </a:cxn>
+            </a:cxnLst>
+            <a:rect l="0" t="0" r="r" b="b"/>
+            <a:pathLst>
+              <a:path w="595" h="408">
+                <a:moveTo>
+                  <a:pt x="592" y="199"/>
+                </a:moveTo>
+                <a:cubicBezTo>
+                  <a:pt x="590" y="198"/>
+                  <a:pt x="588" y="198"/>
+                  <a:pt x="587" y="197"/>
+                </a:cubicBezTo>
+                <a:cubicBezTo>
+                  <a:pt x="584" y="194"/>
+                  <a:pt x="580" y="193"/>
+                  <a:pt x="578" y="192"/>
+                </a:cubicBezTo>
+                <a:cubicBezTo>
+                  <a:pt x="578" y="192"/>
+                  <a:pt x="578" y="191"/>
+                  <a:pt x="578" y="191"/>
+                </a:cubicBezTo>
+                <a:cubicBezTo>
+                  <a:pt x="577" y="189"/>
+                  <a:pt x="576" y="188"/>
+                  <a:pt x="574" y="186"/>
+                </a:cubicBezTo>
+                <a:cubicBezTo>
+                  <a:pt x="573" y="185"/>
+                  <a:pt x="571" y="185"/>
+                  <a:pt x="570" y="185"/>
+                </a:cubicBezTo>
+                <a:cubicBezTo>
+                  <a:pt x="567" y="182"/>
+                  <a:pt x="564" y="180"/>
+                  <a:pt x="562" y="179"/>
+                </a:cubicBezTo>
+                <a:cubicBezTo>
+                  <a:pt x="562" y="179"/>
+                  <a:pt x="562" y="179"/>
+                  <a:pt x="562" y="179"/>
+                </a:cubicBezTo>
+                <a:cubicBezTo>
+                  <a:pt x="561" y="177"/>
+                  <a:pt x="560" y="175"/>
+                  <a:pt x="558" y="173"/>
+                </a:cubicBezTo>
+                <a:cubicBezTo>
+                  <a:pt x="556" y="173"/>
+                  <a:pt x="555" y="172"/>
+                  <a:pt x="553" y="172"/>
+                </a:cubicBezTo>
+                <a:cubicBezTo>
+                  <a:pt x="551" y="168"/>
+                  <a:pt x="547" y="166"/>
+                  <a:pt x="544" y="164"/>
+                </a:cubicBezTo>
+                <a:cubicBezTo>
+                  <a:pt x="544" y="164"/>
+                  <a:pt x="544" y="164"/>
+                  <a:pt x="544" y="164"/>
+                </a:cubicBezTo>
+                <a:cubicBezTo>
+                  <a:pt x="543" y="163"/>
+                  <a:pt x="542" y="162"/>
+                  <a:pt x="541" y="161"/>
+                </a:cubicBezTo>
+                <a:cubicBezTo>
+                  <a:pt x="539" y="159"/>
+                  <a:pt x="536" y="159"/>
+                  <a:pt x="534" y="159"/>
+                </a:cubicBezTo>
+                <a:cubicBezTo>
+                  <a:pt x="533" y="159"/>
+                  <a:pt x="533" y="159"/>
+                  <a:pt x="533" y="159"/>
+                </a:cubicBezTo>
+                <a:cubicBezTo>
+                  <a:pt x="532" y="158"/>
+                  <a:pt x="529" y="156"/>
+                  <a:pt x="529" y="156"/>
+                </a:cubicBezTo>
+                <a:cubicBezTo>
+                  <a:pt x="528" y="153"/>
+                  <a:pt x="527" y="150"/>
+                  <a:pt x="525" y="148"/>
+                </a:cubicBezTo>
+                <a:cubicBezTo>
+                  <a:pt x="523" y="147"/>
+                  <a:pt x="521" y="146"/>
+                  <a:pt x="519" y="146"/>
+                </a:cubicBezTo>
+                <a:cubicBezTo>
+                  <a:pt x="517" y="144"/>
+                  <a:pt x="515" y="142"/>
+                  <a:pt x="512" y="139"/>
+                </a:cubicBezTo>
+                <a:cubicBezTo>
+                  <a:pt x="512" y="139"/>
+                  <a:pt x="511" y="139"/>
+                  <a:pt x="511" y="139"/>
+                </a:cubicBezTo>
+                <a:cubicBezTo>
+                  <a:pt x="510" y="138"/>
+                  <a:pt x="509" y="137"/>
+                  <a:pt x="508" y="136"/>
+                </a:cubicBezTo>
+                <a:cubicBezTo>
+                  <a:pt x="507" y="135"/>
+                  <a:pt x="505" y="134"/>
+                  <a:pt x="504" y="134"/>
+                </a:cubicBezTo>
+                <a:cubicBezTo>
+                  <a:pt x="501" y="131"/>
+                  <a:pt x="497" y="128"/>
+                  <a:pt x="493" y="125"/>
+                </a:cubicBezTo>
+                <a:cubicBezTo>
+                  <a:pt x="493" y="124"/>
+                  <a:pt x="493" y="124"/>
+                  <a:pt x="492" y="124"/>
+                </a:cubicBezTo>
+                <a:cubicBezTo>
+                  <a:pt x="490" y="122"/>
+                  <a:pt x="489" y="122"/>
+                  <a:pt x="487" y="121"/>
+                </a:cubicBezTo>
+                <a:cubicBezTo>
+                  <a:pt x="484" y="118"/>
+                  <a:pt x="480" y="114"/>
+                  <a:pt x="476" y="112"/>
+                </a:cubicBezTo>
+                <a:cubicBezTo>
+                  <a:pt x="476" y="111"/>
+                  <a:pt x="476" y="111"/>
+                  <a:pt x="475" y="111"/>
+                </a:cubicBezTo>
+                <a:cubicBezTo>
+                  <a:pt x="473" y="109"/>
+                  <a:pt x="471" y="109"/>
+                  <a:pt x="469" y="109"/>
+                </a:cubicBezTo>
+                <a:cubicBezTo>
+                  <a:pt x="468" y="109"/>
+                  <a:pt x="467" y="108"/>
+                  <a:pt x="466" y="107"/>
+                </a:cubicBezTo>
+                <a:cubicBezTo>
+                  <a:pt x="465" y="106"/>
+                  <a:pt x="462" y="104"/>
+                  <a:pt x="461" y="103"/>
+                </a:cubicBezTo>
+                <a:cubicBezTo>
+                  <a:pt x="461" y="101"/>
+                  <a:pt x="460" y="99"/>
+                  <a:pt x="458" y="98"/>
+                </a:cubicBezTo>
+                <a:cubicBezTo>
+                  <a:pt x="456" y="96"/>
+                  <a:pt x="453" y="96"/>
+                  <a:pt x="452" y="96"/>
+                </a:cubicBezTo>
+                <a:cubicBezTo>
+                  <a:pt x="451" y="96"/>
+                  <a:pt x="450" y="95"/>
+                  <a:pt x="450" y="95"/>
+                </a:cubicBezTo>
+                <a:cubicBezTo>
+                  <a:pt x="448" y="94"/>
+                  <a:pt x="446" y="92"/>
+                  <a:pt x="445" y="90"/>
+                </a:cubicBezTo>
+                <a:cubicBezTo>
+                  <a:pt x="444" y="88"/>
+                  <a:pt x="443" y="87"/>
+                  <a:pt x="442" y="85"/>
+                </a:cubicBezTo>
+                <a:cubicBezTo>
+                  <a:pt x="440" y="84"/>
+                  <a:pt x="438" y="83"/>
+                  <a:pt x="437" y="83"/>
+                </a:cubicBezTo>
+                <a:cubicBezTo>
+                  <a:pt x="434" y="80"/>
+                  <a:pt x="431" y="78"/>
+                  <a:pt x="429" y="76"/>
+                </a:cubicBezTo>
+                <a:cubicBezTo>
+                  <a:pt x="428" y="76"/>
+                  <a:pt x="428" y="76"/>
+                  <a:pt x="427" y="76"/>
+                </a:cubicBezTo>
+                <a:cubicBezTo>
+                  <a:pt x="427" y="74"/>
+                  <a:pt x="426" y="73"/>
+                  <a:pt x="425" y="72"/>
+                </a:cubicBezTo>
+                <a:cubicBezTo>
+                  <a:pt x="423" y="71"/>
+                  <a:pt x="420" y="70"/>
+                  <a:pt x="418" y="70"/>
+                </a:cubicBezTo>
+                <a:cubicBezTo>
+                  <a:pt x="417" y="69"/>
+                  <a:pt x="416" y="68"/>
+                  <a:pt x="414" y="67"/>
+                </a:cubicBezTo>
+                <a:cubicBezTo>
+                  <a:pt x="413" y="67"/>
+                  <a:pt x="412" y="65"/>
+                  <a:pt x="411" y="65"/>
+                </a:cubicBezTo>
+                <a:cubicBezTo>
+                  <a:pt x="410" y="62"/>
+                  <a:pt x="409" y="60"/>
+                  <a:pt x="407" y="58"/>
+                </a:cubicBezTo>
+                <a:cubicBezTo>
+                  <a:pt x="405" y="57"/>
+                  <a:pt x="403" y="57"/>
+                  <a:pt x="401" y="57"/>
+                </a:cubicBezTo>
+                <a:cubicBezTo>
+                  <a:pt x="399" y="55"/>
+                  <a:pt x="398" y="54"/>
+                  <a:pt x="396" y="54"/>
+                </a:cubicBezTo>
+                <a:cubicBezTo>
+                  <a:pt x="396" y="53"/>
+                  <a:pt x="394" y="53"/>
+                  <a:pt x="394" y="52"/>
+                </a:cubicBezTo>
+                <a:cubicBezTo>
+                  <a:pt x="393" y="49"/>
+                  <a:pt x="392" y="47"/>
+                  <a:pt x="390" y="45"/>
+                </a:cubicBezTo>
+                <a:cubicBezTo>
+                  <a:pt x="387" y="43"/>
+                  <a:pt x="384" y="43"/>
+                  <a:pt x="382" y="43"/>
+                </a:cubicBezTo>
+                <a:cubicBezTo>
+                  <a:pt x="382" y="43"/>
+                  <a:pt x="382" y="43"/>
+                  <a:pt x="382" y="43"/>
+                </a:cubicBezTo>
+                <a:cubicBezTo>
+                  <a:pt x="381" y="43"/>
+                  <a:pt x="378" y="41"/>
+                  <a:pt x="377" y="40"/>
+                </a:cubicBezTo>
+                <a:cubicBezTo>
+                  <a:pt x="377" y="37"/>
+                  <a:pt x="376" y="34"/>
+                  <a:pt x="373" y="33"/>
+                </a:cubicBezTo>
+                <a:cubicBezTo>
+                  <a:pt x="371" y="31"/>
+                  <a:pt x="369" y="31"/>
+                  <a:pt x="367" y="31"/>
+                </a:cubicBezTo>
+                <a:cubicBezTo>
+                  <a:pt x="366" y="30"/>
+                  <a:pt x="365" y="30"/>
+                  <a:pt x="364" y="29"/>
+                </a:cubicBezTo>
+                <a:cubicBezTo>
+                  <a:pt x="363" y="29"/>
+                  <a:pt x="362" y="28"/>
+                  <a:pt x="361" y="27"/>
+                </a:cubicBezTo>
+                <a:cubicBezTo>
+                  <a:pt x="361" y="25"/>
+                  <a:pt x="359" y="23"/>
+                  <a:pt x="357" y="21"/>
+                </a:cubicBezTo>
+                <a:cubicBezTo>
+                  <a:pt x="356" y="20"/>
+                  <a:pt x="354" y="19"/>
+                  <a:pt x="353" y="19"/>
+                </a:cubicBezTo>
+                <a:cubicBezTo>
+                  <a:pt x="351" y="17"/>
+                  <a:pt x="348" y="16"/>
+                  <a:pt x="346" y="15"/>
+                </a:cubicBezTo>
+                <a:cubicBezTo>
+                  <a:pt x="346" y="14"/>
+                  <a:pt x="345" y="14"/>
+                  <a:pt x="344" y="13"/>
+                </a:cubicBezTo>
+                <a:cubicBezTo>
+                  <a:pt x="344" y="12"/>
+                  <a:pt x="343" y="10"/>
+                  <a:pt x="341" y="9"/>
+                </a:cubicBezTo>
+                <a:cubicBezTo>
+                  <a:pt x="340" y="7"/>
+                  <a:pt x="338" y="7"/>
+                  <a:pt x="336" y="7"/>
+                </a:cubicBezTo>
+                <a:cubicBezTo>
+                  <a:pt x="336" y="5"/>
+                  <a:pt x="335" y="4"/>
+                  <a:pt x="333" y="3"/>
+                </a:cubicBezTo>
+                <a:cubicBezTo>
+                  <a:pt x="330" y="0"/>
+                  <a:pt x="326" y="0"/>
+                  <a:pt x="324" y="1"/>
+                </a:cubicBezTo>
+                <a:cubicBezTo>
+                  <a:pt x="323" y="1"/>
+                  <a:pt x="322" y="1"/>
+                  <a:pt x="322" y="1"/>
+                </a:cubicBezTo>
+                <a:cubicBezTo>
+                  <a:pt x="317" y="1"/>
+                  <a:pt x="313" y="5"/>
+                  <a:pt x="313" y="10"/>
+                </a:cubicBezTo>
+                <a:cubicBezTo>
+                  <a:pt x="313" y="12"/>
+                  <a:pt x="313" y="13"/>
+                  <a:pt x="314" y="15"/>
+                </a:cubicBezTo>
+                <a:cubicBezTo>
+                  <a:pt x="313" y="17"/>
+                  <a:pt x="313" y="20"/>
+                  <a:pt x="313" y="22"/>
+                </a:cubicBezTo>
+                <a:cubicBezTo>
+                  <a:pt x="313" y="24"/>
+                  <a:pt x="313" y="26"/>
+                  <a:pt x="314" y="27"/>
+                </a:cubicBezTo>
+                <a:cubicBezTo>
+                  <a:pt x="313" y="29"/>
+                  <a:pt x="313" y="32"/>
+                  <a:pt x="313" y="35"/>
+                </a:cubicBezTo>
+                <a:cubicBezTo>
+                  <a:pt x="313" y="36"/>
+                  <a:pt x="313" y="38"/>
+                  <a:pt x="314" y="39"/>
+                </a:cubicBezTo>
+                <a:cubicBezTo>
+                  <a:pt x="313" y="42"/>
+                  <a:pt x="313" y="45"/>
+                  <a:pt x="313" y="48"/>
+                </a:cubicBezTo>
+                <a:cubicBezTo>
+                  <a:pt x="313" y="50"/>
+                  <a:pt x="313" y="51"/>
+                  <a:pt x="314" y="53"/>
+                </a:cubicBezTo>
+                <a:cubicBezTo>
+                  <a:pt x="313" y="55"/>
+                  <a:pt x="313" y="57"/>
+                  <a:pt x="313" y="60"/>
+                </a:cubicBezTo>
+                <a:cubicBezTo>
+                  <a:pt x="313" y="62"/>
+                  <a:pt x="313" y="64"/>
+                  <a:pt x="314" y="65"/>
+                </a:cubicBezTo>
+                <a:cubicBezTo>
+                  <a:pt x="313" y="68"/>
+                  <a:pt x="313" y="70"/>
+                  <a:pt x="313" y="73"/>
+                </a:cubicBezTo>
+                <a:cubicBezTo>
+                  <a:pt x="313" y="75"/>
+                  <a:pt x="313" y="76"/>
+                  <a:pt x="314" y="78"/>
+                </a:cubicBezTo>
+                <a:cubicBezTo>
+                  <a:pt x="313" y="80"/>
+                  <a:pt x="313" y="82"/>
+                  <a:pt x="313" y="85"/>
+                </a:cubicBezTo>
+                <a:cubicBezTo>
+                  <a:pt x="313" y="87"/>
+                  <a:pt x="313" y="89"/>
+                  <a:pt x="314" y="90"/>
+                </a:cubicBezTo>
+                <a:cubicBezTo>
+                  <a:pt x="313" y="92"/>
+                  <a:pt x="313" y="95"/>
+                  <a:pt x="313" y="98"/>
+                </a:cubicBezTo>
+                <a:cubicBezTo>
+                  <a:pt x="313" y="98"/>
+                  <a:pt x="313" y="99"/>
+                  <a:pt x="313" y="99"/>
+                </a:cubicBezTo>
+                <a:cubicBezTo>
+                  <a:pt x="308" y="101"/>
+                  <a:pt x="297" y="104"/>
+                  <a:pt x="268" y="103"/>
+                </a:cubicBezTo>
+                <a:cubicBezTo>
+                  <a:pt x="240" y="102"/>
+                  <a:pt x="204" y="99"/>
+                  <a:pt x="168" y="95"/>
+                </a:cubicBezTo>
+                <a:cubicBezTo>
+                  <a:pt x="80" y="86"/>
+                  <a:pt x="24" y="82"/>
+                  <a:pt x="7" y="98"/>
+                </a:cubicBezTo>
+                <a:cubicBezTo>
+                  <a:pt x="3" y="101"/>
+                  <a:pt x="1" y="106"/>
+                  <a:pt x="1" y="111"/>
+                </a:cubicBezTo>
+                <a:cubicBezTo>
+                  <a:pt x="1" y="114"/>
+                  <a:pt x="3" y="117"/>
+                  <a:pt x="5" y="118"/>
+                </a:cubicBezTo>
+                <a:cubicBezTo>
+                  <a:pt x="6" y="119"/>
+                  <a:pt x="8" y="120"/>
+                  <a:pt x="10" y="120"/>
+                </a:cubicBezTo>
+                <a:cubicBezTo>
+                  <a:pt x="12" y="122"/>
+                  <a:pt x="12" y="123"/>
+                  <a:pt x="12" y="124"/>
+                </a:cubicBezTo>
+                <a:cubicBezTo>
+                  <a:pt x="12" y="127"/>
+                  <a:pt x="14" y="130"/>
+                  <a:pt x="16" y="131"/>
+                </a:cubicBezTo>
+                <a:cubicBezTo>
+                  <a:pt x="17" y="132"/>
+                  <a:pt x="18" y="132"/>
+                  <a:pt x="19" y="133"/>
+                </a:cubicBezTo>
+                <a:cubicBezTo>
+                  <a:pt x="20" y="135"/>
+                  <a:pt x="22" y="137"/>
+                  <a:pt x="23" y="139"/>
+                </a:cubicBezTo>
+                <a:cubicBezTo>
+                  <a:pt x="24" y="139"/>
+                  <a:pt x="24" y="140"/>
+                  <a:pt x="24" y="140"/>
+                </a:cubicBezTo>
+                <a:cubicBezTo>
+                  <a:pt x="25" y="142"/>
+                  <a:pt x="26" y="143"/>
+                  <a:pt x="27" y="144"/>
+                </a:cubicBezTo>
+                <a:cubicBezTo>
+                  <a:pt x="28" y="145"/>
+                  <a:pt x="30" y="145"/>
+                  <a:pt x="31" y="146"/>
+                </a:cubicBezTo>
+                <a:cubicBezTo>
+                  <a:pt x="31" y="147"/>
+                  <a:pt x="32" y="149"/>
+                  <a:pt x="34" y="150"/>
+                </a:cubicBezTo>
+                <a:cubicBezTo>
+                  <a:pt x="34" y="151"/>
+                  <a:pt x="35" y="152"/>
+                  <a:pt x="35" y="152"/>
+                </a:cubicBezTo>
+                <a:cubicBezTo>
+                  <a:pt x="36" y="154"/>
+                  <a:pt x="36" y="155"/>
+                  <a:pt x="38" y="156"/>
+                </a:cubicBezTo>
+                <a:cubicBezTo>
+                  <a:pt x="39" y="157"/>
+                  <a:pt x="41" y="158"/>
+                  <a:pt x="42" y="158"/>
+                </a:cubicBezTo>
+                <a:cubicBezTo>
+                  <a:pt x="42" y="159"/>
+                  <a:pt x="43" y="159"/>
+                  <a:pt x="43" y="159"/>
+                </a:cubicBezTo>
+                <a:cubicBezTo>
+                  <a:pt x="44" y="161"/>
+                  <a:pt x="46" y="163"/>
+                  <a:pt x="46" y="164"/>
+                </a:cubicBezTo>
+                <a:cubicBezTo>
+                  <a:pt x="47" y="167"/>
+                  <a:pt x="48" y="169"/>
+                  <a:pt x="50" y="170"/>
+                </a:cubicBezTo>
+                <a:cubicBezTo>
+                  <a:pt x="52" y="171"/>
+                  <a:pt x="54" y="172"/>
+                  <a:pt x="55" y="172"/>
+                </a:cubicBezTo>
+                <a:cubicBezTo>
+                  <a:pt x="57" y="174"/>
+                  <a:pt x="58" y="176"/>
+                  <a:pt x="58" y="176"/>
+                </a:cubicBezTo>
+                <a:cubicBezTo>
+                  <a:pt x="58" y="179"/>
+                  <a:pt x="59" y="182"/>
+                  <a:pt x="62" y="184"/>
+                </a:cubicBezTo>
+                <a:cubicBezTo>
+                  <a:pt x="64" y="185"/>
+                  <a:pt x="66" y="185"/>
+                  <a:pt x="67" y="185"/>
+                </a:cubicBezTo>
+                <a:cubicBezTo>
+                  <a:pt x="67" y="185"/>
+                  <a:pt x="67" y="185"/>
+                  <a:pt x="67" y="185"/>
+                </a:cubicBezTo>
+                <a:cubicBezTo>
+                  <a:pt x="68" y="186"/>
+                  <a:pt x="69" y="188"/>
+                  <a:pt x="69" y="188"/>
+                </a:cubicBezTo>
+                <a:cubicBezTo>
+                  <a:pt x="69" y="191"/>
+                  <a:pt x="70" y="193"/>
+                  <a:pt x="72" y="195"/>
+                </a:cubicBezTo>
+                <a:cubicBezTo>
+                  <a:pt x="73" y="196"/>
+                  <a:pt x="74" y="197"/>
+                  <a:pt x="75" y="197"/>
+                </a:cubicBezTo>
+                <a:cubicBezTo>
+                  <a:pt x="76" y="201"/>
+                  <a:pt x="79" y="204"/>
+                  <a:pt x="81" y="206"/>
+                </a:cubicBezTo>
+                <a:cubicBezTo>
+                  <a:pt x="80" y="208"/>
+                  <a:pt x="79" y="210"/>
+                  <a:pt x="79" y="212"/>
+                </a:cubicBezTo>
+                <a:cubicBezTo>
+                  <a:pt x="68" y="221"/>
+                  <a:pt x="68" y="222"/>
+                  <a:pt x="68" y="226"/>
+                </a:cubicBezTo>
+                <a:cubicBezTo>
+                  <a:pt x="63" y="228"/>
+                  <a:pt x="58" y="231"/>
+                  <a:pt x="57" y="236"/>
+                </a:cubicBezTo>
+                <a:cubicBezTo>
+                  <a:pt x="50" y="241"/>
+                  <a:pt x="46" y="246"/>
+                  <a:pt x="45" y="250"/>
+                </a:cubicBezTo>
+                <a:cubicBezTo>
+                  <a:pt x="40" y="253"/>
+                  <a:pt x="35" y="257"/>
+                  <a:pt x="34" y="262"/>
+                </a:cubicBezTo>
+                <a:cubicBezTo>
+                  <a:pt x="23" y="270"/>
+                  <a:pt x="22" y="275"/>
+                  <a:pt x="22" y="278"/>
+                </a:cubicBezTo>
+                <a:cubicBezTo>
+                  <a:pt x="20" y="280"/>
+                  <a:pt x="17" y="282"/>
+                  <a:pt x="14" y="285"/>
+                </a:cubicBezTo>
+                <a:cubicBezTo>
+                  <a:pt x="13" y="286"/>
+                  <a:pt x="12" y="287"/>
+                  <a:pt x="11" y="289"/>
+                </a:cubicBezTo>
+                <a:cubicBezTo>
+                  <a:pt x="0" y="298"/>
+                  <a:pt x="0" y="302"/>
+                  <a:pt x="0" y="305"/>
+                </a:cubicBezTo>
+                <a:cubicBezTo>
+                  <a:pt x="0" y="307"/>
+                  <a:pt x="1" y="310"/>
+                  <a:pt x="3" y="312"/>
+                </a:cubicBezTo>
+                <a:cubicBezTo>
+                  <a:pt x="4" y="312"/>
+                  <a:pt x="4" y="312"/>
+                  <a:pt x="4" y="313"/>
+                </a:cubicBezTo>
+                <a:cubicBezTo>
+                  <a:pt x="6" y="318"/>
+                  <a:pt x="9" y="323"/>
+                  <a:pt x="14" y="327"/>
+                </a:cubicBezTo>
+                <a:cubicBezTo>
+                  <a:pt x="36" y="345"/>
+                  <a:pt x="92" y="331"/>
+                  <a:pt x="157" y="316"/>
+                </a:cubicBezTo>
+                <a:cubicBezTo>
+                  <a:pt x="217" y="301"/>
+                  <a:pt x="284" y="285"/>
+                  <a:pt x="306" y="301"/>
+                </a:cubicBezTo>
+                <a:cubicBezTo>
+                  <a:pt x="309" y="304"/>
+                  <a:pt x="312" y="308"/>
+                  <a:pt x="312" y="317"/>
+                </a:cubicBezTo>
+                <a:cubicBezTo>
+                  <a:pt x="312" y="319"/>
+                  <a:pt x="313" y="321"/>
+                  <a:pt x="314" y="322"/>
+                </a:cubicBezTo>
+                <a:cubicBezTo>
+                  <a:pt x="313" y="325"/>
+                  <a:pt x="312" y="328"/>
+                  <a:pt x="312" y="330"/>
+                </a:cubicBezTo>
+                <a:cubicBezTo>
+                  <a:pt x="312" y="332"/>
+                  <a:pt x="313" y="334"/>
+                  <a:pt x="314" y="335"/>
+                </a:cubicBezTo>
+                <a:cubicBezTo>
+                  <a:pt x="313" y="337"/>
+                  <a:pt x="313" y="340"/>
+                  <a:pt x="313" y="343"/>
+                </a:cubicBezTo>
+                <a:cubicBezTo>
+                  <a:pt x="313" y="345"/>
+                  <a:pt x="313" y="347"/>
+                  <a:pt x="314" y="348"/>
+                </a:cubicBezTo>
+                <a:cubicBezTo>
+                  <a:pt x="314" y="349"/>
+                  <a:pt x="314" y="349"/>
+                  <a:pt x="314" y="349"/>
+                </a:cubicBezTo>
+                <a:cubicBezTo>
+                  <a:pt x="313" y="353"/>
+                  <a:pt x="313" y="354"/>
+                  <a:pt x="313" y="356"/>
+                </a:cubicBezTo>
+                <a:cubicBezTo>
+                  <a:pt x="313" y="358"/>
+                  <a:pt x="313" y="359"/>
+                  <a:pt x="314" y="361"/>
+                </a:cubicBezTo>
+                <a:cubicBezTo>
+                  <a:pt x="314" y="363"/>
+                  <a:pt x="313" y="365"/>
+                  <a:pt x="313" y="366"/>
+                </a:cubicBezTo>
+                <a:cubicBezTo>
+                  <a:pt x="312" y="369"/>
+                  <a:pt x="313" y="372"/>
+                  <a:pt x="314" y="374"/>
+                </a:cubicBezTo>
+                <a:cubicBezTo>
+                  <a:pt x="314" y="375"/>
+                  <a:pt x="314" y="376"/>
+                  <a:pt x="314" y="377"/>
+                </a:cubicBezTo>
+                <a:cubicBezTo>
+                  <a:pt x="313" y="379"/>
+                  <a:pt x="313" y="380"/>
+                  <a:pt x="313" y="382"/>
+                </a:cubicBezTo>
+                <a:cubicBezTo>
+                  <a:pt x="313" y="383"/>
+                  <a:pt x="313" y="385"/>
+                  <a:pt x="314" y="386"/>
+                </a:cubicBezTo>
+                <a:cubicBezTo>
+                  <a:pt x="313" y="389"/>
+                  <a:pt x="313" y="392"/>
+                  <a:pt x="313" y="395"/>
+                </a:cubicBezTo>
+                <a:cubicBezTo>
+                  <a:pt x="313" y="397"/>
+                  <a:pt x="314" y="400"/>
+                  <a:pt x="316" y="402"/>
+                </a:cubicBezTo>
+                <a:cubicBezTo>
+                  <a:pt x="318" y="403"/>
+                  <a:pt x="320" y="404"/>
+                  <a:pt x="322" y="404"/>
+                </a:cubicBezTo>
+                <a:cubicBezTo>
+                  <a:pt x="323" y="404"/>
+                  <a:pt x="323" y="404"/>
+                  <a:pt x="323" y="404"/>
+                </a:cubicBezTo>
+                <a:cubicBezTo>
+                  <a:pt x="324" y="405"/>
+                  <a:pt x="325" y="406"/>
+                  <a:pt x="325" y="406"/>
+                </a:cubicBezTo>
+                <a:cubicBezTo>
+                  <a:pt x="327" y="407"/>
+                  <a:pt x="329" y="408"/>
+                  <a:pt x="331" y="408"/>
+                </a:cubicBezTo>
+                <a:cubicBezTo>
+                  <a:pt x="332" y="408"/>
+                  <a:pt x="333" y="408"/>
+                  <a:pt x="334" y="407"/>
+                </a:cubicBezTo>
+                <a:cubicBezTo>
+                  <a:pt x="338" y="408"/>
+                  <a:pt x="341" y="406"/>
+                  <a:pt x="343" y="403"/>
+                </a:cubicBezTo>
+                <a:cubicBezTo>
+                  <a:pt x="350" y="401"/>
+                  <a:pt x="360" y="397"/>
+                  <a:pt x="360" y="387"/>
+                </a:cubicBezTo>
+                <a:cubicBezTo>
+                  <a:pt x="361" y="387"/>
+                  <a:pt x="362" y="386"/>
+                  <a:pt x="363" y="386"/>
+                </a:cubicBezTo>
+                <a:cubicBezTo>
+                  <a:pt x="367" y="385"/>
+                  <a:pt x="371" y="383"/>
+                  <a:pt x="374" y="380"/>
+                </a:cubicBezTo>
+                <a:cubicBezTo>
+                  <a:pt x="390" y="376"/>
+                  <a:pt x="393" y="367"/>
+                  <a:pt x="393" y="361"/>
+                </a:cubicBezTo>
+                <a:cubicBezTo>
+                  <a:pt x="393" y="361"/>
+                  <a:pt x="393" y="360"/>
+                  <a:pt x="393" y="360"/>
+                </a:cubicBezTo>
+                <a:cubicBezTo>
+                  <a:pt x="394" y="360"/>
+                  <a:pt x="395" y="360"/>
+                  <a:pt x="396" y="360"/>
+                </a:cubicBezTo>
+                <a:cubicBezTo>
+                  <a:pt x="401" y="359"/>
+                  <a:pt x="410" y="357"/>
+                  <a:pt x="410" y="348"/>
+                </a:cubicBezTo>
+                <a:cubicBezTo>
+                  <a:pt x="411" y="348"/>
+                  <a:pt x="411" y="348"/>
+                  <a:pt x="411" y="348"/>
+                </a:cubicBezTo>
+                <a:cubicBezTo>
+                  <a:pt x="416" y="347"/>
+                  <a:pt x="426" y="345"/>
+                  <a:pt x="427" y="337"/>
+                </a:cubicBezTo>
+                <a:cubicBezTo>
+                  <a:pt x="433" y="337"/>
+                  <a:pt x="443" y="334"/>
+                  <a:pt x="444" y="323"/>
+                </a:cubicBezTo>
+                <a:cubicBezTo>
+                  <a:pt x="447" y="322"/>
+                  <a:pt x="451" y="320"/>
+                  <a:pt x="452" y="319"/>
+                </a:cubicBezTo>
+                <a:cubicBezTo>
+                  <a:pt x="457" y="316"/>
+                  <a:pt x="461" y="315"/>
+                  <a:pt x="461" y="310"/>
+                </a:cubicBezTo>
+                <a:cubicBezTo>
+                  <a:pt x="467" y="309"/>
+                  <a:pt x="478" y="307"/>
+                  <a:pt x="478" y="296"/>
+                </a:cubicBezTo>
+                <a:cubicBezTo>
+                  <a:pt x="478" y="296"/>
+                  <a:pt x="478" y="295"/>
+                  <a:pt x="478" y="295"/>
+                </a:cubicBezTo>
+                <a:cubicBezTo>
+                  <a:pt x="480" y="294"/>
+                  <a:pt x="481" y="294"/>
+                  <a:pt x="482" y="294"/>
+                </a:cubicBezTo>
+                <a:cubicBezTo>
+                  <a:pt x="486" y="293"/>
+                  <a:pt x="492" y="292"/>
+                  <a:pt x="494" y="287"/>
+                </a:cubicBezTo>
+                <a:cubicBezTo>
+                  <a:pt x="501" y="285"/>
+                  <a:pt x="511" y="282"/>
+                  <a:pt x="511" y="271"/>
+                </a:cubicBezTo>
+                <a:cubicBezTo>
+                  <a:pt x="512" y="271"/>
+                  <a:pt x="512" y="270"/>
+                  <a:pt x="513" y="270"/>
+                </a:cubicBezTo>
+                <a:cubicBezTo>
+                  <a:pt x="518" y="269"/>
+                  <a:pt x="528" y="267"/>
+                  <a:pt x="528" y="258"/>
+                </a:cubicBezTo>
+                <a:cubicBezTo>
+                  <a:pt x="528" y="258"/>
+                  <a:pt x="529" y="258"/>
+                  <a:pt x="530" y="258"/>
+                </a:cubicBezTo>
+                <a:cubicBezTo>
+                  <a:pt x="535" y="257"/>
+                  <a:pt x="544" y="254"/>
+                  <a:pt x="545" y="246"/>
+                </a:cubicBezTo>
+                <a:cubicBezTo>
+                  <a:pt x="547" y="245"/>
+                  <a:pt x="551" y="243"/>
+                  <a:pt x="555" y="241"/>
+                </a:cubicBezTo>
+                <a:cubicBezTo>
+                  <a:pt x="556" y="241"/>
+                  <a:pt x="558" y="240"/>
+                  <a:pt x="559" y="238"/>
+                </a:cubicBezTo>
+                <a:cubicBezTo>
+                  <a:pt x="567" y="236"/>
+                  <a:pt x="576" y="232"/>
+                  <a:pt x="578" y="223"/>
+                </a:cubicBezTo>
+                <a:cubicBezTo>
+                  <a:pt x="586" y="220"/>
+                  <a:pt x="595" y="216"/>
+                  <a:pt x="595" y="207"/>
+                </a:cubicBezTo>
+                <a:cubicBezTo>
+                  <a:pt x="595" y="204"/>
+                  <a:pt x="594" y="201"/>
+                  <a:pt x="592" y="199"/>
+                </a:cubicBezTo>
+                <a:close/>
+              </a:path>
+            </a:pathLst>
+          </a:custGeom>
+          <a:solidFill>
+            <a:srgbClr val="00B0F0"/>
+          </a:solidFill>
+          <a:ln w="19050" cap="flat" cmpd="sng" algn="ctr">
+            <a:solidFill>
+              <a:srgbClr val="FFFFFF"/>
+            </a:solidFill>
+            <a:prstDash val="solid"/>
+            <a:miter lim="800000"/>
+          </a:ln>
+          <a:effectLst>
+            <a:outerShdw blurRad="50800" dist="38100" dir="5400000" algn="t" rotWithShape="0">
+              <a:prstClr val="black">
+                <a:alpha val="40000"/>
+              </a:prstClr>
+            </a:outerShdw>
+          </a:effectLst>
+        </p:spPr>
+        <p:txBody>
+          <a:bodyPr vert="horz" wrap="square" lIns="91440" tIns="45720" rIns="91440" bIns="45720" numCol="1" anchor="t" anchorCtr="0" compatLnSpc="1">
+            <a:prstTxWarp prst="textNoShape">
+              <a:avLst/>
+            </a:prstTxWarp>
+          </a:bodyPr>
+          <a:lstStyle/>
+          <a:p>
+            <a:pPr marL="0" marR="0" lvl="0" indent="0" defTabSz="914400" eaLnBrk="1" fontAlgn="auto" latinLnBrk="0" hangingPunct="1">
+              <a:lnSpc>
+                <a:spcPct val="100000"/>
+              </a:lnSpc>
+              <a:spcBef>
+                <a:spcPts val="0"/>
+              </a:spcBef>
+              <a:spcAft>
+                <a:spcPts val="0"/>
+              </a:spcAft>
+              <a:buClrTx/>
+              <a:buSzTx/>
+              <a:buFontTx/>
+              <a:buNone/>
+              <a:tabLst/>
+              <a:defRPr/>
+            </a:pPr>
+            <a:endParaRPr kumimoji="0" lang="en-US" sz="1800" b="0" i="0" u="none" strike="noStrike" kern="0" cap="none" spc="0" normalizeH="0" baseline="0" noProof="0">
+              <a:ln>
+                <a:noFill/>
+              </a:ln>
+              <a:solidFill>
+                <a:srgbClr val="FFFFFF"/>
+              </a:solidFill>
+              <a:effectLst/>
+              <a:uLnTx/>
+              <a:uFillTx/>
+              <a:latin typeface="Futura Medium" panose="020B0602020204020303" pitchFamily="34" charset="-79"/>
+              <a:cs typeface="Futura Medium" panose="020B0602020204020303" pitchFamily="34" charset="-79"/>
+            </a:endParaRPr>
+          </a:p>
+        </p:txBody>
+      </p:sp>
+      <p:sp>
+        <p:nvSpPr>
+          <p:cNvPr id="11" name="Freeform 16">
+            <a:extLst>
+              <a:ext uri="{FF2B5EF4-FFF2-40B4-BE49-F238E27FC236}">
+                <a16:creationId xmlns:a16="http://schemas.microsoft.com/office/drawing/2014/main" id="{CE2C497F-9C7A-6C56-DEBD-8055F51EA1CA}"/>
+              </a:ext>
+            </a:extLst>
+          </p:cNvPr>
+          <p:cNvSpPr>
+            <a:spLocks noChangeAspect="1"/>
+          </p:cNvSpPr>
+          <p:nvPr/>
+        </p:nvSpPr>
+        <p:spPr bwMode="auto">
+          <a:xfrm rot="10401925" flipH="1">
+            <a:off x="2853089" y="5343043"/>
+            <a:ext cx="388595" cy="437413"/>
+          </a:xfrm>
+          <a:custGeom>
+            <a:avLst/>
+            <a:gdLst>
+              <a:gd name="T0" fmla="*/ 578 w 595"/>
+              <a:gd name="T1" fmla="*/ 192 h 408"/>
+              <a:gd name="T2" fmla="*/ 570 w 595"/>
+              <a:gd name="T3" fmla="*/ 185 h 408"/>
+              <a:gd name="T4" fmla="*/ 558 w 595"/>
+              <a:gd name="T5" fmla="*/ 173 h 408"/>
+              <a:gd name="T6" fmla="*/ 544 w 595"/>
+              <a:gd name="T7" fmla="*/ 164 h 408"/>
+              <a:gd name="T8" fmla="*/ 533 w 595"/>
+              <a:gd name="T9" fmla="*/ 159 h 408"/>
+              <a:gd name="T10" fmla="*/ 519 w 595"/>
+              <a:gd name="T11" fmla="*/ 146 h 408"/>
+              <a:gd name="T12" fmla="*/ 508 w 595"/>
+              <a:gd name="T13" fmla="*/ 136 h 408"/>
+              <a:gd name="T14" fmla="*/ 492 w 595"/>
+              <a:gd name="T15" fmla="*/ 124 h 408"/>
+              <a:gd name="T16" fmla="*/ 475 w 595"/>
+              <a:gd name="T17" fmla="*/ 111 h 408"/>
+              <a:gd name="T18" fmla="*/ 461 w 595"/>
+              <a:gd name="T19" fmla="*/ 103 h 408"/>
+              <a:gd name="T20" fmla="*/ 450 w 595"/>
+              <a:gd name="T21" fmla="*/ 95 h 408"/>
+              <a:gd name="T22" fmla="*/ 437 w 595"/>
+              <a:gd name="T23" fmla="*/ 83 h 408"/>
+              <a:gd name="T24" fmla="*/ 425 w 595"/>
+              <a:gd name="T25" fmla="*/ 72 h 408"/>
+              <a:gd name="T26" fmla="*/ 411 w 595"/>
+              <a:gd name="T27" fmla="*/ 65 h 408"/>
+              <a:gd name="T28" fmla="*/ 396 w 595"/>
+              <a:gd name="T29" fmla="*/ 54 h 408"/>
+              <a:gd name="T30" fmla="*/ 382 w 595"/>
+              <a:gd name="T31" fmla="*/ 43 h 408"/>
+              <a:gd name="T32" fmla="*/ 373 w 595"/>
+              <a:gd name="T33" fmla="*/ 33 h 408"/>
+              <a:gd name="T34" fmla="*/ 361 w 595"/>
+              <a:gd name="T35" fmla="*/ 27 h 408"/>
+              <a:gd name="T36" fmla="*/ 346 w 595"/>
+              <a:gd name="T37" fmla="*/ 15 h 408"/>
+              <a:gd name="T38" fmla="*/ 336 w 595"/>
+              <a:gd name="T39" fmla="*/ 7 h 408"/>
+              <a:gd name="T40" fmla="*/ 322 w 595"/>
+              <a:gd name="T41" fmla="*/ 1 h 408"/>
+              <a:gd name="T42" fmla="*/ 313 w 595"/>
+              <a:gd name="T43" fmla="*/ 22 h 408"/>
+              <a:gd name="T44" fmla="*/ 314 w 595"/>
+              <a:gd name="T45" fmla="*/ 39 h 408"/>
+              <a:gd name="T46" fmla="*/ 313 w 595"/>
+              <a:gd name="T47" fmla="*/ 60 h 408"/>
+              <a:gd name="T48" fmla="*/ 314 w 595"/>
+              <a:gd name="T49" fmla="*/ 78 h 408"/>
+              <a:gd name="T50" fmla="*/ 313 w 595"/>
+              <a:gd name="T51" fmla="*/ 98 h 408"/>
+              <a:gd name="T52" fmla="*/ 168 w 595"/>
+              <a:gd name="T53" fmla="*/ 95 h 408"/>
+              <a:gd name="T54" fmla="*/ 5 w 595"/>
+              <a:gd name="T55" fmla="*/ 118 h 408"/>
+              <a:gd name="T56" fmla="*/ 16 w 595"/>
+              <a:gd name="T57" fmla="*/ 131 h 408"/>
+              <a:gd name="T58" fmla="*/ 24 w 595"/>
+              <a:gd name="T59" fmla="*/ 140 h 408"/>
+              <a:gd name="T60" fmla="*/ 34 w 595"/>
+              <a:gd name="T61" fmla="*/ 150 h 408"/>
+              <a:gd name="T62" fmla="*/ 42 w 595"/>
+              <a:gd name="T63" fmla="*/ 158 h 408"/>
+              <a:gd name="T64" fmla="*/ 50 w 595"/>
+              <a:gd name="T65" fmla="*/ 170 h 408"/>
+              <a:gd name="T66" fmla="*/ 62 w 595"/>
+              <a:gd name="T67" fmla="*/ 184 h 408"/>
+              <a:gd name="T68" fmla="*/ 69 w 595"/>
+              <a:gd name="T69" fmla="*/ 188 h 408"/>
+              <a:gd name="T70" fmla="*/ 81 w 595"/>
+              <a:gd name="T71" fmla="*/ 206 h 408"/>
+              <a:gd name="T72" fmla="*/ 57 w 595"/>
+              <a:gd name="T73" fmla="*/ 236 h 408"/>
+              <a:gd name="T74" fmla="*/ 22 w 595"/>
+              <a:gd name="T75" fmla="*/ 278 h 408"/>
+              <a:gd name="T76" fmla="*/ 0 w 595"/>
+              <a:gd name="T77" fmla="*/ 305 h 408"/>
+              <a:gd name="T78" fmla="*/ 14 w 595"/>
+              <a:gd name="T79" fmla="*/ 327 h 408"/>
+              <a:gd name="T80" fmla="*/ 312 w 595"/>
+              <a:gd name="T81" fmla="*/ 317 h 408"/>
+              <a:gd name="T82" fmla="*/ 314 w 595"/>
+              <a:gd name="T83" fmla="*/ 335 h 408"/>
+              <a:gd name="T84" fmla="*/ 314 w 595"/>
+              <a:gd name="T85" fmla="*/ 349 h 408"/>
+              <a:gd name="T86" fmla="*/ 313 w 595"/>
+              <a:gd name="T87" fmla="*/ 366 h 408"/>
+              <a:gd name="T88" fmla="*/ 313 w 595"/>
+              <a:gd name="T89" fmla="*/ 382 h 408"/>
+              <a:gd name="T90" fmla="*/ 316 w 595"/>
+              <a:gd name="T91" fmla="*/ 402 h 408"/>
+              <a:gd name="T92" fmla="*/ 325 w 595"/>
+              <a:gd name="T93" fmla="*/ 406 h 408"/>
+              <a:gd name="T94" fmla="*/ 343 w 595"/>
+              <a:gd name="T95" fmla="*/ 403 h 408"/>
+              <a:gd name="T96" fmla="*/ 374 w 595"/>
+              <a:gd name="T97" fmla="*/ 380 h 408"/>
+              <a:gd name="T98" fmla="*/ 396 w 595"/>
+              <a:gd name="T99" fmla="*/ 360 h 408"/>
+              <a:gd name="T100" fmla="*/ 427 w 595"/>
+              <a:gd name="T101" fmla="*/ 337 h 408"/>
+              <a:gd name="T102" fmla="*/ 461 w 595"/>
+              <a:gd name="T103" fmla="*/ 310 h 408"/>
+              <a:gd name="T104" fmla="*/ 482 w 595"/>
+              <a:gd name="T105" fmla="*/ 294 h 408"/>
+              <a:gd name="T106" fmla="*/ 513 w 595"/>
+              <a:gd name="T107" fmla="*/ 270 h 408"/>
+              <a:gd name="T108" fmla="*/ 545 w 595"/>
+              <a:gd name="T109" fmla="*/ 246 h 408"/>
+              <a:gd name="T110" fmla="*/ 578 w 595"/>
+              <a:gd name="T111" fmla="*/ 223 h 408"/>
+            </a:gdLst>
+            <a:ahLst/>
+            <a:cxnLst>
+              <a:cxn ang="0">
+                <a:pos x="T0" y="T1"/>
+              </a:cxn>
+              <a:cxn ang="0">
+                <a:pos x="T2" y="T3"/>
+              </a:cxn>
+              <a:cxn ang="0">
+                <a:pos x="T4" y="T5"/>
+              </a:cxn>
+              <a:cxn ang="0">
+                <a:pos x="T6" y="T7"/>
+              </a:cxn>
+              <a:cxn ang="0">
+                <a:pos x="T8" y="T9"/>
+              </a:cxn>
+              <a:cxn ang="0">
+                <a:pos x="T10" y="T11"/>
+              </a:cxn>
+              <a:cxn ang="0">
+                <a:pos x="T12" y="T13"/>
+              </a:cxn>
+              <a:cxn ang="0">
+                <a:pos x="T14" y="T15"/>
+              </a:cxn>
+              <a:cxn ang="0">
+                <a:pos x="T16" y="T17"/>
+              </a:cxn>
+              <a:cxn ang="0">
+                <a:pos x="T18" y="T19"/>
+              </a:cxn>
+              <a:cxn ang="0">
+                <a:pos x="T20" y="T21"/>
+              </a:cxn>
+              <a:cxn ang="0">
+                <a:pos x="T22" y="T23"/>
+              </a:cxn>
+              <a:cxn ang="0">
+                <a:pos x="T24" y="T25"/>
+              </a:cxn>
+              <a:cxn ang="0">
+                <a:pos x="T26" y="T27"/>
+              </a:cxn>
+              <a:cxn ang="0">
+                <a:pos x="T28" y="T29"/>
+              </a:cxn>
+              <a:cxn ang="0">
+                <a:pos x="T30" y="T31"/>
+              </a:cxn>
+              <a:cxn ang="0">
+                <a:pos x="T32" y="T33"/>
+              </a:cxn>
+              <a:cxn ang="0">
+                <a:pos x="T34" y="T35"/>
+              </a:cxn>
+              <a:cxn ang="0">
+                <a:pos x="T36" y="T37"/>
+              </a:cxn>
+              <a:cxn ang="0">
+                <a:pos x="T38" y="T39"/>
+              </a:cxn>
+              <a:cxn ang="0">
+                <a:pos x="T40" y="T41"/>
+              </a:cxn>
+              <a:cxn ang="0">
+                <a:pos x="T42" y="T43"/>
+              </a:cxn>
+              <a:cxn ang="0">
+                <a:pos x="T44" y="T45"/>
+              </a:cxn>
+              <a:cxn ang="0">
+                <a:pos x="T46" y="T47"/>
+              </a:cxn>
+              <a:cxn ang="0">
+                <a:pos x="T48" y="T49"/>
+              </a:cxn>
+              <a:cxn ang="0">
+                <a:pos x="T50" y="T51"/>
+              </a:cxn>
+              <a:cxn ang="0">
+                <a:pos x="T52" y="T53"/>
+              </a:cxn>
+              <a:cxn ang="0">
+                <a:pos x="T54" y="T55"/>
+              </a:cxn>
+              <a:cxn ang="0">
+                <a:pos x="T56" y="T57"/>
+              </a:cxn>
+              <a:cxn ang="0">
+                <a:pos x="T58" y="T59"/>
+              </a:cxn>
+              <a:cxn ang="0">
+                <a:pos x="T60" y="T61"/>
+              </a:cxn>
+              <a:cxn ang="0">
+                <a:pos x="T62" y="T63"/>
+              </a:cxn>
+              <a:cxn ang="0">
+                <a:pos x="T64" y="T65"/>
+              </a:cxn>
+              <a:cxn ang="0">
+                <a:pos x="T66" y="T67"/>
+              </a:cxn>
+              <a:cxn ang="0">
+                <a:pos x="T68" y="T69"/>
+              </a:cxn>
+              <a:cxn ang="0">
+                <a:pos x="T70" y="T71"/>
+              </a:cxn>
+              <a:cxn ang="0">
+                <a:pos x="T72" y="T73"/>
+              </a:cxn>
+              <a:cxn ang="0">
+                <a:pos x="T74" y="T75"/>
+              </a:cxn>
+              <a:cxn ang="0">
+                <a:pos x="T76" y="T77"/>
+              </a:cxn>
+              <a:cxn ang="0">
+                <a:pos x="T78" y="T79"/>
+              </a:cxn>
+              <a:cxn ang="0">
+                <a:pos x="T80" y="T81"/>
+              </a:cxn>
+              <a:cxn ang="0">
+                <a:pos x="T82" y="T83"/>
+              </a:cxn>
+              <a:cxn ang="0">
+                <a:pos x="T84" y="T85"/>
+              </a:cxn>
+              <a:cxn ang="0">
+                <a:pos x="T86" y="T87"/>
+              </a:cxn>
+              <a:cxn ang="0">
+                <a:pos x="T88" y="T89"/>
+              </a:cxn>
+              <a:cxn ang="0">
+                <a:pos x="T90" y="T91"/>
+              </a:cxn>
+              <a:cxn ang="0">
+                <a:pos x="T92" y="T93"/>
+              </a:cxn>
+              <a:cxn ang="0">
+                <a:pos x="T94" y="T95"/>
+              </a:cxn>
+              <a:cxn ang="0">
+                <a:pos x="T96" y="T97"/>
+              </a:cxn>
+              <a:cxn ang="0">
+                <a:pos x="T98" y="T99"/>
+              </a:cxn>
+              <a:cxn ang="0">
+                <a:pos x="T100" y="T101"/>
+              </a:cxn>
+              <a:cxn ang="0">
+                <a:pos x="T102" y="T103"/>
+              </a:cxn>
+              <a:cxn ang="0">
+                <a:pos x="T104" y="T105"/>
+              </a:cxn>
+              <a:cxn ang="0">
+                <a:pos x="T106" y="T107"/>
+              </a:cxn>
+              <a:cxn ang="0">
+                <a:pos x="T108" y="T109"/>
+              </a:cxn>
+              <a:cxn ang="0">
+                <a:pos x="T110" y="T111"/>
+              </a:cxn>
+            </a:cxnLst>
+            <a:rect l="0" t="0" r="r" b="b"/>
+            <a:pathLst>
+              <a:path w="595" h="408">
+                <a:moveTo>
+                  <a:pt x="592" y="199"/>
+                </a:moveTo>
+                <a:cubicBezTo>
+                  <a:pt x="590" y="198"/>
+                  <a:pt x="588" y="198"/>
+                  <a:pt x="587" y="197"/>
+                </a:cubicBezTo>
+                <a:cubicBezTo>
+                  <a:pt x="584" y="194"/>
+                  <a:pt x="580" y="193"/>
+                  <a:pt x="578" y="192"/>
+                </a:cubicBezTo>
+                <a:cubicBezTo>
+                  <a:pt x="578" y="192"/>
+                  <a:pt x="578" y="191"/>
+                  <a:pt x="578" y="191"/>
+                </a:cubicBezTo>
+                <a:cubicBezTo>
+                  <a:pt x="577" y="189"/>
+                  <a:pt x="576" y="188"/>
+                  <a:pt x="574" y="186"/>
+                </a:cubicBezTo>
+                <a:cubicBezTo>
+                  <a:pt x="573" y="185"/>
+                  <a:pt x="571" y="185"/>
+                  <a:pt x="570" y="185"/>
+                </a:cubicBezTo>
+                <a:cubicBezTo>
+                  <a:pt x="567" y="182"/>
+                  <a:pt x="564" y="180"/>
+                  <a:pt x="562" y="179"/>
+                </a:cubicBezTo>
+                <a:cubicBezTo>
+                  <a:pt x="562" y="179"/>
+                  <a:pt x="562" y="179"/>
+                  <a:pt x="562" y="179"/>
+                </a:cubicBezTo>
+                <a:cubicBezTo>
+                  <a:pt x="561" y="177"/>
+                  <a:pt x="560" y="175"/>
+                  <a:pt x="558" y="173"/>
+                </a:cubicBezTo>
+                <a:cubicBezTo>
+                  <a:pt x="556" y="173"/>
+                  <a:pt x="555" y="172"/>
+                  <a:pt x="553" y="172"/>
+                </a:cubicBezTo>
+                <a:cubicBezTo>
+                  <a:pt x="551" y="168"/>
+                  <a:pt x="547" y="166"/>
+                  <a:pt x="544" y="164"/>
+                </a:cubicBezTo>
+                <a:cubicBezTo>
+                  <a:pt x="544" y="164"/>
+                  <a:pt x="544" y="164"/>
+                  <a:pt x="544" y="164"/>
+                </a:cubicBezTo>
+                <a:cubicBezTo>
+                  <a:pt x="543" y="163"/>
+                  <a:pt x="542" y="162"/>
+                  <a:pt x="541" y="161"/>
+                </a:cubicBezTo>
+                <a:cubicBezTo>
+                  <a:pt x="539" y="159"/>
+                  <a:pt x="536" y="159"/>
+                  <a:pt x="534" y="159"/>
+                </a:cubicBezTo>
+                <a:cubicBezTo>
+                  <a:pt x="533" y="159"/>
+                  <a:pt x="533" y="159"/>
+                  <a:pt x="533" y="159"/>
+                </a:cubicBezTo>
+                <a:cubicBezTo>
+                  <a:pt x="532" y="158"/>
+                  <a:pt x="529" y="156"/>
+                  <a:pt x="529" y="156"/>
+                </a:cubicBezTo>
+                <a:cubicBezTo>
+                  <a:pt x="528" y="153"/>
+                  <a:pt x="527" y="150"/>
+                  <a:pt x="525" y="148"/>
+                </a:cubicBezTo>
+                <a:cubicBezTo>
+                  <a:pt x="523" y="147"/>
+                  <a:pt x="521" y="146"/>
+                  <a:pt x="519" y="146"/>
+                </a:cubicBezTo>
+                <a:cubicBezTo>
+                  <a:pt x="517" y="144"/>
+                  <a:pt x="515" y="142"/>
+                  <a:pt x="512" y="139"/>
+                </a:cubicBezTo>
+                <a:cubicBezTo>
+                  <a:pt x="512" y="139"/>
+                  <a:pt x="511" y="139"/>
+                  <a:pt x="511" y="139"/>
+                </a:cubicBezTo>
+                <a:cubicBezTo>
+                  <a:pt x="510" y="138"/>
+                  <a:pt x="509" y="137"/>
+                  <a:pt x="508" y="136"/>
+                </a:cubicBezTo>
+                <a:cubicBezTo>
+                  <a:pt x="507" y="135"/>
+                  <a:pt x="505" y="134"/>
+                  <a:pt x="504" y="134"/>
+                </a:cubicBezTo>
+                <a:cubicBezTo>
+                  <a:pt x="501" y="131"/>
+                  <a:pt x="497" y="128"/>
+                  <a:pt x="493" y="125"/>
+                </a:cubicBezTo>
+                <a:cubicBezTo>
+                  <a:pt x="493" y="124"/>
+                  <a:pt x="493" y="124"/>
+                  <a:pt x="492" y="124"/>
+                </a:cubicBezTo>
+                <a:cubicBezTo>
+                  <a:pt x="490" y="122"/>
+                  <a:pt x="489" y="122"/>
+                  <a:pt x="487" y="121"/>
+                </a:cubicBezTo>
+                <a:cubicBezTo>
+                  <a:pt x="484" y="118"/>
+                  <a:pt x="480" y="114"/>
+                  <a:pt x="476" y="112"/>
+                </a:cubicBezTo>
+                <a:cubicBezTo>
+                  <a:pt x="476" y="111"/>
+                  <a:pt x="476" y="111"/>
+                  <a:pt x="475" y="111"/>
+                </a:cubicBezTo>
+                <a:cubicBezTo>
+                  <a:pt x="473" y="109"/>
+                  <a:pt x="471" y="109"/>
+                  <a:pt x="469" y="109"/>
+                </a:cubicBezTo>
+                <a:cubicBezTo>
+                  <a:pt x="468" y="109"/>
+                  <a:pt x="467" y="108"/>
+                  <a:pt x="466" y="107"/>
+                </a:cubicBezTo>
+                <a:cubicBezTo>
+                  <a:pt x="465" y="106"/>
+                  <a:pt x="462" y="104"/>
+                  <a:pt x="461" y="103"/>
+                </a:cubicBezTo>
+                <a:cubicBezTo>
+                  <a:pt x="461" y="101"/>
+                  <a:pt x="460" y="99"/>
+                  <a:pt x="458" y="98"/>
+                </a:cubicBezTo>
+                <a:cubicBezTo>
+                  <a:pt x="456" y="96"/>
+                  <a:pt x="453" y="96"/>
+                  <a:pt x="452" y="96"/>
+                </a:cubicBezTo>
+                <a:cubicBezTo>
+                  <a:pt x="451" y="96"/>
+                  <a:pt x="450" y="95"/>
+                  <a:pt x="450" y="95"/>
+                </a:cubicBezTo>
+                <a:cubicBezTo>
+                  <a:pt x="448" y="94"/>
+                  <a:pt x="446" y="92"/>
+                  <a:pt x="445" y="90"/>
+                </a:cubicBezTo>
+                <a:cubicBezTo>
+                  <a:pt x="444" y="88"/>
+                  <a:pt x="443" y="87"/>
+                  <a:pt x="442" y="85"/>
+                </a:cubicBezTo>
+                <a:cubicBezTo>
+                  <a:pt x="440" y="84"/>
+                  <a:pt x="438" y="83"/>
+                  <a:pt x="437" y="83"/>
+                </a:cubicBezTo>
+                <a:cubicBezTo>
+                  <a:pt x="434" y="80"/>
+                  <a:pt x="431" y="78"/>
+                  <a:pt x="429" y="76"/>
+                </a:cubicBezTo>
+                <a:cubicBezTo>
+                  <a:pt x="428" y="76"/>
+                  <a:pt x="428" y="76"/>
+                  <a:pt x="427" y="76"/>
+                </a:cubicBezTo>
+                <a:cubicBezTo>
+                  <a:pt x="427" y="74"/>
+                  <a:pt x="426" y="73"/>
+                  <a:pt x="425" y="72"/>
+                </a:cubicBezTo>
+                <a:cubicBezTo>
+                  <a:pt x="423" y="71"/>
+                  <a:pt x="420" y="70"/>
+                  <a:pt x="418" y="70"/>
+                </a:cubicBezTo>
+                <a:cubicBezTo>
+                  <a:pt x="417" y="69"/>
+                  <a:pt x="416" y="68"/>
+                  <a:pt x="414" y="67"/>
+                </a:cubicBezTo>
+                <a:cubicBezTo>
+                  <a:pt x="413" y="67"/>
+                  <a:pt x="412" y="65"/>
+                  <a:pt x="411" y="65"/>
+                </a:cubicBezTo>
+                <a:cubicBezTo>
+                  <a:pt x="410" y="62"/>
+                  <a:pt x="409" y="60"/>
+                  <a:pt x="407" y="58"/>
+                </a:cubicBezTo>
+                <a:cubicBezTo>
+                  <a:pt x="405" y="57"/>
+                  <a:pt x="403" y="57"/>
+                  <a:pt x="401" y="57"/>
+                </a:cubicBezTo>
+                <a:cubicBezTo>
+                  <a:pt x="399" y="55"/>
+                  <a:pt x="398" y="54"/>
+                  <a:pt x="396" y="54"/>
+                </a:cubicBezTo>
+                <a:cubicBezTo>
+                  <a:pt x="396" y="53"/>
+                  <a:pt x="394" y="53"/>
+                  <a:pt x="394" y="52"/>
+                </a:cubicBezTo>
+                <a:cubicBezTo>
+                  <a:pt x="393" y="49"/>
+                  <a:pt x="392" y="47"/>
+                  <a:pt x="390" y="45"/>
+                </a:cubicBezTo>
+                <a:cubicBezTo>
+                  <a:pt x="387" y="43"/>
+                  <a:pt x="384" y="43"/>
+                  <a:pt x="382" y="43"/>
+                </a:cubicBezTo>
+                <a:cubicBezTo>
+                  <a:pt x="382" y="43"/>
+                  <a:pt x="382" y="43"/>
+                  <a:pt x="382" y="43"/>
+                </a:cubicBezTo>
+                <a:cubicBezTo>
+                  <a:pt x="381" y="43"/>
+                  <a:pt x="378" y="41"/>
+                  <a:pt x="377" y="40"/>
+                </a:cubicBezTo>
+                <a:cubicBezTo>
+                  <a:pt x="377" y="37"/>
+                  <a:pt x="376" y="34"/>
+                  <a:pt x="373" y="33"/>
+                </a:cubicBezTo>
+                <a:cubicBezTo>
+                  <a:pt x="371" y="31"/>
+                  <a:pt x="369" y="31"/>
+                  <a:pt x="367" y="31"/>
+                </a:cubicBezTo>
+                <a:cubicBezTo>
+                  <a:pt x="366" y="30"/>
+                  <a:pt x="365" y="30"/>
+                  <a:pt x="364" y="29"/>
+                </a:cubicBezTo>
+                <a:cubicBezTo>
+                  <a:pt x="363" y="29"/>
+                  <a:pt x="362" y="28"/>
+                  <a:pt x="361" y="27"/>
+                </a:cubicBezTo>
+                <a:cubicBezTo>
+                  <a:pt x="361" y="25"/>
+                  <a:pt x="359" y="23"/>
+                  <a:pt x="357" y="21"/>
+                </a:cubicBezTo>
+                <a:cubicBezTo>
+                  <a:pt x="356" y="20"/>
+                  <a:pt x="354" y="19"/>
+                  <a:pt x="353" y="19"/>
+                </a:cubicBezTo>
+                <a:cubicBezTo>
+                  <a:pt x="351" y="17"/>
+                  <a:pt x="348" y="16"/>
+                  <a:pt x="346" y="15"/>
+                </a:cubicBezTo>
+                <a:cubicBezTo>
+                  <a:pt x="346" y="14"/>
+                  <a:pt x="345" y="14"/>
+                  <a:pt x="344" y="13"/>
+                </a:cubicBezTo>
+                <a:cubicBezTo>
+                  <a:pt x="344" y="12"/>
+                  <a:pt x="343" y="10"/>
+                  <a:pt x="341" y="9"/>
+                </a:cubicBezTo>
+                <a:cubicBezTo>
+                  <a:pt x="340" y="7"/>
+                  <a:pt x="338" y="7"/>
+                  <a:pt x="336" y="7"/>
+                </a:cubicBezTo>
+                <a:cubicBezTo>
+                  <a:pt x="336" y="5"/>
+                  <a:pt x="335" y="4"/>
+                  <a:pt x="333" y="3"/>
+                </a:cubicBezTo>
+                <a:cubicBezTo>
+                  <a:pt x="330" y="0"/>
+                  <a:pt x="326" y="0"/>
+                  <a:pt x="324" y="1"/>
+                </a:cubicBezTo>
+                <a:cubicBezTo>
+                  <a:pt x="323" y="1"/>
+                  <a:pt x="322" y="1"/>
+                  <a:pt x="322" y="1"/>
+                </a:cubicBezTo>
+                <a:cubicBezTo>
+                  <a:pt x="317" y="1"/>
+                  <a:pt x="313" y="5"/>
+                  <a:pt x="313" y="10"/>
+                </a:cubicBezTo>
+                <a:cubicBezTo>
+                  <a:pt x="313" y="12"/>
+                  <a:pt x="313" y="13"/>
+                  <a:pt x="314" y="15"/>
+                </a:cubicBezTo>
+                <a:cubicBezTo>
+                  <a:pt x="313" y="17"/>
+                  <a:pt x="313" y="20"/>
+                  <a:pt x="313" y="22"/>
+                </a:cubicBezTo>
+                <a:cubicBezTo>
+                  <a:pt x="313" y="24"/>
+                  <a:pt x="313" y="26"/>
+                  <a:pt x="314" y="27"/>
+                </a:cubicBezTo>
+                <a:cubicBezTo>
+                  <a:pt x="313" y="29"/>
+                  <a:pt x="313" y="32"/>
+                  <a:pt x="313" y="35"/>
+                </a:cubicBezTo>
+                <a:cubicBezTo>
+                  <a:pt x="313" y="36"/>
+                  <a:pt x="313" y="38"/>
+                  <a:pt x="314" y="39"/>
+                </a:cubicBezTo>
+                <a:cubicBezTo>
+                  <a:pt x="313" y="42"/>
+                  <a:pt x="313" y="45"/>
+                  <a:pt x="313" y="48"/>
+                </a:cubicBezTo>
+                <a:cubicBezTo>
+                  <a:pt x="313" y="50"/>
+                  <a:pt x="313" y="51"/>
+                  <a:pt x="314" y="53"/>
+                </a:cubicBezTo>
+                <a:cubicBezTo>
+                  <a:pt x="313" y="55"/>
+                  <a:pt x="313" y="57"/>
+                  <a:pt x="313" y="60"/>
+                </a:cubicBezTo>
+                <a:cubicBezTo>
+                  <a:pt x="313" y="62"/>
+                  <a:pt x="313" y="64"/>
+                  <a:pt x="314" y="65"/>
+                </a:cubicBezTo>
+                <a:cubicBezTo>
+                  <a:pt x="313" y="68"/>
+                  <a:pt x="313" y="70"/>
+                  <a:pt x="313" y="73"/>
+                </a:cubicBezTo>
+                <a:cubicBezTo>
+                  <a:pt x="313" y="75"/>
+                  <a:pt x="313" y="76"/>
+                  <a:pt x="314" y="78"/>
+                </a:cubicBezTo>
+                <a:cubicBezTo>
+                  <a:pt x="313" y="80"/>
+                  <a:pt x="313" y="82"/>
+                  <a:pt x="313" y="85"/>
+                </a:cubicBezTo>
+                <a:cubicBezTo>
+                  <a:pt x="313" y="87"/>
+                  <a:pt x="313" y="89"/>
+                  <a:pt x="314" y="90"/>
+                </a:cubicBezTo>
+                <a:cubicBezTo>
+                  <a:pt x="313" y="92"/>
+                  <a:pt x="313" y="95"/>
+                  <a:pt x="313" y="98"/>
+                </a:cubicBezTo>
+                <a:cubicBezTo>
+                  <a:pt x="313" y="98"/>
+                  <a:pt x="313" y="99"/>
+                  <a:pt x="313" y="99"/>
+                </a:cubicBezTo>
+                <a:cubicBezTo>
+                  <a:pt x="308" y="101"/>
+                  <a:pt x="297" y="104"/>
+                  <a:pt x="268" y="103"/>
+                </a:cubicBezTo>
+                <a:cubicBezTo>
+                  <a:pt x="240" y="102"/>
+                  <a:pt x="204" y="99"/>
+                  <a:pt x="168" y="95"/>
+                </a:cubicBezTo>
+                <a:cubicBezTo>
+                  <a:pt x="80" y="86"/>
+                  <a:pt x="24" y="82"/>
+                  <a:pt x="7" y="98"/>
+                </a:cubicBezTo>
+                <a:cubicBezTo>
+                  <a:pt x="3" y="101"/>
+                  <a:pt x="1" y="106"/>
+                  <a:pt x="1" y="111"/>
+                </a:cubicBezTo>
+                <a:cubicBezTo>
+                  <a:pt x="1" y="114"/>
+                  <a:pt x="3" y="117"/>
+                  <a:pt x="5" y="118"/>
+                </a:cubicBezTo>
+                <a:cubicBezTo>
+                  <a:pt x="6" y="119"/>
+                  <a:pt x="8" y="120"/>
+                  <a:pt x="10" y="120"/>
+                </a:cubicBezTo>
+                <a:cubicBezTo>
+                  <a:pt x="12" y="122"/>
+                  <a:pt x="12" y="123"/>
+                  <a:pt x="12" y="124"/>
+                </a:cubicBezTo>
+                <a:cubicBezTo>
+                  <a:pt x="12" y="127"/>
+                  <a:pt x="14" y="130"/>
+                  <a:pt x="16" y="131"/>
+                </a:cubicBezTo>
+                <a:cubicBezTo>
+                  <a:pt x="17" y="132"/>
+                  <a:pt x="18" y="132"/>
+                  <a:pt x="19" y="133"/>
+                </a:cubicBezTo>
+                <a:cubicBezTo>
+                  <a:pt x="20" y="135"/>
+                  <a:pt x="22" y="137"/>
+                  <a:pt x="23" y="139"/>
+                </a:cubicBezTo>
+                <a:cubicBezTo>
+                  <a:pt x="24" y="139"/>
+                  <a:pt x="24" y="140"/>
+                  <a:pt x="24" y="140"/>
+                </a:cubicBezTo>
+                <a:cubicBezTo>
+                  <a:pt x="25" y="142"/>
+                  <a:pt x="26" y="143"/>
+                  <a:pt x="27" y="144"/>
+                </a:cubicBezTo>
+                <a:cubicBezTo>
+                  <a:pt x="28" y="145"/>
+                  <a:pt x="30" y="145"/>
+                  <a:pt x="31" y="146"/>
+                </a:cubicBezTo>
+                <a:cubicBezTo>
+                  <a:pt x="31" y="147"/>
+                  <a:pt x="32" y="149"/>
+                  <a:pt x="34" y="150"/>
+                </a:cubicBezTo>
+                <a:cubicBezTo>
+                  <a:pt x="34" y="151"/>
+                  <a:pt x="35" y="152"/>
+                  <a:pt x="35" y="152"/>
+                </a:cubicBezTo>
+                <a:cubicBezTo>
+                  <a:pt x="36" y="154"/>
+                  <a:pt x="36" y="155"/>
+                  <a:pt x="38" y="156"/>
+                </a:cubicBezTo>
+                <a:cubicBezTo>
+                  <a:pt x="39" y="157"/>
+                  <a:pt x="41" y="158"/>
+                  <a:pt x="42" y="158"/>
+                </a:cubicBezTo>
+                <a:cubicBezTo>
+                  <a:pt x="42" y="159"/>
+                  <a:pt x="43" y="159"/>
+                  <a:pt x="43" y="159"/>
+                </a:cubicBezTo>
+                <a:cubicBezTo>
+                  <a:pt x="44" y="161"/>
+                  <a:pt x="46" y="163"/>
+                  <a:pt x="46" y="164"/>
+                </a:cubicBezTo>
+                <a:cubicBezTo>
+                  <a:pt x="47" y="167"/>
+                  <a:pt x="48" y="169"/>
+                  <a:pt x="50" y="170"/>
+                </a:cubicBezTo>
+                <a:cubicBezTo>
+                  <a:pt x="52" y="171"/>
+                  <a:pt x="54" y="172"/>
+                  <a:pt x="55" y="172"/>
+                </a:cubicBezTo>
+                <a:cubicBezTo>
+                  <a:pt x="57" y="174"/>
+                  <a:pt x="58" y="176"/>
+                  <a:pt x="58" y="176"/>
+                </a:cubicBezTo>
+                <a:cubicBezTo>
+                  <a:pt x="58" y="179"/>
+                  <a:pt x="59" y="182"/>
+                  <a:pt x="62" y="184"/>
+                </a:cubicBezTo>
+                <a:cubicBezTo>
+                  <a:pt x="64" y="185"/>
+                  <a:pt x="66" y="185"/>
+                  <a:pt x="67" y="185"/>
+                </a:cubicBezTo>
+                <a:cubicBezTo>
+                  <a:pt x="67" y="185"/>
+                  <a:pt x="67" y="185"/>
+                  <a:pt x="67" y="185"/>
+                </a:cubicBezTo>
+                <a:cubicBezTo>
+                  <a:pt x="68" y="186"/>
+                  <a:pt x="69" y="188"/>
+                  <a:pt x="69" y="188"/>
+                </a:cubicBezTo>
+                <a:cubicBezTo>
+                  <a:pt x="69" y="191"/>
+                  <a:pt x="70" y="193"/>
+                  <a:pt x="72" y="195"/>
+                </a:cubicBezTo>
+                <a:cubicBezTo>
+                  <a:pt x="73" y="196"/>
+                  <a:pt x="74" y="197"/>
+                  <a:pt x="75" y="197"/>
+                </a:cubicBezTo>
+                <a:cubicBezTo>
+                  <a:pt x="76" y="201"/>
+                  <a:pt x="79" y="204"/>
+                  <a:pt x="81" y="206"/>
+                </a:cubicBezTo>
+                <a:cubicBezTo>
+                  <a:pt x="80" y="208"/>
+                  <a:pt x="79" y="210"/>
+                  <a:pt x="79" y="212"/>
+                </a:cubicBezTo>
+                <a:cubicBezTo>
+                  <a:pt x="68" y="221"/>
+                  <a:pt x="68" y="222"/>
+                  <a:pt x="68" y="226"/>
+                </a:cubicBezTo>
+                <a:cubicBezTo>
+                  <a:pt x="63" y="228"/>
+                  <a:pt x="58" y="231"/>
+                  <a:pt x="57" y="236"/>
+                </a:cubicBezTo>
+                <a:cubicBezTo>
+                  <a:pt x="50" y="241"/>
+                  <a:pt x="46" y="246"/>
+                  <a:pt x="45" y="250"/>
+                </a:cubicBezTo>
+                <a:cubicBezTo>
+                  <a:pt x="40" y="253"/>
+                  <a:pt x="35" y="257"/>
+                  <a:pt x="34" y="262"/>
+                </a:cubicBezTo>
+                <a:cubicBezTo>
+                  <a:pt x="23" y="270"/>
+                  <a:pt x="22" y="275"/>
+                  <a:pt x="22" y="278"/>
+                </a:cubicBezTo>
+                <a:cubicBezTo>
+                  <a:pt x="20" y="280"/>
+                  <a:pt x="17" y="282"/>
+                  <a:pt x="14" y="285"/>
+                </a:cubicBezTo>
+                <a:cubicBezTo>
+                  <a:pt x="13" y="286"/>
+                  <a:pt x="12" y="287"/>
+                  <a:pt x="11" y="289"/>
+                </a:cubicBezTo>
+                <a:cubicBezTo>
+                  <a:pt x="0" y="298"/>
+                  <a:pt x="0" y="302"/>
+                  <a:pt x="0" y="305"/>
+                </a:cubicBezTo>
+                <a:cubicBezTo>
+                  <a:pt x="0" y="307"/>
+                  <a:pt x="1" y="310"/>
+                  <a:pt x="3" y="312"/>
+                </a:cubicBezTo>
+                <a:cubicBezTo>
+                  <a:pt x="4" y="312"/>
+                  <a:pt x="4" y="312"/>
+                  <a:pt x="4" y="313"/>
+                </a:cubicBezTo>
+                <a:cubicBezTo>
+                  <a:pt x="6" y="318"/>
+                  <a:pt x="9" y="323"/>
+                  <a:pt x="14" y="327"/>
+                </a:cubicBezTo>
+                <a:cubicBezTo>
+                  <a:pt x="36" y="345"/>
+                  <a:pt x="92" y="331"/>
+                  <a:pt x="157" y="316"/>
+                </a:cubicBezTo>
+                <a:cubicBezTo>
+                  <a:pt x="217" y="301"/>
+                  <a:pt x="284" y="285"/>
+                  <a:pt x="306" y="301"/>
+                </a:cubicBezTo>
+                <a:cubicBezTo>
+                  <a:pt x="309" y="304"/>
+                  <a:pt x="312" y="308"/>
+                  <a:pt x="312" y="317"/>
+                </a:cubicBezTo>
+                <a:cubicBezTo>
+                  <a:pt x="312" y="319"/>
+                  <a:pt x="313" y="321"/>
+                  <a:pt x="314" y="322"/>
+                </a:cubicBezTo>
+                <a:cubicBezTo>
+                  <a:pt x="313" y="325"/>
+                  <a:pt x="312" y="328"/>
+                  <a:pt x="312" y="330"/>
+                </a:cubicBezTo>
+                <a:cubicBezTo>
+                  <a:pt x="312" y="332"/>
+                  <a:pt x="313" y="334"/>
+                  <a:pt x="314" y="335"/>
+                </a:cubicBezTo>
+                <a:cubicBezTo>
+                  <a:pt x="313" y="337"/>
+                  <a:pt x="313" y="340"/>
+                  <a:pt x="313" y="343"/>
+                </a:cubicBezTo>
+                <a:cubicBezTo>
+                  <a:pt x="313" y="345"/>
+                  <a:pt x="313" y="347"/>
+                  <a:pt x="314" y="348"/>
+                </a:cubicBezTo>
+                <a:cubicBezTo>
+                  <a:pt x="314" y="349"/>
+                  <a:pt x="314" y="349"/>
+                  <a:pt x="314" y="349"/>
+                </a:cubicBezTo>
+                <a:cubicBezTo>
+                  <a:pt x="313" y="353"/>
+                  <a:pt x="313" y="354"/>
+                  <a:pt x="313" y="356"/>
+                </a:cubicBezTo>
+                <a:cubicBezTo>
+                  <a:pt x="313" y="358"/>
+                  <a:pt x="313" y="359"/>
+                  <a:pt x="314" y="361"/>
+                </a:cubicBezTo>
+                <a:cubicBezTo>
+                  <a:pt x="314" y="363"/>
+                  <a:pt x="313" y="365"/>
+                  <a:pt x="313" y="366"/>
+                </a:cubicBezTo>
+                <a:cubicBezTo>
+                  <a:pt x="312" y="369"/>
+                  <a:pt x="313" y="372"/>
+                  <a:pt x="314" y="374"/>
+                </a:cubicBezTo>
+                <a:cubicBezTo>
+                  <a:pt x="314" y="375"/>
+                  <a:pt x="314" y="376"/>
+                  <a:pt x="314" y="377"/>
+                </a:cubicBezTo>
+                <a:cubicBezTo>
+                  <a:pt x="313" y="379"/>
+                  <a:pt x="313" y="380"/>
+                  <a:pt x="313" y="382"/>
+                </a:cubicBezTo>
+                <a:cubicBezTo>
+                  <a:pt x="313" y="383"/>
+                  <a:pt x="313" y="385"/>
+                  <a:pt x="314" y="386"/>
+                </a:cubicBezTo>
+                <a:cubicBezTo>
+                  <a:pt x="313" y="389"/>
+                  <a:pt x="313" y="392"/>
+                  <a:pt x="313" y="395"/>
+                </a:cubicBezTo>
+                <a:cubicBezTo>
+                  <a:pt x="313" y="397"/>
+                  <a:pt x="314" y="400"/>
+                  <a:pt x="316" y="402"/>
+                </a:cubicBezTo>
+                <a:cubicBezTo>
+                  <a:pt x="318" y="403"/>
+                  <a:pt x="320" y="404"/>
+                  <a:pt x="322" y="404"/>
+                </a:cubicBezTo>
+                <a:cubicBezTo>
+                  <a:pt x="323" y="404"/>
+                  <a:pt x="323" y="404"/>
+                  <a:pt x="323" y="404"/>
+                </a:cubicBezTo>
+                <a:cubicBezTo>
+                  <a:pt x="324" y="405"/>
+                  <a:pt x="325" y="406"/>
+                  <a:pt x="325" y="406"/>
+                </a:cubicBezTo>
+                <a:cubicBezTo>
+                  <a:pt x="327" y="407"/>
+                  <a:pt x="329" y="408"/>
+                  <a:pt x="331" y="408"/>
+                </a:cubicBezTo>
+                <a:cubicBezTo>
+                  <a:pt x="332" y="408"/>
+                  <a:pt x="333" y="408"/>
+                  <a:pt x="334" y="407"/>
+                </a:cubicBezTo>
+                <a:cubicBezTo>
+                  <a:pt x="338" y="408"/>
+                  <a:pt x="341" y="406"/>
+                  <a:pt x="343" y="403"/>
+                </a:cubicBezTo>
+                <a:cubicBezTo>
+                  <a:pt x="350" y="401"/>
+                  <a:pt x="360" y="397"/>
+                  <a:pt x="360" y="387"/>
+                </a:cubicBezTo>
+                <a:cubicBezTo>
+                  <a:pt x="361" y="387"/>
+                  <a:pt x="362" y="386"/>
+                  <a:pt x="363" y="386"/>
+                </a:cubicBezTo>
+                <a:cubicBezTo>
+                  <a:pt x="367" y="385"/>
+                  <a:pt x="371" y="383"/>
+                  <a:pt x="374" y="380"/>
+                </a:cubicBezTo>
+                <a:cubicBezTo>
+                  <a:pt x="390" y="376"/>
+                  <a:pt x="393" y="367"/>
+                  <a:pt x="393" y="361"/>
+                </a:cubicBezTo>
+                <a:cubicBezTo>
+                  <a:pt x="393" y="361"/>
+                  <a:pt x="393" y="360"/>
+                  <a:pt x="393" y="360"/>
+                </a:cubicBezTo>
+                <a:cubicBezTo>
+                  <a:pt x="394" y="360"/>
+                  <a:pt x="395" y="360"/>
+                  <a:pt x="396" y="360"/>
+                </a:cubicBezTo>
+                <a:cubicBezTo>
+                  <a:pt x="401" y="359"/>
+                  <a:pt x="410" y="357"/>
+                  <a:pt x="410" y="348"/>
+                </a:cubicBezTo>
+                <a:cubicBezTo>
+                  <a:pt x="411" y="348"/>
+                  <a:pt x="411" y="348"/>
+                  <a:pt x="411" y="348"/>
+                </a:cubicBezTo>
+                <a:cubicBezTo>
+                  <a:pt x="416" y="347"/>
+                  <a:pt x="426" y="345"/>
+                  <a:pt x="427" y="337"/>
+                </a:cubicBezTo>
+                <a:cubicBezTo>
+                  <a:pt x="433" y="337"/>
+                  <a:pt x="443" y="334"/>
+                  <a:pt x="444" y="323"/>
+                </a:cubicBezTo>
+                <a:cubicBezTo>
+                  <a:pt x="447" y="322"/>
+                  <a:pt x="451" y="320"/>
+                  <a:pt x="452" y="319"/>
+                </a:cubicBezTo>
+                <a:cubicBezTo>
+                  <a:pt x="457" y="316"/>
+                  <a:pt x="461" y="315"/>
+                  <a:pt x="461" y="310"/>
+                </a:cubicBezTo>
+                <a:cubicBezTo>
+                  <a:pt x="467" y="309"/>
+                  <a:pt x="478" y="307"/>
+                  <a:pt x="478" y="296"/>
+                </a:cubicBezTo>
+                <a:cubicBezTo>
+                  <a:pt x="478" y="296"/>
+                  <a:pt x="478" y="295"/>
+                  <a:pt x="478" y="295"/>
+                </a:cubicBezTo>
+                <a:cubicBezTo>
+                  <a:pt x="480" y="294"/>
+                  <a:pt x="481" y="294"/>
+                  <a:pt x="482" y="294"/>
+                </a:cubicBezTo>
+                <a:cubicBezTo>
+                  <a:pt x="486" y="293"/>
+                  <a:pt x="492" y="292"/>
+                  <a:pt x="494" y="287"/>
+                </a:cubicBezTo>
+                <a:cubicBezTo>
+                  <a:pt x="501" y="285"/>
+                  <a:pt x="511" y="282"/>
+                  <a:pt x="511" y="271"/>
+                </a:cubicBezTo>
+                <a:cubicBezTo>
+                  <a:pt x="512" y="271"/>
+                  <a:pt x="512" y="270"/>
+                  <a:pt x="513" y="270"/>
+                </a:cubicBezTo>
+                <a:cubicBezTo>
+                  <a:pt x="518" y="269"/>
+                  <a:pt x="528" y="267"/>
+                  <a:pt x="528" y="258"/>
+                </a:cubicBezTo>
+                <a:cubicBezTo>
+                  <a:pt x="528" y="258"/>
+                  <a:pt x="529" y="258"/>
+                  <a:pt x="530" y="258"/>
+                </a:cubicBezTo>
+                <a:cubicBezTo>
+                  <a:pt x="535" y="257"/>
+                  <a:pt x="544" y="254"/>
+                  <a:pt x="545" y="246"/>
+                </a:cubicBezTo>
+                <a:cubicBezTo>
+                  <a:pt x="547" y="245"/>
+                  <a:pt x="551" y="243"/>
+                  <a:pt x="555" y="241"/>
+                </a:cubicBezTo>
+                <a:cubicBezTo>
+                  <a:pt x="556" y="241"/>
+                  <a:pt x="558" y="240"/>
+                  <a:pt x="559" y="238"/>
+                </a:cubicBezTo>
+                <a:cubicBezTo>
+                  <a:pt x="567" y="236"/>
+                  <a:pt x="576" y="232"/>
+                  <a:pt x="578" y="223"/>
+                </a:cubicBezTo>
+                <a:cubicBezTo>
+                  <a:pt x="586" y="220"/>
+                  <a:pt x="595" y="216"/>
+                  <a:pt x="595" y="207"/>
+                </a:cubicBezTo>
+                <a:cubicBezTo>
+                  <a:pt x="595" y="204"/>
+                  <a:pt x="594" y="201"/>
+                  <a:pt x="592" y="199"/>
+                </a:cubicBezTo>
+                <a:close/>
+              </a:path>
+            </a:pathLst>
+          </a:custGeom>
+          <a:solidFill>
+            <a:srgbClr val="00B0F0"/>
+          </a:solidFill>
+          <a:ln w="19050" cap="flat" cmpd="sng" algn="ctr">
+            <a:solidFill>
+              <a:srgbClr val="FFFFFF"/>
+            </a:solidFill>
+            <a:prstDash val="solid"/>
+            <a:miter lim="800000"/>
+          </a:ln>
+          <a:effectLst>
+            <a:outerShdw blurRad="50800" dist="38100" dir="5400000" algn="t" rotWithShape="0">
+              <a:prstClr val="black">
+                <a:alpha val="40000"/>
+              </a:prstClr>
+            </a:outerShdw>
+          </a:effectLst>
+        </p:spPr>
+        <p:txBody>
+          <a:bodyPr vert="horz" wrap="square" lIns="91440" tIns="45720" rIns="91440" bIns="45720" numCol="1" anchor="t" anchorCtr="0" compatLnSpc="1">
+            <a:prstTxWarp prst="textNoShape">
+              <a:avLst/>
+            </a:prstTxWarp>
+          </a:bodyPr>
+          <a:lstStyle/>
+          <a:p>
+            <a:pPr marL="0" marR="0" lvl="0" indent="0" defTabSz="914400" eaLnBrk="1" fontAlgn="auto" latinLnBrk="0" hangingPunct="1">
+              <a:lnSpc>
+                <a:spcPct val="100000"/>
+              </a:lnSpc>
+              <a:spcBef>
+                <a:spcPts val="0"/>
+              </a:spcBef>
+              <a:spcAft>
+                <a:spcPts val="0"/>
+              </a:spcAft>
+              <a:buClrTx/>
+              <a:buSzTx/>
+              <a:buFontTx/>
+              <a:buNone/>
+              <a:tabLst/>
+              <a:defRPr/>
+            </a:pPr>
+            <a:endParaRPr kumimoji="0" lang="en-US" sz="1800" b="0" i="0" u="none" strike="noStrike" kern="0" cap="none" spc="0" normalizeH="0" baseline="0" noProof="0">
+              <a:ln>
+                <a:noFill/>
+              </a:ln>
+              <a:solidFill>
+                <a:srgbClr val="FFFFFF"/>
+              </a:solidFill>
+              <a:effectLst/>
+              <a:uLnTx/>
+              <a:uFillTx/>
+              <a:latin typeface="Futura Medium" panose="020B0602020204020303" pitchFamily="34" charset="-79"/>
+              <a:cs typeface="Futura Medium" panose="020B0602020204020303" pitchFamily="34" charset="-79"/>
+            </a:endParaRPr>
+          </a:p>
+        </p:txBody>
+      </p:sp>
+      <p:pic>
+        <p:nvPicPr>
+          <p:cNvPr id="1028" name="Picture 4" descr="timer&quot; Icon - Download for free – Iconduck">
+            <a:extLst>
+              <a:ext uri="{FF2B5EF4-FFF2-40B4-BE49-F238E27FC236}">
+                <a16:creationId xmlns:a16="http://schemas.microsoft.com/office/drawing/2014/main" id="{71B65300-28F8-F73F-14F1-4C7E4CD0DD08}"/>
+              </a:ext>
+            </a:extLst>
+          </p:cNvPr>
+          <p:cNvPicPr>
+            <a:picLocks noChangeAspect="1" noChangeArrowheads="1"/>
+          </p:cNvPicPr>
+          <p:nvPr/>
+        </p:nvPicPr>
+        <p:blipFill>
+          <a:blip r:embed="rId6">
+            <a:extLst>
+              <a:ext uri="{28A0092B-C50C-407E-A947-70E740481C1C}">
+                <a14:useLocalDpi xmlns:a14="http://schemas.microsoft.com/office/drawing/2010/main" val="0"/>
+              </a:ext>
+            </a:extLst>
+          </a:blip>
+          <a:srcRect/>
+          <a:stretch>
+            <a:fillRect/>
+          </a:stretch>
+        </p:blipFill>
+        <p:spPr bwMode="auto">
+          <a:xfrm>
+            <a:off x="2297710" y="5424089"/>
+            <a:ext cx="333592" cy="333592"/>
+          </a:xfrm>
+          <a:prstGeom prst="rect">
+            <a:avLst/>
+          </a:prstGeom>
+          <a:noFill/>
+          <a:extLst>
+            <a:ext uri="{909E8E84-426E-40DD-AFC4-6F175D3DCCD1}">
+              <a14:hiddenFill xmlns:a14="http://schemas.microsoft.com/office/drawing/2010/main">
+                <a:solidFill>
+                  <a:srgbClr val="FFFFFF"/>
+                </a:solidFill>
+              </a14:hiddenFill>
+            </a:ext>
+          </a:extLst>
+        </p:spPr>
+      </p:pic>
+      <p:sp>
+        <p:nvSpPr>
+          <p:cNvPr id="13" name="TextBox 12">
+            <a:extLst>
+              <a:ext uri="{FF2B5EF4-FFF2-40B4-BE49-F238E27FC236}">
+                <a16:creationId xmlns:a16="http://schemas.microsoft.com/office/drawing/2014/main" id="{6D84FDDA-D18F-3B15-B45E-5D6A20EDC48B}"/>
+              </a:ext>
+            </a:extLst>
+          </p:cNvPr>
+          <p:cNvSpPr txBox="1"/>
+          <p:nvPr/>
+        </p:nvSpPr>
+        <p:spPr>
+          <a:xfrm>
+            <a:off x="1914730" y="6211928"/>
+            <a:ext cx="8226098" cy="461665"/>
+          </a:xfrm>
+          <a:prstGeom prst="rect">
+            <a:avLst/>
+          </a:prstGeom>
+          <a:noFill/>
+        </p:spPr>
+        <p:txBody>
+          <a:bodyPr wrap="none" rtlCol="0">
+            <a:spAutoFit/>
+          </a:bodyPr>
+          <a:lstStyle/>
+          <a:p>
+            <a:r>
+              <a:rPr lang="en-US" sz="2400" b="1" dirty="0" err="1">
+                <a:latin typeface="Chalkduster" panose="03050602040202020205" pitchFamily="66" charset="77"/>
+              </a:rPr>
+              <a:t>Chenile</a:t>
+            </a:r>
+            <a:r>
+              <a:rPr lang="en-US" sz="2400" b="1" dirty="0">
+                <a:latin typeface="Chalkduster" panose="03050602040202020205" pitchFamily="66" charset="77"/>
+              </a:rPr>
+              <a:t> as an In-VM  Enterprise Service Bus</a:t>
+            </a:r>
           </a:p>
         </p:txBody>
       </p:sp>

--- a/ppt/chenile.pptx
+++ b/ppt/chenile.pptx
@@ -13448,7 +13448,10 @@
           <a:lstStyle/>
           <a:p>
             <a:pPr algn="ctr"/>
-            <a:endParaRPr lang="en-US" dirty="0"/>
+            <a:r>
+              <a:rPr lang="en-US" dirty="0"/>
+              <a:t>¯</a:t>
+            </a:r>
           </a:p>
         </p:txBody>
       </p:sp>

--- a/ppt/chenile.pptx
+++ b/ppt/chenile.pptx
@@ -13391,8 +13391,8 @@
         </p:nvSpPr>
         <p:spPr>
           <a:xfrm>
-            <a:off x="-552892" y="0"/>
-            <a:ext cx="14072564" cy="6858000"/>
+            <a:off x="-1669312" y="0"/>
+            <a:ext cx="15205341" cy="7216312"/>
           </a:xfrm>
           <a:prstGeom prst="rect">
             <a:avLst/>
@@ -13445,8 +13445,8 @@
         </p:nvSpPr>
         <p:spPr>
           <a:xfrm>
-            <a:off x="3307545" y="992832"/>
-            <a:ext cx="7392164" cy="5318007"/>
+            <a:off x="2611218" y="992832"/>
+            <a:ext cx="8088491" cy="5318007"/>
           </a:xfrm>
           <a:prstGeom prst="rect">
             <a:avLst/>
@@ -13533,7 +13533,7 @@
         </p:nvSpPr>
         <p:spPr>
           <a:xfrm>
-            <a:off x="546992" y="2753762"/>
+            <a:off x="-335997" y="2793852"/>
             <a:ext cx="722721" cy="706426"/>
           </a:xfrm>
           <a:custGeom>
@@ -13937,7 +13937,7 @@
         </p:nvSpPr>
         <p:spPr>
           <a:xfrm>
-            <a:off x="677899" y="2877274"/>
+            <a:off x="-215031" y="2920944"/>
             <a:ext cx="503532" cy="459402"/>
           </a:xfrm>
           <a:prstGeom prst="ellipse">
@@ -14015,7 +14015,7 @@
         </p:nvSpPr>
         <p:spPr>
           <a:xfrm>
-            <a:off x="119531" y="2904749"/>
+            <a:off x="-901474" y="2916609"/>
             <a:ext cx="400059" cy="484632"/>
           </a:xfrm>
           <a:prstGeom prst="rightArrow">
@@ -14102,7 +14102,7 @@
         </p:blipFill>
         <p:spPr>
           <a:xfrm>
-            <a:off x="-382998" y="2930321"/>
+            <a:off x="-1445994" y="2949030"/>
             <a:ext cx="375560" cy="375560"/>
           </a:xfrm>
           <a:prstGeom prst="rect">
@@ -14126,7 +14126,7 @@
         </p:nvSpPr>
         <p:spPr>
           <a:xfrm>
-            <a:off x="330264" y="2402330"/>
+            <a:off x="-599087" y="2391277"/>
             <a:ext cx="2874991" cy="1629776"/>
           </a:xfrm>
           <a:custGeom>
@@ -14840,7 +14840,7 @@
         </p:nvSpPr>
         <p:spPr>
           <a:xfrm>
-            <a:off x="1485073" y="2474304"/>
+            <a:off x="418653" y="2421222"/>
             <a:ext cx="1720182" cy="184666"/>
           </a:xfrm>
           <a:prstGeom prst="rect">
@@ -14892,7 +14892,7 @@
         </p:nvSpPr>
         <p:spPr>
           <a:xfrm>
-            <a:off x="1583739" y="2689079"/>
+            <a:off x="625343" y="2678018"/>
             <a:ext cx="1399454" cy="361223"/>
           </a:xfrm>
           <a:custGeom>
@@ -15016,7 +15016,7 @@
         </p:nvSpPr>
         <p:spPr>
           <a:xfrm>
-            <a:off x="1583738" y="3158925"/>
+            <a:off x="627347" y="3127052"/>
             <a:ext cx="1420213" cy="373226"/>
           </a:xfrm>
           <a:custGeom>
@@ -15140,7 +15140,7 @@
         </p:nvSpPr>
         <p:spPr>
           <a:xfrm>
-            <a:off x="1583738" y="3651835"/>
+            <a:off x="626383" y="3608156"/>
             <a:ext cx="1420213" cy="302381"/>
           </a:xfrm>
           <a:custGeom>
@@ -15262,8 +15262,8 @@
         </p:nvSpPr>
         <p:spPr>
           <a:xfrm>
-            <a:off x="3367555" y="3080957"/>
-            <a:ext cx="661288" cy="593856"/>
+            <a:off x="3227021" y="3094401"/>
+            <a:ext cx="703873" cy="593856"/>
           </a:xfrm>
           <a:prstGeom prst="rect">
             <a:avLst/>
@@ -15447,8 +15447,8 @@
         </p:nvSpPr>
         <p:spPr>
           <a:xfrm>
-            <a:off x="3387410" y="1984838"/>
-            <a:ext cx="661288" cy="593856"/>
+            <a:off x="3257719" y="1992648"/>
+            <a:ext cx="703873" cy="593856"/>
           </a:xfrm>
           <a:prstGeom prst="rect">
             <a:avLst/>
@@ -15525,8 +15525,8 @@
         </p:nvSpPr>
         <p:spPr>
           <a:xfrm>
-            <a:off x="3338673" y="4309372"/>
-            <a:ext cx="715261" cy="437414"/>
+            <a:off x="3227022" y="4309372"/>
+            <a:ext cx="880163" cy="437414"/>
           </a:xfrm>
           <a:prstGeom prst="rect">
             <a:avLst/>
@@ -18049,8 +18049,8 @@
         </p:nvSpPr>
         <p:spPr bwMode="auto">
           <a:xfrm rot="10800000" flipH="1">
-            <a:off x="3992532" y="3147065"/>
-            <a:ext cx="375786" cy="437413"/>
+            <a:off x="3992532" y="3147064"/>
+            <a:ext cx="464894" cy="437413"/>
           </a:xfrm>
           <a:custGeom>
             <a:avLst/>
@@ -19313,8 +19313,8 @@
         </p:nvSpPr>
         <p:spPr bwMode="auto">
           <a:xfrm rot="10800000" flipH="1">
-            <a:off x="3076909" y="3136810"/>
-            <a:ext cx="388595" cy="437413"/>
+            <a:off x="2212995" y="3136808"/>
+            <a:ext cx="989140" cy="437413"/>
           </a:xfrm>
           <a:custGeom>
             <a:avLst/>
@@ -20548,7 +20548,7 @@
         </p:blipFill>
         <p:spPr bwMode="auto">
           <a:xfrm>
-            <a:off x="2351140" y="1453795"/>
+            <a:off x="1573502" y="1562819"/>
             <a:ext cx="461995" cy="481849"/>
           </a:xfrm>
           <a:prstGeom prst="rect">
@@ -20581,9 +20581,9 @@
           <p:nvPr/>
         </p:nvSpPr>
         <p:spPr bwMode="auto">
-          <a:xfrm rot="12271367" flipH="1">
-            <a:off x="2830423" y="1690795"/>
-            <a:ext cx="388595" cy="437413"/>
+          <a:xfrm rot="11659874" flipH="1">
+            <a:off x="2147755" y="1739936"/>
+            <a:ext cx="1105898" cy="437413"/>
           </a:xfrm>
           <a:custGeom>
             <a:avLst/>
@@ -21817,7 +21817,7 @@
         </p:blipFill>
         <p:spPr bwMode="auto">
           <a:xfrm>
-            <a:off x="2127439" y="4356724"/>
+            <a:off x="1468440" y="4386311"/>
             <a:ext cx="593336" cy="593336"/>
           </a:xfrm>
           <a:prstGeom prst="rect">
@@ -21851,8 +21851,8 @@
         </p:nvSpPr>
         <p:spPr bwMode="auto">
           <a:xfrm rot="10401925" flipH="1">
-            <a:off x="2824558" y="4387593"/>
-            <a:ext cx="388595" cy="437413"/>
+            <a:off x="2084330" y="4342856"/>
+            <a:ext cx="811001" cy="437413"/>
           </a:xfrm>
           <a:custGeom>
             <a:avLst/>
@@ -23293,7 +23293,7 @@
         </p:blipFill>
         <p:spPr bwMode="auto">
           <a:xfrm>
-            <a:off x="2361286" y="611089"/>
+            <a:off x="1420494" y="569711"/>
             <a:ext cx="791775" cy="395888"/>
           </a:xfrm>
           <a:prstGeom prst="rect">
@@ -23325,8 +23325,8 @@
         </p:nvSpPr>
         <p:spPr>
           <a:xfrm>
-            <a:off x="3360906" y="1149952"/>
-            <a:ext cx="661288" cy="377004"/>
+            <a:off x="3252913" y="1149763"/>
+            <a:ext cx="703873" cy="377004"/>
           </a:xfrm>
           <a:prstGeom prst="rect">
             <a:avLst/>
@@ -23404,9 +23404,9 @@
           <p:nvPr/>
         </p:nvSpPr>
         <p:spPr bwMode="auto">
-          <a:xfrm rot="12271367" flipH="1">
-            <a:off x="2922934" y="828572"/>
-            <a:ext cx="388595" cy="437413"/>
+          <a:xfrm rot="11462710" flipH="1">
+            <a:off x="2140351" y="683566"/>
+            <a:ext cx="1130950" cy="437413"/>
           </a:xfrm>
           <a:custGeom>
             <a:avLst/>
@@ -24626,8 +24626,8 @@
           <p:nvPr/>
         </p:nvSpPr>
         <p:spPr bwMode="auto">
-          <a:xfrm rot="11181294" flipH="1">
-            <a:off x="3978531" y="1245015"/>
+          <a:xfrm rot="11941103" flipH="1">
+            <a:off x="3938266" y="1255057"/>
             <a:ext cx="622773" cy="437413"/>
           </a:xfrm>
           <a:custGeom>
@@ -25847,8 +25847,8 @@
         </p:nvSpPr>
         <p:spPr>
           <a:xfrm>
-            <a:off x="3328396" y="5162638"/>
-            <a:ext cx="989140" cy="437414"/>
+            <a:off x="3124194" y="5184076"/>
+            <a:ext cx="1052838" cy="437414"/>
           </a:xfrm>
           <a:prstGeom prst="rect">
             <a:avLst/>
@@ -27150,8 +27150,8 @@
         </p:nvSpPr>
         <p:spPr bwMode="auto">
           <a:xfrm rot="10401925" flipH="1">
-            <a:off x="2990461" y="5181707"/>
-            <a:ext cx="388595" cy="437413"/>
+            <a:off x="1975133" y="5257129"/>
+            <a:ext cx="1122361" cy="437413"/>
           </a:xfrm>
           <a:custGeom>
             <a:avLst/>
@@ -28385,7 +28385,7 @@
         </p:blipFill>
         <p:spPr bwMode="auto">
           <a:xfrm>
-            <a:off x="2277626" y="5352567"/>
+            <a:off x="1575909" y="5381345"/>
             <a:ext cx="333592" cy="333592"/>
           </a:xfrm>
           <a:prstGeom prst="rect">
